--- a/docs/master_diploma.pptx
+++ b/docs/master_diploma.pptx
@@ -4327,8 +4327,8 @@
           </a:p>
         </p:txBody>
       </p:sp>
-      <mc:AlternateContent xmlns:mc="http://schemas.openxmlformats.org/markup-compatibility/2006" xmlns:a14="http://schemas.microsoft.com/office/drawing/2010/main">
-        <mc:Choice Requires="a14">
+      <mc:AlternateContent xmlns:mc="http://schemas.openxmlformats.org/markup-compatibility/2006">
+        <mc:Choice xmlns:a14="http://schemas.microsoft.com/office/drawing/2010/main" Requires="a14">
           <p:sp>
             <p:nvSpPr>
               <p:cNvPr id="3" name="Content Placeholder 2"/>
@@ -4591,7 +4591,7 @@
             </p:txBody>
           </p:sp>
         </mc:Choice>
-        <mc:Fallback xmlns="">
+        <mc:Fallback>
           <p:sp>
             <p:nvSpPr>
               <p:cNvPr id="3" name="Content Placeholder 2"/>
@@ -9818,8 +9818,8 @@
           </a:p>
         </p:txBody>
       </p:sp>
-      <mc:AlternateContent xmlns:mc="http://schemas.openxmlformats.org/markup-compatibility/2006" xmlns:a14="http://schemas.microsoft.com/office/drawing/2010/main">
-        <mc:Choice Requires="a14">
+      <mc:AlternateContent xmlns:mc="http://schemas.openxmlformats.org/markup-compatibility/2006">
+        <mc:Choice xmlns:a14="http://schemas.microsoft.com/office/drawing/2010/main" Requires="a14">
           <p:sp>
             <p:nvSpPr>
               <p:cNvPr id="3" name="Content Placeholder 2"/>
@@ -9864,7 +9864,7 @@
                         </a:solidFill>
                         <a:latin typeface="Cambria Math" panose="02040503050406030204" pitchFamily="18" charset="0"/>
                       </a:rPr>
-                      <m:t>𝑾𝒙</m:t>
+                      <m:t>𝑾</m:t>
                     </m:r>
                     <m:r>
                       <a:rPr lang="ru-RU" sz="2000" b="1" i="1" smtClean="0">
@@ -9874,8 +9874,9 @@
                           </a:schemeClr>
                         </a:solidFill>
                         <a:latin typeface="Cambria Math" panose="02040503050406030204" pitchFamily="18" charset="0"/>
+                        <a:ea typeface="Cambria Math" panose="02040503050406030204" pitchFamily="18" charset="0"/>
                       </a:rPr>
-                      <m:t> </m:t>
+                      <m:t>×</m:t>
                     </m:r>
                     <m:r>
                       <a:rPr lang="ru-RU" sz="2000" b="1" i="1" smtClean="0">
@@ -10062,7 +10063,7 @@
             </p:txBody>
           </p:sp>
         </mc:Choice>
-        <mc:Fallback xmlns="">
+        <mc:Fallback>
           <p:sp>
             <p:nvSpPr>
               <p:cNvPr id="3" name="Content Placeholder 2"/>
@@ -10485,8 +10486,8 @@
           <a:chExt cx="0" cy="0"/>
         </a:xfrm>
       </p:grpSpPr>
-      <mc:AlternateContent xmlns:mc="http://schemas.openxmlformats.org/markup-compatibility/2006">
-        <mc:Choice xmlns:a14="http://schemas.microsoft.com/office/drawing/2010/main" Requires="a14">
+      <mc:AlternateContent xmlns:mc="http://schemas.openxmlformats.org/markup-compatibility/2006" xmlns:a14="http://schemas.microsoft.com/office/drawing/2010/main">
+        <mc:Choice Requires="a14">
           <p:sp>
             <p:nvSpPr>
               <p:cNvPr id="2" name="Title 1"/>
@@ -10583,7 +10584,7 @@
             </p:txBody>
           </p:sp>
         </mc:Choice>
-        <mc:Fallback>
+        <mc:Fallback xmlns="">
           <p:sp>
             <p:nvSpPr>
               <p:cNvPr id="2" name="Title 1"/>
@@ -10964,8 +10965,8 @@
           </p:sp>
         </mc:Fallback>
       </mc:AlternateContent>
-      <mc:AlternateContent xmlns:mc="http://schemas.openxmlformats.org/markup-compatibility/2006">
-        <mc:Choice xmlns:a14="http://schemas.microsoft.com/office/drawing/2010/main" Requires="a14">
+      <mc:AlternateContent xmlns:mc="http://schemas.openxmlformats.org/markup-compatibility/2006" xmlns:a14="http://schemas.microsoft.com/office/drawing/2010/main">
+        <mc:Choice Requires="a14">
           <p:sp>
             <p:nvSpPr>
               <p:cNvPr id="4" name="Content Placeholder 3"/>
@@ -13052,7 +13053,7 @@
             </p:txBody>
           </p:sp>
         </mc:Choice>
-        <mc:Fallback>
+        <mc:Fallback xmlns="">
           <p:sp>
             <p:nvSpPr>
               <p:cNvPr id="4" name="Content Placeholder 3"/>
@@ -23144,8 +23145,8 @@
           </a:p>
         </p:txBody>
       </p:sp>
-      <mc:AlternateContent xmlns:mc="http://schemas.openxmlformats.org/markup-compatibility/2006" xmlns:a14="http://schemas.microsoft.com/office/drawing/2010/main">
-        <mc:Choice Requires="a14">
+      <mc:AlternateContent xmlns:mc="http://schemas.openxmlformats.org/markup-compatibility/2006">
+        <mc:Choice xmlns:a14="http://schemas.microsoft.com/office/drawing/2010/main" Requires="a14">
           <p:graphicFrame>
             <p:nvGraphicFramePr>
               <p:cNvPr id="8" name="Content Placeholder 7"/>
@@ -23156,14 +23157,14 @@
                 <p:ph sz="half" idx="1"/>
                 <p:extLst>
                   <p:ext uri="{D42A27DB-BD31-4B8C-83A1-F6EECF244321}">
-                    <p14:modId xmlns:p14="http://schemas.microsoft.com/office/powerpoint/2010/main" val="2186814461"/>
+                    <p14:modId xmlns:p14="http://schemas.microsoft.com/office/powerpoint/2010/main" val="2111846443"/>
                   </p:ext>
                 </p:extLst>
               </p:nvPr>
             </p:nvGraphicFramePr>
             <p:xfrm>
-              <a:off x="4947576" y="1793578"/>
-              <a:ext cx="7162799" cy="1828800"/>
+              <a:off x="5614586" y="2027079"/>
+              <a:ext cx="6495789" cy="1645920"/>
             </p:xfrm>
             <a:graphic>
               <a:graphicData uri="http://schemas.openxmlformats.org/drawingml/2006/table">
@@ -23172,11 +23173,11 @@
                     <a:tableStyleId>{5C22544A-7EE6-4342-B048-85BDC9FD1C3A}</a:tableStyleId>
                   </a:tblPr>
                   <a:tblGrid>
-                    <a:gridCol w="1847849"/>
-                    <a:gridCol w="1234689"/>
-                    <a:gridCol w="1360087"/>
-                    <a:gridCol w="1360087"/>
-                    <a:gridCol w="1360087"/>
+                    <a:gridCol w="2449985"/>
+                    <a:gridCol w="1009304"/>
+                    <a:gridCol w="1032416"/>
+                    <a:gridCol w="1047826"/>
+                    <a:gridCol w="956258"/>
                   </a:tblGrid>
                   <a:tr h="0">
                     <a:tc>
@@ -23939,7 +23940,7 @@
                             </a:spcAft>
                           </a:pPr>
                           <a:r>
-                            <a:rPr lang="ru-RU" sz="1200" b="0" smtClean="0">
+                            <a:rPr lang="ru-RU" sz="1200" b="0" dirty="0" smtClean="0">
                               <a:solidFill>
                                 <a:schemeClr val="tx1"/>
                               </a:solidFill>
@@ -23998,7 +23999,7 @@
                             </m:oMath>
                           </a14:m>
                           <a:r>
-                            <a:rPr lang="ru-RU" sz="1200" b="0">
+                            <a:rPr lang="ru-RU" sz="1200" b="0" dirty="0">
                               <a:solidFill>
                                 <a:schemeClr val="tx1"/>
                               </a:solidFill>
@@ -24009,7 +24010,7 @@
                             </a:rPr>
                             <a:t>, %</a:t>
                           </a:r>
-                          <a:endParaRPr lang="ru-RU" sz="1200" b="0">
+                          <a:endParaRPr lang="ru-RU" sz="1200" b="0" dirty="0">
                             <a:solidFill>
                               <a:schemeClr val="tx1"/>
                             </a:solidFill>
@@ -24340,7 +24341,7 @@
             </a:graphic>
           </p:graphicFrame>
         </mc:Choice>
-        <mc:Fallback xmlns="">
+        <mc:Fallback>
           <p:graphicFrame>
             <p:nvGraphicFramePr>
               <p:cNvPr id="8" name="Content Placeholder 7"/>
@@ -24351,14 +24352,14 @@
                 <p:ph sz="half" idx="1"/>
                 <p:extLst>
                   <p:ext uri="{D42A27DB-BD31-4B8C-83A1-F6EECF244321}">
-                    <p14:modId xmlns:p14="http://schemas.microsoft.com/office/powerpoint/2010/main" val="2186814461"/>
+                    <p14:modId xmlns:p14="http://schemas.microsoft.com/office/powerpoint/2010/main" val="2111846443"/>
                   </p:ext>
                 </p:extLst>
               </p:nvPr>
             </p:nvGraphicFramePr>
             <p:xfrm>
-              <a:off x="4947576" y="1793578"/>
-              <a:ext cx="7162799" cy="1828800"/>
+              <a:off x="5614586" y="2027079"/>
+              <a:ext cx="6495789" cy="1645920"/>
             </p:xfrm>
             <a:graphic>
               <a:graphicData uri="http://schemas.openxmlformats.org/drawingml/2006/table">
@@ -24367,13 +24368,13 @@
                     <a:tableStyleId>{5C22544A-7EE6-4342-B048-85BDC9FD1C3A}</a:tableStyleId>
                   </a:tblPr>
                   <a:tblGrid>
-                    <a:gridCol w="1847849"/>
-                    <a:gridCol w="1234689"/>
-                    <a:gridCol w="1360087"/>
-                    <a:gridCol w="1360087"/>
-                    <a:gridCol w="1360087"/>
+                    <a:gridCol w="2449985"/>
+                    <a:gridCol w="1009304"/>
+                    <a:gridCol w="1032416"/>
+                    <a:gridCol w="1047826"/>
+                    <a:gridCol w="956258"/>
                   </a:tblGrid>
-                  <a:tr h="365760">
+                  <a:tr h="548640">
                     <a:tc>
                       <a:txBody>
                         <a:bodyPr/>
@@ -24773,7 +24774,7 @@
                       </a:tcPr>
                     </a:tc>
                   </a:tr>
-                  <a:tr h="731520">
+                  <a:tr h="548640">
                     <a:tc>
                       <a:txBody>
                         <a:bodyPr/>
@@ -25122,7 +25123,7 @@
                       </a:tcPr>
                     </a:tc>
                   </a:tr>
-                  <a:tr h="731520">
+                  <a:tr h="548640">
                     <a:tc>
                       <a:txBody>
                         <a:bodyPr/>
@@ -25171,7 +25172,7 @@
                         <a:blipFill rotWithShape="0">
                           <a:blip r:embed="rId3"/>
                           <a:stretch>
-                            <a:fillRect l="-330" t="-157500" r="-288779" b="-12500"/>
+                            <a:fillRect l="-498" t="-208889" r="-165672" b="-16667"/>
                           </a:stretch>
                         </a:blipFill>
                       </a:tcPr>
@@ -25504,2321 +25505,8 @@
           </a:p>
         </p:txBody>
       </p:sp>
-      <mc:AlternateContent xmlns:mc="http://schemas.openxmlformats.org/markup-compatibility/2006" xmlns:a14="http://schemas.microsoft.com/office/drawing/2010/main">
-        <mc:Choice Requires="a14">
-          <p:graphicFrame>
-            <p:nvGraphicFramePr>
-              <p:cNvPr id="9" name="Content Placeholder 7"/>
-              <p:cNvGraphicFramePr>
-                <a:graphicFrameLocks noGrp="1"/>
-              </p:cNvGraphicFramePr>
-              <p:nvPr>
-                <p:ph sz="half" idx="1"/>
-                <p:extLst>
-                  <p:ext uri="{D42A27DB-BD31-4B8C-83A1-F6EECF244321}">
-                    <p14:modId xmlns:p14="http://schemas.microsoft.com/office/powerpoint/2010/main" val="2132307863"/>
-                  </p:ext>
-                </p:extLst>
-              </p:nvPr>
-            </p:nvGraphicFramePr>
-            <p:xfrm>
-              <a:off x="4947576" y="3954661"/>
-              <a:ext cx="7162798" cy="1945640"/>
-            </p:xfrm>
-            <a:graphic>
-              <a:graphicData uri="http://schemas.openxmlformats.org/drawingml/2006/table">
-                <a:tbl>
-                  <a:tblPr firstRow="1" firstCol="1" bandRow="1">
-                    <a:tableStyleId>{5C22544A-7EE6-4342-B048-85BDC9FD1C3A}</a:tableStyleId>
-                  </a:tblPr>
-                  <a:tblGrid>
-                    <a:gridCol w="1866898"/>
-                    <a:gridCol w="1215639"/>
-                    <a:gridCol w="1360087"/>
-                    <a:gridCol w="1360087"/>
-                    <a:gridCol w="1360087"/>
-                  </a:tblGrid>
-                  <a:tr h="482600">
-                    <a:tc>
-                      <a:txBody>
-                        <a:bodyPr/>
-                        <a:lstStyle/>
-                        <a:p>
-                          <a:pPr>
-                            <a:spcAft>
-                              <a:spcPts val="0"/>
-                            </a:spcAft>
-                          </a:pPr>
-                          <a:r>
-                            <a:rPr lang="ru-RU" sz="1200" b="0" dirty="0">
-                              <a:solidFill>
-                                <a:schemeClr val="tx1"/>
-                              </a:solidFill>
-                              <a:effectLst/>
-                              <a:latin typeface="+mn-lt"/>
-                              <a:ea typeface="Times New Roman" panose="02020603050405020304" pitchFamily="18" charset="0"/>
-                              <a:cs typeface="Times New Roman" panose="02020603050405020304" pitchFamily="18" charset="0"/>
-                            </a:rPr>
-                            <a:t> </a:t>
-                          </a:r>
-                          <a:endParaRPr lang="ru-RU" sz="1200" b="0" dirty="0">
-                            <a:solidFill>
-                              <a:schemeClr val="tx1"/>
-                            </a:solidFill>
-                            <a:effectLst/>
-                            <a:latin typeface="+mn-lt"/>
-                            <a:ea typeface="Calibri" panose="020F0502020204030204" pitchFamily="34" charset="0"/>
-                            <a:cs typeface="Times New Roman" panose="02020603050405020304" pitchFamily="18" charset="0"/>
-                          </a:endParaRPr>
-                        </a:p>
-                      </a:txBody>
-                      <a:tcPr marL="68580" marR="68580" marT="0" marB="0">
-                        <a:lnL w="12700" cap="flat" cmpd="sng" algn="ctr">
-                          <a:solidFill>
-                            <a:schemeClr val="tx1"/>
-                          </a:solidFill>
-                          <a:prstDash val="solid"/>
-                          <a:round/>
-                          <a:headEnd type="none" w="med" len="med"/>
-                          <a:tailEnd type="none" w="med" len="med"/>
-                        </a:lnL>
-                        <a:lnR w="12700" cap="flat" cmpd="sng" algn="ctr">
-                          <a:solidFill>
-                            <a:schemeClr val="tx1"/>
-                          </a:solidFill>
-                          <a:prstDash val="solid"/>
-                          <a:round/>
-                          <a:headEnd type="none" w="med" len="med"/>
-                          <a:tailEnd type="none" w="med" len="med"/>
-                        </a:lnR>
-                        <a:lnT w="12700" cap="flat" cmpd="sng" algn="ctr">
-                          <a:solidFill>
-                            <a:schemeClr val="tx1"/>
-                          </a:solidFill>
-                          <a:prstDash val="solid"/>
-                          <a:round/>
-                          <a:headEnd type="none" w="med" len="med"/>
-                          <a:tailEnd type="none" w="med" len="med"/>
-                        </a:lnT>
-                        <a:lnB w="12700" cap="flat" cmpd="sng" algn="ctr">
-                          <a:solidFill>
-                            <a:schemeClr val="tx1"/>
-                          </a:solidFill>
-                          <a:prstDash val="solid"/>
-                          <a:round/>
-                          <a:headEnd type="none" w="med" len="med"/>
-                          <a:tailEnd type="none" w="med" len="med"/>
-                        </a:lnB>
-                        <a:noFill/>
-                      </a:tcPr>
-                    </a:tc>
-                    <a:tc>
-                      <a:txBody>
-                        <a:bodyPr/>
-                        <a:lstStyle/>
-                        <a:p>
-                          <a:pPr>
-                            <a:spcAft>
-                              <a:spcPts val="0"/>
-                            </a:spcAft>
-                          </a:pPr>
-                          <a:r>
-                            <a:rPr lang="ru-RU" sz="1200" b="0" smtClean="0">
-                              <a:solidFill>
-                                <a:schemeClr val="tx1"/>
-                              </a:solidFill>
-                              <a:effectLst/>
-                              <a:latin typeface="+mn-lt"/>
-                              <a:ea typeface="Calibri" panose="020F0502020204030204" pitchFamily="34" charset="0"/>
-                              <a:cs typeface="Times New Roman" panose="02020603050405020304" pitchFamily="18" charset="0"/>
-                            </a:rPr>
-                            <a:t>без </a:t>
-                          </a:r>
-                          <a:r>
-                            <a:rPr lang="ru-RU" sz="1200" b="0" dirty="0">
-                              <a:solidFill>
-                                <a:schemeClr val="tx1"/>
-                              </a:solidFill>
-                              <a:effectLst/>
-                              <a:latin typeface="+mn-lt"/>
-                              <a:ea typeface="Calibri" panose="020F0502020204030204" pitchFamily="34" charset="0"/>
-                              <a:cs typeface="Times New Roman" panose="02020603050405020304" pitchFamily="18" charset="0"/>
-                            </a:rPr>
-                            <a:t>корреляции</a:t>
-                          </a:r>
-                        </a:p>
-                      </a:txBody>
-                      <a:tcPr marL="68580" marR="68580" marT="0" marB="0">
-                        <a:lnL w="12700" cap="flat" cmpd="sng" algn="ctr">
-                          <a:solidFill>
-                            <a:schemeClr val="tx1"/>
-                          </a:solidFill>
-                          <a:prstDash val="solid"/>
-                          <a:round/>
-                          <a:headEnd type="none" w="med" len="med"/>
-                          <a:tailEnd type="none" w="med" len="med"/>
-                        </a:lnL>
-                        <a:lnR w="12700" cap="flat" cmpd="sng" algn="ctr">
-                          <a:solidFill>
-                            <a:schemeClr val="tx1"/>
-                          </a:solidFill>
-                          <a:prstDash val="solid"/>
-                          <a:round/>
-                          <a:headEnd type="none" w="med" len="med"/>
-                          <a:tailEnd type="none" w="med" len="med"/>
-                        </a:lnR>
-                        <a:lnT w="12700" cap="flat" cmpd="sng" algn="ctr">
-                          <a:solidFill>
-                            <a:schemeClr val="tx1"/>
-                          </a:solidFill>
-                          <a:prstDash val="solid"/>
-                          <a:round/>
-                          <a:headEnd type="none" w="med" len="med"/>
-                          <a:tailEnd type="none" w="med" len="med"/>
-                        </a:lnT>
-                        <a:lnB w="12700" cap="flat" cmpd="sng" algn="ctr">
-                          <a:solidFill>
-                            <a:schemeClr val="tx1"/>
-                          </a:solidFill>
-                          <a:prstDash val="solid"/>
-                          <a:round/>
-                          <a:headEnd type="none" w="med" len="med"/>
-                          <a:tailEnd type="none" w="med" len="med"/>
-                        </a:lnB>
-                        <a:noFill/>
-                      </a:tcPr>
-                    </a:tc>
-                    <a:tc>
-                      <a:txBody>
-                        <a:bodyPr/>
-                        <a:lstStyle/>
-                        <a:p>
-                          <a:pPr>
-                            <a:spcAft>
-                              <a:spcPts val="0"/>
-                            </a:spcAft>
-                          </a:pPr>
-                          <a:r>
-                            <a:rPr lang="ru-RU" sz="1200" b="0" dirty="0" smtClean="0">
-                              <a:solidFill>
-                                <a:schemeClr val="tx1"/>
-                              </a:solidFill>
-                              <a:effectLst/>
-                              <a:latin typeface="+mn-lt"/>
-                              <a:ea typeface="Calibri" panose="020F0502020204030204" pitchFamily="34" charset="0"/>
-                              <a:cs typeface="Times New Roman" panose="02020603050405020304" pitchFamily="18" charset="0"/>
-                            </a:rPr>
-                            <a:t>с </a:t>
-                          </a:r>
-                          <a:r>
-                            <a:rPr lang="ru-RU" sz="1200" b="0" dirty="0">
-                              <a:solidFill>
-                                <a:schemeClr val="tx1"/>
-                              </a:solidFill>
-                              <a:effectLst/>
-                              <a:latin typeface="+mn-lt"/>
-                              <a:ea typeface="Calibri" panose="020F0502020204030204" pitchFamily="34" charset="0"/>
-                              <a:cs typeface="Times New Roman" panose="02020603050405020304" pitchFamily="18" charset="0"/>
-                            </a:rPr>
-                            <a:t>слабой </a:t>
-                          </a:r>
-                          <a:r>
-                            <a:rPr lang="ru-RU" sz="1200" b="0" dirty="0" smtClean="0">
-                              <a:solidFill>
-                                <a:schemeClr val="tx1"/>
-                              </a:solidFill>
-                              <a:effectLst/>
-                              <a:latin typeface="+mn-lt"/>
-                              <a:ea typeface="Calibri" panose="020F0502020204030204" pitchFamily="34" charset="0"/>
-                              <a:cs typeface="Times New Roman" panose="02020603050405020304" pitchFamily="18" charset="0"/>
-                            </a:rPr>
-                            <a:t>корреляцией</a:t>
-                          </a:r>
-                          <a:endParaRPr lang="ru-RU" sz="1200" b="0" dirty="0">
-                            <a:solidFill>
-                              <a:schemeClr val="tx1"/>
-                            </a:solidFill>
-                            <a:effectLst/>
-                            <a:latin typeface="+mn-lt"/>
-                            <a:ea typeface="Calibri" panose="020F0502020204030204" pitchFamily="34" charset="0"/>
-                            <a:cs typeface="Times New Roman" panose="02020603050405020304" pitchFamily="18" charset="0"/>
-                          </a:endParaRPr>
-                        </a:p>
-                      </a:txBody>
-                      <a:tcPr marL="68580" marR="68580" marT="0" marB="0">
-                        <a:lnL w="12700" cap="flat" cmpd="sng" algn="ctr">
-                          <a:solidFill>
-                            <a:schemeClr val="tx1"/>
-                          </a:solidFill>
-                          <a:prstDash val="solid"/>
-                          <a:round/>
-                          <a:headEnd type="none" w="med" len="med"/>
-                          <a:tailEnd type="none" w="med" len="med"/>
-                        </a:lnL>
-                        <a:lnR w="12700" cap="flat" cmpd="sng" algn="ctr">
-                          <a:solidFill>
-                            <a:schemeClr val="tx1"/>
-                          </a:solidFill>
-                          <a:prstDash val="solid"/>
-                          <a:round/>
-                          <a:headEnd type="none" w="med" len="med"/>
-                          <a:tailEnd type="none" w="med" len="med"/>
-                        </a:lnR>
-                        <a:lnT w="12700" cap="flat" cmpd="sng" algn="ctr">
-                          <a:solidFill>
-                            <a:schemeClr val="tx1"/>
-                          </a:solidFill>
-                          <a:prstDash val="solid"/>
-                          <a:round/>
-                          <a:headEnd type="none" w="med" len="med"/>
-                          <a:tailEnd type="none" w="med" len="med"/>
-                        </a:lnT>
-                        <a:lnB w="12700" cap="flat" cmpd="sng" algn="ctr">
-                          <a:solidFill>
-                            <a:schemeClr val="tx1"/>
-                          </a:solidFill>
-                          <a:prstDash val="solid"/>
-                          <a:round/>
-                          <a:headEnd type="none" w="med" len="med"/>
-                          <a:tailEnd type="none" w="med" len="med"/>
-                        </a:lnB>
-                        <a:noFill/>
-                      </a:tcPr>
-                    </a:tc>
-                    <a:tc>
-                      <a:txBody>
-                        <a:bodyPr/>
-                        <a:lstStyle/>
-                        <a:p>
-                          <a:pPr>
-                            <a:spcAft>
-                              <a:spcPts val="0"/>
-                            </a:spcAft>
-                          </a:pPr>
-                          <a:r>
-                            <a:rPr lang="ru-RU" sz="1200" b="0" dirty="0" smtClean="0">
-                              <a:solidFill>
-                                <a:schemeClr val="tx1"/>
-                              </a:solidFill>
-                              <a:effectLst/>
-                              <a:latin typeface="+mn-lt"/>
-                              <a:ea typeface="Calibri" panose="020F0502020204030204" pitchFamily="34" charset="0"/>
-                              <a:cs typeface="Times New Roman" panose="02020603050405020304" pitchFamily="18" charset="0"/>
-                            </a:rPr>
-                            <a:t>с </a:t>
-                          </a:r>
-                          <a:r>
-                            <a:rPr lang="ru-RU" sz="1200" b="0" dirty="0">
-                              <a:solidFill>
-                                <a:schemeClr val="tx1"/>
-                              </a:solidFill>
-                              <a:effectLst/>
-                              <a:latin typeface="+mn-lt"/>
-                              <a:ea typeface="Calibri" panose="020F0502020204030204" pitchFamily="34" charset="0"/>
-                              <a:cs typeface="Times New Roman" panose="02020603050405020304" pitchFamily="18" charset="0"/>
-                            </a:rPr>
-                            <a:t>сильной корреляцией</a:t>
-                          </a:r>
-                        </a:p>
-                      </a:txBody>
-                      <a:tcPr marL="68580" marR="68580" marT="0" marB="0">
-                        <a:lnL w="12700" cap="flat" cmpd="sng" algn="ctr">
-                          <a:solidFill>
-                            <a:schemeClr val="tx1"/>
-                          </a:solidFill>
-                          <a:prstDash val="solid"/>
-                          <a:round/>
-                          <a:headEnd type="none" w="med" len="med"/>
-                          <a:tailEnd type="none" w="med" len="med"/>
-                        </a:lnL>
-                        <a:lnR w="12700" cap="flat" cmpd="sng" algn="ctr">
-                          <a:solidFill>
-                            <a:schemeClr val="tx1"/>
-                          </a:solidFill>
-                          <a:prstDash val="solid"/>
-                          <a:round/>
-                          <a:headEnd type="none" w="med" len="med"/>
-                          <a:tailEnd type="none" w="med" len="med"/>
-                        </a:lnR>
-                        <a:lnT w="12700" cap="flat" cmpd="sng" algn="ctr">
-                          <a:solidFill>
-                            <a:schemeClr val="tx1"/>
-                          </a:solidFill>
-                          <a:prstDash val="solid"/>
-                          <a:round/>
-                          <a:headEnd type="none" w="med" len="med"/>
-                          <a:tailEnd type="none" w="med" len="med"/>
-                        </a:lnT>
-                        <a:lnB w="12700" cap="flat" cmpd="sng" algn="ctr">
-                          <a:solidFill>
-                            <a:schemeClr val="tx1"/>
-                          </a:solidFill>
-                          <a:prstDash val="solid"/>
-                          <a:round/>
-                          <a:headEnd type="none" w="med" len="med"/>
-                          <a:tailEnd type="none" w="med" len="med"/>
-                        </a:lnB>
-                        <a:noFill/>
-                      </a:tcPr>
-                    </a:tc>
-                    <a:tc>
-                      <a:txBody>
-                        <a:bodyPr/>
-                        <a:lstStyle/>
-                        <a:p>
-                          <a:pPr>
-                            <a:spcAft>
-                              <a:spcPts val="0"/>
-                            </a:spcAft>
-                          </a:pPr>
-                          <a:r>
-                            <a:rPr lang="ru-RU" sz="1200" b="0" dirty="0" smtClean="0">
-                              <a:solidFill>
-                                <a:schemeClr val="tx1"/>
-                              </a:solidFill>
-                              <a:effectLst/>
-                              <a:latin typeface="+mn-lt"/>
-                              <a:ea typeface="Calibri" panose="020F0502020204030204" pitchFamily="34" charset="0"/>
-                              <a:cs typeface="Times New Roman" panose="02020603050405020304" pitchFamily="18" charset="0"/>
-                            </a:rPr>
-                            <a:t>с </a:t>
-                          </a:r>
-                          <a:r>
-                            <a:rPr lang="ru-RU" sz="1200" b="0" dirty="0">
-                              <a:solidFill>
-                                <a:schemeClr val="tx1"/>
-                              </a:solidFill>
-                              <a:effectLst/>
-                              <a:latin typeface="+mn-lt"/>
-                              <a:ea typeface="Calibri" panose="020F0502020204030204" pitchFamily="34" charset="0"/>
-                              <a:cs typeface="Times New Roman" panose="02020603050405020304" pitchFamily="18" charset="0"/>
-                            </a:rPr>
-                            <a:t>подсуммами</a:t>
-                          </a:r>
-                        </a:p>
-                      </a:txBody>
-                      <a:tcPr marL="68580" marR="68580" marT="0" marB="0">
-                        <a:lnL w="12700" cap="flat" cmpd="sng" algn="ctr">
-                          <a:solidFill>
-                            <a:schemeClr val="tx1"/>
-                          </a:solidFill>
-                          <a:prstDash val="solid"/>
-                          <a:round/>
-                          <a:headEnd type="none" w="med" len="med"/>
-                          <a:tailEnd type="none" w="med" len="med"/>
-                        </a:lnL>
-                        <a:lnR w="12700" cap="flat" cmpd="sng" algn="ctr">
-                          <a:solidFill>
-                            <a:schemeClr val="tx1"/>
-                          </a:solidFill>
-                          <a:prstDash val="solid"/>
-                          <a:round/>
-                          <a:headEnd type="none" w="med" len="med"/>
-                          <a:tailEnd type="none" w="med" len="med"/>
-                        </a:lnR>
-                        <a:lnT w="12700" cap="flat" cmpd="sng" algn="ctr">
-                          <a:solidFill>
-                            <a:schemeClr val="tx1"/>
-                          </a:solidFill>
-                          <a:prstDash val="solid"/>
-                          <a:round/>
-                          <a:headEnd type="none" w="med" len="med"/>
-                          <a:tailEnd type="none" w="med" len="med"/>
-                        </a:lnT>
-                        <a:lnB w="12700" cap="flat" cmpd="sng" algn="ctr">
-                          <a:solidFill>
-                            <a:schemeClr val="tx1"/>
-                          </a:solidFill>
-                          <a:prstDash val="solid"/>
-                          <a:round/>
-                          <a:headEnd type="none" w="med" len="med"/>
-                          <a:tailEnd type="none" w="med" len="med"/>
-                        </a:lnB>
-                        <a:noFill/>
-                      </a:tcPr>
-                    </a:tc>
-                  </a:tr>
-                  <a:tr h="0">
-                    <a:tc>
-                      <a:txBody>
-                        <a:bodyPr/>
-                        <a:lstStyle/>
-                        <a:p>
-                          <a:pPr>
-                            <a:spcAft>
-                              <a:spcPts val="0"/>
-                            </a:spcAft>
-                          </a:pPr>
-                          <a:r>
-                            <a:rPr lang="ru-RU" sz="1200" b="0" dirty="0">
-                              <a:solidFill>
-                                <a:schemeClr val="tx1"/>
-                              </a:solidFill>
-                              <a:effectLst/>
-                              <a:latin typeface="+mn-lt"/>
-                              <a:ea typeface="Times New Roman" panose="02020603050405020304" pitchFamily="18" charset="0"/>
-                              <a:cs typeface="Times New Roman" panose="02020603050405020304" pitchFamily="18" charset="0"/>
-                            </a:rPr>
-                            <a:t>Количество задач, для решения которых применилось свойство периодичности, %</a:t>
-                          </a:r>
-                          <a:endParaRPr lang="ru-RU" sz="1200" b="0" dirty="0">
-                            <a:solidFill>
-                              <a:schemeClr val="tx1"/>
-                            </a:solidFill>
-                            <a:effectLst/>
-                            <a:latin typeface="+mn-lt"/>
-                            <a:ea typeface="Calibri" panose="020F0502020204030204" pitchFamily="34" charset="0"/>
-                            <a:cs typeface="Times New Roman" panose="02020603050405020304" pitchFamily="18" charset="0"/>
-                          </a:endParaRPr>
-                        </a:p>
-                      </a:txBody>
-                      <a:tcPr marL="68580" marR="68580" marT="0" marB="0">
-                        <a:lnL w="12700" cap="flat" cmpd="sng" algn="ctr">
-                          <a:solidFill>
-                            <a:schemeClr val="tx1"/>
-                          </a:solidFill>
-                          <a:prstDash val="solid"/>
-                          <a:round/>
-                          <a:headEnd type="none" w="med" len="med"/>
-                          <a:tailEnd type="none" w="med" len="med"/>
-                        </a:lnL>
-                        <a:lnR w="12700" cap="flat" cmpd="sng" algn="ctr">
-                          <a:solidFill>
-                            <a:schemeClr val="tx1"/>
-                          </a:solidFill>
-                          <a:prstDash val="solid"/>
-                          <a:round/>
-                          <a:headEnd type="none" w="med" len="med"/>
-                          <a:tailEnd type="none" w="med" len="med"/>
-                        </a:lnR>
-                        <a:lnT w="12700" cap="flat" cmpd="sng" algn="ctr">
-                          <a:solidFill>
-                            <a:schemeClr val="tx1"/>
-                          </a:solidFill>
-                          <a:prstDash val="solid"/>
-                          <a:round/>
-                          <a:headEnd type="none" w="med" len="med"/>
-                          <a:tailEnd type="none" w="med" len="med"/>
-                        </a:lnT>
-                        <a:lnB w="12700" cap="flat" cmpd="sng" algn="ctr">
-                          <a:solidFill>
-                            <a:schemeClr val="tx1"/>
-                          </a:solidFill>
-                          <a:prstDash val="solid"/>
-                          <a:round/>
-                          <a:headEnd type="none" w="med" len="med"/>
-                          <a:tailEnd type="none" w="med" len="med"/>
-                        </a:lnB>
-                        <a:noFill/>
-                      </a:tcPr>
-                    </a:tc>
-                    <a:tc>
-                      <a:txBody>
-                        <a:bodyPr/>
-                        <a:lstStyle/>
-                        <a:p>
-                          <a:pPr algn="r">
-                            <a:spcAft>
-                              <a:spcPts val="0"/>
-                            </a:spcAft>
-                          </a:pPr>
-                          <a:r>
-                            <a:rPr lang="en-US" sz="1400" b="0" dirty="0">
-                              <a:solidFill>
-                                <a:schemeClr val="tx1"/>
-                              </a:solidFill>
-                              <a:effectLst/>
-                              <a:latin typeface="+mn-lt"/>
-                              <a:ea typeface="Calibri" panose="020F0502020204030204" pitchFamily="34" charset="0"/>
-                              <a:cs typeface="Times New Roman" panose="02020603050405020304" pitchFamily="18" charset="0"/>
-                            </a:rPr>
-                            <a:t>50</a:t>
-                          </a:r>
-                          <a:endParaRPr lang="ru-RU" sz="1400" b="0" dirty="0">
-                            <a:solidFill>
-                              <a:schemeClr val="tx1"/>
-                            </a:solidFill>
-                            <a:effectLst/>
-                            <a:latin typeface="+mn-lt"/>
-                            <a:ea typeface="Calibri" panose="020F0502020204030204" pitchFamily="34" charset="0"/>
-                            <a:cs typeface="Times New Roman" panose="02020603050405020304" pitchFamily="18" charset="0"/>
-                          </a:endParaRPr>
-                        </a:p>
-                      </a:txBody>
-                      <a:tcPr marL="68580" marR="68580" marT="0" marB="0" anchor="ctr">
-                        <a:lnL w="12700" cap="flat" cmpd="sng" algn="ctr">
-                          <a:solidFill>
-                            <a:schemeClr val="tx1"/>
-                          </a:solidFill>
-                          <a:prstDash val="solid"/>
-                          <a:round/>
-                          <a:headEnd type="none" w="med" len="med"/>
-                          <a:tailEnd type="none" w="med" len="med"/>
-                        </a:lnL>
-                        <a:lnR w="12700" cap="flat" cmpd="sng" algn="ctr">
-                          <a:solidFill>
-                            <a:schemeClr val="tx1"/>
-                          </a:solidFill>
-                          <a:prstDash val="solid"/>
-                          <a:round/>
-                          <a:headEnd type="none" w="med" len="med"/>
-                          <a:tailEnd type="none" w="med" len="med"/>
-                        </a:lnR>
-                        <a:lnT w="12700" cap="flat" cmpd="sng" algn="ctr">
-                          <a:solidFill>
-                            <a:schemeClr val="tx1"/>
-                          </a:solidFill>
-                          <a:prstDash val="solid"/>
-                          <a:round/>
-                          <a:headEnd type="none" w="med" len="med"/>
-                          <a:tailEnd type="none" w="med" len="med"/>
-                        </a:lnT>
-                        <a:lnB w="12700" cap="flat" cmpd="sng" algn="ctr">
-                          <a:solidFill>
-                            <a:schemeClr val="tx1"/>
-                          </a:solidFill>
-                          <a:prstDash val="solid"/>
-                          <a:round/>
-                          <a:headEnd type="none" w="med" len="med"/>
-                          <a:tailEnd type="none" w="med" len="med"/>
-                        </a:lnB>
-                        <a:noFill/>
-                      </a:tcPr>
-                    </a:tc>
-                    <a:tc>
-                      <a:txBody>
-                        <a:bodyPr/>
-                        <a:lstStyle/>
-                        <a:p>
-                          <a:pPr algn="r">
-                            <a:spcAft>
-                              <a:spcPts val="0"/>
-                            </a:spcAft>
-                          </a:pPr>
-                          <a:r>
-                            <a:rPr lang="ru-RU" sz="1400" b="0" dirty="0">
-                              <a:solidFill>
-                                <a:schemeClr val="tx1"/>
-                              </a:solidFill>
-                              <a:effectLst/>
-                              <a:latin typeface="+mn-lt"/>
-                              <a:ea typeface="Calibri" panose="020F0502020204030204" pitchFamily="34" charset="0"/>
-                              <a:cs typeface="Times New Roman" panose="02020603050405020304" pitchFamily="18" charset="0"/>
-                            </a:rPr>
-                            <a:t>30</a:t>
-                          </a:r>
-                        </a:p>
-                      </a:txBody>
-                      <a:tcPr marL="68580" marR="68580" marT="0" marB="0" anchor="ctr">
-                        <a:lnL w="12700" cap="flat" cmpd="sng" algn="ctr">
-                          <a:solidFill>
-                            <a:schemeClr val="tx1"/>
-                          </a:solidFill>
-                          <a:prstDash val="solid"/>
-                          <a:round/>
-                          <a:headEnd type="none" w="med" len="med"/>
-                          <a:tailEnd type="none" w="med" len="med"/>
-                        </a:lnL>
-                        <a:lnR w="12700" cap="flat" cmpd="sng" algn="ctr">
-                          <a:solidFill>
-                            <a:schemeClr val="tx1"/>
-                          </a:solidFill>
-                          <a:prstDash val="solid"/>
-                          <a:round/>
-                          <a:headEnd type="none" w="med" len="med"/>
-                          <a:tailEnd type="none" w="med" len="med"/>
-                        </a:lnR>
-                        <a:lnT w="12700" cap="flat" cmpd="sng" algn="ctr">
-                          <a:solidFill>
-                            <a:schemeClr val="tx1"/>
-                          </a:solidFill>
-                          <a:prstDash val="solid"/>
-                          <a:round/>
-                          <a:headEnd type="none" w="med" len="med"/>
-                          <a:tailEnd type="none" w="med" len="med"/>
-                        </a:lnT>
-                        <a:lnB w="12700" cap="flat" cmpd="sng" algn="ctr">
-                          <a:solidFill>
-                            <a:schemeClr val="tx1"/>
-                          </a:solidFill>
-                          <a:prstDash val="solid"/>
-                          <a:round/>
-                          <a:headEnd type="none" w="med" len="med"/>
-                          <a:tailEnd type="none" w="med" len="med"/>
-                        </a:lnB>
-                        <a:noFill/>
-                      </a:tcPr>
-                    </a:tc>
-                    <a:tc>
-                      <a:txBody>
-                        <a:bodyPr/>
-                        <a:lstStyle/>
-                        <a:p>
-                          <a:pPr algn="r">
-                            <a:spcAft>
-                              <a:spcPts val="0"/>
-                            </a:spcAft>
-                          </a:pPr>
-                          <a:r>
-                            <a:rPr lang="ru-RU" sz="1400" b="0" dirty="0">
-                              <a:solidFill>
-                                <a:schemeClr val="tx1"/>
-                              </a:solidFill>
-                              <a:effectLst/>
-                              <a:latin typeface="+mn-lt"/>
-                              <a:ea typeface="Calibri" panose="020F0502020204030204" pitchFamily="34" charset="0"/>
-                              <a:cs typeface="Times New Roman" panose="02020603050405020304" pitchFamily="18" charset="0"/>
-                            </a:rPr>
-                            <a:t>40</a:t>
-                          </a:r>
-                        </a:p>
-                      </a:txBody>
-                      <a:tcPr marL="68580" marR="68580" marT="0" marB="0" anchor="ctr">
-                        <a:lnL w="12700" cap="flat" cmpd="sng" algn="ctr">
-                          <a:solidFill>
-                            <a:schemeClr val="tx1"/>
-                          </a:solidFill>
-                          <a:prstDash val="solid"/>
-                          <a:round/>
-                          <a:headEnd type="none" w="med" len="med"/>
-                          <a:tailEnd type="none" w="med" len="med"/>
-                        </a:lnL>
-                        <a:lnR w="12700" cap="flat" cmpd="sng" algn="ctr">
-                          <a:solidFill>
-                            <a:schemeClr val="tx1"/>
-                          </a:solidFill>
-                          <a:prstDash val="solid"/>
-                          <a:round/>
-                          <a:headEnd type="none" w="med" len="med"/>
-                          <a:tailEnd type="none" w="med" len="med"/>
-                        </a:lnR>
-                        <a:lnT w="12700" cap="flat" cmpd="sng" algn="ctr">
-                          <a:solidFill>
-                            <a:schemeClr val="tx1"/>
-                          </a:solidFill>
-                          <a:prstDash val="solid"/>
-                          <a:round/>
-                          <a:headEnd type="none" w="med" len="med"/>
-                          <a:tailEnd type="none" w="med" len="med"/>
-                        </a:lnT>
-                        <a:lnB w="12700" cap="flat" cmpd="sng" algn="ctr">
-                          <a:solidFill>
-                            <a:schemeClr val="tx1"/>
-                          </a:solidFill>
-                          <a:prstDash val="solid"/>
-                          <a:round/>
-                          <a:headEnd type="none" w="med" len="med"/>
-                          <a:tailEnd type="none" w="med" len="med"/>
-                        </a:lnB>
-                        <a:noFill/>
-                      </a:tcPr>
-                    </a:tc>
-                    <a:tc>
-                      <a:txBody>
-                        <a:bodyPr/>
-                        <a:lstStyle/>
-                        <a:p>
-                          <a:pPr algn="r">
-                            <a:spcAft>
-                              <a:spcPts val="0"/>
-                            </a:spcAft>
-                          </a:pPr>
-                          <a:r>
-                            <a:rPr lang="en-US" sz="1400" b="0">
-                              <a:solidFill>
-                                <a:schemeClr val="tx1"/>
-                              </a:solidFill>
-                              <a:effectLst/>
-                              <a:latin typeface="+mn-lt"/>
-                              <a:ea typeface="Calibri" panose="020F0502020204030204" pitchFamily="34" charset="0"/>
-                              <a:cs typeface="Times New Roman" panose="02020603050405020304" pitchFamily="18" charset="0"/>
-                            </a:rPr>
-                            <a:t>0</a:t>
-                          </a:r>
-                          <a:endParaRPr lang="ru-RU" sz="1400" b="0">
-                            <a:solidFill>
-                              <a:schemeClr val="tx1"/>
-                            </a:solidFill>
-                            <a:effectLst/>
-                            <a:latin typeface="+mn-lt"/>
-                            <a:ea typeface="Calibri" panose="020F0502020204030204" pitchFamily="34" charset="0"/>
-                            <a:cs typeface="Times New Roman" panose="02020603050405020304" pitchFamily="18" charset="0"/>
-                          </a:endParaRPr>
-                        </a:p>
-                      </a:txBody>
-                      <a:tcPr marL="68580" marR="68580" marT="0" marB="0" anchor="ctr">
-                        <a:lnL w="12700" cap="flat" cmpd="sng" algn="ctr">
-                          <a:solidFill>
-                            <a:schemeClr val="tx1"/>
-                          </a:solidFill>
-                          <a:prstDash val="solid"/>
-                          <a:round/>
-                          <a:headEnd type="none" w="med" len="med"/>
-                          <a:tailEnd type="none" w="med" len="med"/>
-                        </a:lnL>
-                        <a:lnR w="12700" cap="flat" cmpd="sng" algn="ctr">
-                          <a:solidFill>
-                            <a:schemeClr val="tx1"/>
-                          </a:solidFill>
-                          <a:prstDash val="solid"/>
-                          <a:round/>
-                          <a:headEnd type="none" w="med" len="med"/>
-                          <a:tailEnd type="none" w="med" len="med"/>
-                        </a:lnR>
-                        <a:lnT w="12700" cap="flat" cmpd="sng" algn="ctr">
-                          <a:solidFill>
-                            <a:schemeClr val="tx1"/>
-                          </a:solidFill>
-                          <a:prstDash val="solid"/>
-                          <a:round/>
-                          <a:headEnd type="none" w="med" len="med"/>
-                          <a:tailEnd type="none" w="med" len="med"/>
-                        </a:lnT>
-                        <a:lnB w="12700" cap="flat" cmpd="sng" algn="ctr">
-                          <a:solidFill>
-                            <a:schemeClr val="tx1"/>
-                          </a:solidFill>
-                          <a:prstDash val="solid"/>
-                          <a:round/>
-                          <a:headEnd type="none" w="med" len="med"/>
-                          <a:tailEnd type="none" w="med" len="med"/>
-                        </a:lnB>
-                        <a:noFill/>
-                      </a:tcPr>
-                    </a:tc>
-                  </a:tr>
-                  <a:tr h="159385">
-                    <a:tc>
-                      <a:txBody>
-                        <a:bodyPr/>
-                        <a:lstStyle/>
-                        <a:p>
-                          <a:pPr>
-                            <a:spcAft>
-                              <a:spcPts val="0"/>
-                            </a:spcAft>
-                          </a:pPr>
-                          <a:r>
-                            <a:rPr lang="ru-RU" sz="1200" b="0" smtClean="0">
-                              <a:solidFill>
-                                <a:schemeClr val="tx1"/>
-                              </a:solidFill>
-                              <a:effectLst/>
-                              <a:latin typeface="+mn-lt"/>
-                              <a:ea typeface="Times New Roman" panose="02020603050405020304" pitchFamily="18" charset="0"/>
-                              <a:cs typeface="Times New Roman" panose="02020603050405020304" pitchFamily="18" charset="0"/>
-                            </a:rPr>
-                            <a:t>Количество задач, решения которых достигли верхней оценки </a:t>
-                          </a:r>
-                          <a14:m>
-                            <m:oMath xmlns:m="http://schemas.openxmlformats.org/officeDocument/2006/math">
-                              <m:sSub>
-                                <m:sSubPr>
-                                  <m:ctrlPr>
-                                    <a:rPr lang="ru-RU" sz="1200" b="0" i="1">
-                                      <a:solidFill>
-                                        <a:schemeClr val="tx1"/>
-                                      </a:solidFill>
-                                      <a:effectLst/>
-                                      <a:latin typeface="Cambria Math" panose="02040503050406030204" pitchFamily="18" charset="0"/>
-                                      <a:ea typeface="Times New Roman" panose="02020603050405020304" pitchFamily="18" charset="0"/>
-                                      <a:cs typeface="Times New Roman" panose="02020603050405020304" pitchFamily="18" charset="0"/>
-                                    </a:rPr>
-                                  </m:ctrlPr>
-                                </m:sSubPr>
-                                <m:e>
-                                  <m:r>
-                                    <a:rPr lang="ru-RU" sz="1200" b="0" i="1">
-                                      <a:solidFill>
-                                        <a:schemeClr val="tx1"/>
-                                      </a:solidFill>
-                                      <a:effectLst/>
-                                      <a:latin typeface="Cambria Math" panose="02040503050406030204" pitchFamily="18" charset="0"/>
-                                      <a:ea typeface="Times New Roman" panose="02020603050405020304" pitchFamily="18" charset="0"/>
-                                      <a:cs typeface="Times New Roman" panose="02020603050405020304" pitchFamily="18" charset="0"/>
-                                    </a:rPr>
-                                    <m:t>𝑈</m:t>
-                                  </m:r>
-                                </m:e>
-                                <m:sub>
-                                  <m:r>
-                                    <a:rPr lang="ru-RU" sz="1200" b="0" i="1">
-                                      <a:solidFill>
-                                        <a:schemeClr val="tx1"/>
-                                      </a:solidFill>
-                                      <a:effectLst/>
-                                      <a:latin typeface="Cambria Math" panose="02040503050406030204" pitchFamily="18" charset="0"/>
-                                      <a:ea typeface="Times New Roman" panose="02020603050405020304" pitchFamily="18" charset="0"/>
-                                      <a:cs typeface="Times New Roman" panose="02020603050405020304" pitchFamily="18" charset="0"/>
-                                    </a:rPr>
-                                    <m:t>3</m:t>
-                                  </m:r>
-                                </m:sub>
-                              </m:sSub>
-                            </m:oMath>
-                          </a14:m>
-                          <a:r>
-                            <a:rPr lang="ru-RU" sz="1200" b="0">
-                              <a:solidFill>
-                                <a:schemeClr val="tx1"/>
-                              </a:solidFill>
-                              <a:effectLst/>
-                              <a:latin typeface="+mn-lt"/>
-                              <a:ea typeface="Times New Roman" panose="02020603050405020304" pitchFamily="18" charset="0"/>
-                              <a:cs typeface="Times New Roman" panose="02020603050405020304" pitchFamily="18" charset="0"/>
-                            </a:rPr>
-                            <a:t>, %</a:t>
-                          </a:r>
-                          <a:endParaRPr lang="ru-RU" sz="1200" b="0">
-                            <a:solidFill>
-                              <a:schemeClr val="tx1"/>
-                            </a:solidFill>
-                            <a:effectLst/>
-                            <a:latin typeface="+mn-lt"/>
-                            <a:ea typeface="Calibri" panose="020F0502020204030204" pitchFamily="34" charset="0"/>
-                            <a:cs typeface="Times New Roman" panose="02020603050405020304" pitchFamily="18" charset="0"/>
-                          </a:endParaRPr>
-                        </a:p>
-                      </a:txBody>
-                      <a:tcPr marL="68580" marR="68580" marT="0" marB="0">
-                        <a:lnL w="12700" cap="flat" cmpd="sng" algn="ctr">
-                          <a:solidFill>
-                            <a:schemeClr val="tx1"/>
-                          </a:solidFill>
-                          <a:prstDash val="solid"/>
-                          <a:round/>
-                          <a:headEnd type="none" w="med" len="med"/>
-                          <a:tailEnd type="none" w="med" len="med"/>
-                        </a:lnL>
-                        <a:lnR w="12700" cap="flat" cmpd="sng" algn="ctr">
-                          <a:solidFill>
-                            <a:schemeClr val="tx1"/>
-                          </a:solidFill>
-                          <a:prstDash val="solid"/>
-                          <a:round/>
-                          <a:headEnd type="none" w="med" len="med"/>
-                          <a:tailEnd type="none" w="med" len="med"/>
-                        </a:lnR>
-                        <a:lnT w="12700" cap="flat" cmpd="sng" algn="ctr">
-                          <a:solidFill>
-                            <a:schemeClr val="tx1"/>
-                          </a:solidFill>
-                          <a:prstDash val="solid"/>
-                          <a:round/>
-                          <a:headEnd type="none" w="med" len="med"/>
-                          <a:tailEnd type="none" w="med" len="med"/>
-                        </a:lnT>
-                        <a:lnB w="12700" cap="flat" cmpd="sng" algn="ctr">
-                          <a:solidFill>
-                            <a:schemeClr val="tx1"/>
-                          </a:solidFill>
-                          <a:prstDash val="solid"/>
-                          <a:round/>
-                          <a:headEnd type="none" w="med" len="med"/>
-                          <a:tailEnd type="none" w="med" len="med"/>
-                        </a:lnB>
-                        <a:noFill/>
-                      </a:tcPr>
-                    </a:tc>
-                    <a:tc>
-                      <a:txBody>
-                        <a:bodyPr/>
-                        <a:lstStyle/>
-                        <a:p>
-                          <a:pPr algn="r">
-                            <a:spcAft>
-                              <a:spcPts val="0"/>
-                            </a:spcAft>
-                          </a:pPr>
-                          <a:r>
-                            <a:rPr lang="en-US" sz="1400" b="0">
-                              <a:solidFill>
-                                <a:schemeClr val="tx1"/>
-                              </a:solidFill>
-                              <a:effectLst/>
-                              <a:latin typeface="+mn-lt"/>
-                              <a:ea typeface="Calibri" panose="020F0502020204030204" pitchFamily="34" charset="0"/>
-                              <a:cs typeface="Times New Roman" panose="02020603050405020304" pitchFamily="18" charset="0"/>
-                            </a:rPr>
-                            <a:t>0</a:t>
-                          </a:r>
-                          <a:endParaRPr lang="ru-RU" sz="1400" b="0">
-                            <a:solidFill>
-                              <a:schemeClr val="tx1"/>
-                            </a:solidFill>
-                            <a:effectLst/>
-                            <a:latin typeface="+mn-lt"/>
-                            <a:ea typeface="Calibri" panose="020F0502020204030204" pitchFamily="34" charset="0"/>
-                            <a:cs typeface="Times New Roman" panose="02020603050405020304" pitchFamily="18" charset="0"/>
-                          </a:endParaRPr>
-                        </a:p>
-                      </a:txBody>
-                      <a:tcPr marL="68580" marR="68580" marT="0" marB="0" anchor="ctr">
-                        <a:lnL w="12700" cap="flat" cmpd="sng" algn="ctr">
-                          <a:solidFill>
-                            <a:schemeClr val="tx1"/>
-                          </a:solidFill>
-                          <a:prstDash val="solid"/>
-                          <a:round/>
-                          <a:headEnd type="none" w="med" len="med"/>
-                          <a:tailEnd type="none" w="med" len="med"/>
-                        </a:lnL>
-                        <a:lnR w="12700" cap="flat" cmpd="sng" algn="ctr">
-                          <a:solidFill>
-                            <a:schemeClr val="tx1"/>
-                          </a:solidFill>
-                          <a:prstDash val="solid"/>
-                          <a:round/>
-                          <a:headEnd type="none" w="med" len="med"/>
-                          <a:tailEnd type="none" w="med" len="med"/>
-                        </a:lnR>
-                        <a:lnT w="12700" cap="flat" cmpd="sng" algn="ctr">
-                          <a:solidFill>
-                            <a:schemeClr val="tx1"/>
-                          </a:solidFill>
-                          <a:prstDash val="solid"/>
-                          <a:round/>
-                          <a:headEnd type="none" w="med" len="med"/>
-                          <a:tailEnd type="none" w="med" len="med"/>
-                        </a:lnT>
-                        <a:lnB w="12700" cap="flat" cmpd="sng" algn="ctr">
-                          <a:solidFill>
-                            <a:schemeClr val="tx1"/>
-                          </a:solidFill>
-                          <a:prstDash val="solid"/>
-                          <a:round/>
-                          <a:headEnd type="none" w="med" len="med"/>
-                          <a:tailEnd type="none" w="med" len="med"/>
-                        </a:lnB>
-                        <a:noFill/>
-                      </a:tcPr>
-                    </a:tc>
-                    <a:tc>
-                      <a:txBody>
-                        <a:bodyPr/>
-                        <a:lstStyle/>
-                        <a:p>
-                          <a:pPr algn="r">
-                            <a:spcAft>
-                              <a:spcPts val="0"/>
-                            </a:spcAft>
-                          </a:pPr>
-                          <a:r>
-                            <a:rPr lang="ru-RU" sz="1400" b="0">
-                              <a:solidFill>
-                                <a:schemeClr val="tx1"/>
-                              </a:solidFill>
-                              <a:effectLst/>
-                              <a:latin typeface="+mn-lt"/>
-                              <a:ea typeface="Calibri" panose="020F0502020204030204" pitchFamily="34" charset="0"/>
-                              <a:cs typeface="Times New Roman" panose="02020603050405020304" pitchFamily="18" charset="0"/>
-                            </a:rPr>
-                            <a:t>0</a:t>
-                          </a:r>
-                        </a:p>
-                      </a:txBody>
-                      <a:tcPr marL="68580" marR="68580" marT="0" marB="0" anchor="ctr">
-                        <a:lnL w="12700" cap="flat" cmpd="sng" algn="ctr">
-                          <a:solidFill>
-                            <a:schemeClr val="tx1"/>
-                          </a:solidFill>
-                          <a:prstDash val="solid"/>
-                          <a:round/>
-                          <a:headEnd type="none" w="med" len="med"/>
-                          <a:tailEnd type="none" w="med" len="med"/>
-                        </a:lnL>
-                        <a:lnR w="12700" cap="flat" cmpd="sng" algn="ctr">
-                          <a:solidFill>
-                            <a:schemeClr val="tx1"/>
-                          </a:solidFill>
-                          <a:prstDash val="solid"/>
-                          <a:round/>
-                          <a:headEnd type="none" w="med" len="med"/>
-                          <a:tailEnd type="none" w="med" len="med"/>
-                        </a:lnR>
-                        <a:lnT w="12700" cap="flat" cmpd="sng" algn="ctr">
-                          <a:solidFill>
-                            <a:schemeClr val="tx1"/>
-                          </a:solidFill>
-                          <a:prstDash val="solid"/>
-                          <a:round/>
-                          <a:headEnd type="none" w="med" len="med"/>
-                          <a:tailEnd type="none" w="med" len="med"/>
-                        </a:lnT>
-                        <a:lnB w="12700" cap="flat" cmpd="sng" algn="ctr">
-                          <a:solidFill>
-                            <a:schemeClr val="tx1"/>
-                          </a:solidFill>
-                          <a:prstDash val="solid"/>
-                          <a:round/>
-                          <a:headEnd type="none" w="med" len="med"/>
-                          <a:tailEnd type="none" w="med" len="med"/>
-                        </a:lnB>
-                        <a:noFill/>
-                      </a:tcPr>
-                    </a:tc>
-                    <a:tc>
-                      <a:txBody>
-                        <a:bodyPr/>
-                        <a:lstStyle/>
-                        <a:p>
-                          <a:pPr algn="r">
-                            <a:spcAft>
-                              <a:spcPts val="0"/>
-                            </a:spcAft>
-                          </a:pPr>
-                          <a:r>
-                            <a:rPr lang="ru-RU" sz="1400" b="0" dirty="0">
-                              <a:solidFill>
-                                <a:schemeClr val="tx1"/>
-                              </a:solidFill>
-                              <a:effectLst/>
-                              <a:latin typeface="+mn-lt"/>
-                              <a:ea typeface="Calibri" panose="020F0502020204030204" pitchFamily="34" charset="0"/>
-                              <a:cs typeface="Times New Roman" panose="02020603050405020304" pitchFamily="18" charset="0"/>
-                            </a:rPr>
-                            <a:t>0</a:t>
-                          </a:r>
-                        </a:p>
-                      </a:txBody>
-                      <a:tcPr marL="68580" marR="68580" marT="0" marB="0" anchor="ctr">
-                        <a:lnL w="12700" cap="flat" cmpd="sng" algn="ctr">
-                          <a:solidFill>
-                            <a:schemeClr val="tx1"/>
-                          </a:solidFill>
-                          <a:prstDash val="solid"/>
-                          <a:round/>
-                          <a:headEnd type="none" w="med" len="med"/>
-                          <a:tailEnd type="none" w="med" len="med"/>
-                        </a:lnL>
-                        <a:lnR w="12700" cap="flat" cmpd="sng" algn="ctr">
-                          <a:solidFill>
-                            <a:schemeClr val="tx1"/>
-                          </a:solidFill>
-                          <a:prstDash val="solid"/>
-                          <a:round/>
-                          <a:headEnd type="none" w="med" len="med"/>
-                          <a:tailEnd type="none" w="med" len="med"/>
-                        </a:lnR>
-                        <a:lnT w="12700" cap="flat" cmpd="sng" algn="ctr">
-                          <a:solidFill>
-                            <a:schemeClr val="tx1"/>
-                          </a:solidFill>
-                          <a:prstDash val="solid"/>
-                          <a:round/>
-                          <a:headEnd type="none" w="med" len="med"/>
-                          <a:tailEnd type="none" w="med" len="med"/>
-                        </a:lnT>
-                        <a:lnB w="12700" cap="flat" cmpd="sng" algn="ctr">
-                          <a:solidFill>
-                            <a:schemeClr val="tx1"/>
-                          </a:solidFill>
-                          <a:prstDash val="solid"/>
-                          <a:round/>
-                          <a:headEnd type="none" w="med" len="med"/>
-                          <a:tailEnd type="none" w="med" len="med"/>
-                        </a:lnB>
-                        <a:noFill/>
-                      </a:tcPr>
-                    </a:tc>
-                    <a:tc>
-                      <a:txBody>
-                        <a:bodyPr/>
-                        <a:lstStyle/>
-                        <a:p>
-                          <a:pPr algn="r">
-                            <a:spcAft>
-                              <a:spcPts val="0"/>
-                            </a:spcAft>
-                          </a:pPr>
-                          <a:r>
-                            <a:rPr lang="en-US" sz="1400" b="0" dirty="0">
-                              <a:solidFill>
-                                <a:schemeClr val="tx1"/>
-                              </a:solidFill>
-                              <a:effectLst/>
-                              <a:latin typeface="+mn-lt"/>
-                              <a:ea typeface="Calibri" panose="020F0502020204030204" pitchFamily="34" charset="0"/>
-                              <a:cs typeface="Times New Roman" panose="02020603050405020304" pitchFamily="18" charset="0"/>
-                            </a:rPr>
-                            <a:t>23,33</a:t>
-                          </a:r>
-                          <a:endParaRPr lang="ru-RU" sz="1400" b="0" dirty="0">
-                            <a:solidFill>
-                              <a:schemeClr val="tx1"/>
-                            </a:solidFill>
-                            <a:effectLst/>
-                            <a:latin typeface="+mn-lt"/>
-                            <a:ea typeface="Calibri" panose="020F0502020204030204" pitchFamily="34" charset="0"/>
-                            <a:cs typeface="Times New Roman" panose="02020603050405020304" pitchFamily="18" charset="0"/>
-                          </a:endParaRPr>
-                        </a:p>
-                      </a:txBody>
-                      <a:tcPr marL="68580" marR="68580" marT="0" marB="0" anchor="ctr">
-                        <a:lnL w="12700" cap="flat" cmpd="sng" algn="ctr">
-                          <a:solidFill>
-                            <a:schemeClr val="tx1"/>
-                          </a:solidFill>
-                          <a:prstDash val="solid"/>
-                          <a:round/>
-                          <a:headEnd type="none" w="med" len="med"/>
-                          <a:tailEnd type="none" w="med" len="med"/>
-                        </a:lnL>
-                        <a:lnR w="12700" cap="flat" cmpd="sng" algn="ctr">
-                          <a:solidFill>
-                            <a:schemeClr val="tx1"/>
-                          </a:solidFill>
-                          <a:prstDash val="solid"/>
-                          <a:round/>
-                          <a:headEnd type="none" w="med" len="med"/>
-                          <a:tailEnd type="none" w="med" len="med"/>
-                        </a:lnR>
-                        <a:lnT w="12700" cap="flat" cmpd="sng" algn="ctr">
-                          <a:solidFill>
-                            <a:schemeClr val="tx1"/>
-                          </a:solidFill>
-                          <a:prstDash val="solid"/>
-                          <a:round/>
-                          <a:headEnd type="none" w="med" len="med"/>
-                          <a:tailEnd type="none" w="med" len="med"/>
-                        </a:lnT>
-                        <a:lnB w="12700" cap="flat" cmpd="sng" algn="ctr">
-                          <a:solidFill>
-                            <a:schemeClr val="tx1"/>
-                          </a:solidFill>
-                          <a:prstDash val="solid"/>
-                          <a:round/>
-                          <a:headEnd type="none" w="med" len="med"/>
-                          <a:tailEnd type="none" w="med" len="med"/>
-                        </a:lnB>
-                        <a:noFill/>
-                      </a:tcPr>
-                    </a:tc>
-                  </a:tr>
-                </a:tbl>
-              </a:graphicData>
-            </a:graphic>
-          </p:graphicFrame>
-        </mc:Choice>
-        <mc:Fallback xmlns="">
-          <p:graphicFrame>
-            <p:nvGraphicFramePr>
-              <p:cNvPr id="9" name="Content Placeholder 7"/>
-              <p:cNvGraphicFramePr>
-                <a:graphicFrameLocks noGrp="1"/>
-              </p:cNvGraphicFramePr>
-              <p:nvPr>
-                <p:ph sz="half" idx="1"/>
-                <p:extLst>
-                  <p:ext uri="{D42A27DB-BD31-4B8C-83A1-F6EECF244321}">
-                    <p14:modId xmlns:p14="http://schemas.microsoft.com/office/powerpoint/2010/main" val="2132307863"/>
-                  </p:ext>
-                </p:extLst>
-              </p:nvPr>
-            </p:nvGraphicFramePr>
-            <p:xfrm>
-              <a:off x="4947576" y="3954661"/>
-              <a:ext cx="7162798" cy="1945640"/>
-            </p:xfrm>
-            <a:graphic>
-              <a:graphicData uri="http://schemas.openxmlformats.org/drawingml/2006/table">
-                <a:tbl>
-                  <a:tblPr firstRow="1" firstCol="1" bandRow="1">
-                    <a:tableStyleId>{5C22544A-7EE6-4342-B048-85BDC9FD1C3A}</a:tableStyleId>
-                  </a:tblPr>
-                  <a:tblGrid>
-                    <a:gridCol w="1866898"/>
-                    <a:gridCol w="1215639"/>
-                    <a:gridCol w="1360087"/>
-                    <a:gridCol w="1360087"/>
-                    <a:gridCol w="1360087"/>
-                  </a:tblGrid>
-                  <a:tr h="482600">
-                    <a:tc>
-                      <a:txBody>
-                        <a:bodyPr/>
-                        <a:lstStyle/>
-                        <a:p>
-                          <a:pPr>
-                            <a:spcAft>
-                              <a:spcPts val="0"/>
-                            </a:spcAft>
-                          </a:pPr>
-                          <a:r>
-                            <a:rPr lang="ru-RU" sz="1200" b="0" dirty="0">
-                              <a:solidFill>
-                                <a:schemeClr val="tx1"/>
-                              </a:solidFill>
-                              <a:effectLst/>
-                              <a:latin typeface="+mn-lt"/>
-                              <a:ea typeface="Times New Roman" panose="02020603050405020304" pitchFamily="18" charset="0"/>
-                              <a:cs typeface="Times New Roman" panose="02020603050405020304" pitchFamily="18" charset="0"/>
-                            </a:rPr>
-                            <a:t> </a:t>
-                          </a:r>
-                          <a:endParaRPr lang="ru-RU" sz="1200" b="0" dirty="0">
-                            <a:solidFill>
-                              <a:schemeClr val="tx1"/>
-                            </a:solidFill>
-                            <a:effectLst/>
-                            <a:latin typeface="+mn-lt"/>
-                            <a:ea typeface="Calibri" panose="020F0502020204030204" pitchFamily="34" charset="0"/>
-                            <a:cs typeface="Times New Roman" panose="02020603050405020304" pitchFamily="18" charset="0"/>
-                          </a:endParaRPr>
-                        </a:p>
-                      </a:txBody>
-                      <a:tcPr marL="68580" marR="68580" marT="0" marB="0">
-                        <a:lnL w="12700" cap="flat" cmpd="sng" algn="ctr">
-                          <a:solidFill>
-                            <a:schemeClr val="tx1"/>
-                          </a:solidFill>
-                          <a:prstDash val="solid"/>
-                          <a:round/>
-                          <a:headEnd type="none" w="med" len="med"/>
-                          <a:tailEnd type="none" w="med" len="med"/>
-                        </a:lnL>
-                        <a:lnR w="12700" cap="flat" cmpd="sng" algn="ctr">
-                          <a:solidFill>
-                            <a:schemeClr val="tx1"/>
-                          </a:solidFill>
-                          <a:prstDash val="solid"/>
-                          <a:round/>
-                          <a:headEnd type="none" w="med" len="med"/>
-                          <a:tailEnd type="none" w="med" len="med"/>
-                        </a:lnR>
-                        <a:lnT w="12700" cap="flat" cmpd="sng" algn="ctr">
-                          <a:solidFill>
-                            <a:schemeClr val="tx1"/>
-                          </a:solidFill>
-                          <a:prstDash val="solid"/>
-                          <a:round/>
-                          <a:headEnd type="none" w="med" len="med"/>
-                          <a:tailEnd type="none" w="med" len="med"/>
-                        </a:lnT>
-                        <a:lnB w="12700" cap="flat" cmpd="sng" algn="ctr">
-                          <a:solidFill>
-                            <a:schemeClr val="tx1"/>
-                          </a:solidFill>
-                          <a:prstDash val="solid"/>
-                          <a:round/>
-                          <a:headEnd type="none" w="med" len="med"/>
-                          <a:tailEnd type="none" w="med" len="med"/>
-                        </a:lnB>
-                        <a:noFill/>
-                      </a:tcPr>
-                    </a:tc>
-                    <a:tc>
-                      <a:txBody>
-                        <a:bodyPr/>
-                        <a:lstStyle/>
-                        <a:p>
-                          <a:pPr>
-                            <a:spcAft>
-                              <a:spcPts val="0"/>
-                            </a:spcAft>
-                          </a:pPr>
-                          <a:r>
-                            <a:rPr lang="ru-RU" sz="1200" b="0" smtClean="0">
-                              <a:solidFill>
-                                <a:schemeClr val="tx1"/>
-                              </a:solidFill>
-                              <a:effectLst/>
-                              <a:latin typeface="+mn-lt"/>
-                              <a:ea typeface="Calibri" panose="020F0502020204030204" pitchFamily="34" charset="0"/>
-                              <a:cs typeface="Times New Roman" panose="02020603050405020304" pitchFamily="18" charset="0"/>
-                            </a:rPr>
-                            <a:t>без </a:t>
-                          </a:r>
-                          <a:r>
-                            <a:rPr lang="ru-RU" sz="1200" b="0" dirty="0">
-                              <a:solidFill>
-                                <a:schemeClr val="tx1"/>
-                              </a:solidFill>
-                              <a:effectLst/>
-                              <a:latin typeface="+mn-lt"/>
-                              <a:ea typeface="Calibri" panose="020F0502020204030204" pitchFamily="34" charset="0"/>
-                              <a:cs typeface="Times New Roman" panose="02020603050405020304" pitchFamily="18" charset="0"/>
-                            </a:rPr>
-                            <a:t>корреляции</a:t>
-                          </a:r>
-                        </a:p>
-                      </a:txBody>
-                      <a:tcPr marL="68580" marR="68580" marT="0" marB="0">
-                        <a:lnL w="12700" cap="flat" cmpd="sng" algn="ctr">
-                          <a:solidFill>
-                            <a:schemeClr val="tx1"/>
-                          </a:solidFill>
-                          <a:prstDash val="solid"/>
-                          <a:round/>
-                          <a:headEnd type="none" w="med" len="med"/>
-                          <a:tailEnd type="none" w="med" len="med"/>
-                        </a:lnL>
-                        <a:lnR w="12700" cap="flat" cmpd="sng" algn="ctr">
-                          <a:solidFill>
-                            <a:schemeClr val="tx1"/>
-                          </a:solidFill>
-                          <a:prstDash val="solid"/>
-                          <a:round/>
-                          <a:headEnd type="none" w="med" len="med"/>
-                          <a:tailEnd type="none" w="med" len="med"/>
-                        </a:lnR>
-                        <a:lnT w="12700" cap="flat" cmpd="sng" algn="ctr">
-                          <a:solidFill>
-                            <a:schemeClr val="tx1"/>
-                          </a:solidFill>
-                          <a:prstDash val="solid"/>
-                          <a:round/>
-                          <a:headEnd type="none" w="med" len="med"/>
-                          <a:tailEnd type="none" w="med" len="med"/>
-                        </a:lnT>
-                        <a:lnB w="12700" cap="flat" cmpd="sng" algn="ctr">
-                          <a:solidFill>
-                            <a:schemeClr val="tx1"/>
-                          </a:solidFill>
-                          <a:prstDash val="solid"/>
-                          <a:round/>
-                          <a:headEnd type="none" w="med" len="med"/>
-                          <a:tailEnd type="none" w="med" len="med"/>
-                        </a:lnB>
-                        <a:noFill/>
-                      </a:tcPr>
-                    </a:tc>
-                    <a:tc>
-                      <a:txBody>
-                        <a:bodyPr/>
-                        <a:lstStyle/>
-                        <a:p>
-                          <a:pPr>
-                            <a:spcAft>
-                              <a:spcPts val="0"/>
-                            </a:spcAft>
-                          </a:pPr>
-                          <a:r>
-                            <a:rPr lang="ru-RU" sz="1200" b="0" dirty="0" smtClean="0">
-                              <a:solidFill>
-                                <a:schemeClr val="tx1"/>
-                              </a:solidFill>
-                              <a:effectLst/>
-                              <a:latin typeface="+mn-lt"/>
-                              <a:ea typeface="Calibri" panose="020F0502020204030204" pitchFamily="34" charset="0"/>
-                              <a:cs typeface="Times New Roman" panose="02020603050405020304" pitchFamily="18" charset="0"/>
-                            </a:rPr>
-                            <a:t>с </a:t>
-                          </a:r>
-                          <a:r>
-                            <a:rPr lang="ru-RU" sz="1200" b="0" dirty="0">
-                              <a:solidFill>
-                                <a:schemeClr val="tx1"/>
-                              </a:solidFill>
-                              <a:effectLst/>
-                              <a:latin typeface="+mn-lt"/>
-                              <a:ea typeface="Calibri" panose="020F0502020204030204" pitchFamily="34" charset="0"/>
-                              <a:cs typeface="Times New Roman" panose="02020603050405020304" pitchFamily="18" charset="0"/>
-                            </a:rPr>
-                            <a:t>слабой </a:t>
-                          </a:r>
-                          <a:r>
-                            <a:rPr lang="ru-RU" sz="1200" b="0" dirty="0" smtClean="0">
-                              <a:solidFill>
-                                <a:schemeClr val="tx1"/>
-                              </a:solidFill>
-                              <a:effectLst/>
-                              <a:latin typeface="+mn-lt"/>
-                              <a:ea typeface="Calibri" panose="020F0502020204030204" pitchFamily="34" charset="0"/>
-                              <a:cs typeface="Times New Roman" panose="02020603050405020304" pitchFamily="18" charset="0"/>
-                            </a:rPr>
-                            <a:t>корреляцией</a:t>
-                          </a:r>
-                          <a:endParaRPr lang="ru-RU" sz="1200" b="0" dirty="0">
-                            <a:solidFill>
-                              <a:schemeClr val="tx1"/>
-                            </a:solidFill>
-                            <a:effectLst/>
-                            <a:latin typeface="+mn-lt"/>
-                            <a:ea typeface="Calibri" panose="020F0502020204030204" pitchFamily="34" charset="0"/>
-                            <a:cs typeface="Times New Roman" panose="02020603050405020304" pitchFamily="18" charset="0"/>
-                          </a:endParaRPr>
-                        </a:p>
-                      </a:txBody>
-                      <a:tcPr marL="68580" marR="68580" marT="0" marB="0">
-                        <a:lnL w="12700" cap="flat" cmpd="sng" algn="ctr">
-                          <a:solidFill>
-                            <a:schemeClr val="tx1"/>
-                          </a:solidFill>
-                          <a:prstDash val="solid"/>
-                          <a:round/>
-                          <a:headEnd type="none" w="med" len="med"/>
-                          <a:tailEnd type="none" w="med" len="med"/>
-                        </a:lnL>
-                        <a:lnR w="12700" cap="flat" cmpd="sng" algn="ctr">
-                          <a:solidFill>
-                            <a:schemeClr val="tx1"/>
-                          </a:solidFill>
-                          <a:prstDash val="solid"/>
-                          <a:round/>
-                          <a:headEnd type="none" w="med" len="med"/>
-                          <a:tailEnd type="none" w="med" len="med"/>
-                        </a:lnR>
-                        <a:lnT w="12700" cap="flat" cmpd="sng" algn="ctr">
-                          <a:solidFill>
-                            <a:schemeClr val="tx1"/>
-                          </a:solidFill>
-                          <a:prstDash val="solid"/>
-                          <a:round/>
-                          <a:headEnd type="none" w="med" len="med"/>
-                          <a:tailEnd type="none" w="med" len="med"/>
-                        </a:lnT>
-                        <a:lnB w="12700" cap="flat" cmpd="sng" algn="ctr">
-                          <a:solidFill>
-                            <a:schemeClr val="tx1"/>
-                          </a:solidFill>
-                          <a:prstDash val="solid"/>
-                          <a:round/>
-                          <a:headEnd type="none" w="med" len="med"/>
-                          <a:tailEnd type="none" w="med" len="med"/>
-                        </a:lnB>
-                        <a:noFill/>
-                      </a:tcPr>
-                    </a:tc>
-                    <a:tc>
-                      <a:txBody>
-                        <a:bodyPr/>
-                        <a:lstStyle/>
-                        <a:p>
-                          <a:pPr>
-                            <a:spcAft>
-                              <a:spcPts val="0"/>
-                            </a:spcAft>
-                          </a:pPr>
-                          <a:r>
-                            <a:rPr lang="ru-RU" sz="1200" b="0" dirty="0" smtClean="0">
-                              <a:solidFill>
-                                <a:schemeClr val="tx1"/>
-                              </a:solidFill>
-                              <a:effectLst/>
-                              <a:latin typeface="+mn-lt"/>
-                              <a:ea typeface="Calibri" panose="020F0502020204030204" pitchFamily="34" charset="0"/>
-                              <a:cs typeface="Times New Roman" panose="02020603050405020304" pitchFamily="18" charset="0"/>
-                            </a:rPr>
-                            <a:t>с </a:t>
-                          </a:r>
-                          <a:r>
-                            <a:rPr lang="ru-RU" sz="1200" b="0" dirty="0">
-                              <a:solidFill>
-                                <a:schemeClr val="tx1"/>
-                              </a:solidFill>
-                              <a:effectLst/>
-                              <a:latin typeface="+mn-lt"/>
-                              <a:ea typeface="Calibri" panose="020F0502020204030204" pitchFamily="34" charset="0"/>
-                              <a:cs typeface="Times New Roman" panose="02020603050405020304" pitchFamily="18" charset="0"/>
-                            </a:rPr>
-                            <a:t>сильной корреляцией</a:t>
-                          </a:r>
-                        </a:p>
-                      </a:txBody>
-                      <a:tcPr marL="68580" marR="68580" marT="0" marB="0">
-                        <a:lnL w="12700" cap="flat" cmpd="sng" algn="ctr">
-                          <a:solidFill>
-                            <a:schemeClr val="tx1"/>
-                          </a:solidFill>
-                          <a:prstDash val="solid"/>
-                          <a:round/>
-                          <a:headEnd type="none" w="med" len="med"/>
-                          <a:tailEnd type="none" w="med" len="med"/>
-                        </a:lnL>
-                        <a:lnR w="12700" cap="flat" cmpd="sng" algn="ctr">
-                          <a:solidFill>
-                            <a:schemeClr val="tx1"/>
-                          </a:solidFill>
-                          <a:prstDash val="solid"/>
-                          <a:round/>
-                          <a:headEnd type="none" w="med" len="med"/>
-                          <a:tailEnd type="none" w="med" len="med"/>
-                        </a:lnR>
-                        <a:lnT w="12700" cap="flat" cmpd="sng" algn="ctr">
-                          <a:solidFill>
-                            <a:schemeClr val="tx1"/>
-                          </a:solidFill>
-                          <a:prstDash val="solid"/>
-                          <a:round/>
-                          <a:headEnd type="none" w="med" len="med"/>
-                          <a:tailEnd type="none" w="med" len="med"/>
-                        </a:lnT>
-                        <a:lnB w="12700" cap="flat" cmpd="sng" algn="ctr">
-                          <a:solidFill>
-                            <a:schemeClr val="tx1"/>
-                          </a:solidFill>
-                          <a:prstDash val="solid"/>
-                          <a:round/>
-                          <a:headEnd type="none" w="med" len="med"/>
-                          <a:tailEnd type="none" w="med" len="med"/>
-                        </a:lnB>
-                        <a:noFill/>
-                      </a:tcPr>
-                    </a:tc>
-                    <a:tc>
-                      <a:txBody>
-                        <a:bodyPr/>
-                        <a:lstStyle/>
-                        <a:p>
-                          <a:pPr>
-                            <a:spcAft>
-                              <a:spcPts val="0"/>
-                            </a:spcAft>
-                          </a:pPr>
-                          <a:r>
-                            <a:rPr lang="ru-RU" sz="1200" b="0" dirty="0" smtClean="0">
-                              <a:solidFill>
-                                <a:schemeClr val="tx1"/>
-                              </a:solidFill>
-                              <a:effectLst/>
-                              <a:latin typeface="+mn-lt"/>
-                              <a:ea typeface="Calibri" panose="020F0502020204030204" pitchFamily="34" charset="0"/>
-                              <a:cs typeface="Times New Roman" panose="02020603050405020304" pitchFamily="18" charset="0"/>
-                            </a:rPr>
-                            <a:t>с </a:t>
-                          </a:r>
-                          <a:r>
-                            <a:rPr lang="ru-RU" sz="1200" b="0" dirty="0">
-                              <a:solidFill>
-                                <a:schemeClr val="tx1"/>
-                              </a:solidFill>
-                              <a:effectLst/>
-                              <a:latin typeface="+mn-lt"/>
-                              <a:ea typeface="Calibri" panose="020F0502020204030204" pitchFamily="34" charset="0"/>
-                              <a:cs typeface="Times New Roman" panose="02020603050405020304" pitchFamily="18" charset="0"/>
-                            </a:rPr>
-                            <a:t>подсуммами</a:t>
-                          </a:r>
-                        </a:p>
-                      </a:txBody>
-                      <a:tcPr marL="68580" marR="68580" marT="0" marB="0">
-                        <a:lnL w="12700" cap="flat" cmpd="sng" algn="ctr">
-                          <a:solidFill>
-                            <a:schemeClr val="tx1"/>
-                          </a:solidFill>
-                          <a:prstDash val="solid"/>
-                          <a:round/>
-                          <a:headEnd type="none" w="med" len="med"/>
-                          <a:tailEnd type="none" w="med" len="med"/>
-                        </a:lnL>
-                        <a:lnR w="12700" cap="flat" cmpd="sng" algn="ctr">
-                          <a:solidFill>
-                            <a:schemeClr val="tx1"/>
-                          </a:solidFill>
-                          <a:prstDash val="solid"/>
-                          <a:round/>
-                          <a:headEnd type="none" w="med" len="med"/>
-                          <a:tailEnd type="none" w="med" len="med"/>
-                        </a:lnR>
-                        <a:lnT w="12700" cap="flat" cmpd="sng" algn="ctr">
-                          <a:solidFill>
-                            <a:schemeClr val="tx1"/>
-                          </a:solidFill>
-                          <a:prstDash val="solid"/>
-                          <a:round/>
-                          <a:headEnd type="none" w="med" len="med"/>
-                          <a:tailEnd type="none" w="med" len="med"/>
-                        </a:lnT>
-                        <a:lnB w="12700" cap="flat" cmpd="sng" algn="ctr">
-                          <a:solidFill>
-                            <a:schemeClr val="tx1"/>
-                          </a:solidFill>
-                          <a:prstDash val="solid"/>
-                          <a:round/>
-                          <a:headEnd type="none" w="med" len="med"/>
-                          <a:tailEnd type="none" w="med" len="med"/>
-                        </a:lnB>
-                        <a:noFill/>
-                      </a:tcPr>
-                    </a:tc>
-                  </a:tr>
-                  <a:tr h="731520">
-                    <a:tc>
-                      <a:txBody>
-                        <a:bodyPr/>
-                        <a:lstStyle/>
-                        <a:p>
-                          <a:pPr>
-                            <a:spcAft>
-                              <a:spcPts val="0"/>
-                            </a:spcAft>
-                          </a:pPr>
-                          <a:r>
-                            <a:rPr lang="ru-RU" sz="1200" b="0" dirty="0">
-                              <a:solidFill>
-                                <a:schemeClr val="tx1"/>
-                              </a:solidFill>
-                              <a:effectLst/>
-                              <a:latin typeface="+mn-lt"/>
-                              <a:ea typeface="Times New Roman" panose="02020603050405020304" pitchFamily="18" charset="0"/>
-                              <a:cs typeface="Times New Roman" panose="02020603050405020304" pitchFamily="18" charset="0"/>
-                            </a:rPr>
-                            <a:t>Количество задач, для решения которых применилось свойство периодичности, %</a:t>
-                          </a:r>
-                          <a:endParaRPr lang="ru-RU" sz="1200" b="0" dirty="0">
-                            <a:solidFill>
-                              <a:schemeClr val="tx1"/>
-                            </a:solidFill>
-                            <a:effectLst/>
-                            <a:latin typeface="+mn-lt"/>
-                            <a:ea typeface="Calibri" panose="020F0502020204030204" pitchFamily="34" charset="0"/>
-                            <a:cs typeface="Times New Roman" panose="02020603050405020304" pitchFamily="18" charset="0"/>
-                          </a:endParaRPr>
-                        </a:p>
-                      </a:txBody>
-                      <a:tcPr marL="68580" marR="68580" marT="0" marB="0">
-                        <a:lnL w="12700" cap="flat" cmpd="sng" algn="ctr">
-                          <a:solidFill>
-                            <a:schemeClr val="tx1"/>
-                          </a:solidFill>
-                          <a:prstDash val="solid"/>
-                          <a:round/>
-                          <a:headEnd type="none" w="med" len="med"/>
-                          <a:tailEnd type="none" w="med" len="med"/>
-                        </a:lnL>
-                        <a:lnR w="12700" cap="flat" cmpd="sng" algn="ctr">
-                          <a:solidFill>
-                            <a:schemeClr val="tx1"/>
-                          </a:solidFill>
-                          <a:prstDash val="solid"/>
-                          <a:round/>
-                          <a:headEnd type="none" w="med" len="med"/>
-                          <a:tailEnd type="none" w="med" len="med"/>
-                        </a:lnR>
-                        <a:lnT w="12700" cap="flat" cmpd="sng" algn="ctr">
-                          <a:solidFill>
-                            <a:schemeClr val="tx1"/>
-                          </a:solidFill>
-                          <a:prstDash val="solid"/>
-                          <a:round/>
-                          <a:headEnd type="none" w="med" len="med"/>
-                          <a:tailEnd type="none" w="med" len="med"/>
-                        </a:lnT>
-                        <a:lnB w="12700" cap="flat" cmpd="sng" algn="ctr">
-                          <a:solidFill>
-                            <a:schemeClr val="tx1"/>
-                          </a:solidFill>
-                          <a:prstDash val="solid"/>
-                          <a:round/>
-                          <a:headEnd type="none" w="med" len="med"/>
-                          <a:tailEnd type="none" w="med" len="med"/>
-                        </a:lnB>
-                        <a:noFill/>
-                      </a:tcPr>
-                    </a:tc>
-                    <a:tc>
-                      <a:txBody>
-                        <a:bodyPr/>
-                        <a:lstStyle/>
-                        <a:p>
-                          <a:pPr algn="r">
-                            <a:spcAft>
-                              <a:spcPts val="0"/>
-                            </a:spcAft>
-                          </a:pPr>
-                          <a:r>
-                            <a:rPr lang="en-US" sz="1400" b="0" dirty="0">
-                              <a:solidFill>
-                                <a:schemeClr val="tx1"/>
-                              </a:solidFill>
-                              <a:effectLst/>
-                              <a:latin typeface="+mn-lt"/>
-                              <a:ea typeface="Calibri" panose="020F0502020204030204" pitchFamily="34" charset="0"/>
-                              <a:cs typeface="Times New Roman" panose="02020603050405020304" pitchFamily="18" charset="0"/>
-                            </a:rPr>
-                            <a:t>50</a:t>
-                          </a:r>
-                          <a:endParaRPr lang="ru-RU" sz="1400" b="0" dirty="0">
-                            <a:solidFill>
-                              <a:schemeClr val="tx1"/>
-                            </a:solidFill>
-                            <a:effectLst/>
-                            <a:latin typeface="+mn-lt"/>
-                            <a:ea typeface="Calibri" panose="020F0502020204030204" pitchFamily="34" charset="0"/>
-                            <a:cs typeface="Times New Roman" panose="02020603050405020304" pitchFamily="18" charset="0"/>
-                          </a:endParaRPr>
-                        </a:p>
-                      </a:txBody>
-                      <a:tcPr marL="68580" marR="68580" marT="0" marB="0" anchor="ctr">
-                        <a:lnL w="12700" cap="flat" cmpd="sng" algn="ctr">
-                          <a:solidFill>
-                            <a:schemeClr val="tx1"/>
-                          </a:solidFill>
-                          <a:prstDash val="solid"/>
-                          <a:round/>
-                          <a:headEnd type="none" w="med" len="med"/>
-                          <a:tailEnd type="none" w="med" len="med"/>
-                        </a:lnL>
-                        <a:lnR w="12700" cap="flat" cmpd="sng" algn="ctr">
-                          <a:solidFill>
-                            <a:schemeClr val="tx1"/>
-                          </a:solidFill>
-                          <a:prstDash val="solid"/>
-                          <a:round/>
-                          <a:headEnd type="none" w="med" len="med"/>
-                          <a:tailEnd type="none" w="med" len="med"/>
-                        </a:lnR>
-                        <a:lnT w="12700" cap="flat" cmpd="sng" algn="ctr">
-                          <a:solidFill>
-                            <a:schemeClr val="tx1"/>
-                          </a:solidFill>
-                          <a:prstDash val="solid"/>
-                          <a:round/>
-                          <a:headEnd type="none" w="med" len="med"/>
-                          <a:tailEnd type="none" w="med" len="med"/>
-                        </a:lnT>
-                        <a:lnB w="12700" cap="flat" cmpd="sng" algn="ctr">
-                          <a:solidFill>
-                            <a:schemeClr val="tx1"/>
-                          </a:solidFill>
-                          <a:prstDash val="solid"/>
-                          <a:round/>
-                          <a:headEnd type="none" w="med" len="med"/>
-                          <a:tailEnd type="none" w="med" len="med"/>
-                        </a:lnB>
-                        <a:noFill/>
-                      </a:tcPr>
-                    </a:tc>
-                    <a:tc>
-                      <a:txBody>
-                        <a:bodyPr/>
-                        <a:lstStyle/>
-                        <a:p>
-                          <a:pPr algn="r">
-                            <a:spcAft>
-                              <a:spcPts val="0"/>
-                            </a:spcAft>
-                          </a:pPr>
-                          <a:r>
-                            <a:rPr lang="ru-RU" sz="1400" b="0" dirty="0">
-                              <a:solidFill>
-                                <a:schemeClr val="tx1"/>
-                              </a:solidFill>
-                              <a:effectLst/>
-                              <a:latin typeface="+mn-lt"/>
-                              <a:ea typeface="Calibri" panose="020F0502020204030204" pitchFamily="34" charset="0"/>
-                              <a:cs typeface="Times New Roman" panose="02020603050405020304" pitchFamily="18" charset="0"/>
-                            </a:rPr>
-                            <a:t>30</a:t>
-                          </a:r>
-                        </a:p>
-                      </a:txBody>
-                      <a:tcPr marL="68580" marR="68580" marT="0" marB="0" anchor="ctr">
-                        <a:lnL w="12700" cap="flat" cmpd="sng" algn="ctr">
-                          <a:solidFill>
-                            <a:schemeClr val="tx1"/>
-                          </a:solidFill>
-                          <a:prstDash val="solid"/>
-                          <a:round/>
-                          <a:headEnd type="none" w="med" len="med"/>
-                          <a:tailEnd type="none" w="med" len="med"/>
-                        </a:lnL>
-                        <a:lnR w="12700" cap="flat" cmpd="sng" algn="ctr">
-                          <a:solidFill>
-                            <a:schemeClr val="tx1"/>
-                          </a:solidFill>
-                          <a:prstDash val="solid"/>
-                          <a:round/>
-                          <a:headEnd type="none" w="med" len="med"/>
-                          <a:tailEnd type="none" w="med" len="med"/>
-                        </a:lnR>
-                        <a:lnT w="12700" cap="flat" cmpd="sng" algn="ctr">
-                          <a:solidFill>
-                            <a:schemeClr val="tx1"/>
-                          </a:solidFill>
-                          <a:prstDash val="solid"/>
-                          <a:round/>
-                          <a:headEnd type="none" w="med" len="med"/>
-                          <a:tailEnd type="none" w="med" len="med"/>
-                        </a:lnT>
-                        <a:lnB w="12700" cap="flat" cmpd="sng" algn="ctr">
-                          <a:solidFill>
-                            <a:schemeClr val="tx1"/>
-                          </a:solidFill>
-                          <a:prstDash val="solid"/>
-                          <a:round/>
-                          <a:headEnd type="none" w="med" len="med"/>
-                          <a:tailEnd type="none" w="med" len="med"/>
-                        </a:lnB>
-                        <a:noFill/>
-                      </a:tcPr>
-                    </a:tc>
-                    <a:tc>
-                      <a:txBody>
-                        <a:bodyPr/>
-                        <a:lstStyle/>
-                        <a:p>
-                          <a:pPr algn="r">
-                            <a:spcAft>
-                              <a:spcPts val="0"/>
-                            </a:spcAft>
-                          </a:pPr>
-                          <a:r>
-                            <a:rPr lang="ru-RU" sz="1400" b="0" dirty="0">
-                              <a:solidFill>
-                                <a:schemeClr val="tx1"/>
-                              </a:solidFill>
-                              <a:effectLst/>
-                              <a:latin typeface="+mn-lt"/>
-                              <a:ea typeface="Calibri" panose="020F0502020204030204" pitchFamily="34" charset="0"/>
-                              <a:cs typeface="Times New Roman" panose="02020603050405020304" pitchFamily="18" charset="0"/>
-                            </a:rPr>
-                            <a:t>40</a:t>
-                          </a:r>
-                        </a:p>
-                      </a:txBody>
-                      <a:tcPr marL="68580" marR="68580" marT="0" marB="0" anchor="ctr">
-                        <a:lnL w="12700" cap="flat" cmpd="sng" algn="ctr">
-                          <a:solidFill>
-                            <a:schemeClr val="tx1"/>
-                          </a:solidFill>
-                          <a:prstDash val="solid"/>
-                          <a:round/>
-                          <a:headEnd type="none" w="med" len="med"/>
-                          <a:tailEnd type="none" w="med" len="med"/>
-                        </a:lnL>
-                        <a:lnR w="12700" cap="flat" cmpd="sng" algn="ctr">
-                          <a:solidFill>
-                            <a:schemeClr val="tx1"/>
-                          </a:solidFill>
-                          <a:prstDash val="solid"/>
-                          <a:round/>
-                          <a:headEnd type="none" w="med" len="med"/>
-                          <a:tailEnd type="none" w="med" len="med"/>
-                        </a:lnR>
-                        <a:lnT w="12700" cap="flat" cmpd="sng" algn="ctr">
-                          <a:solidFill>
-                            <a:schemeClr val="tx1"/>
-                          </a:solidFill>
-                          <a:prstDash val="solid"/>
-                          <a:round/>
-                          <a:headEnd type="none" w="med" len="med"/>
-                          <a:tailEnd type="none" w="med" len="med"/>
-                        </a:lnT>
-                        <a:lnB w="12700" cap="flat" cmpd="sng" algn="ctr">
-                          <a:solidFill>
-                            <a:schemeClr val="tx1"/>
-                          </a:solidFill>
-                          <a:prstDash val="solid"/>
-                          <a:round/>
-                          <a:headEnd type="none" w="med" len="med"/>
-                          <a:tailEnd type="none" w="med" len="med"/>
-                        </a:lnB>
-                        <a:noFill/>
-                      </a:tcPr>
-                    </a:tc>
-                    <a:tc>
-                      <a:txBody>
-                        <a:bodyPr/>
-                        <a:lstStyle/>
-                        <a:p>
-                          <a:pPr algn="r">
-                            <a:spcAft>
-                              <a:spcPts val="0"/>
-                            </a:spcAft>
-                          </a:pPr>
-                          <a:r>
-                            <a:rPr lang="en-US" sz="1400" b="0">
-                              <a:solidFill>
-                                <a:schemeClr val="tx1"/>
-                              </a:solidFill>
-                              <a:effectLst/>
-                              <a:latin typeface="+mn-lt"/>
-                              <a:ea typeface="Calibri" panose="020F0502020204030204" pitchFamily="34" charset="0"/>
-                              <a:cs typeface="Times New Roman" panose="02020603050405020304" pitchFamily="18" charset="0"/>
-                            </a:rPr>
-                            <a:t>0</a:t>
-                          </a:r>
-                          <a:endParaRPr lang="ru-RU" sz="1400" b="0">
-                            <a:solidFill>
-                              <a:schemeClr val="tx1"/>
-                            </a:solidFill>
-                            <a:effectLst/>
-                            <a:latin typeface="+mn-lt"/>
-                            <a:ea typeface="Calibri" panose="020F0502020204030204" pitchFamily="34" charset="0"/>
-                            <a:cs typeface="Times New Roman" panose="02020603050405020304" pitchFamily="18" charset="0"/>
-                          </a:endParaRPr>
-                        </a:p>
-                      </a:txBody>
-                      <a:tcPr marL="68580" marR="68580" marT="0" marB="0" anchor="ctr">
-                        <a:lnL w="12700" cap="flat" cmpd="sng" algn="ctr">
-                          <a:solidFill>
-                            <a:schemeClr val="tx1"/>
-                          </a:solidFill>
-                          <a:prstDash val="solid"/>
-                          <a:round/>
-                          <a:headEnd type="none" w="med" len="med"/>
-                          <a:tailEnd type="none" w="med" len="med"/>
-                        </a:lnL>
-                        <a:lnR w="12700" cap="flat" cmpd="sng" algn="ctr">
-                          <a:solidFill>
-                            <a:schemeClr val="tx1"/>
-                          </a:solidFill>
-                          <a:prstDash val="solid"/>
-                          <a:round/>
-                          <a:headEnd type="none" w="med" len="med"/>
-                          <a:tailEnd type="none" w="med" len="med"/>
-                        </a:lnR>
-                        <a:lnT w="12700" cap="flat" cmpd="sng" algn="ctr">
-                          <a:solidFill>
-                            <a:schemeClr val="tx1"/>
-                          </a:solidFill>
-                          <a:prstDash val="solid"/>
-                          <a:round/>
-                          <a:headEnd type="none" w="med" len="med"/>
-                          <a:tailEnd type="none" w="med" len="med"/>
-                        </a:lnT>
-                        <a:lnB w="12700" cap="flat" cmpd="sng" algn="ctr">
-                          <a:solidFill>
-                            <a:schemeClr val="tx1"/>
-                          </a:solidFill>
-                          <a:prstDash val="solid"/>
-                          <a:round/>
-                          <a:headEnd type="none" w="med" len="med"/>
-                          <a:tailEnd type="none" w="med" len="med"/>
-                        </a:lnB>
-                        <a:noFill/>
-                      </a:tcPr>
-                    </a:tc>
-                  </a:tr>
-                  <a:tr h="731520">
-                    <a:tc>
-                      <a:txBody>
-                        <a:bodyPr/>
-                        <a:lstStyle/>
-                        <a:p>
-                          <a:endParaRPr lang="ru-RU"/>
-                        </a:p>
-                      </a:txBody>
-                      <a:tcPr marL="68580" marR="68580" marT="0" marB="0">
-                        <a:lnL w="12700" cap="flat" cmpd="sng" algn="ctr">
-                          <a:solidFill>
-                            <a:schemeClr val="tx1"/>
-                          </a:solidFill>
-                          <a:prstDash val="solid"/>
-                          <a:round/>
-                          <a:headEnd type="none" w="med" len="med"/>
-                          <a:tailEnd type="none" w="med" len="med"/>
-                        </a:lnL>
-                        <a:lnR w="12700" cap="flat" cmpd="sng" algn="ctr">
-                          <a:solidFill>
-                            <a:schemeClr val="tx1"/>
-                          </a:solidFill>
-                          <a:prstDash val="solid"/>
-                          <a:round/>
-                          <a:headEnd type="none" w="med" len="med"/>
-                          <a:tailEnd type="none" w="med" len="med"/>
-                        </a:lnR>
-                        <a:lnT w="12700" cap="flat" cmpd="sng" algn="ctr">
-                          <a:solidFill>
-                            <a:schemeClr val="tx1"/>
-                          </a:solidFill>
-                          <a:prstDash val="solid"/>
-                          <a:round/>
-                          <a:headEnd type="none" w="med" len="med"/>
-                          <a:tailEnd type="none" w="med" len="med"/>
-                        </a:lnT>
-                        <a:lnB w="12700" cap="flat" cmpd="sng" algn="ctr">
-                          <a:solidFill>
-                            <a:schemeClr val="tx1"/>
-                          </a:solidFill>
-                          <a:prstDash val="solid"/>
-                          <a:round/>
-                          <a:headEnd type="none" w="med" len="med"/>
-                          <a:tailEnd type="none" w="med" len="med"/>
-                        </a:lnB>
-                        <a:blipFill rotWithShape="0">
-                          <a:blip r:embed="rId4"/>
-                          <a:stretch>
-                            <a:fillRect l="-326" t="-172500" r="-283713" b="-12500"/>
-                          </a:stretch>
-                        </a:blipFill>
-                      </a:tcPr>
-                    </a:tc>
-                    <a:tc>
-                      <a:txBody>
-                        <a:bodyPr/>
-                        <a:lstStyle/>
-                        <a:p>
-                          <a:pPr algn="r">
-                            <a:spcAft>
-                              <a:spcPts val="0"/>
-                            </a:spcAft>
-                          </a:pPr>
-                          <a:r>
-                            <a:rPr lang="en-US" sz="1400" b="0">
-                              <a:solidFill>
-                                <a:schemeClr val="tx1"/>
-                              </a:solidFill>
-                              <a:effectLst/>
-                              <a:latin typeface="+mn-lt"/>
-                              <a:ea typeface="Calibri" panose="020F0502020204030204" pitchFamily="34" charset="0"/>
-                              <a:cs typeface="Times New Roman" panose="02020603050405020304" pitchFamily="18" charset="0"/>
-                            </a:rPr>
-                            <a:t>0</a:t>
-                          </a:r>
-                          <a:endParaRPr lang="ru-RU" sz="1400" b="0">
-                            <a:solidFill>
-                              <a:schemeClr val="tx1"/>
-                            </a:solidFill>
-                            <a:effectLst/>
-                            <a:latin typeface="+mn-lt"/>
-                            <a:ea typeface="Calibri" panose="020F0502020204030204" pitchFamily="34" charset="0"/>
-                            <a:cs typeface="Times New Roman" panose="02020603050405020304" pitchFamily="18" charset="0"/>
-                          </a:endParaRPr>
-                        </a:p>
-                      </a:txBody>
-                      <a:tcPr marL="68580" marR="68580" marT="0" marB="0" anchor="ctr">
-                        <a:lnL w="12700" cap="flat" cmpd="sng" algn="ctr">
-                          <a:solidFill>
-                            <a:schemeClr val="tx1"/>
-                          </a:solidFill>
-                          <a:prstDash val="solid"/>
-                          <a:round/>
-                          <a:headEnd type="none" w="med" len="med"/>
-                          <a:tailEnd type="none" w="med" len="med"/>
-                        </a:lnL>
-                        <a:lnR w="12700" cap="flat" cmpd="sng" algn="ctr">
-                          <a:solidFill>
-                            <a:schemeClr val="tx1"/>
-                          </a:solidFill>
-                          <a:prstDash val="solid"/>
-                          <a:round/>
-                          <a:headEnd type="none" w="med" len="med"/>
-                          <a:tailEnd type="none" w="med" len="med"/>
-                        </a:lnR>
-                        <a:lnT w="12700" cap="flat" cmpd="sng" algn="ctr">
-                          <a:solidFill>
-                            <a:schemeClr val="tx1"/>
-                          </a:solidFill>
-                          <a:prstDash val="solid"/>
-                          <a:round/>
-                          <a:headEnd type="none" w="med" len="med"/>
-                          <a:tailEnd type="none" w="med" len="med"/>
-                        </a:lnT>
-                        <a:lnB w="12700" cap="flat" cmpd="sng" algn="ctr">
-                          <a:solidFill>
-                            <a:schemeClr val="tx1"/>
-                          </a:solidFill>
-                          <a:prstDash val="solid"/>
-                          <a:round/>
-                          <a:headEnd type="none" w="med" len="med"/>
-                          <a:tailEnd type="none" w="med" len="med"/>
-                        </a:lnB>
-                        <a:noFill/>
-                      </a:tcPr>
-                    </a:tc>
-                    <a:tc>
-                      <a:txBody>
-                        <a:bodyPr/>
-                        <a:lstStyle/>
-                        <a:p>
-                          <a:pPr algn="r">
-                            <a:spcAft>
-                              <a:spcPts val="0"/>
-                            </a:spcAft>
-                          </a:pPr>
-                          <a:r>
-                            <a:rPr lang="ru-RU" sz="1400" b="0">
-                              <a:solidFill>
-                                <a:schemeClr val="tx1"/>
-                              </a:solidFill>
-                              <a:effectLst/>
-                              <a:latin typeface="+mn-lt"/>
-                              <a:ea typeface="Calibri" panose="020F0502020204030204" pitchFamily="34" charset="0"/>
-                              <a:cs typeface="Times New Roman" panose="02020603050405020304" pitchFamily="18" charset="0"/>
-                            </a:rPr>
-                            <a:t>0</a:t>
-                          </a:r>
-                        </a:p>
-                      </a:txBody>
-                      <a:tcPr marL="68580" marR="68580" marT="0" marB="0" anchor="ctr">
-                        <a:lnL w="12700" cap="flat" cmpd="sng" algn="ctr">
-                          <a:solidFill>
-                            <a:schemeClr val="tx1"/>
-                          </a:solidFill>
-                          <a:prstDash val="solid"/>
-                          <a:round/>
-                          <a:headEnd type="none" w="med" len="med"/>
-                          <a:tailEnd type="none" w="med" len="med"/>
-                        </a:lnL>
-                        <a:lnR w="12700" cap="flat" cmpd="sng" algn="ctr">
-                          <a:solidFill>
-                            <a:schemeClr val="tx1"/>
-                          </a:solidFill>
-                          <a:prstDash val="solid"/>
-                          <a:round/>
-                          <a:headEnd type="none" w="med" len="med"/>
-                          <a:tailEnd type="none" w="med" len="med"/>
-                        </a:lnR>
-                        <a:lnT w="12700" cap="flat" cmpd="sng" algn="ctr">
-                          <a:solidFill>
-                            <a:schemeClr val="tx1"/>
-                          </a:solidFill>
-                          <a:prstDash val="solid"/>
-                          <a:round/>
-                          <a:headEnd type="none" w="med" len="med"/>
-                          <a:tailEnd type="none" w="med" len="med"/>
-                        </a:lnT>
-                        <a:lnB w="12700" cap="flat" cmpd="sng" algn="ctr">
-                          <a:solidFill>
-                            <a:schemeClr val="tx1"/>
-                          </a:solidFill>
-                          <a:prstDash val="solid"/>
-                          <a:round/>
-                          <a:headEnd type="none" w="med" len="med"/>
-                          <a:tailEnd type="none" w="med" len="med"/>
-                        </a:lnB>
-                        <a:noFill/>
-                      </a:tcPr>
-                    </a:tc>
-                    <a:tc>
-                      <a:txBody>
-                        <a:bodyPr/>
-                        <a:lstStyle/>
-                        <a:p>
-                          <a:pPr algn="r">
-                            <a:spcAft>
-                              <a:spcPts val="0"/>
-                            </a:spcAft>
-                          </a:pPr>
-                          <a:r>
-                            <a:rPr lang="ru-RU" sz="1400" b="0" dirty="0">
-                              <a:solidFill>
-                                <a:schemeClr val="tx1"/>
-                              </a:solidFill>
-                              <a:effectLst/>
-                              <a:latin typeface="+mn-lt"/>
-                              <a:ea typeface="Calibri" panose="020F0502020204030204" pitchFamily="34" charset="0"/>
-                              <a:cs typeface="Times New Roman" panose="02020603050405020304" pitchFamily="18" charset="0"/>
-                            </a:rPr>
-                            <a:t>0</a:t>
-                          </a:r>
-                        </a:p>
-                      </a:txBody>
-                      <a:tcPr marL="68580" marR="68580" marT="0" marB="0" anchor="ctr">
-                        <a:lnL w="12700" cap="flat" cmpd="sng" algn="ctr">
-                          <a:solidFill>
-                            <a:schemeClr val="tx1"/>
-                          </a:solidFill>
-                          <a:prstDash val="solid"/>
-                          <a:round/>
-                          <a:headEnd type="none" w="med" len="med"/>
-                          <a:tailEnd type="none" w="med" len="med"/>
-                        </a:lnL>
-                        <a:lnR w="12700" cap="flat" cmpd="sng" algn="ctr">
-                          <a:solidFill>
-                            <a:schemeClr val="tx1"/>
-                          </a:solidFill>
-                          <a:prstDash val="solid"/>
-                          <a:round/>
-                          <a:headEnd type="none" w="med" len="med"/>
-                          <a:tailEnd type="none" w="med" len="med"/>
-                        </a:lnR>
-                        <a:lnT w="12700" cap="flat" cmpd="sng" algn="ctr">
-                          <a:solidFill>
-                            <a:schemeClr val="tx1"/>
-                          </a:solidFill>
-                          <a:prstDash val="solid"/>
-                          <a:round/>
-                          <a:headEnd type="none" w="med" len="med"/>
-                          <a:tailEnd type="none" w="med" len="med"/>
-                        </a:lnT>
-                        <a:lnB w="12700" cap="flat" cmpd="sng" algn="ctr">
-                          <a:solidFill>
-                            <a:schemeClr val="tx1"/>
-                          </a:solidFill>
-                          <a:prstDash val="solid"/>
-                          <a:round/>
-                          <a:headEnd type="none" w="med" len="med"/>
-                          <a:tailEnd type="none" w="med" len="med"/>
-                        </a:lnB>
-                        <a:noFill/>
-                      </a:tcPr>
-                    </a:tc>
-                    <a:tc>
-                      <a:txBody>
-                        <a:bodyPr/>
-                        <a:lstStyle/>
-                        <a:p>
-                          <a:pPr algn="r">
-                            <a:spcAft>
-                              <a:spcPts val="0"/>
-                            </a:spcAft>
-                          </a:pPr>
-                          <a:r>
-                            <a:rPr lang="en-US" sz="1400" b="0" dirty="0">
-                              <a:solidFill>
-                                <a:schemeClr val="tx1"/>
-                              </a:solidFill>
-                              <a:effectLst/>
-                              <a:latin typeface="+mn-lt"/>
-                              <a:ea typeface="Calibri" panose="020F0502020204030204" pitchFamily="34" charset="0"/>
-                              <a:cs typeface="Times New Roman" panose="02020603050405020304" pitchFamily="18" charset="0"/>
-                            </a:rPr>
-                            <a:t>23,33</a:t>
-                          </a:r>
-                          <a:endParaRPr lang="ru-RU" sz="1400" b="0" dirty="0">
-                            <a:solidFill>
-                              <a:schemeClr val="tx1"/>
-                            </a:solidFill>
-                            <a:effectLst/>
-                            <a:latin typeface="+mn-lt"/>
-                            <a:ea typeface="Calibri" panose="020F0502020204030204" pitchFamily="34" charset="0"/>
-                            <a:cs typeface="Times New Roman" panose="02020603050405020304" pitchFamily="18" charset="0"/>
-                          </a:endParaRPr>
-                        </a:p>
-                      </a:txBody>
-                      <a:tcPr marL="68580" marR="68580" marT="0" marB="0" anchor="ctr">
-                        <a:lnL w="12700" cap="flat" cmpd="sng" algn="ctr">
-                          <a:solidFill>
-                            <a:schemeClr val="tx1"/>
-                          </a:solidFill>
-                          <a:prstDash val="solid"/>
-                          <a:round/>
-                          <a:headEnd type="none" w="med" len="med"/>
-                          <a:tailEnd type="none" w="med" len="med"/>
-                        </a:lnL>
-                        <a:lnR w="12700" cap="flat" cmpd="sng" algn="ctr">
-                          <a:solidFill>
-                            <a:schemeClr val="tx1"/>
-                          </a:solidFill>
-                          <a:prstDash val="solid"/>
-                          <a:round/>
-                          <a:headEnd type="none" w="med" len="med"/>
-                          <a:tailEnd type="none" w="med" len="med"/>
-                        </a:lnR>
-                        <a:lnT w="12700" cap="flat" cmpd="sng" algn="ctr">
-                          <a:solidFill>
-                            <a:schemeClr val="tx1"/>
-                          </a:solidFill>
-                          <a:prstDash val="solid"/>
-                          <a:round/>
-                          <a:headEnd type="none" w="med" len="med"/>
-                          <a:tailEnd type="none" w="med" len="med"/>
-                        </a:lnT>
-                        <a:lnB w="12700" cap="flat" cmpd="sng" algn="ctr">
-                          <a:solidFill>
-                            <a:schemeClr val="tx1"/>
-                          </a:solidFill>
-                          <a:prstDash val="solid"/>
-                          <a:round/>
-                          <a:headEnd type="none" w="med" len="med"/>
-                          <a:tailEnd type="none" w="med" len="med"/>
-                        </a:lnB>
-                        <a:noFill/>
-                      </a:tcPr>
-                    </a:tc>
-                  </a:tr>
-                </a:tbl>
-              </a:graphicData>
-            </a:graphic>
-          </p:graphicFrame>
-        </mc:Fallback>
-      </mc:AlternateContent>
-      <mc:AlternateContent xmlns:mc="http://schemas.openxmlformats.org/markup-compatibility/2006" xmlns:a14="http://schemas.microsoft.com/office/drawing/2010/main">
-        <mc:Choice Requires="a14">
+      <mc:AlternateContent xmlns:mc="http://schemas.openxmlformats.org/markup-compatibility/2006">
+        <mc:Choice xmlns:a14="http://schemas.microsoft.com/office/drawing/2010/main" Requires="a14">
           <p:sp>
             <p:nvSpPr>
               <p:cNvPr id="10" name="Content Placeholder 2"/>
@@ -27831,13 +25519,13 @@
             </p:nvSpPr>
             <p:spPr>
               <a:xfrm>
-                <a:off x="285750" y="1761331"/>
-                <a:ext cx="4619625" cy="4687888"/>
+                <a:off x="357849" y="1843087"/>
+                <a:ext cx="5128551" cy="4600575"/>
               </a:xfrm>
             </p:spPr>
             <p:txBody>
               <a:bodyPr>
-                <a:normAutofit fontScale="55000" lnSpcReduction="20000"/>
+                <a:normAutofit fontScale="62500" lnSpcReduction="20000"/>
               </a:bodyPr>
               <a:lstStyle/>
               <a:p>
@@ -28102,54 +25790,15 @@
                 </a:r>
                 <a:r>
                   <a:rPr lang="ru-RU" sz="2900" dirty="0"/>
-                  <a:t>размером в 500 предметов достижение общей верхней границы </a:t>
-                </a:r>
-                <a14:m>
-                  <m:oMath xmlns:m="http://schemas.openxmlformats.org/officeDocument/2006/math">
-                    <m:sSub>
-                      <m:sSubPr>
-                        <m:ctrlPr>
-                          <a:rPr lang="ru-RU" sz="2900" i="1">
-                            <a:latin typeface="Cambria Math" panose="02040503050406030204" pitchFamily="18" charset="0"/>
-                          </a:rPr>
-                        </m:ctrlPr>
-                      </m:sSubPr>
-                      <m:e>
-                        <m:r>
-                          <a:rPr lang="ru-RU" sz="2900" i="1">
-                            <a:latin typeface="Cambria Math" panose="02040503050406030204" pitchFamily="18" charset="0"/>
-                          </a:rPr>
-                          <m:t>𝑈</m:t>
-                        </m:r>
-                      </m:e>
-                      <m:sub>
-                        <m:r>
-                          <a:rPr lang="ru-RU" sz="2900">
-                            <a:latin typeface="Cambria Math" panose="02040503050406030204" pitchFamily="18" charset="0"/>
-                          </a:rPr>
-                          <m:t>3</m:t>
-                        </m:r>
-                      </m:sub>
-                    </m:sSub>
-                  </m:oMath>
-                </a14:m>
-                <a:r>
-                  <a:rPr lang="ru-RU" sz="2900" dirty="0"/>
-                  <a:t> составляет </a:t>
+                  <a:t>размером в 500 предметов </a:t>
                 </a:r>
                 <a:r>
-                  <a:rPr lang="ru-RU" sz="2900" b="1" dirty="0">
-                    <a:solidFill>
-                      <a:schemeClr val="accent6">
-                        <a:lumMod val="75000"/>
-                      </a:schemeClr>
-                    </a:solidFill>
-                  </a:rPr>
-                  <a:t>23,33%</a:t>
+                  <a:rPr lang="ru-RU" sz="2900" dirty="0" smtClean="0"/>
+                  <a:t>самым </a:t>
                 </a:r>
                 <a:r>
                   <a:rPr lang="ru-RU" sz="2900" dirty="0"/>
-                  <a:t> от числа решенных экземпляров задач, а самым быстрым алгоритмом по скорости решения является классический </a:t>
+                  <a:t>быстрым алгоритмом по скорости решения является классический </a:t>
                 </a:r>
                 <a:r>
                   <a:rPr lang="ru-RU" sz="2900" b="1" dirty="0" smtClean="0">
@@ -28173,7 +25822,7 @@
             </p:txBody>
           </p:sp>
         </mc:Choice>
-        <mc:Fallback xmlns="">
+        <mc:Fallback>
           <p:sp>
             <p:nvSpPr>
               <p:cNvPr id="10" name="Content Placeholder 2"/>
@@ -28186,13 +25835,13 @@
             </p:nvSpPr>
             <p:spPr>
               <a:xfrm>
-                <a:off x="285750" y="1761331"/>
-                <a:ext cx="4619625" cy="4687888"/>
+                <a:off x="357849" y="1843087"/>
+                <a:ext cx="5128551" cy="4600575"/>
               </a:xfrm>
               <a:blipFill rotWithShape="0">
-                <a:blip r:embed="rId5"/>
+                <a:blip r:embed="rId4"/>
                 <a:stretch>
-                  <a:fillRect l="-792" t="-1691" r="-660"/>
+                  <a:fillRect l="-1070" t="-2119" r="-951"/>
                 </a:stretch>
               </a:blipFill>
             </p:spPr>
@@ -28219,7 +25868,7 @@
         </p:nvSpPr>
         <p:spPr>
           <a:xfrm>
-            <a:off x="10628511" y="1487498"/>
+            <a:off x="10568649" y="1607167"/>
             <a:ext cx="1570302" cy="369332"/>
           </a:xfrm>
           <a:prstGeom prst="rect">
@@ -28308,7 +25957,7 @@
         </p:nvSpPr>
         <p:spPr>
           <a:xfrm>
-            <a:off x="10523729" y="3659089"/>
+            <a:off x="10423054" y="3982740"/>
             <a:ext cx="1687321" cy="369332"/>
           </a:xfrm>
           <a:prstGeom prst="rect">
@@ -28344,6 +25993,2317 @@
           </a:p>
         </p:txBody>
       </p:sp>
+      <mc:AlternateContent xmlns:mc="http://schemas.openxmlformats.org/markup-compatibility/2006">
+        <mc:Choice xmlns:a14="http://schemas.microsoft.com/office/drawing/2010/main" Requires="a14">
+          <p:graphicFrame>
+            <p:nvGraphicFramePr>
+              <p:cNvPr id="3" name="Table 2"/>
+              <p:cNvGraphicFramePr>
+                <a:graphicFrameLocks noGrp="1"/>
+              </p:cNvGraphicFramePr>
+              <p:nvPr>
+                <p:extLst>
+                  <p:ext uri="{D42A27DB-BD31-4B8C-83A1-F6EECF244321}">
+                    <p14:modId xmlns:p14="http://schemas.microsoft.com/office/powerpoint/2010/main" val="4187912690"/>
+                  </p:ext>
+                </p:extLst>
+              </p:nvPr>
+            </p:nvGraphicFramePr>
+            <p:xfrm>
+              <a:off x="5614586" y="4352072"/>
+              <a:ext cx="6475939" cy="1645920"/>
+            </p:xfrm>
+            <a:graphic>
+              <a:graphicData uri="http://schemas.openxmlformats.org/drawingml/2006/table">
+                <a:tbl>
+                  <a:tblPr firstRow="1" firstCol="1" bandRow="1">
+                    <a:tableStyleId>{5C22544A-7EE6-4342-B048-85BDC9FD1C3A}</a:tableStyleId>
+                  </a:tblPr>
+                  <a:tblGrid>
+                    <a:gridCol w="2442498"/>
+                    <a:gridCol w="1006219"/>
+                    <a:gridCol w="1029262"/>
+                    <a:gridCol w="1044624"/>
+                    <a:gridCol w="953336"/>
+                  </a:tblGrid>
+                  <a:tr h="0">
+                    <a:tc>
+                      <a:txBody>
+                        <a:bodyPr/>
+                        <a:lstStyle/>
+                        <a:p>
+                          <a:pPr>
+                            <a:spcAft>
+                              <a:spcPts val="0"/>
+                            </a:spcAft>
+                          </a:pPr>
+                          <a:r>
+                            <a:rPr lang="ru-RU" sz="1200" b="0" dirty="0">
+                              <a:solidFill>
+                                <a:schemeClr val="tx1"/>
+                              </a:solidFill>
+                              <a:effectLst/>
+                              <a:latin typeface="+mn-lt"/>
+                              <a:ea typeface="Times New Roman" panose="02020603050405020304" pitchFamily="18" charset="0"/>
+                              <a:cs typeface="Times New Roman" panose="02020603050405020304" pitchFamily="18" charset="0"/>
+                            </a:rPr>
+                            <a:t> </a:t>
+                          </a:r>
+                          <a:endParaRPr lang="ru-RU" sz="1200" b="0" dirty="0">
+                            <a:solidFill>
+                              <a:schemeClr val="tx1"/>
+                            </a:solidFill>
+                            <a:effectLst/>
+                            <a:latin typeface="+mn-lt"/>
+                            <a:ea typeface="Calibri" panose="020F0502020204030204" pitchFamily="34" charset="0"/>
+                            <a:cs typeface="Times New Roman" panose="02020603050405020304" pitchFamily="18" charset="0"/>
+                          </a:endParaRPr>
+                        </a:p>
+                      </a:txBody>
+                      <a:tcPr marL="68580" marR="68580" marT="0" marB="0">
+                        <a:lnL w="12700" cap="flat" cmpd="sng" algn="ctr">
+                          <a:solidFill>
+                            <a:schemeClr val="tx1"/>
+                          </a:solidFill>
+                          <a:prstDash val="solid"/>
+                          <a:round/>
+                          <a:headEnd type="none" w="med" len="med"/>
+                          <a:tailEnd type="none" w="med" len="med"/>
+                        </a:lnL>
+                        <a:lnR w="12700" cap="flat" cmpd="sng" algn="ctr">
+                          <a:solidFill>
+                            <a:schemeClr val="tx1"/>
+                          </a:solidFill>
+                          <a:prstDash val="solid"/>
+                          <a:round/>
+                          <a:headEnd type="none" w="med" len="med"/>
+                          <a:tailEnd type="none" w="med" len="med"/>
+                        </a:lnR>
+                        <a:lnT w="12700" cap="flat" cmpd="sng" algn="ctr">
+                          <a:solidFill>
+                            <a:schemeClr val="tx1"/>
+                          </a:solidFill>
+                          <a:prstDash val="solid"/>
+                          <a:round/>
+                          <a:headEnd type="none" w="med" len="med"/>
+                          <a:tailEnd type="none" w="med" len="med"/>
+                        </a:lnT>
+                        <a:lnB w="12700" cap="flat" cmpd="sng" algn="ctr">
+                          <a:solidFill>
+                            <a:schemeClr val="tx1"/>
+                          </a:solidFill>
+                          <a:prstDash val="solid"/>
+                          <a:round/>
+                          <a:headEnd type="none" w="med" len="med"/>
+                          <a:tailEnd type="none" w="med" len="med"/>
+                        </a:lnB>
+                        <a:noFill/>
+                      </a:tcPr>
+                    </a:tc>
+                    <a:tc>
+                      <a:txBody>
+                        <a:bodyPr/>
+                        <a:lstStyle/>
+                        <a:p>
+                          <a:pPr>
+                            <a:spcAft>
+                              <a:spcPts val="0"/>
+                            </a:spcAft>
+                          </a:pPr>
+                          <a:r>
+                            <a:rPr lang="ru-RU" sz="1200" b="0" smtClean="0">
+                              <a:solidFill>
+                                <a:schemeClr val="tx1"/>
+                              </a:solidFill>
+                              <a:effectLst/>
+                              <a:latin typeface="+mn-lt"/>
+                              <a:ea typeface="Calibri" panose="020F0502020204030204" pitchFamily="34" charset="0"/>
+                              <a:cs typeface="Times New Roman" panose="02020603050405020304" pitchFamily="18" charset="0"/>
+                            </a:rPr>
+                            <a:t>без </a:t>
+                          </a:r>
+                          <a:r>
+                            <a:rPr lang="ru-RU" sz="1200" b="0" dirty="0">
+                              <a:solidFill>
+                                <a:schemeClr val="tx1"/>
+                              </a:solidFill>
+                              <a:effectLst/>
+                              <a:latin typeface="+mn-lt"/>
+                              <a:ea typeface="Calibri" panose="020F0502020204030204" pitchFamily="34" charset="0"/>
+                              <a:cs typeface="Times New Roman" panose="02020603050405020304" pitchFamily="18" charset="0"/>
+                            </a:rPr>
+                            <a:t>корреляции</a:t>
+                          </a:r>
+                        </a:p>
+                      </a:txBody>
+                      <a:tcPr marL="68580" marR="68580" marT="0" marB="0">
+                        <a:lnL w="12700" cap="flat" cmpd="sng" algn="ctr">
+                          <a:solidFill>
+                            <a:schemeClr val="tx1"/>
+                          </a:solidFill>
+                          <a:prstDash val="solid"/>
+                          <a:round/>
+                          <a:headEnd type="none" w="med" len="med"/>
+                          <a:tailEnd type="none" w="med" len="med"/>
+                        </a:lnL>
+                        <a:lnR w="12700" cap="flat" cmpd="sng" algn="ctr">
+                          <a:solidFill>
+                            <a:schemeClr val="tx1"/>
+                          </a:solidFill>
+                          <a:prstDash val="solid"/>
+                          <a:round/>
+                          <a:headEnd type="none" w="med" len="med"/>
+                          <a:tailEnd type="none" w="med" len="med"/>
+                        </a:lnR>
+                        <a:lnT w="12700" cap="flat" cmpd="sng" algn="ctr">
+                          <a:solidFill>
+                            <a:schemeClr val="tx1"/>
+                          </a:solidFill>
+                          <a:prstDash val="solid"/>
+                          <a:round/>
+                          <a:headEnd type="none" w="med" len="med"/>
+                          <a:tailEnd type="none" w="med" len="med"/>
+                        </a:lnT>
+                        <a:lnB w="12700" cap="flat" cmpd="sng" algn="ctr">
+                          <a:solidFill>
+                            <a:schemeClr val="tx1"/>
+                          </a:solidFill>
+                          <a:prstDash val="solid"/>
+                          <a:round/>
+                          <a:headEnd type="none" w="med" len="med"/>
+                          <a:tailEnd type="none" w="med" len="med"/>
+                        </a:lnB>
+                        <a:noFill/>
+                      </a:tcPr>
+                    </a:tc>
+                    <a:tc>
+                      <a:txBody>
+                        <a:bodyPr/>
+                        <a:lstStyle/>
+                        <a:p>
+                          <a:pPr>
+                            <a:spcAft>
+                              <a:spcPts val="0"/>
+                            </a:spcAft>
+                          </a:pPr>
+                          <a:r>
+                            <a:rPr lang="ru-RU" sz="1200" b="0" dirty="0" smtClean="0">
+                              <a:solidFill>
+                                <a:schemeClr val="tx1"/>
+                              </a:solidFill>
+                              <a:effectLst/>
+                              <a:latin typeface="+mn-lt"/>
+                              <a:ea typeface="Calibri" panose="020F0502020204030204" pitchFamily="34" charset="0"/>
+                              <a:cs typeface="Times New Roman" panose="02020603050405020304" pitchFamily="18" charset="0"/>
+                            </a:rPr>
+                            <a:t>с </a:t>
+                          </a:r>
+                          <a:r>
+                            <a:rPr lang="ru-RU" sz="1200" b="0" dirty="0">
+                              <a:solidFill>
+                                <a:schemeClr val="tx1"/>
+                              </a:solidFill>
+                              <a:effectLst/>
+                              <a:latin typeface="+mn-lt"/>
+                              <a:ea typeface="Calibri" panose="020F0502020204030204" pitchFamily="34" charset="0"/>
+                              <a:cs typeface="Times New Roman" panose="02020603050405020304" pitchFamily="18" charset="0"/>
+                            </a:rPr>
+                            <a:t>слабой </a:t>
+                          </a:r>
+                          <a:r>
+                            <a:rPr lang="ru-RU" sz="1200" b="0" dirty="0" smtClean="0">
+                              <a:solidFill>
+                                <a:schemeClr val="tx1"/>
+                              </a:solidFill>
+                              <a:effectLst/>
+                              <a:latin typeface="+mn-lt"/>
+                              <a:ea typeface="Calibri" panose="020F0502020204030204" pitchFamily="34" charset="0"/>
+                              <a:cs typeface="Times New Roman" panose="02020603050405020304" pitchFamily="18" charset="0"/>
+                            </a:rPr>
+                            <a:t>корреляцией</a:t>
+                          </a:r>
+                          <a:endParaRPr lang="ru-RU" sz="1200" b="0" dirty="0">
+                            <a:solidFill>
+                              <a:schemeClr val="tx1"/>
+                            </a:solidFill>
+                            <a:effectLst/>
+                            <a:latin typeface="+mn-lt"/>
+                            <a:ea typeface="Calibri" panose="020F0502020204030204" pitchFamily="34" charset="0"/>
+                            <a:cs typeface="Times New Roman" panose="02020603050405020304" pitchFamily="18" charset="0"/>
+                          </a:endParaRPr>
+                        </a:p>
+                      </a:txBody>
+                      <a:tcPr marL="68580" marR="68580" marT="0" marB="0">
+                        <a:lnL w="12700" cap="flat" cmpd="sng" algn="ctr">
+                          <a:solidFill>
+                            <a:schemeClr val="tx1"/>
+                          </a:solidFill>
+                          <a:prstDash val="solid"/>
+                          <a:round/>
+                          <a:headEnd type="none" w="med" len="med"/>
+                          <a:tailEnd type="none" w="med" len="med"/>
+                        </a:lnL>
+                        <a:lnR w="12700" cap="flat" cmpd="sng" algn="ctr">
+                          <a:solidFill>
+                            <a:schemeClr val="tx1"/>
+                          </a:solidFill>
+                          <a:prstDash val="solid"/>
+                          <a:round/>
+                          <a:headEnd type="none" w="med" len="med"/>
+                          <a:tailEnd type="none" w="med" len="med"/>
+                        </a:lnR>
+                        <a:lnT w="12700" cap="flat" cmpd="sng" algn="ctr">
+                          <a:solidFill>
+                            <a:schemeClr val="tx1"/>
+                          </a:solidFill>
+                          <a:prstDash val="solid"/>
+                          <a:round/>
+                          <a:headEnd type="none" w="med" len="med"/>
+                          <a:tailEnd type="none" w="med" len="med"/>
+                        </a:lnT>
+                        <a:lnB w="12700" cap="flat" cmpd="sng" algn="ctr">
+                          <a:solidFill>
+                            <a:schemeClr val="tx1"/>
+                          </a:solidFill>
+                          <a:prstDash val="solid"/>
+                          <a:round/>
+                          <a:headEnd type="none" w="med" len="med"/>
+                          <a:tailEnd type="none" w="med" len="med"/>
+                        </a:lnB>
+                        <a:noFill/>
+                      </a:tcPr>
+                    </a:tc>
+                    <a:tc>
+                      <a:txBody>
+                        <a:bodyPr/>
+                        <a:lstStyle/>
+                        <a:p>
+                          <a:pPr>
+                            <a:spcAft>
+                              <a:spcPts val="0"/>
+                            </a:spcAft>
+                          </a:pPr>
+                          <a:r>
+                            <a:rPr lang="ru-RU" sz="1200" b="0" dirty="0" smtClean="0">
+                              <a:solidFill>
+                                <a:schemeClr val="tx1"/>
+                              </a:solidFill>
+                              <a:effectLst/>
+                              <a:latin typeface="+mn-lt"/>
+                              <a:ea typeface="Calibri" panose="020F0502020204030204" pitchFamily="34" charset="0"/>
+                              <a:cs typeface="Times New Roman" panose="02020603050405020304" pitchFamily="18" charset="0"/>
+                            </a:rPr>
+                            <a:t>с </a:t>
+                          </a:r>
+                          <a:r>
+                            <a:rPr lang="ru-RU" sz="1200" b="0" dirty="0">
+                              <a:solidFill>
+                                <a:schemeClr val="tx1"/>
+                              </a:solidFill>
+                              <a:effectLst/>
+                              <a:latin typeface="+mn-lt"/>
+                              <a:ea typeface="Calibri" panose="020F0502020204030204" pitchFamily="34" charset="0"/>
+                              <a:cs typeface="Times New Roman" panose="02020603050405020304" pitchFamily="18" charset="0"/>
+                            </a:rPr>
+                            <a:t>сильной корреляцией</a:t>
+                          </a:r>
+                        </a:p>
+                      </a:txBody>
+                      <a:tcPr marL="68580" marR="68580" marT="0" marB="0">
+                        <a:lnL w="12700" cap="flat" cmpd="sng" algn="ctr">
+                          <a:solidFill>
+                            <a:schemeClr val="tx1"/>
+                          </a:solidFill>
+                          <a:prstDash val="solid"/>
+                          <a:round/>
+                          <a:headEnd type="none" w="med" len="med"/>
+                          <a:tailEnd type="none" w="med" len="med"/>
+                        </a:lnL>
+                        <a:lnR w="12700" cap="flat" cmpd="sng" algn="ctr">
+                          <a:solidFill>
+                            <a:schemeClr val="tx1"/>
+                          </a:solidFill>
+                          <a:prstDash val="solid"/>
+                          <a:round/>
+                          <a:headEnd type="none" w="med" len="med"/>
+                          <a:tailEnd type="none" w="med" len="med"/>
+                        </a:lnR>
+                        <a:lnT w="12700" cap="flat" cmpd="sng" algn="ctr">
+                          <a:solidFill>
+                            <a:schemeClr val="tx1"/>
+                          </a:solidFill>
+                          <a:prstDash val="solid"/>
+                          <a:round/>
+                          <a:headEnd type="none" w="med" len="med"/>
+                          <a:tailEnd type="none" w="med" len="med"/>
+                        </a:lnT>
+                        <a:lnB w="12700" cap="flat" cmpd="sng" algn="ctr">
+                          <a:solidFill>
+                            <a:schemeClr val="tx1"/>
+                          </a:solidFill>
+                          <a:prstDash val="solid"/>
+                          <a:round/>
+                          <a:headEnd type="none" w="med" len="med"/>
+                          <a:tailEnd type="none" w="med" len="med"/>
+                        </a:lnB>
+                        <a:noFill/>
+                      </a:tcPr>
+                    </a:tc>
+                    <a:tc>
+                      <a:txBody>
+                        <a:bodyPr/>
+                        <a:lstStyle/>
+                        <a:p>
+                          <a:pPr>
+                            <a:spcAft>
+                              <a:spcPts val="0"/>
+                            </a:spcAft>
+                          </a:pPr>
+                          <a:r>
+                            <a:rPr lang="ru-RU" sz="1200" b="0" dirty="0" smtClean="0">
+                              <a:solidFill>
+                                <a:schemeClr val="tx1"/>
+                              </a:solidFill>
+                              <a:effectLst/>
+                              <a:latin typeface="+mn-lt"/>
+                              <a:ea typeface="Calibri" panose="020F0502020204030204" pitchFamily="34" charset="0"/>
+                              <a:cs typeface="Times New Roman" panose="02020603050405020304" pitchFamily="18" charset="0"/>
+                            </a:rPr>
+                            <a:t>с </a:t>
+                          </a:r>
+                          <a:r>
+                            <a:rPr lang="ru-RU" sz="1200" b="0" dirty="0">
+                              <a:solidFill>
+                                <a:schemeClr val="tx1"/>
+                              </a:solidFill>
+                              <a:effectLst/>
+                              <a:latin typeface="+mn-lt"/>
+                              <a:ea typeface="Calibri" panose="020F0502020204030204" pitchFamily="34" charset="0"/>
+                              <a:cs typeface="Times New Roman" panose="02020603050405020304" pitchFamily="18" charset="0"/>
+                            </a:rPr>
+                            <a:t>подсуммами</a:t>
+                          </a:r>
+                        </a:p>
+                      </a:txBody>
+                      <a:tcPr marL="68580" marR="68580" marT="0" marB="0">
+                        <a:lnL w="12700" cap="flat" cmpd="sng" algn="ctr">
+                          <a:solidFill>
+                            <a:schemeClr val="tx1"/>
+                          </a:solidFill>
+                          <a:prstDash val="solid"/>
+                          <a:round/>
+                          <a:headEnd type="none" w="med" len="med"/>
+                          <a:tailEnd type="none" w="med" len="med"/>
+                        </a:lnL>
+                        <a:lnR w="12700" cap="flat" cmpd="sng" algn="ctr">
+                          <a:solidFill>
+                            <a:schemeClr val="tx1"/>
+                          </a:solidFill>
+                          <a:prstDash val="solid"/>
+                          <a:round/>
+                          <a:headEnd type="none" w="med" len="med"/>
+                          <a:tailEnd type="none" w="med" len="med"/>
+                        </a:lnR>
+                        <a:lnT w="12700" cap="flat" cmpd="sng" algn="ctr">
+                          <a:solidFill>
+                            <a:schemeClr val="tx1"/>
+                          </a:solidFill>
+                          <a:prstDash val="solid"/>
+                          <a:round/>
+                          <a:headEnd type="none" w="med" len="med"/>
+                          <a:tailEnd type="none" w="med" len="med"/>
+                        </a:lnT>
+                        <a:lnB w="12700" cap="flat" cmpd="sng" algn="ctr">
+                          <a:solidFill>
+                            <a:schemeClr val="tx1"/>
+                          </a:solidFill>
+                          <a:prstDash val="solid"/>
+                          <a:round/>
+                          <a:headEnd type="none" w="med" len="med"/>
+                          <a:tailEnd type="none" w="med" len="med"/>
+                        </a:lnB>
+                        <a:noFill/>
+                      </a:tcPr>
+                    </a:tc>
+                  </a:tr>
+                  <a:tr h="0">
+                    <a:tc>
+                      <a:txBody>
+                        <a:bodyPr/>
+                        <a:lstStyle/>
+                        <a:p>
+                          <a:pPr>
+                            <a:spcAft>
+                              <a:spcPts val="0"/>
+                            </a:spcAft>
+                          </a:pPr>
+                          <a:r>
+                            <a:rPr lang="ru-RU" sz="1200" b="0" dirty="0">
+                              <a:solidFill>
+                                <a:schemeClr val="tx1"/>
+                              </a:solidFill>
+                              <a:effectLst/>
+                              <a:latin typeface="+mn-lt"/>
+                              <a:ea typeface="Times New Roman" panose="02020603050405020304" pitchFamily="18" charset="0"/>
+                              <a:cs typeface="Times New Roman" panose="02020603050405020304" pitchFamily="18" charset="0"/>
+                            </a:rPr>
+                            <a:t>Количество задач, для решения которых применилось свойство периодичности, %</a:t>
+                          </a:r>
+                          <a:endParaRPr lang="ru-RU" sz="1200" b="0" dirty="0">
+                            <a:solidFill>
+                              <a:schemeClr val="tx1"/>
+                            </a:solidFill>
+                            <a:effectLst/>
+                            <a:latin typeface="+mn-lt"/>
+                            <a:ea typeface="Calibri" panose="020F0502020204030204" pitchFamily="34" charset="0"/>
+                            <a:cs typeface="Times New Roman" panose="02020603050405020304" pitchFamily="18" charset="0"/>
+                          </a:endParaRPr>
+                        </a:p>
+                      </a:txBody>
+                      <a:tcPr marL="68580" marR="68580" marT="0" marB="0">
+                        <a:lnL w="12700" cap="flat" cmpd="sng" algn="ctr">
+                          <a:solidFill>
+                            <a:schemeClr val="tx1"/>
+                          </a:solidFill>
+                          <a:prstDash val="solid"/>
+                          <a:round/>
+                          <a:headEnd type="none" w="med" len="med"/>
+                          <a:tailEnd type="none" w="med" len="med"/>
+                        </a:lnL>
+                        <a:lnR w="12700" cap="flat" cmpd="sng" algn="ctr">
+                          <a:solidFill>
+                            <a:schemeClr val="tx1"/>
+                          </a:solidFill>
+                          <a:prstDash val="solid"/>
+                          <a:round/>
+                          <a:headEnd type="none" w="med" len="med"/>
+                          <a:tailEnd type="none" w="med" len="med"/>
+                        </a:lnR>
+                        <a:lnT w="12700" cap="flat" cmpd="sng" algn="ctr">
+                          <a:solidFill>
+                            <a:schemeClr val="tx1"/>
+                          </a:solidFill>
+                          <a:prstDash val="solid"/>
+                          <a:round/>
+                          <a:headEnd type="none" w="med" len="med"/>
+                          <a:tailEnd type="none" w="med" len="med"/>
+                        </a:lnT>
+                        <a:lnB w="12700" cap="flat" cmpd="sng" algn="ctr">
+                          <a:solidFill>
+                            <a:schemeClr val="tx1"/>
+                          </a:solidFill>
+                          <a:prstDash val="solid"/>
+                          <a:round/>
+                          <a:headEnd type="none" w="med" len="med"/>
+                          <a:tailEnd type="none" w="med" len="med"/>
+                        </a:lnB>
+                        <a:noFill/>
+                      </a:tcPr>
+                    </a:tc>
+                    <a:tc>
+                      <a:txBody>
+                        <a:bodyPr/>
+                        <a:lstStyle/>
+                        <a:p>
+                          <a:pPr algn="r">
+                            <a:spcAft>
+                              <a:spcPts val="0"/>
+                            </a:spcAft>
+                          </a:pPr>
+                          <a:r>
+                            <a:rPr lang="en-US" sz="1400" b="0" dirty="0">
+                              <a:solidFill>
+                                <a:schemeClr val="tx1"/>
+                              </a:solidFill>
+                              <a:effectLst/>
+                              <a:latin typeface="+mn-lt"/>
+                              <a:ea typeface="Calibri" panose="020F0502020204030204" pitchFamily="34" charset="0"/>
+                              <a:cs typeface="Times New Roman" panose="02020603050405020304" pitchFamily="18" charset="0"/>
+                            </a:rPr>
+                            <a:t>50</a:t>
+                          </a:r>
+                          <a:endParaRPr lang="ru-RU" sz="1400" b="0" dirty="0">
+                            <a:solidFill>
+                              <a:schemeClr val="tx1"/>
+                            </a:solidFill>
+                            <a:effectLst/>
+                            <a:latin typeface="+mn-lt"/>
+                            <a:ea typeface="Calibri" panose="020F0502020204030204" pitchFamily="34" charset="0"/>
+                            <a:cs typeface="Times New Roman" panose="02020603050405020304" pitchFamily="18" charset="0"/>
+                          </a:endParaRPr>
+                        </a:p>
+                      </a:txBody>
+                      <a:tcPr marL="68580" marR="68580" marT="0" marB="0" anchor="ctr">
+                        <a:lnL w="12700" cap="flat" cmpd="sng" algn="ctr">
+                          <a:solidFill>
+                            <a:schemeClr val="tx1"/>
+                          </a:solidFill>
+                          <a:prstDash val="solid"/>
+                          <a:round/>
+                          <a:headEnd type="none" w="med" len="med"/>
+                          <a:tailEnd type="none" w="med" len="med"/>
+                        </a:lnL>
+                        <a:lnR w="12700" cap="flat" cmpd="sng" algn="ctr">
+                          <a:solidFill>
+                            <a:schemeClr val="tx1"/>
+                          </a:solidFill>
+                          <a:prstDash val="solid"/>
+                          <a:round/>
+                          <a:headEnd type="none" w="med" len="med"/>
+                          <a:tailEnd type="none" w="med" len="med"/>
+                        </a:lnR>
+                        <a:lnT w="12700" cap="flat" cmpd="sng" algn="ctr">
+                          <a:solidFill>
+                            <a:schemeClr val="tx1"/>
+                          </a:solidFill>
+                          <a:prstDash val="solid"/>
+                          <a:round/>
+                          <a:headEnd type="none" w="med" len="med"/>
+                          <a:tailEnd type="none" w="med" len="med"/>
+                        </a:lnT>
+                        <a:lnB w="12700" cap="flat" cmpd="sng" algn="ctr">
+                          <a:solidFill>
+                            <a:schemeClr val="tx1"/>
+                          </a:solidFill>
+                          <a:prstDash val="solid"/>
+                          <a:round/>
+                          <a:headEnd type="none" w="med" len="med"/>
+                          <a:tailEnd type="none" w="med" len="med"/>
+                        </a:lnB>
+                        <a:noFill/>
+                      </a:tcPr>
+                    </a:tc>
+                    <a:tc>
+                      <a:txBody>
+                        <a:bodyPr/>
+                        <a:lstStyle/>
+                        <a:p>
+                          <a:pPr algn="r">
+                            <a:spcAft>
+                              <a:spcPts val="0"/>
+                            </a:spcAft>
+                          </a:pPr>
+                          <a:r>
+                            <a:rPr lang="ru-RU" sz="1400" b="0" dirty="0">
+                              <a:solidFill>
+                                <a:schemeClr val="tx1"/>
+                              </a:solidFill>
+                              <a:effectLst/>
+                              <a:latin typeface="+mn-lt"/>
+                              <a:ea typeface="Calibri" panose="020F0502020204030204" pitchFamily="34" charset="0"/>
+                              <a:cs typeface="Times New Roman" panose="02020603050405020304" pitchFamily="18" charset="0"/>
+                            </a:rPr>
+                            <a:t>30</a:t>
+                          </a:r>
+                        </a:p>
+                      </a:txBody>
+                      <a:tcPr marL="68580" marR="68580" marT="0" marB="0" anchor="ctr">
+                        <a:lnL w="12700" cap="flat" cmpd="sng" algn="ctr">
+                          <a:solidFill>
+                            <a:schemeClr val="tx1"/>
+                          </a:solidFill>
+                          <a:prstDash val="solid"/>
+                          <a:round/>
+                          <a:headEnd type="none" w="med" len="med"/>
+                          <a:tailEnd type="none" w="med" len="med"/>
+                        </a:lnL>
+                        <a:lnR w="12700" cap="flat" cmpd="sng" algn="ctr">
+                          <a:solidFill>
+                            <a:schemeClr val="tx1"/>
+                          </a:solidFill>
+                          <a:prstDash val="solid"/>
+                          <a:round/>
+                          <a:headEnd type="none" w="med" len="med"/>
+                          <a:tailEnd type="none" w="med" len="med"/>
+                        </a:lnR>
+                        <a:lnT w="12700" cap="flat" cmpd="sng" algn="ctr">
+                          <a:solidFill>
+                            <a:schemeClr val="tx1"/>
+                          </a:solidFill>
+                          <a:prstDash val="solid"/>
+                          <a:round/>
+                          <a:headEnd type="none" w="med" len="med"/>
+                          <a:tailEnd type="none" w="med" len="med"/>
+                        </a:lnT>
+                        <a:lnB w="12700" cap="flat" cmpd="sng" algn="ctr">
+                          <a:solidFill>
+                            <a:schemeClr val="tx1"/>
+                          </a:solidFill>
+                          <a:prstDash val="solid"/>
+                          <a:round/>
+                          <a:headEnd type="none" w="med" len="med"/>
+                          <a:tailEnd type="none" w="med" len="med"/>
+                        </a:lnB>
+                        <a:noFill/>
+                      </a:tcPr>
+                    </a:tc>
+                    <a:tc>
+                      <a:txBody>
+                        <a:bodyPr/>
+                        <a:lstStyle/>
+                        <a:p>
+                          <a:pPr algn="r">
+                            <a:spcAft>
+                              <a:spcPts val="0"/>
+                            </a:spcAft>
+                          </a:pPr>
+                          <a:r>
+                            <a:rPr lang="ru-RU" sz="1400" b="0" dirty="0">
+                              <a:solidFill>
+                                <a:schemeClr val="tx1"/>
+                              </a:solidFill>
+                              <a:effectLst/>
+                              <a:latin typeface="+mn-lt"/>
+                              <a:ea typeface="Calibri" panose="020F0502020204030204" pitchFamily="34" charset="0"/>
+                              <a:cs typeface="Times New Roman" panose="02020603050405020304" pitchFamily="18" charset="0"/>
+                            </a:rPr>
+                            <a:t>40</a:t>
+                          </a:r>
+                        </a:p>
+                      </a:txBody>
+                      <a:tcPr marL="68580" marR="68580" marT="0" marB="0" anchor="ctr">
+                        <a:lnL w="12700" cap="flat" cmpd="sng" algn="ctr">
+                          <a:solidFill>
+                            <a:schemeClr val="tx1"/>
+                          </a:solidFill>
+                          <a:prstDash val="solid"/>
+                          <a:round/>
+                          <a:headEnd type="none" w="med" len="med"/>
+                          <a:tailEnd type="none" w="med" len="med"/>
+                        </a:lnL>
+                        <a:lnR w="12700" cap="flat" cmpd="sng" algn="ctr">
+                          <a:solidFill>
+                            <a:schemeClr val="tx1"/>
+                          </a:solidFill>
+                          <a:prstDash val="solid"/>
+                          <a:round/>
+                          <a:headEnd type="none" w="med" len="med"/>
+                          <a:tailEnd type="none" w="med" len="med"/>
+                        </a:lnR>
+                        <a:lnT w="12700" cap="flat" cmpd="sng" algn="ctr">
+                          <a:solidFill>
+                            <a:schemeClr val="tx1"/>
+                          </a:solidFill>
+                          <a:prstDash val="solid"/>
+                          <a:round/>
+                          <a:headEnd type="none" w="med" len="med"/>
+                          <a:tailEnd type="none" w="med" len="med"/>
+                        </a:lnT>
+                        <a:lnB w="12700" cap="flat" cmpd="sng" algn="ctr">
+                          <a:solidFill>
+                            <a:schemeClr val="tx1"/>
+                          </a:solidFill>
+                          <a:prstDash val="solid"/>
+                          <a:round/>
+                          <a:headEnd type="none" w="med" len="med"/>
+                          <a:tailEnd type="none" w="med" len="med"/>
+                        </a:lnB>
+                        <a:noFill/>
+                      </a:tcPr>
+                    </a:tc>
+                    <a:tc>
+                      <a:txBody>
+                        <a:bodyPr/>
+                        <a:lstStyle/>
+                        <a:p>
+                          <a:pPr algn="r">
+                            <a:spcAft>
+                              <a:spcPts val="0"/>
+                            </a:spcAft>
+                          </a:pPr>
+                          <a:r>
+                            <a:rPr lang="en-US" sz="1400" b="0">
+                              <a:solidFill>
+                                <a:schemeClr val="tx1"/>
+                              </a:solidFill>
+                              <a:effectLst/>
+                              <a:latin typeface="+mn-lt"/>
+                              <a:ea typeface="Calibri" panose="020F0502020204030204" pitchFamily="34" charset="0"/>
+                              <a:cs typeface="Times New Roman" panose="02020603050405020304" pitchFamily="18" charset="0"/>
+                            </a:rPr>
+                            <a:t>0</a:t>
+                          </a:r>
+                          <a:endParaRPr lang="ru-RU" sz="1400" b="0">
+                            <a:solidFill>
+                              <a:schemeClr val="tx1"/>
+                            </a:solidFill>
+                            <a:effectLst/>
+                            <a:latin typeface="+mn-lt"/>
+                            <a:ea typeface="Calibri" panose="020F0502020204030204" pitchFamily="34" charset="0"/>
+                            <a:cs typeface="Times New Roman" panose="02020603050405020304" pitchFamily="18" charset="0"/>
+                          </a:endParaRPr>
+                        </a:p>
+                      </a:txBody>
+                      <a:tcPr marL="68580" marR="68580" marT="0" marB="0" anchor="ctr">
+                        <a:lnL w="12700" cap="flat" cmpd="sng" algn="ctr">
+                          <a:solidFill>
+                            <a:schemeClr val="tx1"/>
+                          </a:solidFill>
+                          <a:prstDash val="solid"/>
+                          <a:round/>
+                          <a:headEnd type="none" w="med" len="med"/>
+                          <a:tailEnd type="none" w="med" len="med"/>
+                        </a:lnL>
+                        <a:lnR w="12700" cap="flat" cmpd="sng" algn="ctr">
+                          <a:solidFill>
+                            <a:schemeClr val="tx1"/>
+                          </a:solidFill>
+                          <a:prstDash val="solid"/>
+                          <a:round/>
+                          <a:headEnd type="none" w="med" len="med"/>
+                          <a:tailEnd type="none" w="med" len="med"/>
+                        </a:lnR>
+                        <a:lnT w="12700" cap="flat" cmpd="sng" algn="ctr">
+                          <a:solidFill>
+                            <a:schemeClr val="tx1"/>
+                          </a:solidFill>
+                          <a:prstDash val="solid"/>
+                          <a:round/>
+                          <a:headEnd type="none" w="med" len="med"/>
+                          <a:tailEnd type="none" w="med" len="med"/>
+                        </a:lnT>
+                        <a:lnB w="12700" cap="flat" cmpd="sng" algn="ctr">
+                          <a:solidFill>
+                            <a:schemeClr val="tx1"/>
+                          </a:solidFill>
+                          <a:prstDash val="solid"/>
+                          <a:round/>
+                          <a:headEnd type="none" w="med" len="med"/>
+                          <a:tailEnd type="none" w="med" len="med"/>
+                        </a:lnB>
+                        <a:noFill/>
+                      </a:tcPr>
+                    </a:tc>
+                  </a:tr>
+                  <a:tr h="159385">
+                    <a:tc>
+                      <a:txBody>
+                        <a:bodyPr/>
+                        <a:lstStyle/>
+                        <a:p>
+                          <a:pPr>
+                            <a:spcAft>
+                              <a:spcPts val="0"/>
+                            </a:spcAft>
+                          </a:pPr>
+                          <a:r>
+                            <a:rPr lang="ru-RU" sz="1200" b="0" dirty="0" smtClean="0">
+                              <a:solidFill>
+                                <a:schemeClr val="tx1"/>
+                              </a:solidFill>
+                              <a:effectLst/>
+                              <a:latin typeface="+mn-lt"/>
+                              <a:ea typeface="Times New Roman" panose="02020603050405020304" pitchFamily="18" charset="0"/>
+                              <a:cs typeface="Times New Roman" panose="02020603050405020304" pitchFamily="18" charset="0"/>
+                            </a:rPr>
+                            <a:t>Количество задач, решения которых достигли верхней оценки </a:t>
+                          </a:r>
+                          <a14:m>
+                            <m:oMath xmlns:m="http://schemas.openxmlformats.org/officeDocument/2006/math">
+                              <m:sSub>
+                                <m:sSubPr>
+                                  <m:ctrlPr>
+                                    <a:rPr lang="ru-RU" sz="1200" b="0" i="1">
+                                      <a:solidFill>
+                                        <a:schemeClr val="tx1"/>
+                                      </a:solidFill>
+                                      <a:effectLst/>
+                                      <a:latin typeface="Cambria Math" panose="02040503050406030204" pitchFamily="18" charset="0"/>
+                                      <a:ea typeface="Times New Roman" panose="02020603050405020304" pitchFamily="18" charset="0"/>
+                                      <a:cs typeface="Times New Roman" panose="02020603050405020304" pitchFamily="18" charset="0"/>
+                                    </a:rPr>
+                                  </m:ctrlPr>
+                                </m:sSubPr>
+                                <m:e>
+                                  <m:r>
+                                    <a:rPr lang="ru-RU" sz="1200" b="0" i="1">
+                                      <a:solidFill>
+                                        <a:schemeClr val="tx1"/>
+                                      </a:solidFill>
+                                      <a:effectLst/>
+                                      <a:latin typeface="Cambria Math" panose="02040503050406030204" pitchFamily="18" charset="0"/>
+                                      <a:ea typeface="Times New Roman" panose="02020603050405020304" pitchFamily="18" charset="0"/>
+                                      <a:cs typeface="Times New Roman" panose="02020603050405020304" pitchFamily="18" charset="0"/>
+                                    </a:rPr>
+                                    <m:t>𝑈</m:t>
+                                  </m:r>
+                                </m:e>
+                                <m:sub>
+                                  <m:r>
+                                    <a:rPr lang="ru-RU" sz="1200" b="0" i="1">
+                                      <a:solidFill>
+                                        <a:schemeClr val="tx1"/>
+                                      </a:solidFill>
+                                      <a:effectLst/>
+                                      <a:latin typeface="Cambria Math" panose="02040503050406030204" pitchFamily="18" charset="0"/>
+                                      <a:ea typeface="Times New Roman" panose="02020603050405020304" pitchFamily="18" charset="0"/>
+                                      <a:cs typeface="Times New Roman" panose="02020603050405020304" pitchFamily="18" charset="0"/>
+                                    </a:rPr>
+                                    <m:t>3</m:t>
+                                  </m:r>
+                                </m:sub>
+                              </m:sSub>
+                            </m:oMath>
+                          </a14:m>
+                          <a:r>
+                            <a:rPr lang="ru-RU" sz="1200" b="0" dirty="0">
+                              <a:solidFill>
+                                <a:schemeClr val="tx1"/>
+                              </a:solidFill>
+                              <a:effectLst/>
+                              <a:latin typeface="+mn-lt"/>
+                              <a:ea typeface="Times New Roman" panose="02020603050405020304" pitchFamily="18" charset="0"/>
+                              <a:cs typeface="Times New Roman" panose="02020603050405020304" pitchFamily="18" charset="0"/>
+                            </a:rPr>
+                            <a:t>, %</a:t>
+                          </a:r>
+                          <a:endParaRPr lang="ru-RU" sz="1200" b="0" dirty="0">
+                            <a:solidFill>
+                              <a:schemeClr val="tx1"/>
+                            </a:solidFill>
+                            <a:effectLst/>
+                            <a:latin typeface="+mn-lt"/>
+                            <a:ea typeface="Calibri" panose="020F0502020204030204" pitchFamily="34" charset="0"/>
+                            <a:cs typeface="Times New Roman" panose="02020603050405020304" pitchFamily="18" charset="0"/>
+                          </a:endParaRPr>
+                        </a:p>
+                      </a:txBody>
+                      <a:tcPr marL="68580" marR="68580" marT="0" marB="0">
+                        <a:lnL w="12700" cap="flat" cmpd="sng" algn="ctr">
+                          <a:solidFill>
+                            <a:schemeClr val="tx1"/>
+                          </a:solidFill>
+                          <a:prstDash val="solid"/>
+                          <a:round/>
+                          <a:headEnd type="none" w="med" len="med"/>
+                          <a:tailEnd type="none" w="med" len="med"/>
+                        </a:lnL>
+                        <a:lnR w="12700" cap="flat" cmpd="sng" algn="ctr">
+                          <a:solidFill>
+                            <a:schemeClr val="tx1"/>
+                          </a:solidFill>
+                          <a:prstDash val="solid"/>
+                          <a:round/>
+                          <a:headEnd type="none" w="med" len="med"/>
+                          <a:tailEnd type="none" w="med" len="med"/>
+                        </a:lnR>
+                        <a:lnT w="12700" cap="flat" cmpd="sng" algn="ctr">
+                          <a:solidFill>
+                            <a:schemeClr val="tx1"/>
+                          </a:solidFill>
+                          <a:prstDash val="solid"/>
+                          <a:round/>
+                          <a:headEnd type="none" w="med" len="med"/>
+                          <a:tailEnd type="none" w="med" len="med"/>
+                        </a:lnT>
+                        <a:lnB w="12700" cap="flat" cmpd="sng" algn="ctr">
+                          <a:solidFill>
+                            <a:schemeClr val="tx1"/>
+                          </a:solidFill>
+                          <a:prstDash val="solid"/>
+                          <a:round/>
+                          <a:headEnd type="none" w="med" len="med"/>
+                          <a:tailEnd type="none" w="med" len="med"/>
+                        </a:lnB>
+                        <a:noFill/>
+                      </a:tcPr>
+                    </a:tc>
+                    <a:tc>
+                      <a:txBody>
+                        <a:bodyPr/>
+                        <a:lstStyle/>
+                        <a:p>
+                          <a:pPr algn="r">
+                            <a:spcAft>
+                              <a:spcPts val="0"/>
+                            </a:spcAft>
+                          </a:pPr>
+                          <a:r>
+                            <a:rPr lang="en-US" sz="1400" b="0">
+                              <a:solidFill>
+                                <a:schemeClr val="tx1"/>
+                              </a:solidFill>
+                              <a:effectLst/>
+                              <a:latin typeface="+mn-lt"/>
+                              <a:ea typeface="Calibri" panose="020F0502020204030204" pitchFamily="34" charset="0"/>
+                              <a:cs typeface="Times New Roman" panose="02020603050405020304" pitchFamily="18" charset="0"/>
+                            </a:rPr>
+                            <a:t>0</a:t>
+                          </a:r>
+                          <a:endParaRPr lang="ru-RU" sz="1400" b="0">
+                            <a:solidFill>
+                              <a:schemeClr val="tx1"/>
+                            </a:solidFill>
+                            <a:effectLst/>
+                            <a:latin typeface="+mn-lt"/>
+                            <a:ea typeface="Calibri" panose="020F0502020204030204" pitchFamily="34" charset="0"/>
+                            <a:cs typeface="Times New Roman" panose="02020603050405020304" pitchFamily="18" charset="0"/>
+                          </a:endParaRPr>
+                        </a:p>
+                      </a:txBody>
+                      <a:tcPr marL="68580" marR="68580" marT="0" marB="0" anchor="ctr">
+                        <a:lnL w="12700" cap="flat" cmpd="sng" algn="ctr">
+                          <a:solidFill>
+                            <a:schemeClr val="tx1"/>
+                          </a:solidFill>
+                          <a:prstDash val="solid"/>
+                          <a:round/>
+                          <a:headEnd type="none" w="med" len="med"/>
+                          <a:tailEnd type="none" w="med" len="med"/>
+                        </a:lnL>
+                        <a:lnR w="12700" cap="flat" cmpd="sng" algn="ctr">
+                          <a:solidFill>
+                            <a:schemeClr val="tx1"/>
+                          </a:solidFill>
+                          <a:prstDash val="solid"/>
+                          <a:round/>
+                          <a:headEnd type="none" w="med" len="med"/>
+                          <a:tailEnd type="none" w="med" len="med"/>
+                        </a:lnR>
+                        <a:lnT w="12700" cap="flat" cmpd="sng" algn="ctr">
+                          <a:solidFill>
+                            <a:schemeClr val="tx1"/>
+                          </a:solidFill>
+                          <a:prstDash val="solid"/>
+                          <a:round/>
+                          <a:headEnd type="none" w="med" len="med"/>
+                          <a:tailEnd type="none" w="med" len="med"/>
+                        </a:lnT>
+                        <a:lnB w="12700" cap="flat" cmpd="sng" algn="ctr">
+                          <a:solidFill>
+                            <a:schemeClr val="tx1"/>
+                          </a:solidFill>
+                          <a:prstDash val="solid"/>
+                          <a:round/>
+                          <a:headEnd type="none" w="med" len="med"/>
+                          <a:tailEnd type="none" w="med" len="med"/>
+                        </a:lnB>
+                        <a:noFill/>
+                      </a:tcPr>
+                    </a:tc>
+                    <a:tc>
+                      <a:txBody>
+                        <a:bodyPr/>
+                        <a:lstStyle/>
+                        <a:p>
+                          <a:pPr algn="r">
+                            <a:spcAft>
+                              <a:spcPts val="0"/>
+                            </a:spcAft>
+                          </a:pPr>
+                          <a:r>
+                            <a:rPr lang="ru-RU" sz="1400" b="0" dirty="0">
+                              <a:solidFill>
+                                <a:schemeClr val="tx1"/>
+                              </a:solidFill>
+                              <a:effectLst/>
+                              <a:latin typeface="+mn-lt"/>
+                              <a:ea typeface="Calibri" panose="020F0502020204030204" pitchFamily="34" charset="0"/>
+                              <a:cs typeface="Times New Roman" panose="02020603050405020304" pitchFamily="18" charset="0"/>
+                            </a:rPr>
+                            <a:t>0</a:t>
+                          </a:r>
+                        </a:p>
+                      </a:txBody>
+                      <a:tcPr marL="68580" marR="68580" marT="0" marB="0" anchor="ctr">
+                        <a:lnL w="12700" cap="flat" cmpd="sng" algn="ctr">
+                          <a:solidFill>
+                            <a:schemeClr val="tx1"/>
+                          </a:solidFill>
+                          <a:prstDash val="solid"/>
+                          <a:round/>
+                          <a:headEnd type="none" w="med" len="med"/>
+                          <a:tailEnd type="none" w="med" len="med"/>
+                        </a:lnL>
+                        <a:lnR w="12700" cap="flat" cmpd="sng" algn="ctr">
+                          <a:solidFill>
+                            <a:schemeClr val="tx1"/>
+                          </a:solidFill>
+                          <a:prstDash val="solid"/>
+                          <a:round/>
+                          <a:headEnd type="none" w="med" len="med"/>
+                          <a:tailEnd type="none" w="med" len="med"/>
+                        </a:lnR>
+                        <a:lnT w="12700" cap="flat" cmpd="sng" algn="ctr">
+                          <a:solidFill>
+                            <a:schemeClr val="tx1"/>
+                          </a:solidFill>
+                          <a:prstDash val="solid"/>
+                          <a:round/>
+                          <a:headEnd type="none" w="med" len="med"/>
+                          <a:tailEnd type="none" w="med" len="med"/>
+                        </a:lnT>
+                        <a:lnB w="12700" cap="flat" cmpd="sng" algn="ctr">
+                          <a:solidFill>
+                            <a:schemeClr val="tx1"/>
+                          </a:solidFill>
+                          <a:prstDash val="solid"/>
+                          <a:round/>
+                          <a:headEnd type="none" w="med" len="med"/>
+                          <a:tailEnd type="none" w="med" len="med"/>
+                        </a:lnB>
+                        <a:noFill/>
+                      </a:tcPr>
+                    </a:tc>
+                    <a:tc>
+                      <a:txBody>
+                        <a:bodyPr/>
+                        <a:lstStyle/>
+                        <a:p>
+                          <a:pPr algn="r">
+                            <a:spcAft>
+                              <a:spcPts val="0"/>
+                            </a:spcAft>
+                          </a:pPr>
+                          <a:r>
+                            <a:rPr lang="ru-RU" sz="1400" b="0" dirty="0">
+                              <a:solidFill>
+                                <a:schemeClr val="tx1"/>
+                              </a:solidFill>
+                              <a:effectLst/>
+                              <a:latin typeface="+mn-lt"/>
+                              <a:ea typeface="Calibri" panose="020F0502020204030204" pitchFamily="34" charset="0"/>
+                              <a:cs typeface="Times New Roman" panose="02020603050405020304" pitchFamily="18" charset="0"/>
+                            </a:rPr>
+                            <a:t>0</a:t>
+                          </a:r>
+                        </a:p>
+                      </a:txBody>
+                      <a:tcPr marL="68580" marR="68580" marT="0" marB="0" anchor="ctr">
+                        <a:lnL w="12700" cap="flat" cmpd="sng" algn="ctr">
+                          <a:solidFill>
+                            <a:schemeClr val="tx1"/>
+                          </a:solidFill>
+                          <a:prstDash val="solid"/>
+                          <a:round/>
+                          <a:headEnd type="none" w="med" len="med"/>
+                          <a:tailEnd type="none" w="med" len="med"/>
+                        </a:lnL>
+                        <a:lnR w="12700" cap="flat" cmpd="sng" algn="ctr">
+                          <a:solidFill>
+                            <a:schemeClr val="tx1"/>
+                          </a:solidFill>
+                          <a:prstDash val="solid"/>
+                          <a:round/>
+                          <a:headEnd type="none" w="med" len="med"/>
+                          <a:tailEnd type="none" w="med" len="med"/>
+                        </a:lnR>
+                        <a:lnT w="12700" cap="flat" cmpd="sng" algn="ctr">
+                          <a:solidFill>
+                            <a:schemeClr val="tx1"/>
+                          </a:solidFill>
+                          <a:prstDash val="solid"/>
+                          <a:round/>
+                          <a:headEnd type="none" w="med" len="med"/>
+                          <a:tailEnd type="none" w="med" len="med"/>
+                        </a:lnT>
+                        <a:lnB w="12700" cap="flat" cmpd="sng" algn="ctr">
+                          <a:solidFill>
+                            <a:schemeClr val="tx1"/>
+                          </a:solidFill>
+                          <a:prstDash val="solid"/>
+                          <a:round/>
+                          <a:headEnd type="none" w="med" len="med"/>
+                          <a:tailEnd type="none" w="med" len="med"/>
+                        </a:lnB>
+                        <a:noFill/>
+                      </a:tcPr>
+                    </a:tc>
+                    <a:tc>
+                      <a:txBody>
+                        <a:bodyPr/>
+                        <a:lstStyle/>
+                        <a:p>
+                          <a:pPr algn="r">
+                            <a:spcAft>
+                              <a:spcPts val="0"/>
+                            </a:spcAft>
+                          </a:pPr>
+                          <a:r>
+                            <a:rPr lang="en-US" sz="1400" b="0" dirty="0">
+                              <a:solidFill>
+                                <a:schemeClr val="tx1"/>
+                              </a:solidFill>
+                              <a:effectLst/>
+                              <a:latin typeface="+mn-lt"/>
+                              <a:ea typeface="Calibri" panose="020F0502020204030204" pitchFamily="34" charset="0"/>
+                              <a:cs typeface="Times New Roman" panose="02020603050405020304" pitchFamily="18" charset="0"/>
+                            </a:rPr>
+                            <a:t>23,33</a:t>
+                          </a:r>
+                          <a:endParaRPr lang="ru-RU" sz="1400" b="0" dirty="0">
+                            <a:solidFill>
+                              <a:schemeClr val="tx1"/>
+                            </a:solidFill>
+                            <a:effectLst/>
+                            <a:latin typeface="+mn-lt"/>
+                            <a:ea typeface="Calibri" panose="020F0502020204030204" pitchFamily="34" charset="0"/>
+                            <a:cs typeface="Times New Roman" panose="02020603050405020304" pitchFamily="18" charset="0"/>
+                          </a:endParaRPr>
+                        </a:p>
+                      </a:txBody>
+                      <a:tcPr marL="68580" marR="68580" marT="0" marB="0" anchor="ctr">
+                        <a:lnL w="12700" cap="flat" cmpd="sng" algn="ctr">
+                          <a:solidFill>
+                            <a:schemeClr val="tx1"/>
+                          </a:solidFill>
+                          <a:prstDash val="solid"/>
+                          <a:round/>
+                          <a:headEnd type="none" w="med" len="med"/>
+                          <a:tailEnd type="none" w="med" len="med"/>
+                        </a:lnL>
+                        <a:lnR w="12700" cap="flat" cmpd="sng" algn="ctr">
+                          <a:solidFill>
+                            <a:schemeClr val="tx1"/>
+                          </a:solidFill>
+                          <a:prstDash val="solid"/>
+                          <a:round/>
+                          <a:headEnd type="none" w="med" len="med"/>
+                          <a:tailEnd type="none" w="med" len="med"/>
+                        </a:lnR>
+                        <a:lnT w="12700" cap="flat" cmpd="sng" algn="ctr">
+                          <a:solidFill>
+                            <a:schemeClr val="tx1"/>
+                          </a:solidFill>
+                          <a:prstDash val="solid"/>
+                          <a:round/>
+                          <a:headEnd type="none" w="med" len="med"/>
+                          <a:tailEnd type="none" w="med" len="med"/>
+                        </a:lnT>
+                        <a:lnB w="12700" cap="flat" cmpd="sng" algn="ctr">
+                          <a:solidFill>
+                            <a:schemeClr val="tx1"/>
+                          </a:solidFill>
+                          <a:prstDash val="solid"/>
+                          <a:round/>
+                          <a:headEnd type="none" w="med" len="med"/>
+                          <a:tailEnd type="none" w="med" len="med"/>
+                        </a:lnB>
+                        <a:noFill/>
+                      </a:tcPr>
+                    </a:tc>
+                  </a:tr>
+                </a:tbl>
+              </a:graphicData>
+            </a:graphic>
+          </p:graphicFrame>
+        </mc:Choice>
+        <mc:Fallback>
+          <p:graphicFrame>
+            <p:nvGraphicFramePr>
+              <p:cNvPr id="3" name="Table 2"/>
+              <p:cNvGraphicFramePr>
+                <a:graphicFrameLocks noGrp="1"/>
+              </p:cNvGraphicFramePr>
+              <p:nvPr>
+                <p:extLst>
+                  <p:ext uri="{D42A27DB-BD31-4B8C-83A1-F6EECF244321}">
+                    <p14:modId xmlns:p14="http://schemas.microsoft.com/office/powerpoint/2010/main" val="4187912690"/>
+                  </p:ext>
+                </p:extLst>
+              </p:nvPr>
+            </p:nvGraphicFramePr>
+            <p:xfrm>
+              <a:off x="5614586" y="4352072"/>
+              <a:ext cx="6475939" cy="1645920"/>
+            </p:xfrm>
+            <a:graphic>
+              <a:graphicData uri="http://schemas.openxmlformats.org/drawingml/2006/table">
+                <a:tbl>
+                  <a:tblPr firstRow="1" firstCol="1" bandRow="1">
+                    <a:tableStyleId>{5C22544A-7EE6-4342-B048-85BDC9FD1C3A}</a:tableStyleId>
+                  </a:tblPr>
+                  <a:tblGrid>
+                    <a:gridCol w="2442498"/>
+                    <a:gridCol w="1006219"/>
+                    <a:gridCol w="1029262"/>
+                    <a:gridCol w="1044624"/>
+                    <a:gridCol w="953336"/>
+                  </a:tblGrid>
+                  <a:tr h="548640">
+                    <a:tc>
+                      <a:txBody>
+                        <a:bodyPr/>
+                        <a:lstStyle/>
+                        <a:p>
+                          <a:pPr>
+                            <a:spcAft>
+                              <a:spcPts val="0"/>
+                            </a:spcAft>
+                          </a:pPr>
+                          <a:r>
+                            <a:rPr lang="ru-RU" sz="1200" b="0" dirty="0">
+                              <a:solidFill>
+                                <a:schemeClr val="tx1"/>
+                              </a:solidFill>
+                              <a:effectLst/>
+                              <a:latin typeface="+mn-lt"/>
+                              <a:ea typeface="Times New Roman" panose="02020603050405020304" pitchFamily="18" charset="0"/>
+                              <a:cs typeface="Times New Roman" panose="02020603050405020304" pitchFamily="18" charset="0"/>
+                            </a:rPr>
+                            <a:t> </a:t>
+                          </a:r>
+                          <a:endParaRPr lang="ru-RU" sz="1200" b="0" dirty="0">
+                            <a:solidFill>
+                              <a:schemeClr val="tx1"/>
+                            </a:solidFill>
+                            <a:effectLst/>
+                            <a:latin typeface="+mn-lt"/>
+                            <a:ea typeface="Calibri" panose="020F0502020204030204" pitchFamily="34" charset="0"/>
+                            <a:cs typeface="Times New Roman" panose="02020603050405020304" pitchFamily="18" charset="0"/>
+                          </a:endParaRPr>
+                        </a:p>
+                      </a:txBody>
+                      <a:tcPr marL="68580" marR="68580" marT="0" marB="0">
+                        <a:lnL w="12700" cap="flat" cmpd="sng" algn="ctr">
+                          <a:solidFill>
+                            <a:schemeClr val="tx1"/>
+                          </a:solidFill>
+                          <a:prstDash val="solid"/>
+                          <a:round/>
+                          <a:headEnd type="none" w="med" len="med"/>
+                          <a:tailEnd type="none" w="med" len="med"/>
+                        </a:lnL>
+                        <a:lnR w="12700" cap="flat" cmpd="sng" algn="ctr">
+                          <a:solidFill>
+                            <a:schemeClr val="tx1"/>
+                          </a:solidFill>
+                          <a:prstDash val="solid"/>
+                          <a:round/>
+                          <a:headEnd type="none" w="med" len="med"/>
+                          <a:tailEnd type="none" w="med" len="med"/>
+                        </a:lnR>
+                        <a:lnT w="12700" cap="flat" cmpd="sng" algn="ctr">
+                          <a:solidFill>
+                            <a:schemeClr val="tx1"/>
+                          </a:solidFill>
+                          <a:prstDash val="solid"/>
+                          <a:round/>
+                          <a:headEnd type="none" w="med" len="med"/>
+                          <a:tailEnd type="none" w="med" len="med"/>
+                        </a:lnT>
+                        <a:lnB w="12700" cap="flat" cmpd="sng" algn="ctr">
+                          <a:solidFill>
+                            <a:schemeClr val="tx1"/>
+                          </a:solidFill>
+                          <a:prstDash val="solid"/>
+                          <a:round/>
+                          <a:headEnd type="none" w="med" len="med"/>
+                          <a:tailEnd type="none" w="med" len="med"/>
+                        </a:lnB>
+                        <a:noFill/>
+                      </a:tcPr>
+                    </a:tc>
+                    <a:tc>
+                      <a:txBody>
+                        <a:bodyPr/>
+                        <a:lstStyle/>
+                        <a:p>
+                          <a:pPr>
+                            <a:spcAft>
+                              <a:spcPts val="0"/>
+                            </a:spcAft>
+                          </a:pPr>
+                          <a:r>
+                            <a:rPr lang="ru-RU" sz="1200" b="0" smtClean="0">
+                              <a:solidFill>
+                                <a:schemeClr val="tx1"/>
+                              </a:solidFill>
+                              <a:effectLst/>
+                              <a:latin typeface="+mn-lt"/>
+                              <a:ea typeface="Calibri" panose="020F0502020204030204" pitchFamily="34" charset="0"/>
+                              <a:cs typeface="Times New Roman" panose="02020603050405020304" pitchFamily="18" charset="0"/>
+                            </a:rPr>
+                            <a:t>без </a:t>
+                          </a:r>
+                          <a:r>
+                            <a:rPr lang="ru-RU" sz="1200" b="0" dirty="0">
+                              <a:solidFill>
+                                <a:schemeClr val="tx1"/>
+                              </a:solidFill>
+                              <a:effectLst/>
+                              <a:latin typeface="+mn-lt"/>
+                              <a:ea typeface="Calibri" panose="020F0502020204030204" pitchFamily="34" charset="0"/>
+                              <a:cs typeface="Times New Roman" panose="02020603050405020304" pitchFamily="18" charset="0"/>
+                            </a:rPr>
+                            <a:t>корреляции</a:t>
+                          </a:r>
+                        </a:p>
+                      </a:txBody>
+                      <a:tcPr marL="68580" marR="68580" marT="0" marB="0">
+                        <a:lnL w="12700" cap="flat" cmpd="sng" algn="ctr">
+                          <a:solidFill>
+                            <a:schemeClr val="tx1"/>
+                          </a:solidFill>
+                          <a:prstDash val="solid"/>
+                          <a:round/>
+                          <a:headEnd type="none" w="med" len="med"/>
+                          <a:tailEnd type="none" w="med" len="med"/>
+                        </a:lnL>
+                        <a:lnR w="12700" cap="flat" cmpd="sng" algn="ctr">
+                          <a:solidFill>
+                            <a:schemeClr val="tx1"/>
+                          </a:solidFill>
+                          <a:prstDash val="solid"/>
+                          <a:round/>
+                          <a:headEnd type="none" w="med" len="med"/>
+                          <a:tailEnd type="none" w="med" len="med"/>
+                        </a:lnR>
+                        <a:lnT w="12700" cap="flat" cmpd="sng" algn="ctr">
+                          <a:solidFill>
+                            <a:schemeClr val="tx1"/>
+                          </a:solidFill>
+                          <a:prstDash val="solid"/>
+                          <a:round/>
+                          <a:headEnd type="none" w="med" len="med"/>
+                          <a:tailEnd type="none" w="med" len="med"/>
+                        </a:lnT>
+                        <a:lnB w="12700" cap="flat" cmpd="sng" algn="ctr">
+                          <a:solidFill>
+                            <a:schemeClr val="tx1"/>
+                          </a:solidFill>
+                          <a:prstDash val="solid"/>
+                          <a:round/>
+                          <a:headEnd type="none" w="med" len="med"/>
+                          <a:tailEnd type="none" w="med" len="med"/>
+                        </a:lnB>
+                        <a:noFill/>
+                      </a:tcPr>
+                    </a:tc>
+                    <a:tc>
+                      <a:txBody>
+                        <a:bodyPr/>
+                        <a:lstStyle/>
+                        <a:p>
+                          <a:pPr>
+                            <a:spcAft>
+                              <a:spcPts val="0"/>
+                            </a:spcAft>
+                          </a:pPr>
+                          <a:r>
+                            <a:rPr lang="ru-RU" sz="1200" b="0" dirty="0" smtClean="0">
+                              <a:solidFill>
+                                <a:schemeClr val="tx1"/>
+                              </a:solidFill>
+                              <a:effectLst/>
+                              <a:latin typeface="+mn-lt"/>
+                              <a:ea typeface="Calibri" panose="020F0502020204030204" pitchFamily="34" charset="0"/>
+                              <a:cs typeface="Times New Roman" panose="02020603050405020304" pitchFamily="18" charset="0"/>
+                            </a:rPr>
+                            <a:t>с </a:t>
+                          </a:r>
+                          <a:r>
+                            <a:rPr lang="ru-RU" sz="1200" b="0" dirty="0">
+                              <a:solidFill>
+                                <a:schemeClr val="tx1"/>
+                              </a:solidFill>
+                              <a:effectLst/>
+                              <a:latin typeface="+mn-lt"/>
+                              <a:ea typeface="Calibri" panose="020F0502020204030204" pitchFamily="34" charset="0"/>
+                              <a:cs typeface="Times New Roman" panose="02020603050405020304" pitchFamily="18" charset="0"/>
+                            </a:rPr>
+                            <a:t>слабой </a:t>
+                          </a:r>
+                          <a:r>
+                            <a:rPr lang="ru-RU" sz="1200" b="0" dirty="0" smtClean="0">
+                              <a:solidFill>
+                                <a:schemeClr val="tx1"/>
+                              </a:solidFill>
+                              <a:effectLst/>
+                              <a:latin typeface="+mn-lt"/>
+                              <a:ea typeface="Calibri" panose="020F0502020204030204" pitchFamily="34" charset="0"/>
+                              <a:cs typeface="Times New Roman" panose="02020603050405020304" pitchFamily="18" charset="0"/>
+                            </a:rPr>
+                            <a:t>корреляцией</a:t>
+                          </a:r>
+                          <a:endParaRPr lang="ru-RU" sz="1200" b="0" dirty="0">
+                            <a:solidFill>
+                              <a:schemeClr val="tx1"/>
+                            </a:solidFill>
+                            <a:effectLst/>
+                            <a:latin typeface="+mn-lt"/>
+                            <a:ea typeface="Calibri" panose="020F0502020204030204" pitchFamily="34" charset="0"/>
+                            <a:cs typeface="Times New Roman" panose="02020603050405020304" pitchFamily="18" charset="0"/>
+                          </a:endParaRPr>
+                        </a:p>
+                      </a:txBody>
+                      <a:tcPr marL="68580" marR="68580" marT="0" marB="0">
+                        <a:lnL w="12700" cap="flat" cmpd="sng" algn="ctr">
+                          <a:solidFill>
+                            <a:schemeClr val="tx1"/>
+                          </a:solidFill>
+                          <a:prstDash val="solid"/>
+                          <a:round/>
+                          <a:headEnd type="none" w="med" len="med"/>
+                          <a:tailEnd type="none" w="med" len="med"/>
+                        </a:lnL>
+                        <a:lnR w="12700" cap="flat" cmpd="sng" algn="ctr">
+                          <a:solidFill>
+                            <a:schemeClr val="tx1"/>
+                          </a:solidFill>
+                          <a:prstDash val="solid"/>
+                          <a:round/>
+                          <a:headEnd type="none" w="med" len="med"/>
+                          <a:tailEnd type="none" w="med" len="med"/>
+                        </a:lnR>
+                        <a:lnT w="12700" cap="flat" cmpd="sng" algn="ctr">
+                          <a:solidFill>
+                            <a:schemeClr val="tx1"/>
+                          </a:solidFill>
+                          <a:prstDash val="solid"/>
+                          <a:round/>
+                          <a:headEnd type="none" w="med" len="med"/>
+                          <a:tailEnd type="none" w="med" len="med"/>
+                        </a:lnT>
+                        <a:lnB w="12700" cap="flat" cmpd="sng" algn="ctr">
+                          <a:solidFill>
+                            <a:schemeClr val="tx1"/>
+                          </a:solidFill>
+                          <a:prstDash val="solid"/>
+                          <a:round/>
+                          <a:headEnd type="none" w="med" len="med"/>
+                          <a:tailEnd type="none" w="med" len="med"/>
+                        </a:lnB>
+                        <a:noFill/>
+                      </a:tcPr>
+                    </a:tc>
+                    <a:tc>
+                      <a:txBody>
+                        <a:bodyPr/>
+                        <a:lstStyle/>
+                        <a:p>
+                          <a:pPr>
+                            <a:spcAft>
+                              <a:spcPts val="0"/>
+                            </a:spcAft>
+                          </a:pPr>
+                          <a:r>
+                            <a:rPr lang="ru-RU" sz="1200" b="0" dirty="0" smtClean="0">
+                              <a:solidFill>
+                                <a:schemeClr val="tx1"/>
+                              </a:solidFill>
+                              <a:effectLst/>
+                              <a:latin typeface="+mn-lt"/>
+                              <a:ea typeface="Calibri" panose="020F0502020204030204" pitchFamily="34" charset="0"/>
+                              <a:cs typeface="Times New Roman" panose="02020603050405020304" pitchFamily="18" charset="0"/>
+                            </a:rPr>
+                            <a:t>с </a:t>
+                          </a:r>
+                          <a:r>
+                            <a:rPr lang="ru-RU" sz="1200" b="0" dirty="0">
+                              <a:solidFill>
+                                <a:schemeClr val="tx1"/>
+                              </a:solidFill>
+                              <a:effectLst/>
+                              <a:latin typeface="+mn-lt"/>
+                              <a:ea typeface="Calibri" panose="020F0502020204030204" pitchFamily="34" charset="0"/>
+                              <a:cs typeface="Times New Roman" panose="02020603050405020304" pitchFamily="18" charset="0"/>
+                            </a:rPr>
+                            <a:t>сильной корреляцией</a:t>
+                          </a:r>
+                        </a:p>
+                      </a:txBody>
+                      <a:tcPr marL="68580" marR="68580" marT="0" marB="0">
+                        <a:lnL w="12700" cap="flat" cmpd="sng" algn="ctr">
+                          <a:solidFill>
+                            <a:schemeClr val="tx1"/>
+                          </a:solidFill>
+                          <a:prstDash val="solid"/>
+                          <a:round/>
+                          <a:headEnd type="none" w="med" len="med"/>
+                          <a:tailEnd type="none" w="med" len="med"/>
+                        </a:lnL>
+                        <a:lnR w="12700" cap="flat" cmpd="sng" algn="ctr">
+                          <a:solidFill>
+                            <a:schemeClr val="tx1"/>
+                          </a:solidFill>
+                          <a:prstDash val="solid"/>
+                          <a:round/>
+                          <a:headEnd type="none" w="med" len="med"/>
+                          <a:tailEnd type="none" w="med" len="med"/>
+                        </a:lnR>
+                        <a:lnT w="12700" cap="flat" cmpd="sng" algn="ctr">
+                          <a:solidFill>
+                            <a:schemeClr val="tx1"/>
+                          </a:solidFill>
+                          <a:prstDash val="solid"/>
+                          <a:round/>
+                          <a:headEnd type="none" w="med" len="med"/>
+                          <a:tailEnd type="none" w="med" len="med"/>
+                        </a:lnT>
+                        <a:lnB w="12700" cap="flat" cmpd="sng" algn="ctr">
+                          <a:solidFill>
+                            <a:schemeClr val="tx1"/>
+                          </a:solidFill>
+                          <a:prstDash val="solid"/>
+                          <a:round/>
+                          <a:headEnd type="none" w="med" len="med"/>
+                          <a:tailEnd type="none" w="med" len="med"/>
+                        </a:lnB>
+                        <a:noFill/>
+                      </a:tcPr>
+                    </a:tc>
+                    <a:tc>
+                      <a:txBody>
+                        <a:bodyPr/>
+                        <a:lstStyle/>
+                        <a:p>
+                          <a:pPr>
+                            <a:spcAft>
+                              <a:spcPts val="0"/>
+                            </a:spcAft>
+                          </a:pPr>
+                          <a:r>
+                            <a:rPr lang="ru-RU" sz="1200" b="0" dirty="0" smtClean="0">
+                              <a:solidFill>
+                                <a:schemeClr val="tx1"/>
+                              </a:solidFill>
+                              <a:effectLst/>
+                              <a:latin typeface="+mn-lt"/>
+                              <a:ea typeface="Calibri" panose="020F0502020204030204" pitchFamily="34" charset="0"/>
+                              <a:cs typeface="Times New Roman" panose="02020603050405020304" pitchFamily="18" charset="0"/>
+                            </a:rPr>
+                            <a:t>с </a:t>
+                          </a:r>
+                          <a:r>
+                            <a:rPr lang="ru-RU" sz="1200" b="0" dirty="0">
+                              <a:solidFill>
+                                <a:schemeClr val="tx1"/>
+                              </a:solidFill>
+                              <a:effectLst/>
+                              <a:latin typeface="+mn-lt"/>
+                              <a:ea typeface="Calibri" panose="020F0502020204030204" pitchFamily="34" charset="0"/>
+                              <a:cs typeface="Times New Roman" panose="02020603050405020304" pitchFamily="18" charset="0"/>
+                            </a:rPr>
+                            <a:t>подсуммами</a:t>
+                          </a:r>
+                        </a:p>
+                      </a:txBody>
+                      <a:tcPr marL="68580" marR="68580" marT="0" marB="0">
+                        <a:lnL w="12700" cap="flat" cmpd="sng" algn="ctr">
+                          <a:solidFill>
+                            <a:schemeClr val="tx1"/>
+                          </a:solidFill>
+                          <a:prstDash val="solid"/>
+                          <a:round/>
+                          <a:headEnd type="none" w="med" len="med"/>
+                          <a:tailEnd type="none" w="med" len="med"/>
+                        </a:lnL>
+                        <a:lnR w="12700" cap="flat" cmpd="sng" algn="ctr">
+                          <a:solidFill>
+                            <a:schemeClr val="tx1"/>
+                          </a:solidFill>
+                          <a:prstDash val="solid"/>
+                          <a:round/>
+                          <a:headEnd type="none" w="med" len="med"/>
+                          <a:tailEnd type="none" w="med" len="med"/>
+                        </a:lnR>
+                        <a:lnT w="12700" cap="flat" cmpd="sng" algn="ctr">
+                          <a:solidFill>
+                            <a:schemeClr val="tx1"/>
+                          </a:solidFill>
+                          <a:prstDash val="solid"/>
+                          <a:round/>
+                          <a:headEnd type="none" w="med" len="med"/>
+                          <a:tailEnd type="none" w="med" len="med"/>
+                        </a:lnT>
+                        <a:lnB w="12700" cap="flat" cmpd="sng" algn="ctr">
+                          <a:solidFill>
+                            <a:schemeClr val="tx1"/>
+                          </a:solidFill>
+                          <a:prstDash val="solid"/>
+                          <a:round/>
+                          <a:headEnd type="none" w="med" len="med"/>
+                          <a:tailEnd type="none" w="med" len="med"/>
+                        </a:lnB>
+                        <a:noFill/>
+                      </a:tcPr>
+                    </a:tc>
+                  </a:tr>
+                  <a:tr h="548640">
+                    <a:tc>
+                      <a:txBody>
+                        <a:bodyPr/>
+                        <a:lstStyle/>
+                        <a:p>
+                          <a:pPr>
+                            <a:spcAft>
+                              <a:spcPts val="0"/>
+                            </a:spcAft>
+                          </a:pPr>
+                          <a:r>
+                            <a:rPr lang="ru-RU" sz="1200" b="0" dirty="0">
+                              <a:solidFill>
+                                <a:schemeClr val="tx1"/>
+                              </a:solidFill>
+                              <a:effectLst/>
+                              <a:latin typeface="+mn-lt"/>
+                              <a:ea typeface="Times New Roman" panose="02020603050405020304" pitchFamily="18" charset="0"/>
+                              <a:cs typeface="Times New Roman" panose="02020603050405020304" pitchFamily="18" charset="0"/>
+                            </a:rPr>
+                            <a:t>Количество задач, для решения которых применилось свойство периодичности, %</a:t>
+                          </a:r>
+                          <a:endParaRPr lang="ru-RU" sz="1200" b="0" dirty="0">
+                            <a:solidFill>
+                              <a:schemeClr val="tx1"/>
+                            </a:solidFill>
+                            <a:effectLst/>
+                            <a:latin typeface="+mn-lt"/>
+                            <a:ea typeface="Calibri" panose="020F0502020204030204" pitchFamily="34" charset="0"/>
+                            <a:cs typeface="Times New Roman" panose="02020603050405020304" pitchFamily="18" charset="0"/>
+                          </a:endParaRPr>
+                        </a:p>
+                      </a:txBody>
+                      <a:tcPr marL="68580" marR="68580" marT="0" marB="0">
+                        <a:lnL w="12700" cap="flat" cmpd="sng" algn="ctr">
+                          <a:solidFill>
+                            <a:schemeClr val="tx1"/>
+                          </a:solidFill>
+                          <a:prstDash val="solid"/>
+                          <a:round/>
+                          <a:headEnd type="none" w="med" len="med"/>
+                          <a:tailEnd type="none" w="med" len="med"/>
+                        </a:lnL>
+                        <a:lnR w="12700" cap="flat" cmpd="sng" algn="ctr">
+                          <a:solidFill>
+                            <a:schemeClr val="tx1"/>
+                          </a:solidFill>
+                          <a:prstDash val="solid"/>
+                          <a:round/>
+                          <a:headEnd type="none" w="med" len="med"/>
+                          <a:tailEnd type="none" w="med" len="med"/>
+                        </a:lnR>
+                        <a:lnT w="12700" cap="flat" cmpd="sng" algn="ctr">
+                          <a:solidFill>
+                            <a:schemeClr val="tx1"/>
+                          </a:solidFill>
+                          <a:prstDash val="solid"/>
+                          <a:round/>
+                          <a:headEnd type="none" w="med" len="med"/>
+                          <a:tailEnd type="none" w="med" len="med"/>
+                        </a:lnT>
+                        <a:lnB w="12700" cap="flat" cmpd="sng" algn="ctr">
+                          <a:solidFill>
+                            <a:schemeClr val="tx1"/>
+                          </a:solidFill>
+                          <a:prstDash val="solid"/>
+                          <a:round/>
+                          <a:headEnd type="none" w="med" len="med"/>
+                          <a:tailEnd type="none" w="med" len="med"/>
+                        </a:lnB>
+                        <a:noFill/>
+                      </a:tcPr>
+                    </a:tc>
+                    <a:tc>
+                      <a:txBody>
+                        <a:bodyPr/>
+                        <a:lstStyle/>
+                        <a:p>
+                          <a:pPr algn="r">
+                            <a:spcAft>
+                              <a:spcPts val="0"/>
+                            </a:spcAft>
+                          </a:pPr>
+                          <a:r>
+                            <a:rPr lang="en-US" sz="1400" b="0" dirty="0">
+                              <a:solidFill>
+                                <a:schemeClr val="tx1"/>
+                              </a:solidFill>
+                              <a:effectLst/>
+                              <a:latin typeface="+mn-lt"/>
+                              <a:ea typeface="Calibri" panose="020F0502020204030204" pitchFamily="34" charset="0"/>
+                              <a:cs typeface="Times New Roman" panose="02020603050405020304" pitchFamily="18" charset="0"/>
+                            </a:rPr>
+                            <a:t>50</a:t>
+                          </a:r>
+                          <a:endParaRPr lang="ru-RU" sz="1400" b="0" dirty="0">
+                            <a:solidFill>
+                              <a:schemeClr val="tx1"/>
+                            </a:solidFill>
+                            <a:effectLst/>
+                            <a:latin typeface="+mn-lt"/>
+                            <a:ea typeface="Calibri" panose="020F0502020204030204" pitchFamily="34" charset="0"/>
+                            <a:cs typeface="Times New Roman" panose="02020603050405020304" pitchFamily="18" charset="0"/>
+                          </a:endParaRPr>
+                        </a:p>
+                      </a:txBody>
+                      <a:tcPr marL="68580" marR="68580" marT="0" marB="0" anchor="ctr">
+                        <a:lnL w="12700" cap="flat" cmpd="sng" algn="ctr">
+                          <a:solidFill>
+                            <a:schemeClr val="tx1"/>
+                          </a:solidFill>
+                          <a:prstDash val="solid"/>
+                          <a:round/>
+                          <a:headEnd type="none" w="med" len="med"/>
+                          <a:tailEnd type="none" w="med" len="med"/>
+                        </a:lnL>
+                        <a:lnR w="12700" cap="flat" cmpd="sng" algn="ctr">
+                          <a:solidFill>
+                            <a:schemeClr val="tx1"/>
+                          </a:solidFill>
+                          <a:prstDash val="solid"/>
+                          <a:round/>
+                          <a:headEnd type="none" w="med" len="med"/>
+                          <a:tailEnd type="none" w="med" len="med"/>
+                        </a:lnR>
+                        <a:lnT w="12700" cap="flat" cmpd="sng" algn="ctr">
+                          <a:solidFill>
+                            <a:schemeClr val="tx1"/>
+                          </a:solidFill>
+                          <a:prstDash val="solid"/>
+                          <a:round/>
+                          <a:headEnd type="none" w="med" len="med"/>
+                          <a:tailEnd type="none" w="med" len="med"/>
+                        </a:lnT>
+                        <a:lnB w="12700" cap="flat" cmpd="sng" algn="ctr">
+                          <a:solidFill>
+                            <a:schemeClr val="tx1"/>
+                          </a:solidFill>
+                          <a:prstDash val="solid"/>
+                          <a:round/>
+                          <a:headEnd type="none" w="med" len="med"/>
+                          <a:tailEnd type="none" w="med" len="med"/>
+                        </a:lnB>
+                        <a:noFill/>
+                      </a:tcPr>
+                    </a:tc>
+                    <a:tc>
+                      <a:txBody>
+                        <a:bodyPr/>
+                        <a:lstStyle/>
+                        <a:p>
+                          <a:pPr algn="r">
+                            <a:spcAft>
+                              <a:spcPts val="0"/>
+                            </a:spcAft>
+                          </a:pPr>
+                          <a:r>
+                            <a:rPr lang="ru-RU" sz="1400" b="0" dirty="0">
+                              <a:solidFill>
+                                <a:schemeClr val="tx1"/>
+                              </a:solidFill>
+                              <a:effectLst/>
+                              <a:latin typeface="+mn-lt"/>
+                              <a:ea typeface="Calibri" panose="020F0502020204030204" pitchFamily="34" charset="0"/>
+                              <a:cs typeface="Times New Roman" panose="02020603050405020304" pitchFamily="18" charset="0"/>
+                            </a:rPr>
+                            <a:t>30</a:t>
+                          </a:r>
+                        </a:p>
+                      </a:txBody>
+                      <a:tcPr marL="68580" marR="68580" marT="0" marB="0" anchor="ctr">
+                        <a:lnL w="12700" cap="flat" cmpd="sng" algn="ctr">
+                          <a:solidFill>
+                            <a:schemeClr val="tx1"/>
+                          </a:solidFill>
+                          <a:prstDash val="solid"/>
+                          <a:round/>
+                          <a:headEnd type="none" w="med" len="med"/>
+                          <a:tailEnd type="none" w="med" len="med"/>
+                        </a:lnL>
+                        <a:lnR w="12700" cap="flat" cmpd="sng" algn="ctr">
+                          <a:solidFill>
+                            <a:schemeClr val="tx1"/>
+                          </a:solidFill>
+                          <a:prstDash val="solid"/>
+                          <a:round/>
+                          <a:headEnd type="none" w="med" len="med"/>
+                          <a:tailEnd type="none" w="med" len="med"/>
+                        </a:lnR>
+                        <a:lnT w="12700" cap="flat" cmpd="sng" algn="ctr">
+                          <a:solidFill>
+                            <a:schemeClr val="tx1"/>
+                          </a:solidFill>
+                          <a:prstDash val="solid"/>
+                          <a:round/>
+                          <a:headEnd type="none" w="med" len="med"/>
+                          <a:tailEnd type="none" w="med" len="med"/>
+                        </a:lnT>
+                        <a:lnB w="12700" cap="flat" cmpd="sng" algn="ctr">
+                          <a:solidFill>
+                            <a:schemeClr val="tx1"/>
+                          </a:solidFill>
+                          <a:prstDash val="solid"/>
+                          <a:round/>
+                          <a:headEnd type="none" w="med" len="med"/>
+                          <a:tailEnd type="none" w="med" len="med"/>
+                        </a:lnB>
+                        <a:noFill/>
+                      </a:tcPr>
+                    </a:tc>
+                    <a:tc>
+                      <a:txBody>
+                        <a:bodyPr/>
+                        <a:lstStyle/>
+                        <a:p>
+                          <a:pPr algn="r">
+                            <a:spcAft>
+                              <a:spcPts val="0"/>
+                            </a:spcAft>
+                          </a:pPr>
+                          <a:r>
+                            <a:rPr lang="ru-RU" sz="1400" b="0" dirty="0">
+                              <a:solidFill>
+                                <a:schemeClr val="tx1"/>
+                              </a:solidFill>
+                              <a:effectLst/>
+                              <a:latin typeface="+mn-lt"/>
+                              <a:ea typeface="Calibri" panose="020F0502020204030204" pitchFamily="34" charset="0"/>
+                              <a:cs typeface="Times New Roman" panose="02020603050405020304" pitchFamily="18" charset="0"/>
+                            </a:rPr>
+                            <a:t>40</a:t>
+                          </a:r>
+                        </a:p>
+                      </a:txBody>
+                      <a:tcPr marL="68580" marR="68580" marT="0" marB="0" anchor="ctr">
+                        <a:lnL w="12700" cap="flat" cmpd="sng" algn="ctr">
+                          <a:solidFill>
+                            <a:schemeClr val="tx1"/>
+                          </a:solidFill>
+                          <a:prstDash val="solid"/>
+                          <a:round/>
+                          <a:headEnd type="none" w="med" len="med"/>
+                          <a:tailEnd type="none" w="med" len="med"/>
+                        </a:lnL>
+                        <a:lnR w="12700" cap="flat" cmpd="sng" algn="ctr">
+                          <a:solidFill>
+                            <a:schemeClr val="tx1"/>
+                          </a:solidFill>
+                          <a:prstDash val="solid"/>
+                          <a:round/>
+                          <a:headEnd type="none" w="med" len="med"/>
+                          <a:tailEnd type="none" w="med" len="med"/>
+                        </a:lnR>
+                        <a:lnT w="12700" cap="flat" cmpd="sng" algn="ctr">
+                          <a:solidFill>
+                            <a:schemeClr val="tx1"/>
+                          </a:solidFill>
+                          <a:prstDash val="solid"/>
+                          <a:round/>
+                          <a:headEnd type="none" w="med" len="med"/>
+                          <a:tailEnd type="none" w="med" len="med"/>
+                        </a:lnT>
+                        <a:lnB w="12700" cap="flat" cmpd="sng" algn="ctr">
+                          <a:solidFill>
+                            <a:schemeClr val="tx1"/>
+                          </a:solidFill>
+                          <a:prstDash val="solid"/>
+                          <a:round/>
+                          <a:headEnd type="none" w="med" len="med"/>
+                          <a:tailEnd type="none" w="med" len="med"/>
+                        </a:lnB>
+                        <a:noFill/>
+                      </a:tcPr>
+                    </a:tc>
+                    <a:tc>
+                      <a:txBody>
+                        <a:bodyPr/>
+                        <a:lstStyle/>
+                        <a:p>
+                          <a:pPr algn="r">
+                            <a:spcAft>
+                              <a:spcPts val="0"/>
+                            </a:spcAft>
+                          </a:pPr>
+                          <a:r>
+                            <a:rPr lang="en-US" sz="1400" b="0">
+                              <a:solidFill>
+                                <a:schemeClr val="tx1"/>
+                              </a:solidFill>
+                              <a:effectLst/>
+                              <a:latin typeface="+mn-lt"/>
+                              <a:ea typeface="Calibri" panose="020F0502020204030204" pitchFamily="34" charset="0"/>
+                              <a:cs typeface="Times New Roman" panose="02020603050405020304" pitchFamily="18" charset="0"/>
+                            </a:rPr>
+                            <a:t>0</a:t>
+                          </a:r>
+                          <a:endParaRPr lang="ru-RU" sz="1400" b="0">
+                            <a:solidFill>
+                              <a:schemeClr val="tx1"/>
+                            </a:solidFill>
+                            <a:effectLst/>
+                            <a:latin typeface="+mn-lt"/>
+                            <a:ea typeface="Calibri" panose="020F0502020204030204" pitchFamily="34" charset="0"/>
+                            <a:cs typeface="Times New Roman" panose="02020603050405020304" pitchFamily="18" charset="0"/>
+                          </a:endParaRPr>
+                        </a:p>
+                      </a:txBody>
+                      <a:tcPr marL="68580" marR="68580" marT="0" marB="0" anchor="ctr">
+                        <a:lnL w="12700" cap="flat" cmpd="sng" algn="ctr">
+                          <a:solidFill>
+                            <a:schemeClr val="tx1"/>
+                          </a:solidFill>
+                          <a:prstDash val="solid"/>
+                          <a:round/>
+                          <a:headEnd type="none" w="med" len="med"/>
+                          <a:tailEnd type="none" w="med" len="med"/>
+                        </a:lnL>
+                        <a:lnR w="12700" cap="flat" cmpd="sng" algn="ctr">
+                          <a:solidFill>
+                            <a:schemeClr val="tx1"/>
+                          </a:solidFill>
+                          <a:prstDash val="solid"/>
+                          <a:round/>
+                          <a:headEnd type="none" w="med" len="med"/>
+                          <a:tailEnd type="none" w="med" len="med"/>
+                        </a:lnR>
+                        <a:lnT w="12700" cap="flat" cmpd="sng" algn="ctr">
+                          <a:solidFill>
+                            <a:schemeClr val="tx1"/>
+                          </a:solidFill>
+                          <a:prstDash val="solid"/>
+                          <a:round/>
+                          <a:headEnd type="none" w="med" len="med"/>
+                          <a:tailEnd type="none" w="med" len="med"/>
+                        </a:lnT>
+                        <a:lnB w="12700" cap="flat" cmpd="sng" algn="ctr">
+                          <a:solidFill>
+                            <a:schemeClr val="tx1"/>
+                          </a:solidFill>
+                          <a:prstDash val="solid"/>
+                          <a:round/>
+                          <a:headEnd type="none" w="med" len="med"/>
+                          <a:tailEnd type="none" w="med" len="med"/>
+                        </a:lnB>
+                        <a:noFill/>
+                      </a:tcPr>
+                    </a:tc>
+                  </a:tr>
+                  <a:tr h="548640">
+                    <a:tc>
+                      <a:txBody>
+                        <a:bodyPr/>
+                        <a:lstStyle/>
+                        <a:p>
+                          <a:endParaRPr lang="ru-RU"/>
+                        </a:p>
+                      </a:txBody>
+                      <a:tcPr marL="68580" marR="68580" marT="0" marB="0">
+                        <a:lnL w="12700" cap="flat" cmpd="sng" algn="ctr">
+                          <a:solidFill>
+                            <a:schemeClr val="tx1"/>
+                          </a:solidFill>
+                          <a:prstDash val="solid"/>
+                          <a:round/>
+                          <a:headEnd type="none" w="med" len="med"/>
+                          <a:tailEnd type="none" w="med" len="med"/>
+                        </a:lnL>
+                        <a:lnR w="12700" cap="flat" cmpd="sng" algn="ctr">
+                          <a:solidFill>
+                            <a:schemeClr val="tx1"/>
+                          </a:solidFill>
+                          <a:prstDash val="solid"/>
+                          <a:round/>
+                          <a:headEnd type="none" w="med" len="med"/>
+                          <a:tailEnd type="none" w="med" len="med"/>
+                        </a:lnR>
+                        <a:lnT w="12700" cap="flat" cmpd="sng" algn="ctr">
+                          <a:solidFill>
+                            <a:schemeClr val="tx1"/>
+                          </a:solidFill>
+                          <a:prstDash val="solid"/>
+                          <a:round/>
+                          <a:headEnd type="none" w="med" len="med"/>
+                          <a:tailEnd type="none" w="med" len="med"/>
+                        </a:lnT>
+                        <a:lnB w="12700" cap="flat" cmpd="sng" algn="ctr">
+                          <a:solidFill>
+                            <a:schemeClr val="tx1"/>
+                          </a:solidFill>
+                          <a:prstDash val="solid"/>
+                          <a:round/>
+                          <a:headEnd type="none" w="med" len="med"/>
+                          <a:tailEnd type="none" w="med" len="med"/>
+                        </a:lnB>
+                        <a:blipFill rotWithShape="0">
+                          <a:blip r:embed="rId5"/>
+                          <a:stretch>
+                            <a:fillRect l="-499" t="-208889" r="-165586" b="-16667"/>
+                          </a:stretch>
+                        </a:blipFill>
+                      </a:tcPr>
+                    </a:tc>
+                    <a:tc>
+                      <a:txBody>
+                        <a:bodyPr/>
+                        <a:lstStyle/>
+                        <a:p>
+                          <a:pPr algn="r">
+                            <a:spcAft>
+                              <a:spcPts val="0"/>
+                            </a:spcAft>
+                          </a:pPr>
+                          <a:r>
+                            <a:rPr lang="en-US" sz="1400" b="0">
+                              <a:solidFill>
+                                <a:schemeClr val="tx1"/>
+                              </a:solidFill>
+                              <a:effectLst/>
+                              <a:latin typeface="+mn-lt"/>
+                              <a:ea typeface="Calibri" panose="020F0502020204030204" pitchFamily="34" charset="0"/>
+                              <a:cs typeface="Times New Roman" panose="02020603050405020304" pitchFamily="18" charset="0"/>
+                            </a:rPr>
+                            <a:t>0</a:t>
+                          </a:r>
+                          <a:endParaRPr lang="ru-RU" sz="1400" b="0">
+                            <a:solidFill>
+                              <a:schemeClr val="tx1"/>
+                            </a:solidFill>
+                            <a:effectLst/>
+                            <a:latin typeface="+mn-lt"/>
+                            <a:ea typeface="Calibri" panose="020F0502020204030204" pitchFamily="34" charset="0"/>
+                            <a:cs typeface="Times New Roman" panose="02020603050405020304" pitchFamily="18" charset="0"/>
+                          </a:endParaRPr>
+                        </a:p>
+                      </a:txBody>
+                      <a:tcPr marL="68580" marR="68580" marT="0" marB="0" anchor="ctr">
+                        <a:lnL w="12700" cap="flat" cmpd="sng" algn="ctr">
+                          <a:solidFill>
+                            <a:schemeClr val="tx1"/>
+                          </a:solidFill>
+                          <a:prstDash val="solid"/>
+                          <a:round/>
+                          <a:headEnd type="none" w="med" len="med"/>
+                          <a:tailEnd type="none" w="med" len="med"/>
+                        </a:lnL>
+                        <a:lnR w="12700" cap="flat" cmpd="sng" algn="ctr">
+                          <a:solidFill>
+                            <a:schemeClr val="tx1"/>
+                          </a:solidFill>
+                          <a:prstDash val="solid"/>
+                          <a:round/>
+                          <a:headEnd type="none" w="med" len="med"/>
+                          <a:tailEnd type="none" w="med" len="med"/>
+                        </a:lnR>
+                        <a:lnT w="12700" cap="flat" cmpd="sng" algn="ctr">
+                          <a:solidFill>
+                            <a:schemeClr val="tx1"/>
+                          </a:solidFill>
+                          <a:prstDash val="solid"/>
+                          <a:round/>
+                          <a:headEnd type="none" w="med" len="med"/>
+                          <a:tailEnd type="none" w="med" len="med"/>
+                        </a:lnT>
+                        <a:lnB w="12700" cap="flat" cmpd="sng" algn="ctr">
+                          <a:solidFill>
+                            <a:schemeClr val="tx1"/>
+                          </a:solidFill>
+                          <a:prstDash val="solid"/>
+                          <a:round/>
+                          <a:headEnd type="none" w="med" len="med"/>
+                          <a:tailEnd type="none" w="med" len="med"/>
+                        </a:lnB>
+                        <a:noFill/>
+                      </a:tcPr>
+                    </a:tc>
+                    <a:tc>
+                      <a:txBody>
+                        <a:bodyPr/>
+                        <a:lstStyle/>
+                        <a:p>
+                          <a:pPr algn="r">
+                            <a:spcAft>
+                              <a:spcPts val="0"/>
+                            </a:spcAft>
+                          </a:pPr>
+                          <a:r>
+                            <a:rPr lang="ru-RU" sz="1400" b="0" dirty="0">
+                              <a:solidFill>
+                                <a:schemeClr val="tx1"/>
+                              </a:solidFill>
+                              <a:effectLst/>
+                              <a:latin typeface="+mn-lt"/>
+                              <a:ea typeface="Calibri" panose="020F0502020204030204" pitchFamily="34" charset="0"/>
+                              <a:cs typeface="Times New Roman" panose="02020603050405020304" pitchFamily="18" charset="0"/>
+                            </a:rPr>
+                            <a:t>0</a:t>
+                          </a:r>
+                        </a:p>
+                      </a:txBody>
+                      <a:tcPr marL="68580" marR="68580" marT="0" marB="0" anchor="ctr">
+                        <a:lnL w="12700" cap="flat" cmpd="sng" algn="ctr">
+                          <a:solidFill>
+                            <a:schemeClr val="tx1"/>
+                          </a:solidFill>
+                          <a:prstDash val="solid"/>
+                          <a:round/>
+                          <a:headEnd type="none" w="med" len="med"/>
+                          <a:tailEnd type="none" w="med" len="med"/>
+                        </a:lnL>
+                        <a:lnR w="12700" cap="flat" cmpd="sng" algn="ctr">
+                          <a:solidFill>
+                            <a:schemeClr val="tx1"/>
+                          </a:solidFill>
+                          <a:prstDash val="solid"/>
+                          <a:round/>
+                          <a:headEnd type="none" w="med" len="med"/>
+                          <a:tailEnd type="none" w="med" len="med"/>
+                        </a:lnR>
+                        <a:lnT w="12700" cap="flat" cmpd="sng" algn="ctr">
+                          <a:solidFill>
+                            <a:schemeClr val="tx1"/>
+                          </a:solidFill>
+                          <a:prstDash val="solid"/>
+                          <a:round/>
+                          <a:headEnd type="none" w="med" len="med"/>
+                          <a:tailEnd type="none" w="med" len="med"/>
+                        </a:lnT>
+                        <a:lnB w="12700" cap="flat" cmpd="sng" algn="ctr">
+                          <a:solidFill>
+                            <a:schemeClr val="tx1"/>
+                          </a:solidFill>
+                          <a:prstDash val="solid"/>
+                          <a:round/>
+                          <a:headEnd type="none" w="med" len="med"/>
+                          <a:tailEnd type="none" w="med" len="med"/>
+                        </a:lnB>
+                        <a:noFill/>
+                      </a:tcPr>
+                    </a:tc>
+                    <a:tc>
+                      <a:txBody>
+                        <a:bodyPr/>
+                        <a:lstStyle/>
+                        <a:p>
+                          <a:pPr algn="r">
+                            <a:spcAft>
+                              <a:spcPts val="0"/>
+                            </a:spcAft>
+                          </a:pPr>
+                          <a:r>
+                            <a:rPr lang="ru-RU" sz="1400" b="0" dirty="0">
+                              <a:solidFill>
+                                <a:schemeClr val="tx1"/>
+                              </a:solidFill>
+                              <a:effectLst/>
+                              <a:latin typeface="+mn-lt"/>
+                              <a:ea typeface="Calibri" panose="020F0502020204030204" pitchFamily="34" charset="0"/>
+                              <a:cs typeface="Times New Roman" panose="02020603050405020304" pitchFamily="18" charset="0"/>
+                            </a:rPr>
+                            <a:t>0</a:t>
+                          </a:r>
+                        </a:p>
+                      </a:txBody>
+                      <a:tcPr marL="68580" marR="68580" marT="0" marB="0" anchor="ctr">
+                        <a:lnL w="12700" cap="flat" cmpd="sng" algn="ctr">
+                          <a:solidFill>
+                            <a:schemeClr val="tx1"/>
+                          </a:solidFill>
+                          <a:prstDash val="solid"/>
+                          <a:round/>
+                          <a:headEnd type="none" w="med" len="med"/>
+                          <a:tailEnd type="none" w="med" len="med"/>
+                        </a:lnL>
+                        <a:lnR w="12700" cap="flat" cmpd="sng" algn="ctr">
+                          <a:solidFill>
+                            <a:schemeClr val="tx1"/>
+                          </a:solidFill>
+                          <a:prstDash val="solid"/>
+                          <a:round/>
+                          <a:headEnd type="none" w="med" len="med"/>
+                          <a:tailEnd type="none" w="med" len="med"/>
+                        </a:lnR>
+                        <a:lnT w="12700" cap="flat" cmpd="sng" algn="ctr">
+                          <a:solidFill>
+                            <a:schemeClr val="tx1"/>
+                          </a:solidFill>
+                          <a:prstDash val="solid"/>
+                          <a:round/>
+                          <a:headEnd type="none" w="med" len="med"/>
+                          <a:tailEnd type="none" w="med" len="med"/>
+                        </a:lnT>
+                        <a:lnB w="12700" cap="flat" cmpd="sng" algn="ctr">
+                          <a:solidFill>
+                            <a:schemeClr val="tx1"/>
+                          </a:solidFill>
+                          <a:prstDash val="solid"/>
+                          <a:round/>
+                          <a:headEnd type="none" w="med" len="med"/>
+                          <a:tailEnd type="none" w="med" len="med"/>
+                        </a:lnB>
+                        <a:noFill/>
+                      </a:tcPr>
+                    </a:tc>
+                    <a:tc>
+                      <a:txBody>
+                        <a:bodyPr/>
+                        <a:lstStyle/>
+                        <a:p>
+                          <a:pPr algn="r">
+                            <a:spcAft>
+                              <a:spcPts val="0"/>
+                            </a:spcAft>
+                          </a:pPr>
+                          <a:r>
+                            <a:rPr lang="en-US" sz="1400" b="0" dirty="0">
+                              <a:solidFill>
+                                <a:schemeClr val="tx1"/>
+                              </a:solidFill>
+                              <a:effectLst/>
+                              <a:latin typeface="+mn-lt"/>
+                              <a:ea typeface="Calibri" panose="020F0502020204030204" pitchFamily="34" charset="0"/>
+                              <a:cs typeface="Times New Roman" panose="02020603050405020304" pitchFamily="18" charset="0"/>
+                            </a:rPr>
+                            <a:t>23,33</a:t>
+                          </a:r>
+                          <a:endParaRPr lang="ru-RU" sz="1400" b="0" dirty="0">
+                            <a:solidFill>
+                              <a:schemeClr val="tx1"/>
+                            </a:solidFill>
+                            <a:effectLst/>
+                            <a:latin typeface="+mn-lt"/>
+                            <a:ea typeface="Calibri" panose="020F0502020204030204" pitchFamily="34" charset="0"/>
+                            <a:cs typeface="Times New Roman" panose="02020603050405020304" pitchFamily="18" charset="0"/>
+                          </a:endParaRPr>
+                        </a:p>
+                      </a:txBody>
+                      <a:tcPr marL="68580" marR="68580" marT="0" marB="0" anchor="ctr">
+                        <a:lnL w="12700" cap="flat" cmpd="sng" algn="ctr">
+                          <a:solidFill>
+                            <a:schemeClr val="tx1"/>
+                          </a:solidFill>
+                          <a:prstDash val="solid"/>
+                          <a:round/>
+                          <a:headEnd type="none" w="med" len="med"/>
+                          <a:tailEnd type="none" w="med" len="med"/>
+                        </a:lnL>
+                        <a:lnR w="12700" cap="flat" cmpd="sng" algn="ctr">
+                          <a:solidFill>
+                            <a:schemeClr val="tx1"/>
+                          </a:solidFill>
+                          <a:prstDash val="solid"/>
+                          <a:round/>
+                          <a:headEnd type="none" w="med" len="med"/>
+                          <a:tailEnd type="none" w="med" len="med"/>
+                        </a:lnR>
+                        <a:lnT w="12700" cap="flat" cmpd="sng" algn="ctr">
+                          <a:solidFill>
+                            <a:schemeClr val="tx1"/>
+                          </a:solidFill>
+                          <a:prstDash val="solid"/>
+                          <a:round/>
+                          <a:headEnd type="none" w="med" len="med"/>
+                          <a:tailEnd type="none" w="med" len="med"/>
+                        </a:lnT>
+                        <a:lnB w="12700" cap="flat" cmpd="sng" algn="ctr">
+                          <a:solidFill>
+                            <a:schemeClr val="tx1"/>
+                          </a:solidFill>
+                          <a:prstDash val="solid"/>
+                          <a:round/>
+                          <a:headEnd type="none" w="med" len="med"/>
+                          <a:tailEnd type="none" w="med" len="med"/>
+                        </a:lnB>
+                        <a:noFill/>
+                      </a:tcPr>
+                    </a:tc>
+                  </a:tr>
+                </a:tbl>
+              </a:graphicData>
+            </a:graphic>
+          </p:graphicFrame>
+        </mc:Fallback>
+      </mc:AlternateContent>
     </p:spTree>
     <p:extLst>
       <p:ext uri="{BB962C8B-B14F-4D97-AF65-F5344CB8AC3E}">
@@ -28428,8 +28388,8 @@
           </a:p>
         </p:txBody>
       </p:sp>
-      <mc:AlternateContent xmlns:mc="http://schemas.openxmlformats.org/markup-compatibility/2006" xmlns:a14="http://schemas.microsoft.com/office/drawing/2010/main">
-        <mc:Choice Requires="a14">
+      <mc:AlternateContent xmlns:mc="http://schemas.openxmlformats.org/markup-compatibility/2006">
+        <mc:Choice xmlns:a14="http://schemas.microsoft.com/office/drawing/2010/main" Requires="a14">
           <p:graphicFrame>
             <p:nvGraphicFramePr>
               <p:cNvPr id="9" name="Table 8"/>
@@ -28439,7 +28399,7 @@
               <p:nvPr>
                 <p:extLst>
                   <p:ext uri="{D42A27DB-BD31-4B8C-83A1-F6EECF244321}">
-                    <p14:modId xmlns:p14="http://schemas.microsoft.com/office/powerpoint/2010/main" val="966697510"/>
+                    <p14:modId xmlns:p14="http://schemas.microsoft.com/office/powerpoint/2010/main" val="963604755"/>
                   </p:ext>
                 </p:extLst>
               </p:nvPr>
@@ -28739,7 +28699,7 @@
                           <a:headEnd type="none" w="med" len="med"/>
                           <a:tailEnd type="none" w="med" len="med"/>
                         </a:lnT>
-                        <a:lnB w="12700" cap="flat" cmpd="sng" algn="ctr">
+                        <a:lnB w="28575" cap="flat" cmpd="sng" algn="ctr">
                           <a:solidFill>
                             <a:schemeClr val="tx1"/>
                           </a:solidFill>
@@ -29245,7 +29205,7 @@
                           <a:headEnd type="none" w="med" len="med"/>
                           <a:tailEnd type="none" w="med" len="med"/>
                         </a:lnT>
-                        <a:lnB w="12700" cap="flat" cmpd="sng" algn="ctr">
+                        <a:lnB w="28575" cap="flat" cmpd="sng" algn="ctr">
                           <a:solidFill>
                             <a:schemeClr val="tx1"/>
                           </a:solidFill>
@@ -29268,7 +29228,7 @@
                             </a:spcAft>
                           </a:pPr>
                           <a:r>
-                            <a:rPr lang="ru-RU" sz="1400" b="0">
+                            <a:rPr lang="ru-RU" sz="1400" b="0" dirty="0">
                               <a:solidFill>
                                 <a:schemeClr val="tx1"/>
                               </a:solidFill>
@@ -29276,7 +29236,7 @@
                             </a:rPr>
                             <a:t>80</a:t>
                           </a:r>
-                          <a:endParaRPr lang="ru-RU" sz="1400" b="0">
+                          <a:endParaRPr lang="ru-RU" sz="1400" b="0" dirty="0">
                             <a:solidFill>
                               <a:schemeClr val="tx1"/>
                             </a:solidFill>
@@ -29315,7 +29275,7 @@
                           <a:headEnd type="none" w="med" len="med"/>
                           <a:tailEnd type="none" w="med" len="med"/>
                         </a:lnT>
-                        <a:lnB w="12700" cap="flat" cmpd="sng" algn="ctr">
+                        <a:lnB w="28575" cap="flat" cmpd="sng" algn="ctr">
                           <a:solidFill>
                             <a:schemeClr val="tx1"/>
                           </a:solidFill>
@@ -29403,7 +29363,7 @@
                           <a:headEnd type="none" w="med" len="med"/>
                           <a:tailEnd type="none" w="med" len="med"/>
                         </a:lnR>
-                        <a:lnT w="12700" cap="flat" cmpd="sng" algn="ctr">
+                        <a:lnT w="28575" cap="flat" cmpd="sng" algn="ctr">
                           <a:solidFill>
                             <a:schemeClr val="tx1"/>
                           </a:solidFill>
@@ -29412,7 +29372,7 @@
                           <a:headEnd type="none" w="med" len="med"/>
                           <a:tailEnd type="none" w="med" len="med"/>
                         </a:lnT>
-                        <a:lnB w="12700" cap="flat" cmpd="sng" algn="ctr">
+                        <a:lnB w="28575" cap="flat" cmpd="sng" algn="ctr">
                           <a:solidFill>
                             <a:schemeClr val="tx1"/>
                           </a:solidFill>
@@ -29532,7 +29492,7 @@
                           <a:headEnd type="none" w="med" len="med"/>
                           <a:tailEnd type="none" w="med" len="med"/>
                         </a:lnR>
-                        <a:lnT w="12700" cap="flat" cmpd="sng" algn="ctr">
+                        <a:lnT w="28575" cap="flat" cmpd="sng" algn="ctr">
                           <a:solidFill>
                             <a:schemeClr val="tx1"/>
                           </a:solidFill>
@@ -29607,7 +29567,7 @@
                           <a:headEnd type="none" w="med" len="med"/>
                           <a:tailEnd type="none" w="med" len="med"/>
                         </a:lnR>
-                        <a:lnT w="12700" cap="flat" cmpd="sng" algn="ctr">
+                        <a:lnT w="28575" cap="flat" cmpd="sng" algn="ctr">
                           <a:solidFill>
                             <a:schemeClr val="tx1"/>
                           </a:solidFill>
@@ -29914,7 +29874,7 @@
                           <a:headEnd type="none" w="med" len="med"/>
                           <a:tailEnd type="none" w="med" len="med"/>
                         </a:lnT>
-                        <a:lnB w="12700" cap="flat" cmpd="sng" algn="ctr">
+                        <a:lnB w="28575" cap="flat" cmpd="sng" algn="ctr">
                           <a:solidFill>
                             <a:schemeClr val="tx1"/>
                           </a:solidFill>
@@ -29984,7 +29944,7 @@
                           <a:headEnd type="none" w="med" len="med"/>
                           <a:tailEnd type="none" w="med" len="med"/>
                         </a:lnT>
-                        <a:lnB w="12700" cap="flat" cmpd="sng" algn="ctr">
+                        <a:lnB w="28575" cap="flat" cmpd="sng" algn="ctr">
                           <a:solidFill>
                             <a:schemeClr val="tx1"/>
                           </a:solidFill>
@@ -30056,7 +30016,7 @@
                           <a:headEnd type="none" w="med" len="med"/>
                           <a:tailEnd type="none" w="med" len="med"/>
                         </a:lnR>
-                        <a:lnT w="12700" cap="flat" cmpd="sng" algn="ctr">
+                        <a:lnT w="28575" cap="flat" cmpd="sng" algn="ctr">
                           <a:solidFill>
                             <a:schemeClr val="tx1"/>
                           </a:solidFill>
@@ -30065,7 +30025,7 @@
                           <a:headEnd type="none" w="med" len="med"/>
                           <a:tailEnd type="none" w="med" len="med"/>
                         </a:lnT>
-                        <a:lnB w="12700" cap="flat" cmpd="sng" algn="ctr">
+                        <a:lnB w="28575" cap="flat" cmpd="sng" algn="ctr">
                           <a:solidFill>
                             <a:schemeClr val="tx1"/>
                           </a:solidFill>
@@ -30185,7 +30145,7 @@
                           <a:headEnd type="none" w="med" len="med"/>
                           <a:tailEnd type="none" w="med" len="med"/>
                         </a:lnR>
-                        <a:lnT w="12700" cap="flat" cmpd="sng" algn="ctr">
+                        <a:lnT w="28575" cap="flat" cmpd="sng" algn="ctr">
                           <a:solidFill>
                             <a:schemeClr val="tx1"/>
                           </a:solidFill>
@@ -30260,7 +30220,7 @@
                           <a:headEnd type="none" w="med" len="med"/>
                           <a:tailEnd type="none" w="med" len="med"/>
                         </a:lnR>
-                        <a:lnT w="12700" cap="flat" cmpd="sng" algn="ctr">
+                        <a:lnT w="28575" cap="flat" cmpd="sng" algn="ctr">
                           <a:solidFill>
                             <a:schemeClr val="tx1"/>
                           </a:solidFill>
@@ -30567,7 +30527,7 @@
                           <a:headEnd type="none" w="med" len="med"/>
                           <a:tailEnd type="none" w="med" len="med"/>
                         </a:lnT>
-                        <a:lnB w="12700" cap="flat" cmpd="sng" algn="ctr">
+                        <a:lnB w="28575" cap="flat" cmpd="sng" algn="ctr">
                           <a:solidFill>
                             <a:schemeClr val="tx1"/>
                           </a:solidFill>
@@ -30637,7 +30597,7 @@
                           <a:headEnd type="none" w="med" len="med"/>
                           <a:tailEnd type="none" w="med" len="med"/>
                         </a:lnT>
-                        <a:lnB w="12700" cap="flat" cmpd="sng" algn="ctr">
+                        <a:lnB w="28575" cap="flat" cmpd="sng" algn="ctr">
                           <a:solidFill>
                             <a:schemeClr val="tx1"/>
                           </a:solidFill>
@@ -30709,7 +30669,7 @@
                           <a:headEnd type="none" w="med" len="med"/>
                           <a:tailEnd type="none" w="med" len="med"/>
                         </a:lnR>
-                        <a:lnT w="12700" cap="flat" cmpd="sng" algn="ctr">
+                        <a:lnT w="28575" cap="flat" cmpd="sng" algn="ctr">
                           <a:solidFill>
                             <a:schemeClr val="tx1"/>
                           </a:solidFill>
@@ -30838,7 +30798,7 @@
                           <a:headEnd type="none" w="med" len="med"/>
                           <a:tailEnd type="none" w="med" len="med"/>
                         </a:lnR>
-                        <a:lnT w="12700" cap="flat" cmpd="sng" algn="ctr">
+                        <a:lnT w="28575" cap="flat" cmpd="sng" algn="ctr">
                           <a:solidFill>
                             <a:schemeClr val="tx1"/>
                           </a:solidFill>
@@ -30913,7 +30873,7 @@
                           <a:headEnd type="none" w="med" len="med"/>
                           <a:tailEnd type="none" w="med" len="med"/>
                         </a:lnR>
-                        <a:lnT w="12700" cap="flat" cmpd="sng" algn="ctr">
+                        <a:lnT w="28575" cap="flat" cmpd="sng" algn="ctr">
                           <a:solidFill>
                             <a:schemeClr val="tx1"/>
                           </a:solidFill>
@@ -31317,7 +31277,7 @@
             </a:graphic>
           </p:graphicFrame>
         </mc:Choice>
-        <mc:Fallback xmlns="">
+        <mc:Fallback>
           <p:graphicFrame>
             <p:nvGraphicFramePr>
               <p:cNvPr id="9" name="Table 8"/>
@@ -31327,7 +31287,7 @@
               <p:nvPr>
                 <p:extLst>
                   <p:ext uri="{D42A27DB-BD31-4B8C-83A1-F6EECF244321}">
-                    <p14:modId xmlns:p14="http://schemas.microsoft.com/office/powerpoint/2010/main" val="966697510"/>
+                    <p14:modId xmlns:p14="http://schemas.microsoft.com/office/powerpoint/2010/main" val="963604755"/>
                   </p:ext>
                 </p:extLst>
               </p:nvPr>
@@ -31627,7 +31587,7 @@
                           <a:headEnd type="none" w="med" len="med"/>
                           <a:tailEnd type="none" w="med" len="med"/>
                         </a:lnT>
-                        <a:lnB w="12700" cap="flat" cmpd="sng" algn="ctr">
+                        <a:lnB w="28575" cap="flat" cmpd="sng" algn="ctr">
                           <a:solidFill>
                             <a:schemeClr val="tx1"/>
                           </a:solidFill>
@@ -31862,7 +31822,7 @@
                         <a:blipFill rotWithShape="0">
                           <a:blip r:embed="rId3"/>
                           <a:stretch>
-                            <a:fillRect l="-93931" t="-325714" r="-143536" b="-1051429"/>
+                            <a:fillRect l="-93931" t="-325714" r="-143799" b="-1051429"/>
                           </a:stretch>
                         </a:blipFill>
                       </a:tcPr>
@@ -31985,7 +31945,7 @@
                           <a:headEnd type="none" w="med" len="med"/>
                           <a:tailEnd type="none" w="med" len="med"/>
                         </a:lnT>
-                        <a:lnB w="12700" cap="flat" cmpd="sng" algn="ctr">
+                        <a:lnB w="28575" cap="flat" cmpd="sng" algn="ctr">
                           <a:solidFill>
                             <a:schemeClr val="tx1"/>
                           </a:solidFill>
@@ -31997,7 +31957,7 @@
                         <a:blipFill rotWithShape="0">
                           <a:blip r:embed="rId3"/>
                           <a:stretch>
-                            <a:fillRect l="-93931" t="-425714" r="-143536" b="-951429"/>
+                            <a:fillRect l="-93931" t="-425714" r="-143799" b="-951429"/>
                           </a:stretch>
                         </a:blipFill>
                       </a:tcPr>
@@ -32013,7 +31973,7 @@
                             </a:spcAft>
                           </a:pPr>
                           <a:r>
-                            <a:rPr lang="ru-RU" sz="1400" b="0">
+                            <a:rPr lang="ru-RU" sz="1400" b="0" dirty="0">
                               <a:solidFill>
                                 <a:schemeClr val="tx1"/>
                               </a:solidFill>
@@ -32021,7 +31981,7 @@
                             </a:rPr>
                             <a:t>80</a:t>
                           </a:r>
-                          <a:endParaRPr lang="ru-RU" sz="1400" b="0">
+                          <a:endParaRPr lang="ru-RU" sz="1400" b="0" dirty="0">
                             <a:solidFill>
                               <a:schemeClr val="tx1"/>
                             </a:solidFill>
@@ -32060,7 +32020,7 @@
                           <a:headEnd type="none" w="med" len="med"/>
                           <a:tailEnd type="none" w="med" len="med"/>
                         </a:lnT>
-                        <a:lnB w="12700" cap="flat" cmpd="sng" algn="ctr">
+                        <a:lnB w="28575" cap="flat" cmpd="sng" algn="ctr">
                           <a:solidFill>
                             <a:schemeClr val="tx1"/>
                           </a:solidFill>
@@ -32148,7 +32108,7 @@
                           <a:headEnd type="none" w="med" len="med"/>
                           <a:tailEnd type="none" w="med" len="med"/>
                         </a:lnR>
-                        <a:lnT w="12700" cap="flat" cmpd="sng" algn="ctr">
+                        <a:lnT w="28575" cap="flat" cmpd="sng" algn="ctr">
                           <a:solidFill>
                             <a:schemeClr val="tx1"/>
                           </a:solidFill>
@@ -32157,7 +32117,7 @@
                           <a:headEnd type="none" w="med" len="med"/>
                           <a:tailEnd type="none" w="med" len="med"/>
                         </a:lnT>
-                        <a:lnB w="12700" cap="flat" cmpd="sng" algn="ctr">
+                        <a:lnB w="28575" cap="flat" cmpd="sng" algn="ctr">
                           <a:solidFill>
                             <a:schemeClr val="tx1"/>
                           </a:solidFill>
@@ -32196,7 +32156,7 @@
                           <a:headEnd type="none" w="med" len="med"/>
                           <a:tailEnd type="none" w="med" len="med"/>
                         </a:lnR>
-                        <a:lnT w="12700" cap="flat" cmpd="sng" algn="ctr">
+                        <a:lnT w="28575" cap="flat" cmpd="sng" algn="ctr">
                           <a:solidFill>
                             <a:schemeClr val="tx1"/>
                           </a:solidFill>
@@ -32217,7 +32177,7 @@
                         <a:blipFill rotWithShape="0">
                           <a:blip r:embed="rId3"/>
                           <a:stretch>
-                            <a:fillRect l="-93931" t="-525714" r="-143536" b="-851429"/>
+                            <a:fillRect l="-93931" t="-525714" r="-143799" b="-851429"/>
                           </a:stretch>
                         </a:blipFill>
                       </a:tcPr>
@@ -32271,7 +32231,7 @@
                           <a:headEnd type="none" w="med" len="med"/>
                           <a:tailEnd type="none" w="med" len="med"/>
                         </a:lnR>
-                        <a:lnT w="12700" cap="flat" cmpd="sng" algn="ctr">
+                        <a:lnT w="28575" cap="flat" cmpd="sng" algn="ctr">
                           <a:solidFill>
                             <a:schemeClr val="tx1"/>
                           </a:solidFill>
@@ -32352,7 +32312,7 @@
                         <a:blipFill rotWithShape="0">
                           <a:blip r:embed="rId3"/>
                           <a:stretch>
-                            <a:fillRect l="-93931" t="-608333" r="-143536" b="-727778"/>
+                            <a:fillRect l="-93931" t="-608333" r="-143799" b="-727778"/>
                           </a:stretch>
                         </a:blipFill>
                       </a:tcPr>
@@ -32497,7 +32457,7 @@
                           <a:headEnd type="none" w="med" len="med"/>
                           <a:tailEnd type="none" w="med" len="med"/>
                         </a:lnT>
-                        <a:lnB w="12700" cap="flat" cmpd="sng" algn="ctr">
+                        <a:lnB w="28575" cap="flat" cmpd="sng" algn="ctr">
                           <a:solidFill>
                             <a:schemeClr val="tx1"/>
                           </a:solidFill>
@@ -32567,7 +32527,7 @@
                           <a:headEnd type="none" w="med" len="med"/>
                           <a:tailEnd type="none" w="med" len="med"/>
                         </a:lnT>
-                        <a:lnB w="12700" cap="flat" cmpd="sng" algn="ctr">
+                        <a:lnB w="28575" cap="flat" cmpd="sng" algn="ctr">
                           <a:solidFill>
                             <a:schemeClr val="tx1"/>
                           </a:solidFill>
@@ -32639,7 +32599,7 @@
                           <a:headEnd type="none" w="med" len="med"/>
                           <a:tailEnd type="none" w="med" len="med"/>
                         </a:lnR>
-                        <a:lnT w="12700" cap="flat" cmpd="sng" algn="ctr">
+                        <a:lnT w="28575" cap="flat" cmpd="sng" algn="ctr">
                           <a:solidFill>
                             <a:schemeClr val="tx1"/>
                           </a:solidFill>
@@ -32648,7 +32608,7 @@
                           <a:headEnd type="none" w="med" len="med"/>
                           <a:tailEnd type="none" w="med" len="med"/>
                         </a:lnT>
-                        <a:lnB w="12700" cap="flat" cmpd="sng" algn="ctr">
+                        <a:lnB w="28575" cap="flat" cmpd="sng" algn="ctr">
                           <a:solidFill>
                             <a:schemeClr val="tx1"/>
                           </a:solidFill>
@@ -32687,7 +32647,7 @@
                           <a:headEnd type="none" w="med" len="med"/>
                           <a:tailEnd type="none" w="med" len="med"/>
                         </a:lnR>
-                        <a:lnT w="12700" cap="flat" cmpd="sng" algn="ctr">
+                        <a:lnT w="28575" cap="flat" cmpd="sng" algn="ctr">
                           <a:solidFill>
                             <a:schemeClr val="tx1"/>
                           </a:solidFill>
@@ -32708,7 +32668,7 @@
                         <a:blipFill rotWithShape="0">
                           <a:blip r:embed="rId3"/>
                           <a:stretch>
-                            <a:fillRect l="-93931" t="-828571" r="-143536" b="-548571"/>
+                            <a:fillRect l="-93931" t="-828571" r="-143799" b="-548571"/>
                           </a:stretch>
                         </a:blipFill>
                       </a:tcPr>
@@ -32762,7 +32722,7 @@
                           <a:headEnd type="none" w="med" len="med"/>
                           <a:tailEnd type="none" w="med" len="med"/>
                         </a:lnR>
-                        <a:lnT w="12700" cap="flat" cmpd="sng" algn="ctr">
+                        <a:lnT w="28575" cap="flat" cmpd="sng" algn="ctr">
                           <a:solidFill>
                             <a:schemeClr val="tx1"/>
                           </a:solidFill>
@@ -32843,7 +32803,7 @@
                         <a:blipFill rotWithShape="0">
                           <a:blip r:embed="rId3"/>
                           <a:stretch>
-                            <a:fillRect l="-93931" t="-928571" r="-143536" b="-448571"/>
+                            <a:fillRect l="-93931" t="-928571" r="-143799" b="-448571"/>
                           </a:stretch>
                         </a:blipFill>
                       </a:tcPr>
@@ -32988,7 +32948,7 @@
                           <a:headEnd type="none" w="med" len="med"/>
                           <a:tailEnd type="none" w="med" len="med"/>
                         </a:lnT>
-                        <a:lnB w="12700" cap="flat" cmpd="sng" algn="ctr">
+                        <a:lnB w="28575" cap="flat" cmpd="sng" algn="ctr">
                           <a:solidFill>
                             <a:schemeClr val="tx1"/>
                           </a:solidFill>
@@ -33058,7 +33018,7 @@
                           <a:headEnd type="none" w="med" len="med"/>
                           <a:tailEnd type="none" w="med" len="med"/>
                         </a:lnT>
-                        <a:lnB w="12700" cap="flat" cmpd="sng" algn="ctr">
+                        <a:lnB w="28575" cap="flat" cmpd="sng" algn="ctr">
                           <a:solidFill>
                             <a:schemeClr val="tx1"/>
                           </a:solidFill>
@@ -33130,7 +33090,7 @@
                           <a:headEnd type="none" w="med" len="med"/>
                           <a:tailEnd type="none" w="med" len="med"/>
                         </a:lnR>
-                        <a:lnT w="12700" cap="flat" cmpd="sng" algn="ctr">
+                        <a:lnT w="28575" cap="flat" cmpd="sng" algn="ctr">
                           <a:solidFill>
                             <a:schemeClr val="tx1"/>
                           </a:solidFill>
@@ -33178,7 +33138,7 @@
                           <a:headEnd type="none" w="med" len="med"/>
                           <a:tailEnd type="none" w="med" len="med"/>
                         </a:lnR>
-                        <a:lnT w="12700" cap="flat" cmpd="sng" algn="ctr">
+                        <a:lnT w="28575" cap="flat" cmpd="sng" algn="ctr">
                           <a:solidFill>
                             <a:schemeClr val="tx1"/>
                           </a:solidFill>
@@ -33199,7 +33159,7 @@
                         <a:blipFill rotWithShape="0">
                           <a:blip r:embed="rId3"/>
                           <a:stretch>
-                            <a:fillRect l="-93931" t="-1128571" r="-143536" b="-248571"/>
+                            <a:fillRect l="-93931" t="-1128571" r="-143799" b="-248571"/>
                           </a:stretch>
                         </a:blipFill>
                       </a:tcPr>
@@ -33253,7 +33213,7 @@
                           <a:headEnd type="none" w="med" len="med"/>
                           <a:tailEnd type="none" w="med" len="med"/>
                         </a:lnR>
-                        <a:lnT w="12700" cap="flat" cmpd="sng" algn="ctr">
+                        <a:lnT w="28575" cap="flat" cmpd="sng" algn="ctr">
                           <a:solidFill>
                             <a:schemeClr val="tx1"/>
                           </a:solidFill>
@@ -33334,7 +33294,7 @@
                         <a:blipFill rotWithShape="0">
                           <a:blip r:embed="rId3"/>
                           <a:stretch>
-                            <a:fillRect l="-93931" t="-1228571" r="-143536" b="-148571"/>
+                            <a:fillRect l="-93931" t="-1228571" r="-143799" b="-148571"/>
                           </a:stretch>
                         </a:blipFill>
                       </a:tcPr>
@@ -33577,8 +33537,8 @@
           </p:graphicFrame>
         </mc:Fallback>
       </mc:AlternateContent>
-      <mc:AlternateContent xmlns:mc="http://schemas.openxmlformats.org/markup-compatibility/2006" xmlns:a14="http://schemas.microsoft.com/office/drawing/2010/main">
-        <mc:Choice Requires="a14">
+      <mc:AlternateContent xmlns:mc="http://schemas.openxmlformats.org/markup-compatibility/2006">
+        <mc:Choice xmlns:a14="http://schemas.microsoft.com/office/drawing/2010/main" Requires="a14">
           <p:graphicFrame>
             <p:nvGraphicFramePr>
               <p:cNvPr id="10" name="Table 9"/>
@@ -33588,7 +33548,7 @@
               <p:nvPr>
                 <p:extLst>
                   <p:ext uri="{D42A27DB-BD31-4B8C-83A1-F6EECF244321}">
-                    <p14:modId xmlns:p14="http://schemas.microsoft.com/office/powerpoint/2010/main" val="2011229275"/>
+                    <p14:modId xmlns:p14="http://schemas.microsoft.com/office/powerpoint/2010/main" val="2759901175"/>
                   </p:ext>
                 </p:extLst>
               </p:nvPr>
@@ -33873,7 +33833,7 @@
                           <a:headEnd type="none" w="med" len="med"/>
                           <a:tailEnd type="none" w="med" len="med"/>
                         </a:lnT>
-                        <a:lnB w="12700" cap="flat" cmpd="sng" algn="ctr">
+                        <a:lnB w="28575" cap="flat" cmpd="sng" algn="ctr">
                           <a:solidFill>
                             <a:schemeClr val="tx1"/>
                           </a:solidFill>
@@ -34406,7 +34366,7 @@
                           <a:headEnd type="none" w="med" len="med"/>
                           <a:tailEnd type="none" w="med" len="med"/>
                         </a:lnT>
-                        <a:lnB w="12700" cap="flat" cmpd="sng" algn="ctr">
+                        <a:lnB w="28575" cap="flat" cmpd="sng" algn="ctr">
                           <a:solidFill>
                             <a:schemeClr val="tx1"/>
                           </a:solidFill>
@@ -34479,7 +34439,7 @@
                           <a:headEnd type="none" w="med" len="med"/>
                           <a:tailEnd type="none" w="med" len="med"/>
                         </a:lnT>
-                        <a:lnB w="12700" cap="flat" cmpd="sng" algn="ctr">
+                        <a:lnB w="28575" cap="flat" cmpd="sng" algn="ctr">
                           <a:solidFill>
                             <a:schemeClr val="tx1"/>
                           </a:solidFill>
@@ -34567,7 +34527,7 @@
                           <a:headEnd type="none" w="med" len="med"/>
                           <a:tailEnd type="none" w="med" len="med"/>
                         </a:lnR>
-                        <a:lnT w="12700" cap="flat" cmpd="sng" algn="ctr">
+                        <a:lnT w="28575" cap="flat" cmpd="sng" algn="ctr">
                           <a:solidFill>
                             <a:schemeClr val="tx1"/>
                           </a:solidFill>
@@ -34576,7 +34536,7 @@
                           <a:headEnd type="none" w="med" len="med"/>
                           <a:tailEnd type="none" w="med" len="med"/>
                         </a:lnT>
-                        <a:lnB w="12700" cap="flat" cmpd="sng" algn="ctr">
+                        <a:lnB w="28575" cap="flat" cmpd="sng" algn="ctr">
                           <a:solidFill>
                             <a:schemeClr val="tx1"/>
                           </a:solidFill>
@@ -34702,7 +34662,7 @@
                           <a:headEnd type="none" w="med" len="med"/>
                           <a:tailEnd type="none" w="med" len="med"/>
                         </a:lnR>
-                        <a:lnT w="12700" cap="flat" cmpd="sng" algn="ctr">
+                        <a:lnT w="28575" cap="flat" cmpd="sng" algn="ctr">
                           <a:solidFill>
                             <a:schemeClr val="tx1"/>
                           </a:solidFill>
@@ -34771,7 +34731,7 @@
                           <a:headEnd type="none" w="med" len="med"/>
                           <a:tailEnd type="none" w="med" len="med"/>
                         </a:lnR>
-                        <a:lnT w="12700" cap="flat" cmpd="sng" algn="ctr">
+                        <a:lnT w="28575" cap="flat" cmpd="sng" algn="ctr">
                           <a:solidFill>
                             <a:schemeClr val="tx1"/>
                           </a:solidFill>
@@ -35081,7 +35041,7 @@
                           <a:headEnd type="none" w="med" len="med"/>
                           <a:tailEnd type="none" w="med" len="med"/>
                         </a:lnT>
-                        <a:lnB w="12700" cap="flat" cmpd="sng" algn="ctr">
+                        <a:lnB w="28575" cap="flat" cmpd="sng" algn="ctr">
                           <a:solidFill>
                             <a:schemeClr val="tx1"/>
                           </a:solidFill>
@@ -35145,7 +35105,7 @@
                           <a:headEnd type="none" w="med" len="med"/>
                           <a:tailEnd type="none" w="med" len="med"/>
                         </a:lnT>
-                        <a:lnB w="12700" cap="flat" cmpd="sng" algn="ctr">
+                        <a:lnB w="28575" cap="flat" cmpd="sng" algn="ctr">
                           <a:solidFill>
                             <a:schemeClr val="tx1"/>
                           </a:solidFill>
@@ -35214,7 +35174,7 @@
                           <a:headEnd type="none" w="med" len="med"/>
                           <a:tailEnd type="none" w="med" len="med"/>
                         </a:lnR>
-                        <a:lnT w="12700" cap="flat" cmpd="sng" algn="ctr">
+                        <a:lnT w="28575" cap="flat" cmpd="sng" algn="ctr">
                           <a:solidFill>
                             <a:schemeClr val="tx1"/>
                           </a:solidFill>
@@ -35223,7 +35183,7 @@
                           <a:headEnd type="none" w="med" len="med"/>
                           <a:tailEnd type="none" w="med" len="med"/>
                         </a:lnT>
-                        <a:lnB w="12700" cap="flat" cmpd="sng" algn="ctr">
+                        <a:lnB w="28575" cap="flat" cmpd="sng" algn="ctr">
                           <a:solidFill>
                             <a:schemeClr val="tx1"/>
                           </a:solidFill>
@@ -35349,7 +35309,7 @@
                           <a:headEnd type="none" w="med" len="med"/>
                           <a:tailEnd type="none" w="med" len="med"/>
                         </a:lnR>
-                        <a:lnT w="12700" cap="flat" cmpd="sng" algn="ctr">
+                        <a:lnT w="28575" cap="flat" cmpd="sng" algn="ctr">
                           <a:solidFill>
                             <a:schemeClr val="tx1"/>
                           </a:solidFill>
@@ -35418,7 +35378,7 @@
                           <a:headEnd type="none" w="med" len="med"/>
                           <a:tailEnd type="none" w="med" len="med"/>
                         </a:lnR>
-                        <a:lnT w="12700" cap="flat" cmpd="sng" algn="ctr">
+                        <a:lnT w="28575" cap="flat" cmpd="sng" algn="ctr">
                           <a:solidFill>
                             <a:schemeClr val="tx1"/>
                           </a:solidFill>
@@ -35728,7 +35688,7 @@
                           <a:headEnd type="none" w="med" len="med"/>
                           <a:tailEnd type="none" w="med" len="med"/>
                         </a:lnT>
-                        <a:lnB w="12700" cap="flat" cmpd="sng" algn="ctr">
+                        <a:lnB w="28575" cap="flat" cmpd="sng" algn="ctr">
                           <a:solidFill>
                             <a:schemeClr val="tx1"/>
                           </a:solidFill>
@@ -35794,7 +35754,7 @@
                           <a:headEnd type="none" w="med" len="med"/>
                           <a:tailEnd type="none" w="med" len="med"/>
                         </a:lnT>
-                        <a:lnB w="12700" cap="flat" cmpd="sng" algn="ctr">
+                        <a:lnB w="28575" cap="flat" cmpd="sng" algn="ctr">
                           <a:solidFill>
                             <a:schemeClr val="tx1"/>
                           </a:solidFill>
@@ -35863,7 +35823,7 @@
                           <a:headEnd type="none" w="med" len="med"/>
                           <a:tailEnd type="none" w="med" len="med"/>
                         </a:lnR>
-                        <a:lnT w="12700" cap="flat" cmpd="sng" algn="ctr">
+                        <a:lnT w="28575" cap="flat" cmpd="sng" algn="ctr">
                           <a:solidFill>
                             <a:schemeClr val="tx1"/>
                           </a:solidFill>
@@ -35936,7 +35896,7 @@
                           <a:headEnd type="none" w="med" len="med"/>
                           <a:tailEnd type="none" w="med" len="med"/>
                         </a:lnR>
-                        <a:lnT w="12700" cap="flat" cmpd="sng" algn="ctr">
+                        <a:lnT w="28575" cap="flat" cmpd="sng" algn="ctr">
                           <a:solidFill>
                             <a:schemeClr val="tx1"/>
                           </a:solidFill>
@@ -36014,7 +35974,7 @@
                           <a:headEnd type="none" w="med" len="med"/>
                           <a:tailEnd type="none" w="med" len="med"/>
                         </a:lnR>
-                        <a:lnT w="12700" cap="flat" cmpd="sng" algn="ctr">
+                        <a:lnT w="28575" cap="flat" cmpd="sng" algn="ctr">
                           <a:solidFill>
                             <a:schemeClr val="tx1"/>
                           </a:solidFill>
@@ -36481,7 +36441,7 @@
             </a:graphic>
           </p:graphicFrame>
         </mc:Choice>
-        <mc:Fallback xmlns="">
+        <mc:Fallback>
           <p:graphicFrame>
             <p:nvGraphicFramePr>
               <p:cNvPr id="10" name="Table 9"/>
@@ -36491,7 +36451,7 @@
               <p:nvPr>
                 <p:extLst>
                   <p:ext uri="{D42A27DB-BD31-4B8C-83A1-F6EECF244321}">
-                    <p14:modId xmlns:p14="http://schemas.microsoft.com/office/powerpoint/2010/main" val="2011229275"/>
+                    <p14:modId xmlns:p14="http://schemas.microsoft.com/office/powerpoint/2010/main" val="2759901175"/>
                   </p:ext>
                 </p:extLst>
               </p:nvPr>
@@ -36776,7 +36736,7 @@
                           <a:headEnd type="none" w="med" len="med"/>
                           <a:tailEnd type="none" w="med" len="med"/>
                         </a:lnT>
-                        <a:lnB w="12700" cap="flat" cmpd="sng" algn="ctr">
+                        <a:lnB w="28575" cap="flat" cmpd="sng" algn="ctr">
                           <a:solidFill>
                             <a:schemeClr val="tx1"/>
                           </a:solidFill>
@@ -37011,7 +36971,7 @@
                         <a:blipFill rotWithShape="0">
                           <a:blip r:embed="rId4"/>
                           <a:stretch>
-                            <a:fillRect l="-91667" t="-325714" r="-141927" b="-1054286"/>
+                            <a:fillRect l="-91667" t="-325714" r="-142188" b="-1054286"/>
                           </a:stretch>
                         </a:blipFill>
                       </a:tcPr>
@@ -37140,7 +37100,7 @@
                           <a:headEnd type="none" w="med" len="med"/>
                           <a:tailEnd type="none" w="med" len="med"/>
                         </a:lnT>
-                        <a:lnB w="12700" cap="flat" cmpd="sng" algn="ctr">
+                        <a:lnB w="28575" cap="flat" cmpd="sng" algn="ctr">
                           <a:solidFill>
                             <a:schemeClr val="tx1"/>
                           </a:solidFill>
@@ -37152,7 +37112,7 @@
                         <a:blipFill rotWithShape="0">
                           <a:blip r:embed="rId4"/>
                           <a:stretch>
-                            <a:fillRect l="-91667" t="-425714" r="-141927" b="-954286"/>
+                            <a:fillRect l="-91667" t="-425714" r="-142188" b="-954286"/>
                           </a:stretch>
                         </a:blipFill>
                       </a:tcPr>
@@ -37218,7 +37178,7 @@
                           <a:headEnd type="none" w="med" len="med"/>
                           <a:tailEnd type="none" w="med" len="med"/>
                         </a:lnT>
-                        <a:lnB w="12700" cap="flat" cmpd="sng" algn="ctr">
+                        <a:lnB w="28575" cap="flat" cmpd="sng" algn="ctr">
                           <a:solidFill>
                             <a:schemeClr val="tx1"/>
                           </a:solidFill>
@@ -37306,7 +37266,7 @@
                           <a:headEnd type="none" w="med" len="med"/>
                           <a:tailEnd type="none" w="med" len="med"/>
                         </a:lnR>
-                        <a:lnT w="12700" cap="flat" cmpd="sng" algn="ctr">
+                        <a:lnT w="28575" cap="flat" cmpd="sng" algn="ctr">
                           <a:solidFill>
                             <a:schemeClr val="tx1"/>
                           </a:solidFill>
@@ -37315,7 +37275,7 @@
                           <a:headEnd type="none" w="med" len="med"/>
                           <a:tailEnd type="none" w="med" len="med"/>
                         </a:lnT>
-                        <a:lnB w="12700" cap="flat" cmpd="sng" algn="ctr">
+                        <a:lnB w="28575" cap="flat" cmpd="sng" algn="ctr">
                           <a:solidFill>
                             <a:schemeClr val="tx1"/>
                           </a:solidFill>
@@ -37354,7 +37314,7 @@
                           <a:headEnd type="none" w="med" len="med"/>
                           <a:tailEnd type="none" w="med" len="med"/>
                         </a:lnR>
-                        <a:lnT w="12700" cap="flat" cmpd="sng" algn="ctr">
+                        <a:lnT w="28575" cap="flat" cmpd="sng" algn="ctr">
                           <a:solidFill>
                             <a:schemeClr val="tx1"/>
                           </a:solidFill>
@@ -37375,7 +37335,7 @@
                         <a:blipFill rotWithShape="0">
                           <a:blip r:embed="rId4"/>
                           <a:stretch>
-                            <a:fillRect l="-91667" t="-525714" r="-141927" b="-854286"/>
+                            <a:fillRect l="-91667" t="-525714" r="-142188" b="-854286"/>
                           </a:stretch>
                         </a:blipFill>
                       </a:tcPr>
@@ -37423,7 +37383,7 @@
                           <a:headEnd type="none" w="med" len="med"/>
                           <a:tailEnd type="none" w="med" len="med"/>
                         </a:lnR>
-                        <a:lnT w="12700" cap="flat" cmpd="sng" algn="ctr">
+                        <a:lnT w="28575" cap="flat" cmpd="sng" algn="ctr">
                           <a:solidFill>
                             <a:schemeClr val="tx1"/>
                           </a:solidFill>
@@ -37504,7 +37464,7 @@
                         <a:blipFill rotWithShape="0">
                           <a:blip r:embed="rId4"/>
                           <a:stretch>
-                            <a:fillRect l="-91667" t="-608333" r="-141927" b="-730556"/>
+                            <a:fillRect l="-91667" t="-608333" r="-142188" b="-730556"/>
                           </a:stretch>
                         </a:blipFill>
                       </a:tcPr>
@@ -37646,7 +37606,7 @@
                           <a:headEnd type="none" w="med" len="med"/>
                           <a:tailEnd type="none" w="med" len="med"/>
                         </a:lnT>
-                        <a:lnB w="12700" cap="flat" cmpd="sng" algn="ctr">
+                        <a:lnB w="28575" cap="flat" cmpd="sng" algn="ctr">
                           <a:solidFill>
                             <a:schemeClr val="tx1"/>
                           </a:solidFill>
@@ -37710,7 +37670,7 @@
                           <a:headEnd type="none" w="med" len="med"/>
                           <a:tailEnd type="none" w="med" len="med"/>
                         </a:lnT>
-                        <a:lnB w="12700" cap="flat" cmpd="sng" algn="ctr">
+                        <a:lnB w="28575" cap="flat" cmpd="sng" algn="ctr">
                           <a:solidFill>
                             <a:schemeClr val="tx1"/>
                           </a:solidFill>
@@ -37779,7 +37739,7 @@
                           <a:headEnd type="none" w="med" len="med"/>
                           <a:tailEnd type="none" w="med" len="med"/>
                         </a:lnR>
-                        <a:lnT w="12700" cap="flat" cmpd="sng" algn="ctr">
+                        <a:lnT w="28575" cap="flat" cmpd="sng" algn="ctr">
                           <a:solidFill>
                             <a:schemeClr val="tx1"/>
                           </a:solidFill>
@@ -37788,7 +37748,7 @@
                           <a:headEnd type="none" w="med" len="med"/>
                           <a:tailEnd type="none" w="med" len="med"/>
                         </a:lnT>
-                        <a:lnB w="12700" cap="flat" cmpd="sng" algn="ctr">
+                        <a:lnB w="28575" cap="flat" cmpd="sng" algn="ctr">
                           <a:solidFill>
                             <a:schemeClr val="tx1"/>
                           </a:solidFill>
@@ -37827,7 +37787,7 @@
                           <a:headEnd type="none" w="med" len="med"/>
                           <a:tailEnd type="none" w="med" len="med"/>
                         </a:lnR>
-                        <a:lnT w="12700" cap="flat" cmpd="sng" algn="ctr">
+                        <a:lnT w="28575" cap="flat" cmpd="sng" algn="ctr">
                           <a:solidFill>
                             <a:schemeClr val="tx1"/>
                           </a:solidFill>
@@ -37848,7 +37808,7 @@
                         <a:blipFill rotWithShape="0">
                           <a:blip r:embed="rId4"/>
                           <a:stretch>
-                            <a:fillRect l="-91667" t="-828571" r="-141927" b="-551429"/>
+                            <a:fillRect l="-91667" t="-828571" r="-142188" b="-551429"/>
                           </a:stretch>
                         </a:blipFill>
                       </a:tcPr>
@@ -37896,7 +37856,7 @@
                           <a:headEnd type="none" w="med" len="med"/>
                           <a:tailEnd type="none" w="med" len="med"/>
                         </a:lnR>
-                        <a:lnT w="12700" cap="flat" cmpd="sng" algn="ctr">
+                        <a:lnT w="28575" cap="flat" cmpd="sng" algn="ctr">
                           <a:solidFill>
                             <a:schemeClr val="tx1"/>
                           </a:solidFill>
@@ -37977,7 +37937,7 @@
                         <a:blipFill rotWithShape="0">
                           <a:blip r:embed="rId4"/>
                           <a:stretch>
-                            <a:fillRect l="-91667" t="-928571" r="-141927" b="-451429"/>
+                            <a:fillRect l="-91667" t="-928571" r="-142188" b="-451429"/>
                           </a:stretch>
                         </a:blipFill>
                       </a:tcPr>
@@ -38119,7 +38079,7 @@
                           <a:headEnd type="none" w="med" len="med"/>
                           <a:tailEnd type="none" w="med" len="med"/>
                         </a:lnT>
-                        <a:lnB w="12700" cap="flat" cmpd="sng" algn="ctr">
+                        <a:lnB w="28575" cap="flat" cmpd="sng" algn="ctr">
                           <a:solidFill>
                             <a:schemeClr val="tx1"/>
                           </a:solidFill>
@@ -38185,7 +38145,7 @@
                           <a:headEnd type="none" w="med" len="med"/>
                           <a:tailEnd type="none" w="med" len="med"/>
                         </a:lnT>
-                        <a:lnB w="12700" cap="flat" cmpd="sng" algn="ctr">
+                        <a:lnB w="28575" cap="flat" cmpd="sng" algn="ctr">
                           <a:solidFill>
                             <a:schemeClr val="tx1"/>
                           </a:solidFill>
@@ -38254,7 +38214,7 @@
                           <a:headEnd type="none" w="med" len="med"/>
                           <a:tailEnd type="none" w="med" len="med"/>
                         </a:lnR>
-                        <a:lnT w="12700" cap="flat" cmpd="sng" algn="ctr">
+                        <a:lnT w="28575" cap="flat" cmpd="sng" algn="ctr">
                           <a:solidFill>
                             <a:schemeClr val="tx1"/>
                           </a:solidFill>
@@ -38327,7 +38287,7 @@
                           <a:headEnd type="none" w="med" len="med"/>
                           <a:tailEnd type="none" w="med" len="med"/>
                         </a:lnR>
-                        <a:lnT w="12700" cap="flat" cmpd="sng" algn="ctr">
+                        <a:lnT w="28575" cap="flat" cmpd="sng" algn="ctr">
                           <a:solidFill>
                             <a:schemeClr val="tx1"/>
                           </a:solidFill>
@@ -38405,7 +38365,7 @@
                           <a:headEnd type="none" w="med" len="med"/>
                           <a:tailEnd type="none" w="med" len="med"/>
                         </a:lnR>
-                        <a:lnT w="12700" cap="flat" cmpd="sng" algn="ctr">
+                        <a:lnT w="28575" cap="flat" cmpd="sng" algn="ctr">
                           <a:solidFill>
                             <a:schemeClr val="tx1"/>
                           </a:solidFill>
@@ -38486,7 +38446,7 @@
                         <a:blipFill rotWithShape="0">
                           <a:blip r:embed="rId4"/>
                           <a:stretch>
-                            <a:fillRect l="-91667" t="-1228571" r="-141927" b="-151429"/>
+                            <a:fillRect l="-91667" t="-1228571" r="-142188" b="-151429"/>
                           </a:stretch>
                         </a:blipFill>
                       </a:tcPr>
@@ -38624,7 +38584,7 @@
                         <a:blipFill rotWithShape="0">
                           <a:blip r:embed="rId4"/>
                           <a:stretch>
-                            <a:fillRect l="-91667" t="-1328571" r="-141927" b="-51429"/>
+                            <a:fillRect l="-91667" t="-1328571" r="-142188" b="-51429"/>
                           </a:stretch>
                         </a:blipFill>
                       </a:tcPr>
@@ -38861,8 +38821,8 @@
           </a:p>
         </p:txBody>
       </p:sp>
-      <mc:AlternateContent xmlns:mc="http://schemas.openxmlformats.org/markup-compatibility/2006" xmlns:a14="http://schemas.microsoft.com/office/drawing/2010/main">
-        <mc:Choice Requires="a14">
+      <mc:AlternateContent xmlns:mc="http://schemas.openxmlformats.org/markup-compatibility/2006">
+        <mc:Choice xmlns:a14="http://schemas.microsoft.com/office/drawing/2010/main" Requires="a14">
           <p:sp>
             <p:nvSpPr>
               <p:cNvPr id="3" name="Content Placeholder 2"/>
@@ -38898,7 +38858,11 @@
                 </a:r>
                 <a:r>
                   <a:rPr lang="ru-RU" dirty="0" smtClean="0"/>
-                  <a:t>решение, для</a:t>
+                  <a:t>решение </a:t>
+                </a:r>
+                <a:r>
+                  <a:rPr lang="ru-RU" dirty="0" smtClean="0"/>
+                  <a:t>для</a:t>
                 </a:r>
               </a:p>
               <a:p>
@@ -39054,7 +39018,7 @@
             </p:txBody>
           </p:sp>
         </mc:Choice>
-        <mc:Fallback xmlns="">
+        <mc:Fallback>
           <p:sp>
             <p:nvSpPr>
               <p:cNvPr id="3" name="Content Placeholder 2"/>
@@ -39801,16 +39765,21 @@
             </a:pPr>
             <a:r>
               <a:rPr lang="ru-RU" sz="2000" dirty="0"/>
-              <a:t>Изучен теоретический материал о задаче о 0-1 рюкзаке, о задаче о неограниченном рюкзаке и её свойствах. Произведен разбор статей с предлагаемыми методами решения рассмотренных типов задачи о </a:t>
-            </a:r>
-            <a:r>
-              <a:rPr lang="ru-RU" sz="2000" dirty="0" smtClean="0"/>
-              <a:t>ранце</a:t>
-            </a:r>
-            <a:r>
-              <a:rPr lang="en-US" sz="2000" dirty="0" smtClean="0"/>
+              <a:t>Изучен теоретический материал о задаче о 0-1 рюкзаке, о задаче о неограниченном рюкзаке и её свойствах. Произведен разбор статей с предлагаемыми методами решения рассмотренных типов задачи </a:t>
+            </a:r>
+            <a:r>
+              <a:rPr lang="ru-RU" sz="2000"/>
+              <a:t>о </a:t>
+            </a:r>
+            <a:r>
+              <a:rPr lang="ru-RU" sz="2000" smtClean="0"/>
+              <a:t>рюкзаке</a:t>
+            </a:r>
+            <a:r>
+              <a:rPr lang="en-US" sz="2000" smtClean="0"/>
               <a:t>.</a:t>
             </a:r>
+            <a:endParaRPr lang="en-US" sz="2000" dirty="0" smtClean="0"/>
           </a:p>
           <a:p>
             <a:pPr marL="514350" indent="-514350">
@@ -40129,7 +40098,12 @@
             <p:ph idx="1"/>
           </p:nvPr>
         </p:nvSpPr>
-        <p:spPr/>
+        <p:spPr>
+          <a:xfrm>
+            <a:off x="838200" y="2521009"/>
+            <a:ext cx="10515600" cy="3655954"/>
+          </a:xfrm>
+        </p:spPr>
         <p:txBody>
           <a:bodyPr/>
           <a:lstStyle/>
@@ -40661,8 +40635,8 @@
           </a:p>
         </p:txBody>
       </p:sp>
-      <mc:AlternateContent xmlns:mc="http://schemas.openxmlformats.org/markup-compatibility/2006" xmlns:a14="http://schemas.microsoft.com/office/drawing/2010/main">
-        <mc:Choice Requires="a14">
+      <mc:AlternateContent xmlns:mc="http://schemas.openxmlformats.org/markup-compatibility/2006">
+        <mc:Choice xmlns:a14="http://schemas.microsoft.com/office/drawing/2010/main" Requires="a14">
           <p:sp>
             <p:nvSpPr>
               <p:cNvPr id="3" name="Content Placeholder 2"/>
@@ -40676,7 +40650,7 @@
             <p:spPr>
               <a:xfrm>
                 <a:off x="838199" y="1825625"/>
-                <a:ext cx="6284496" cy="4351338"/>
+                <a:ext cx="6111241" cy="4351338"/>
               </a:xfrm>
             </p:spPr>
             <p:txBody>
@@ -41125,7 +41099,7 @@
             </p:txBody>
           </p:sp>
         </mc:Choice>
-        <mc:Fallback xmlns="">
+        <mc:Fallback>
           <p:sp>
             <p:nvSpPr>
               <p:cNvPr id="3" name="Content Placeholder 2"/>
@@ -41139,12 +41113,12 @@
             <p:spPr>
               <a:xfrm>
                 <a:off x="838199" y="1825625"/>
-                <a:ext cx="6284496" cy="4351338"/>
+                <a:ext cx="6111241" cy="4351338"/>
               </a:xfrm>
               <a:blipFill rotWithShape="0">
                 <a:blip r:embed="rId2"/>
                 <a:stretch>
-                  <a:fillRect l="-1455" t="-2661" r="-1552" b="-2941"/>
+                  <a:fillRect l="-7677" t="-2661" r="-1496" b="-9664"/>
                 </a:stretch>
               </a:blipFill>
             </p:spPr>

--- a/docs/master_diploma.pptx
+++ b/docs/master_diploma.pptx
@@ -4031,37 +4031,16 @@
           </a:bodyPr>
           <a:lstStyle/>
           <a:p>
-            <a:pPr algn="ctr"/>
-            <a:r>
-              <a:rPr lang="ru-RU" sz="2700" dirty="0">
-                <a:solidFill>
-                  <a:schemeClr val="tx1"/>
-                </a:solidFill>
-              </a:rPr>
-              <a:t>ВЫПУСКНАЯ КВАЛИФИКАЦИОННАЯ РАБОТА </a:t>
-            </a:r>
-            <a:r>
-              <a:rPr lang="ru-RU" sz="2700" dirty="0" smtClean="0">
-                <a:solidFill>
-                  <a:schemeClr val="tx1"/>
-                </a:solidFill>
-              </a:rPr>
-              <a:t>МАГИСТРА </a:t>
-            </a:r>
-            <a:r>
-              <a:rPr lang="en-US" sz="2700" dirty="0" smtClean="0">
-                <a:solidFill>
-                  <a:schemeClr val="tx1"/>
-                </a:solidFill>
-              </a:rPr>
+            <a:r>
+              <a:rPr lang="ru-RU" sz="2800" b="1" dirty="0"/>
+              <a:t>МАГИСТЕРСКАЯ ДИССЕРТАЦИЯ</a:t>
+            </a:r>
+            <a:r>
+              <a:rPr lang="ru-RU" sz="2800" dirty="0"/>
               <a:t/>
             </a:r>
             <a:br>
-              <a:rPr lang="en-US" sz="2700" dirty="0" smtClean="0">
-                <a:solidFill>
-                  <a:schemeClr val="tx1"/>
-                </a:solidFill>
-              </a:rPr>
+              <a:rPr lang="ru-RU" sz="2800" dirty="0"/>
             </a:br>
             <a:r>
               <a:rPr lang="ru-RU" sz="2700" dirty="0" smtClean="0">
@@ -4327,8 +4306,8 @@
           </a:p>
         </p:txBody>
       </p:sp>
-      <mc:AlternateContent xmlns:mc="http://schemas.openxmlformats.org/markup-compatibility/2006">
-        <mc:Choice xmlns:a14="http://schemas.microsoft.com/office/drawing/2010/main" Requires="a14">
+      <mc:AlternateContent xmlns:mc="http://schemas.openxmlformats.org/markup-compatibility/2006" xmlns:a14="http://schemas.microsoft.com/office/drawing/2010/main">
+        <mc:Choice Requires="a14">
           <p:sp>
             <p:nvSpPr>
               <p:cNvPr id="3" name="Content Placeholder 2"/>
@@ -4591,7 +4570,7 @@
             </p:txBody>
           </p:sp>
         </mc:Choice>
-        <mc:Fallback>
+        <mc:Fallback xmlns="">
           <p:sp>
             <p:nvSpPr>
               <p:cNvPr id="3" name="Content Placeholder 2"/>
@@ -7977,7 +7956,15 @@
                 </a:r>
                 <a:r>
                   <a:rPr lang="ru-RU" dirty="0"/>
-                  <a:t>по t, отсортированные по увеличению веса. Держится список недоминируемых элементов F, упорядоченных по невозрастанию удельной стоимости (соотношению цены и веса). В начале F пусто, </a:t>
+                  <a:t>по t, отсортированные по увеличению веса. Держится список недоминируемых </a:t>
+                </a:r>
+                <a:r>
+                  <a:rPr lang="ru-RU" dirty="0" smtClean="0"/>
+                  <a:t>предметов F</a:t>
+                </a:r>
+                <a:r>
+                  <a:rPr lang="ru-RU" dirty="0"/>
+                  <a:t>, упорядоченных по невозрастанию удельной стоимости (соотношению цены и веса). В начале F пусто, </a:t>
                 </a:r>
                 <a14:m>
                   <m:oMath xmlns:m="http://schemas.openxmlformats.org/officeDocument/2006/math">
@@ -8025,7 +8012,11 @@
                 </a:r>
                 <a:r>
                   <a:rPr lang="ru-RU" dirty="0"/>
-                  <a:t>каждого элемента </a:t>
+                  <a:t>каждого </a:t>
+                </a:r>
+                <a:r>
+                  <a:rPr lang="ru-RU" dirty="0" smtClean="0"/>
+                  <a:t>предмета </a:t>
                 </a:r>
                 <a14:m>
                   <m:oMath xmlns:m="http://schemas.openxmlformats.org/officeDocument/2006/math">
@@ -9034,11 +9025,11 @@
                 </a14:m>
                 <a:r>
                   <a:rPr lang="ru-RU" sz="2200" dirty="0"/>
-                  <a:t>, если он неэффективный для какого-нибудь ранца с </a:t>
+                  <a:t>, если он неэффективный для какого-нибудь </a:t>
                 </a:r>
                 <a:r>
                   <a:rPr lang="ru-RU" sz="2200" dirty="0" smtClean="0"/>
-                  <a:t>емкостью </a:t>
+                  <a:t>рюкзака с емкостью </a:t>
                 </a:r>
                 <a14:m>
                   <m:oMath xmlns:m="http://schemas.openxmlformats.org/officeDocument/2006/math">
@@ -9179,21 +9170,7 @@
                 </a:pPr>
                 <a:r>
                   <a:rPr lang="ru-RU" sz="2200" dirty="0"/>
-                  <a:t>Чтобы эффективно определить это, вектор </a:t>
-                </a:r>
-                <a:r>
-                  <a:rPr lang="ru-RU" sz="2200" b="1" i="1" dirty="0">
-                    <a:solidFill>
-                      <a:schemeClr val="accent5">
-                        <a:lumMod val="50000"/>
-                      </a:schemeClr>
-                    </a:solidFill>
-                  </a:rPr>
-                  <a:t>L</a:t>
-                </a:r>
-                <a:r>
-                  <a:rPr lang="ru-RU" sz="2200" dirty="0"/>
-                  <a:t> сохраняет последнюю посчитанную емкость для каждого i-ого предмета</a:t>
+                  <a:t>Чтобы эффективно определить это, вектор L сохраняет последнюю посчитанную емкость для каждого i-ого предмета</a:t>
                 </a:r>
                 <a:r>
                   <a:rPr lang="ru-RU" sz="2200" b="1" i="1" dirty="0"/>
@@ -9818,8 +9795,8 @@
           </a:p>
         </p:txBody>
       </p:sp>
-      <mc:AlternateContent xmlns:mc="http://schemas.openxmlformats.org/markup-compatibility/2006">
-        <mc:Choice xmlns:a14="http://schemas.microsoft.com/office/drawing/2010/main" Requires="a14">
+      <mc:AlternateContent xmlns:mc="http://schemas.openxmlformats.org/markup-compatibility/2006" xmlns:a14="http://schemas.microsoft.com/office/drawing/2010/main">
+        <mc:Choice Requires="a14">
           <p:sp>
             <p:nvSpPr>
               <p:cNvPr id="3" name="Content Placeholder 2"/>
@@ -10063,7 +10040,7 @@
             </p:txBody>
           </p:sp>
         </mc:Choice>
-        <mc:Fallback>
+        <mc:Fallback xmlns="">
           <p:sp>
             <p:nvSpPr>
               <p:cNvPr id="3" name="Content Placeholder 2"/>
@@ -23157,14 +23134,14 @@
                 <p:ph sz="half" idx="1"/>
                 <p:extLst>
                   <p:ext uri="{D42A27DB-BD31-4B8C-83A1-F6EECF244321}">
-                    <p14:modId xmlns:p14="http://schemas.microsoft.com/office/powerpoint/2010/main" val="2111846443"/>
+                    <p14:modId xmlns:p14="http://schemas.microsoft.com/office/powerpoint/2010/main" val="2918168940"/>
                   </p:ext>
                 </p:extLst>
               </p:nvPr>
             </p:nvGraphicFramePr>
             <p:xfrm>
-              <a:off x="5614586" y="2027079"/>
-              <a:ext cx="6495789" cy="1645920"/>
+              <a:off x="5828231" y="2027079"/>
+              <a:ext cx="6282144" cy="1463040"/>
             </p:xfrm>
             <a:graphic>
               <a:graphicData uri="http://schemas.openxmlformats.org/drawingml/2006/table">
@@ -23173,11 +23150,11 @@
                     <a:tableStyleId>{5C22544A-7EE6-4342-B048-85BDC9FD1C3A}</a:tableStyleId>
                   </a:tblPr>
                   <a:tblGrid>
-                    <a:gridCol w="2449985"/>
-                    <a:gridCol w="1009304"/>
-                    <a:gridCol w="1032416"/>
-                    <a:gridCol w="1047826"/>
-                    <a:gridCol w="956258"/>
+                    <a:gridCol w="2229919"/>
+                    <a:gridCol w="939800"/>
+                    <a:gridCol w="1016000"/>
+                    <a:gridCol w="1073150"/>
+                    <a:gridCol w="1023275"/>
                   </a:tblGrid>
                   <a:tr h="0">
                     <a:tc>
@@ -23264,7 +23241,7 @@
                             </a:spcAft>
                           </a:pPr>
                           <a:r>
-                            <a:rPr lang="ru-RU" sz="1200" b="0" smtClean="0">
+                            <a:rPr lang="ru-RU" sz="1200" b="0" dirty="0" smtClean="0">
                               <a:solidFill>
                                 <a:schemeClr val="tx1"/>
                               </a:solidFill>
@@ -24352,14 +24329,14 @@
                 <p:ph sz="half" idx="1"/>
                 <p:extLst>
                   <p:ext uri="{D42A27DB-BD31-4B8C-83A1-F6EECF244321}">
-                    <p14:modId xmlns:p14="http://schemas.microsoft.com/office/powerpoint/2010/main" val="2111846443"/>
+                    <p14:modId xmlns:p14="http://schemas.microsoft.com/office/powerpoint/2010/main" val="2918168940"/>
                   </p:ext>
                 </p:extLst>
               </p:nvPr>
             </p:nvGraphicFramePr>
             <p:xfrm>
-              <a:off x="5614586" y="2027079"/>
-              <a:ext cx="6495789" cy="1645920"/>
+              <a:off x="5828231" y="2027079"/>
+              <a:ext cx="6282144" cy="1463040"/>
             </p:xfrm>
             <a:graphic>
               <a:graphicData uri="http://schemas.openxmlformats.org/drawingml/2006/table">
@@ -24368,13 +24345,13 @@
                     <a:tableStyleId>{5C22544A-7EE6-4342-B048-85BDC9FD1C3A}</a:tableStyleId>
                   </a:tblPr>
                   <a:tblGrid>
-                    <a:gridCol w="2449985"/>
-                    <a:gridCol w="1009304"/>
-                    <a:gridCol w="1032416"/>
-                    <a:gridCol w="1047826"/>
-                    <a:gridCol w="956258"/>
+                    <a:gridCol w="2229919"/>
+                    <a:gridCol w="939800"/>
+                    <a:gridCol w="1016000"/>
+                    <a:gridCol w="1073150"/>
+                    <a:gridCol w="1023275"/>
                   </a:tblGrid>
-                  <a:tr h="548640">
+                  <a:tr h="365760">
                     <a:tc>
                       <a:txBody>
                         <a:bodyPr/>
@@ -24459,7 +24436,7 @@
                             </a:spcAft>
                           </a:pPr>
                           <a:r>
-                            <a:rPr lang="ru-RU" sz="1200" b="0" smtClean="0">
+                            <a:rPr lang="ru-RU" sz="1200" b="0" dirty="0" smtClean="0">
                               <a:solidFill>
                                 <a:schemeClr val="tx1"/>
                               </a:solidFill>
@@ -25172,7 +25149,7 @@
                         <a:blipFill rotWithShape="0">
                           <a:blip r:embed="rId3"/>
                           <a:stretch>
-                            <a:fillRect l="-498" t="-208889" r="-165672" b="-16667"/>
+                            <a:fillRect l="-273" t="-175556" r="-182240" b="-16667"/>
                           </a:stretch>
                         </a:blipFill>
                       </a:tcPr>
@@ -25505,8 +25482,8 @@
           </a:p>
         </p:txBody>
       </p:sp>
-      <mc:AlternateContent xmlns:mc="http://schemas.openxmlformats.org/markup-compatibility/2006">
-        <mc:Choice xmlns:a14="http://schemas.microsoft.com/office/drawing/2010/main" Requires="a14">
+      <mc:AlternateContent xmlns:mc="http://schemas.openxmlformats.org/markup-compatibility/2006" xmlns:a14="http://schemas.microsoft.com/office/drawing/2010/main">
+        <mc:Choice Requires="a14">
           <p:sp>
             <p:nvSpPr>
               <p:cNvPr id="10" name="Content Placeholder 2"/>
@@ -25520,7 +25497,7 @@
             <p:spPr>
               <a:xfrm>
                 <a:off x="357849" y="1843087"/>
-                <a:ext cx="5128551" cy="4600575"/>
+                <a:ext cx="5470383" cy="4600575"/>
               </a:xfrm>
             </p:spPr>
             <p:txBody>
@@ -25822,7 +25799,7 @@
             </p:txBody>
           </p:sp>
         </mc:Choice>
-        <mc:Fallback>
+        <mc:Fallback xmlns="">
           <p:sp>
             <p:nvSpPr>
               <p:cNvPr id="10" name="Content Placeholder 2"/>
@@ -25836,12 +25813,12 @@
             <p:spPr>
               <a:xfrm>
                 <a:off x="357849" y="1843087"/>
-                <a:ext cx="5128551" cy="4600575"/>
+                <a:ext cx="5470383" cy="4600575"/>
               </a:xfrm>
               <a:blipFill rotWithShape="0">
                 <a:blip r:embed="rId4"/>
                 <a:stretch>
-                  <a:fillRect l="-1070" t="-2119" r="-951"/>
+                  <a:fillRect l="-1003" t="-2119" r="-892"/>
                 </a:stretch>
               </a:blipFill>
             </p:spPr>
@@ -26004,14 +25981,14 @@
               <p:nvPr>
                 <p:extLst>
                   <p:ext uri="{D42A27DB-BD31-4B8C-83A1-F6EECF244321}">
-                    <p14:modId xmlns:p14="http://schemas.microsoft.com/office/powerpoint/2010/main" val="4187912690"/>
+                    <p14:modId xmlns:p14="http://schemas.microsoft.com/office/powerpoint/2010/main" val="2774484856"/>
                   </p:ext>
                 </p:extLst>
               </p:nvPr>
             </p:nvGraphicFramePr>
             <p:xfrm>
-              <a:off x="5614586" y="4352072"/>
-              <a:ext cx="6475939" cy="1645920"/>
+              <a:off x="5828230" y="4352072"/>
+              <a:ext cx="6282145" cy="1463040"/>
             </p:xfrm>
             <a:graphic>
               <a:graphicData uri="http://schemas.openxmlformats.org/drawingml/2006/table">
@@ -26020,11 +25997,11 @@
                     <a:tableStyleId>{5C22544A-7EE6-4342-B048-85BDC9FD1C3A}</a:tableStyleId>
                   </a:tblPr>
                   <a:tblGrid>
-                    <a:gridCol w="2442498"/>
-                    <a:gridCol w="1006219"/>
-                    <a:gridCol w="1029262"/>
-                    <a:gridCol w="1044624"/>
-                    <a:gridCol w="953336"/>
+                    <a:gridCol w="2236270"/>
+                    <a:gridCol w="939800"/>
+                    <a:gridCol w="1022350"/>
+                    <a:gridCol w="1047750"/>
+                    <a:gridCol w="1035975"/>
                   </a:tblGrid>
                   <a:tr h="0">
                     <a:tc>
@@ -26712,7 +26689,7 @@
                             </a:spcAft>
                           </a:pPr>
                           <a:r>
-                            <a:rPr lang="en-US" sz="1400" b="0">
+                            <a:rPr lang="en-US" sz="1400" b="0" dirty="0">
                               <a:solidFill>
                                 <a:schemeClr val="tx1"/>
                               </a:solidFill>
@@ -26723,7 +26700,7 @@
                             </a:rPr>
                             <a:t>0</a:t>
                           </a:r>
-                          <a:endParaRPr lang="ru-RU" sz="1400" b="0">
+                          <a:endParaRPr lang="ru-RU" sz="1400" b="0" dirty="0">
                             <a:solidFill>
                               <a:schemeClr val="tx1"/>
                             </a:solidFill>
@@ -27198,14 +27175,14 @@
               <p:nvPr>
                 <p:extLst>
                   <p:ext uri="{D42A27DB-BD31-4B8C-83A1-F6EECF244321}">
-                    <p14:modId xmlns:p14="http://schemas.microsoft.com/office/powerpoint/2010/main" val="4187912690"/>
+                    <p14:modId xmlns:p14="http://schemas.microsoft.com/office/powerpoint/2010/main" val="2774484856"/>
                   </p:ext>
                 </p:extLst>
               </p:nvPr>
             </p:nvGraphicFramePr>
             <p:xfrm>
-              <a:off x="5614586" y="4352072"/>
-              <a:ext cx="6475939" cy="1645920"/>
+              <a:off x="5828230" y="4352072"/>
+              <a:ext cx="6282145" cy="1463040"/>
             </p:xfrm>
             <a:graphic>
               <a:graphicData uri="http://schemas.openxmlformats.org/drawingml/2006/table">
@@ -27214,13 +27191,13 @@
                     <a:tableStyleId>{5C22544A-7EE6-4342-B048-85BDC9FD1C3A}</a:tableStyleId>
                   </a:tblPr>
                   <a:tblGrid>
-                    <a:gridCol w="2442498"/>
-                    <a:gridCol w="1006219"/>
-                    <a:gridCol w="1029262"/>
-                    <a:gridCol w="1044624"/>
-                    <a:gridCol w="953336"/>
+                    <a:gridCol w="2236270"/>
+                    <a:gridCol w="939800"/>
+                    <a:gridCol w="1022350"/>
+                    <a:gridCol w="1047750"/>
+                    <a:gridCol w="1035975"/>
                   </a:tblGrid>
-                  <a:tr h="548640">
+                  <a:tr h="365760">
                     <a:tc>
                       <a:txBody>
                         <a:bodyPr/>
@@ -27906,7 +27883,7 @@
                             </a:spcAft>
                           </a:pPr>
                           <a:r>
-                            <a:rPr lang="en-US" sz="1400" b="0">
+                            <a:rPr lang="en-US" sz="1400" b="0" dirty="0">
                               <a:solidFill>
                                 <a:schemeClr val="tx1"/>
                               </a:solidFill>
@@ -27917,7 +27894,7 @@
                             </a:rPr>
                             <a:t>0</a:t>
                           </a:r>
-                          <a:endParaRPr lang="ru-RU" sz="1400" b="0">
+                          <a:endParaRPr lang="ru-RU" sz="1400" b="0" dirty="0">
                             <a:solidFill>
                               <a:schemeClr val="tx1"/>
                             </a:solidFill>
@@ -28018,7 +27995,7 @@
                         <a:blipFill rotWithShape="0">
                           <a:blip r:embed="rId5"/>
                           <a:stretch>
-                            <a:fillRect l="-499" t="-208889" r="-165586" b="-16667"/>
+                            <a:fillRect l="-272" t="-175556" r="-181471" b="-16667"/>
                           </a:stretch>
                         </a:blipFill>
                       </a:tcPr>
@@ -28388,8 +28365,8 @@
           </a:p>
         </p:txBody>
       </p:sp>
-      <mc:AlternateContent xmlns:mc="http://schemas.openxmlformats.org/markup-compatibility/2006">
-        <mc:Choice xmlns:a14="http://schemas.microsoft.com/office/drawing/2010/main" Requires="a14">
+      <mc:AlternateContent xmlns:mc="http://schemas.openxmlformats.org/markup-compatibility/2006" xmlns:a14="http://schemas.microsoft.com/office/drawing/2010/main">
+        <mc:Choice Requires="a14">
           <p:graphicFrame>
             <p:nvGraphicFramePr>
               <p:cNvPr id="9" name="Table 8"/>
@@ -31277,7 +31254,7 @@
             </a:graphic>
           </p:graphicFrame>
         </mc:Choice>
-        <mc:Fallback>
+        <mc:Fallback xmlns="">
           <p:graphicFrame>
             <p:nvGraphicFramePr>
               <p:cNvPr id="9" name="Table 8"/>
@@ -33537,8 +33514,8 @@
           </p:graphicFrame>
         </mc:Fallback>
       </mc:AlternateContent>
-      <mc:AlternateContent xmlns:mc="http://schemas.openxmlformats.org/markup-compatibility/2006">
-        <mc:Choice xmlns:a14="http://schemas.microsoft.com/office/drawing/2010/main" Requires="a14">
+      <mc:AlternateContent xmlns:mc="http://schemas.openxmlformats.org/markup-compatibility/2006" xmlns:a14="http://schemas.microsoft.com/office/drawing/2010/main">
+        <mc:Choice Requires="a14">
           <p:graphicFrame>
             <p:nvGraphicFramePr>
               <p:cNvPr id="10" name="Table 9"/>
@@ -36441,7 +36418,7 @@
             </a:graphic>
           </p:graphicFrame>
         </mc:Choice>
-        <mc:Fallback>
+        <mc:Fallback xmlns="">
           <p:graphicFrame>
             <p:nvGraphicFramePr>
               <p:cNvPr id="10" name="Table 9"/>
@@ -38821,8 +38798,8 @@
           </a:p>
         </p:txBody>
       </p:sp>
-      <mc:AlternateContent xmlns:mc="http://schemas.openxmlformats.org/markup-compatibility/2006">
-        <mc:Choice xmlns:a14="http://schemas.microsoft.com/office/drawing/2010/main" Requires="a14">
+      <mc:AlternateContent xmlns:mc="http://schemas.openxmlformats.org/markup-compatibility/2006" xmlns:a14="http://schemas.microsoft.com/office/drawing/2010/main">
+        <mc:Choice Requires="a14">
           <p:sp>
             <p:nvSpPr>
               <p:cNvPr id="3" name="Content Placeholder 2"/>
@@ -38858,11 +38835,7 @@
                 </a:r>
                 <a:r>
                   <a:rPr lang="ru-RU" dirty="0" smtClean="0"/>
-                  <a:t>решение </a:t>
-                </a:r>
-                <a:r>
-                  <a:rPr lang="ru-RU" dirty="0" smtClean="0"/>
-                  <a:t>для</a:t>
+                  <a:t>решение для</a:t>
                 </a:r>
               </a:p>
               <a:p>
@@ -39018,7 +38991,7 @@
             </p:txBody>
           </p:sp>
         </mc:Choice>
-        <mc:Fallback>
+        <mc:Fallback xmlns="">
           <p:sp>
             <p:nvSpPr>
               <p:cNvPr id="3" name="Content Placeholder 2"/>
@@ -39765,19 +39738,31 @@
             </a:pPr>
             <a:r>
               <a:rPr lang="ru-RU" sz="2000" dirty="0"/>
-              <a:t>Изучен теоретический материал о задаче о 0-1 рюкзаке, о задаче о неограниченном рюкзаке и её свойствах. Произведен разбор статей с предлагаемыми методами решения рассмотренных типов задачи </a:t>
-            </a:r>
-            <a:r>
-              <a:rPr lang="ru-RU" sz="2000"/>
-              <a:t>о </a:t>
-            </a:r>
-            <a:r>
-              <a:rPr lang="ru-RU" sz="2000" smtClean="0"/>
+              <a:t>Изучен теоретический материал о задаче о 0-1 рюкзаке, о задаче о неограниченном рюкзаке и её свойствах. Произведен разбор статей с предлагаемыми методами решения рассмотренных типов задачи о </a:t>
+            </a:r>
+            <a:r>
+              <a:rPr lang="ru-RU" sz="2000" dirty="0" smtClean="0"/>
               <a:t>рюкзаке</a:t>
             </a:r>
             <a:r>
-              <a:rPr lang="en-US" sz="2000" smtClean="0"/>
+              <a:rPr lang="en-US" sz="2000" dirty="0" smtClean="0"/>
               <a:t>.</a:t>
+            </a:r>
+          </a:p>
+          <a:p>
+            <a:pPr marL="514350" indent="-514350">
+              <a:buClr>
+                <a:schemeClr val="accent5">
+                  <a:lumMod val="75000"/>
+                </a:schemeClr>
+              </a:buClr>
+              <a:buSzPct val="103000"/>
+              <a:buFont typeface="+mj-lt"/>
+              <a:buAutoNum type="arabicPeriod"/>
+            </a:pPr>
+            <a:r>
+              <a:rPr lang="ru-RU" sz="2000" dirty="0" smtClean="0"/>
+              <a:t>Разработан программный модуль «Knapsack-Problems».</a:t>
             </a:r>
             <a:endParaRPr lang="en-US" sz="2000" dirty="0" smtClean="0"/>
           </a:p>
@@ -39794,9 +39779,16 @@
             </a:pPr>
             <a:r>
               <a:rPr lang="ru-RU" sz="2000" dirty="0" smtClean="0"/>
-              <a:t>Разработан программный модуль «Knapsack-Problems».</a:t>
-            </a:r>
-            <a:endParaRPr lang="en-US" sz="2000" dirty="0" smtClean="0"/>
+              <a:t>Проведено </a:t>
+            </a:r>
+            <a:r>
+              <a:rPr lang="en-US" sz="2000" dirty="0" smtClean="0"/>
+              <a:t>2 </a:t>
+            </a:r>
+            <a:r>
+              <a:rPr lang="ru-RU" sz="2000" dirty="0" smtClean="0"/>
+              <a:t>эксперимента по исследованию алгоритмов.</a:t>
+            </a:r>
           </a:p>
           <a:p>
             <a:pPr marL="514350" indent="-514350">
@@ -39811,30 +39803,6 @@
             </a:pPr>
             <a:r>
               <a:rPr lang="ru-RU" sz="2000" dirty="0" smtClean="0"/>
-              <a:t>Проведено </a:t>
-            </a:r>
-            <a:r>
-              <a:rPr lang="en-US" sz="2000" dirty="0" smtClean="0"/>
-              <a:t>2 </a:t>
-            </a:r>
-            <a:r>
-              <a:rPr lang="ru-RU" sz="2000" dirty="0" smtClean="0"/>
-              <a:t>эксперимента по исследованию алгоритмов.</a:t>
-            </a:r>
-          </a:p>
-          <a:p>
-            <a:pPr marL="514350" indent="-514350">
-              <a:buClr>
-                <a:schemeClr val="accent5">
-                  <a:lumMod val="75000"/>
-                </a:schemeClr>
-              </a:buClr>
-              <a:buSzPct val="103000"/>
-              <a:buFont typeface="+mj-lt"/>
-              <a:buAutoNum type="arabicPeriod"/>
-            </a:pPr>
-            <a:r>
-              <a:rPr lang="ru-RU" sz="2000" dirty="0" smtClean="0"/>
               <a:t>Написаны 2 статьи:</a:t>
             </a:r>
           </a:p>
@@ -39910,6 +39878,18 @@
               <a:rPr lang="ru-RU" sz="1800" dirty="0" smtClean="0"/>
               <a:t>.</a:t>
             </a:r>
+            <a:endParaRPr lang="en-US" sz="1800" dirty="0" smtClean="0"/>
+          </a:p>
+          <a:p>
+            <a:pPr marL="457200" lvl="1" indent="0">
+              <a:buClr>
+                <a:schemeClr val="accent5">
+                  <a:lumMod val="75000"/>
+                </a:schemeClr>
+              </a:buClr>
+              <a:buSzPct val="103000"/>
+              <a:buNone/>
+            </a:pPr>
             <a:endParaRPr lang="ru-RU" sz="1800" dirty="0"/>
           </a:p>
           <a:p>
@@ -40026,9 +40006,16 @@
             <p:ph type="ctrTitle"/>
           </p:nvPr>
         </p:nvSpPr>
-        <p:spPr/>
+        <p:spPr>
+          <a:xfrm>
+            <a:off x="1558183" y="1575290"/>
+            <a:ext cx="9144000" cy="5141704"/>
+          </a:xfrm>
+        </p:spPr>
         <p:txBody>
-          <a:bodyPr/>
+          <a:bodyPr>
+            <a:normAutofit/>
+          </a:bodyPr>
           <a:lstStyle/>
           <a:p>
             <a:r>
@@ -40041,9 +40028,131 @@
               </a:rPr>
               <a:t>Спасибо за внимание!</a:t>
             </a:r>
-            <a:endParaRPr lang="ru-RU" b="1" dirty="0">
+            <a:r>
+              <a:rPr lang="en-US" b="1" dirty="0" smtClean="0">
+                <a:solidFill>
+                  <a:schemeClr val="accent5">
+                    <a:lumMod val="75000"/>
+                  </a:schemeClr>
+                </a:solidFill>
+              </a:rPr>
+              <a:t/>
+            </a:r>
+            <a:br>
+              <a:rPr lang="en-US" b="1" dirty="0" smtClean="0">
+                <a:solidFill>
+                  <a:schemeClr val="accent5">
+                    <a:lumMod val="75000"/>
+                  </a:schemeClr>
+                </a:solidFill>
+              </a:rPr>
+            </a:br>
+            <a:r>
+              <a:rPr lang="en-US" b="1" dirty="0" smtClean="0">
+                <a:solidFill>
+                  <a:schemeClr val="accent5">
+                    <a:lumMod val="75000"/>
+                  </a:schemeClr>
+                </a:solidFill>
+              </a:rPr>
+              <a:t/>
+            </a:r>
+            <a:br>
+              <a:rPr lang="en-US" b="1" dirty="0" smtClean="0">
+                <a:solidFill>
+                  <a:schemeClr val="accent5">
+                    <a:lumMod val="75000"/>
+                  </a:schemeClr>
+                </a:solidFill>
+              </a:rPr>
+            </a:br>
+            <a:r>
+              <a:rPr lang="ru-RU" sz="3600" dirty="0" smtClean="0"/>
+              <a:t>Ссылка на </a:t>
+            </a:r>
+            <a:r>
+              <a:rPr lang="en-US" sz="3600" dirty="0" smtClean="0"/>
+              <a:t>GitHub</a:t>
+            </a:r>
+            <a:r>
+              <a:rPr lang="ru-RU" sz="3600" dirty="0" smtClean="0"/>
+              <a:t>-</a:t>
+            </a:r>
+            <a:r>
+              <a:rPr lang="ru-RU" sz="3600" dirty="0" err="1" smtClean="0"/>
+              <a:t>репозиторий</a:t>
+            </a:r>
+            <a:r>
+              <a:rPr lang="ru-RU" sz="3600" dirty="0" smtClean="0"/>
+              <a:t>:</a:t>
+            </a:r>
+            <a:br>
+              <a:rPr lang="ru-RU" sz="3600" dirty="0" smtClean="0"/>
+            </a:br>
+            <a:r>
+              <a:rPr lang="ru-RU" altLang="ru-RU" sz="2800" u="sng" dirty="0">
+                <a:solidFill>
+                  <a:schemeClr val="accent1">
+                    <a:lumMod val="75000"/>
+                  </a:schemeClr>
+                </a:solidFill>
+                <a:latin typeface="SFMono-Regular"/>
+              </a:rPr>
+              <a:t>https://github.com/ElizJogar/Knapsack-Problems.git</a:t>
+            </a:r>
+            <a:r>
+              <a:rPr lang="ru-RU" altLang="ru-RU" sz="2800" u="sng" dirty="0">
+                <a:solidFill>
+                  <a:schemeClr val="accent1">
+                    <a:lumMod val="75000"/>
+                  </a:schemeClr>
+                </a:solidFill>
+              </a:rPr>
+              <a:t> </a:t>
+            </a:r>
+            <a:r>
+              <a:rPr lang="ru-RU" altLang="ru-RU" sz="9600" u="sng" dirty="0">
+                <a:solidFill>
+                  <a:schemeClr val="accent1">
+                    <a:lumMod val="75000"/>
+                  </a:schemeClr>
+                </a:solidFill>
+                <a:latin typeface="Arial" panose="020B0604020202020204" pitchFamily="34" charset="0"/>
+              </a:rPr>
+              <a:t/>
+            </a:r>
+            <a:br>
+              <a:rPr lang="ru-RU" altLang="ru-RU" sz="9600" u="sng" dirty="0">
+                <a:solidFill>
+                  <a:schemeClr val="accent1">
+                    <a:lumMod val="75000"/>
+                  </a:schemeClr>
+                </a:solidFill>
+                <a:latin typeface="Arial" panose="020B0604020202020204" pitchFamily="34" charset="0"/>
+              </a:rPr>
+            </a:br>
+            <a:r>
+              <a:rPr lang="ru-RU" b="1" u="sng" dirty="0" smtClean="0">
+                <a:solidFill>
+                  <a:schemeClr val="accent1">
+                    <a:lumMod val="75000"/>
+                  </a:schemeClr>
+                </a:solidFill>
+              </a:rPr>
+              <a:t/>
+            </a:r>
+            <a:br>
+              <a:rPr lang="ru-RU" b="1" u="sng" dirty="0" smtClean="0">
+                <a:solidFill>
+                  <a:schemeClr val="accent1">
+                    <a:lumMod val="75000"/>
+                  </a:schemeClr>
+                </a:solidFill>
+              </a:rPr>
+            </a:br>
+            <a:endParaRPr lang="ru-RU" b="1" u="sng" dirty="0">
               <a:solidFill>
-                <a:schemeClr val="accent5">
+                <a:schemeClr val="accent1">
                   <a:lumMod val="75000"/>
                 </a:schemeClr>
               </a:solidFill>
@@ -40635,8 +40744,8 @@
           </a:p>
         </p:txBody>
       </p:sp>
-      <mc:AlternateContent xmlns:mc="http://schemas.openxmlformats.org/markup-compatibility/2006">
-        <mc:Choice xmlns:a14="http://schemas.microsoft.com/office/drawing/2010/main" Requires="a14">
+      <mc:AlternateContent xmlns:mc="http://schemas.openxmlformats.org/markup-compatibility/2006" xmlns:a14="http://schemas.microsoft.com/office/drawing/2010/main">
+        <mc:Choice Requires="a14">
           <p:sp>
             <p:nvSpPr>
               <p:cNvPr id="3" name="Content Placeholder 2"/>
@@ -41099,7 +41208,7 @@
             </p:txBody>
           </p:sp>
         </mc:Choice>
-        <mc:Fallback>
+        <mc:Fallback xmlns="">
           <p:sp>
             <p:nvSpPr>
               <p:cNvPr id="3" name="Content Placeholder 2"/>

--- a/docs/master_diploma.pptx
+++ b/docs/master_diploma.pptx
@@ -5029,7 +5029,7 @@
 </file>
 
 <file path=ppt/slides/slide13.xml><?xml version="1.0" encoding="utf-8"?>
-<p:sld xmlns:a="http://schemas.openxmlformats.org/drawingml/2006/main" xmlns:r="http://schemas.openxmlformats.org/officeDocument/2006/relationships" xmlns:p="http://schemas.openxmlformats.org/presentationml/2006/main">
+<p:sld xmlns:a="http://schemas.openxmlformats.org/drawingml/2006/main" xmlns:r="http://schemas.openxmlformats.org/officeDocument/2006/relationships" xmlns:p="http://schemas.openxmlformats.org/presentationml/2006/main" show="0">
   <p:cSld>
     <p:spTree>
       <p:nvGrpSpPr>
@@ -6195,7 +6195,7 @@
 </file>
 
 <file path=ppt/slides/slide14.xml><?xml version="1.0" encoding="utf-8"?>
-<p:sld xmlns:a="http://schemas.openxmlformats.org/drawingml/2006/main" xmlns:r="http://schemas.openxmlformats.org/officeDocument/2006/relationships" xmlns:p="http://schemas.openxmlformats.org/presentationml/2006/main">
+<p:sld xmlns:a="http://schemas.openxmlformats.org/drawingml/2006/main" xmlns:r="http://schemas.openxmlformats.org/officeDocument/2006/relationships" xmlns:p="http://schemas.openxmlformats.org/presentationml/2006/main" show="0">
   <p:cSld>
     <p:spTree>
       <p:nvGrpSpPr>
@@ -6792,8 +6792,8 @@
           </a:p>
         </p:txBody>
       </p:sp>
-      <mc:AlternateContent xmlns:mc="http://schemas.openxmlformats.org/markup-compatibility/2006" xmlns:a14="http://schemas.microsoft.com/office/drawing/2010/main">
-        <mc:Choice Requires="a14">
+      <mc:AlternateContent xmlns:mc="http://schemas.openxmlformats.org/markup-compatibility/2006">
+        <mc:Choice xmlns:a14="http://schemas.microsoft.com/office/drawing/2010/main" Requires="a14">
           <p:sp>
             <p:nvSpPr>
               <p:cNvPr id="3" name="Content Placeholder 2"/>
@@ -6837,7 +6837,19 @@
                 </a:pPr>
                 <a:r>
                   <a:rPr lang="ru-RU" dirty="0" smtClean="0"/>
-                  <a:t>Метод ветвей и границ с обходом в глубину</a:t>
+                  <a:t>Метод ветвей и границ </a:t>
+                </a:r>
+                <a:r>
+                  <a:rPr lang="ru-RU" smtClean="0"/>
+                  <a:t>с </a:t>
+                </a:r>
+                <a:r>
+                  <a:rPr lang="ru-RU" smtClean="0"/>
+                  <a:t>обходами </a:t>
+                </a:r>
+                <a:r>
+                  <a:rPr lang="ru-RU" dirty="0" smtClean="0"/>
+                  <a:t>в глубину</a:t>
                 </a:r>
                 <a:r>
                   <a:rPr lang="en-US" dirty="0" smtClean="0"/>
@@ -6900,7 +6912,7 @@
             </p:txBody>
           </p:sp>
         </mc:Choice>
-        <mc:Fallback xmlns="">
+        <mc:Fallback>
           <p:sp>
             <p:nvSpPr>
               <p:cNvPr id="3" name="Content Placeholder 2"/>
@@ -7002,7 +7014,7 @@
 </file>
 
 <file path=ppt/slides/slide16.xml><?xml version="1.0" encoding="utf-8"?>
-<p:sld xmlns:a="http://schemas.openxmlformats.org/drawingml/2006/main" xmlns:r="http://schemas.openxmlformats.org/officeDocument/2006/relationships" xmlns:p="http://schemas.openxmlformats.org/presentationml/2006/main">
+<p:sld xmlns:a="http://schemas.openxmlformats.org/drawingml/2006/main" xmlns:r="http://schemas.openxmlformats.org/officeDocument/2006/relationships" xmlns:p="http://schemas.openxmlformats.org/presentationml/2006/main" show="0">
   <p:cSld>
     <p:spTree>
       <p:nvGrpSpPr>
@@ -7681,6 +7693,14 @@
   <p:clrMapOvr>
     <a:masterClrMapping/>
   </p:clrMapOvr>
+  <mc:AlternateContent xmlns:mc="http://schemas.openxmlformats.org/markup-compatibility/2006" xmlns:p14="http://schemas.microsoft.com/office/powerpoint/2010/main">
+    <mc:Choice Requires="p14">
+      <p:transition spd="slow" p14:dur="2000"/>
+    </mc:Choice>
+    <mc:Fallback xmlns="">
+      <p:transition spd="slow"/>
+    </mc:Fallback>
+  </mc:AlternateContent>
   <p:timing>
     <p:tnLst>
       <p:par>
@@ -7771,27 +7791,23 @@
         </p:spPr>
         <p:txBody>
           <a:bodyPr>
-            <a:normAutofit fontScale="62500" lnSpcReduction="20000"/>
+            <a:normAutofit fontScale="77500" lnSpcReduction="20000"/>
           </a:bodyPr>
           <a:lstStyle/>
           <a:p>
-            <a:pPr marL="0" indent="0" algn="just">
+            <a:pPr marL="0" indent="0" algn="ctr">
               <a:buNone/>
             </a:pPr>
             <a:r>
-              <a:rPr lang="ru-RU" sz="3200" dirty="0"/>
-              <a:t>Метод эффективного динамического </a:t>
-            </a:r>
-            <a:r>
-              <a:rPr lang="ru-RU" sz="3200" dirty="0" smtClean="0"/>
-              <a:t>программирования (ЭДП) состоит </a:t>
-            </a:r>
-            <a:r>
-              <a:rPr lang="ru-RU" sz="3200" dirty="0"/>
+              <a:rPr lang="ru-RU" sz="3100" dirty="0" smtClean="0"/>
+              <a:t>Данный алгоритм состоит </a:t>
+            </a:r>
+            <a:r>
+              <a:rPr lang="ru-RU" sz="3100" dirty="0"/>
               <a:t>из двух основных фаз</a:t>
             </a:r>
             <a:r>
-              <a:rPr lang="ru-RU" sz="3200" dirty="0" smtClean="0"/>
+              <a:rPr lang="ru-RU" sz="3100" dirty="0" smtClean="0"/>
               <a:t>:</a:t>
             </a:r>
           </a:p>
@@ -7804,7 +7820,7 @@
               <a:t> </a:t>
             </a:r>
             <a:r>
-              <a:rPr lang="ru-RU" sz="3800" b="1" dirty="0">
+              <a:rPr lang="ru-RU" sz="3600" b="1" dirty="0">
                 <a:solidFill>
                   <a:schemeClr val="accent5">
                     <a:lumMod val="75000"/>
@@ -7814,7 +7830,7 @@
               <a:t>фаза сокращения</a:t>
             </a:r>
             <a:r>
-              <a:rPr lang="ru-RU" sz="3800" dirty="0">
+              <a:rPr lang="ru-RU" sz="3600" dirty="0">
                 <a:solidFill>
                   <a:schemeClr val="accent5">
                     <a:lumMod val="75000"/>
@@ -7824,11 +7840,11 @@
               <a:t> </a:t>
             </a:r>
             <a:r>
-              <a:rPr lang="ru-RU" sz="3200" dirty="0"/>
+              <a:rPr lang="ru-RU" sz="3100" dirty="0"/>
               <a:t>и </a:t>
             </a:r>
             <a:r>
-              <a:rPr lang="ru-RU" sz="3800" b="1" dirty="0">
+              <a:rPr lang="ru-RU" sz="3600" b="1" dirty="0">
                 <a:solidFill>
                   <a:schemeClr val="accent5">
                     <a:lumMod val="75000"/>
@@ -7838,7 +7854,7 @@
               <a:t>стандартная </a:t>
             </a:r>
             <a:r>
-              <a:rPr lang="ru-RU" sz="3800" b="1" dirty="0" smtClean="0">
+              <a:rPr lang="ru-RU" sz="3600" b="1" dirty="0" smtClean="0">
                 <a:solidFill>
                   <a:schemeClr val="accent5">
                     <a:lumMod val="75000"/>
@@ -7848,7 +7864,7 @@
               <a:t>фаза</a:t>
             </a:r>
             <a:r>
-              <a:rPr lang="ru-RU" sz="3200" dirty="0" smtClean="0"/>
+              <a:rPr lang="ru-RU" sz="3100" dirty="0" smtClean="0"/>
               <a:t>. </a:t>
             </a:r>
             <a:endParaRPr lang="ru-RU" sz="3200" dirty="0"/>
@@ -7902,8 +7918,8 @@
           </a:p>
         </p:txBody>
       </p:sp>
-      <mc:AlternateContent xmlns:mc="http://schemas.openxmlformats.org/markup-compatibility/2006" xmlns:a14="http://schemas.microsoft.com/office/drawing/2010/main">
-        <mc:Choice Requires="a14">
+      <mc:AlternateContent xmlns:mc="http://schemas.openxmlformats.org/markup-compatibility/2006">
+        <mc:Choice xmlns:a14="http://schemas.microsoft.com/office/drawing/2010/main" Requires="a14">
           <p:sp>
             <p:nvSpPr>
               <p:cNvPr id="4" name="Rounded Rectangle 3"/>
@@ -7956,7 +7972,15 @@
                 </a:r>
                 <a:r>
                   <a:rPr lang="ru-RU" dirty="0"/>
-                  <a:t>по t, отсортированные по увеличению веса. Держится список недоминируемых </a:t>
+                  <a:t>по t, отсортированные по увеличению веса. </a:t>
+                </a:r>
+                <a:r>
+                  <a:rPr lang="ru-RU" dirty="0" smtClean="0"/>
+                  <a:t>Заполняется список </a:t>
+                </a:r>
+                <a:r>
+                  <a:rPr lang="ru-RU" dirty="0"/>
+                  <a:t>недоминируемых </a:t>
                 </a:r>
                 <a:r>
                   <a:rPr lang="ru-RU" dirty="0" smtClean="0"/>
@@ -7964,44 +7988,11 @@
                 </a:r>
                 <a:r>
                   <a:rPr lang="ru-RU" dirty="0"/>
-                  <a:t>, упорядоченных по невозрастанию удельной стоимости (соотношению цены и веса). В начале F пусто, </a:t>
+                  <a:t>, упорядоченных по невозрастанию удельной </a:t>
                 </a:r>
-                <a14:m>
-                  <m:oMath xmlns:m="http://schemas.openxmlformats.org/officeDocument/2006/math">
-                    <m:r>
-                      <a:rPr lang="ru-RU" i="1">
-                        <a:latin typeface="Cambria Math" panose="02040503050406030204" pitchFamily="18" charset="0"/>
-                      </a:rPr>
-                      <m:t>𝑧</m:t>
-                    </m:r>
-                    <m:d>
-                      <m:dPr>
-                        <m:ctrlPr>
-                          <a:rPr lang="ru-RU" i="1">
-                            <a:latin typeface="Cambria Math" panose="02040503050406030204" pitchFamily="18" charset="0"/>
-                          </a:rPr>
-                        </m:ctrlPr>
-                      </m:dPr>
-                      <m:e>
-                        <m:r>
-                          <a:rPr lang="ru-RU" i="1">
-                            <a:latin typeface="Cambria Math" panose="02040503050406030204" pitchFamily="18" charset="0"/>
-                          </a:rPr>
-                          <m:t>0</m:t>
-                        </m:r>
-                      </m:e>
-                    </m:d>
-                    <m:r>
-                      <a:rPr lang="ru-RU" i="1">
-                        <a:latin typeface="Cambria Math" panose="02040503050406030204" pitchFamily="18" charset="0"/>
-                      </a:rPr>
-                      <m:t>=0</m:t>
-                    </m:r>
-                  </m:oMath>
-                </a14:m>
                 <a:r>
-                  <a:rPr lang="ru-RU" dirty="0"/>
-                  <a:t>. </a:t>
+                  <a:rPr lang="ru-RU" dirty="0" smtClean="0"/>
+                  <a:t>стоимости. </a:t>
                 </a:r>
               </a:p>
               <a:p>
@@ -8585,7 +8576,7 @@
             </p:txBody>
           </p:sp>
         </mc:Choice>
-        <mc:Fallback xmlns="">
+        <mc:Fallback>
           <p:sp>
             <p:nvSpPr>
               <p:cNvPr id="4" name="Rounded Rectangle 3"/>
@@ -8945,8 +8936,8 @@
           </a:p>
         </p:txBody>
       </p:sp>
-      <mc:AlternateContent xmlns:mc="http://schemas.openxmlformats.org/markup-compatibility/2006" xmlns:a14="http://schemas.microsoft.com/office/drawing/2010/main">
-        <mc:Choice Requires="a14">
+      <mc:AlternateContent xmlns:mc="http://schemas.openxmlformats.org/markup-compatibility/2006">
+        <mc:Choice xmlns:a14="http://schemas.microsoft.com/office/drawing/2010/main" Requires="a14">
           <p:sp>
             <p:nvSpPr>
               <p:cNvPr id="4" name="Content Placeholder 3"/>
@@ -9170,7 +9161,15 @@
                 </a:pPr>
                 <a:r>
                   <a:rPr lang="ru-RU" sz="2200" dirty="0"/>
-                  <a:t>Чтобы эффективно определить это, вектор L сохраняет последнюю посчитанную емкость для каждого i-ого предмета</a:t>
+                  <a:t>Чтобы эффективно определить это, </a:t>
+                </a:r>
+                <a:r>
+                  <a:rPr lang="ru-RU" sz="2200" dirty="0" smtClean="0"/>
+                  <a:t>создается вектор L, который </a:t>
+                </a:r>
+                <a:r>
+                  <a:rPr lang="ru-RU" sz="2200" dirty="0"/>
+                  <a:t>сохраняет последнюю посчитанную емкость для каждого i-ого предмета</a:t>
                 </a:r>
                 <a:r>
                   <a:rPr lang="ru-RU" sz="2200" b="1" i="1" dirty="0"/>
@@ -9195,20 +9194,51 @@
                 </a:pPr>
                 <a:r>
                   <a:rPr lang="ru-RU" sz="2200" dirty="0"/>
-                  <a:t> устанавливается равным </a:t>
+                  <a:t> </a:t>
                 </a:r>
                 <a14:m>
                   <m:oMath xmlns:m="http://schemas.openxmlformats.org/officeDocument/2006/math">
                     <m:r>
-                      <a:rPr lang="ru-RU" sz="2200" b="1" i="1" smtClean="0">
+                      <a:rPr lang="ru-RU" sz="2400" i="1"/>
+                      <m:t>𝐿</m:t>
+                    </m:r>
+                    <m:d>
+                      <m:dPr>
+                        <m:ctrlPr>
+                          <a:rPr lang="ru-RU" sz="2400" i="1"/>
+                        </m:ctrlPr>
+                      </m:dPr>
+                      <m:e>
+                        <m:r>
+                          <a:rPr lang="ru-RU" sz="2400" i="1"/>
+                          <m:t>𝑖</m:t>
+                        </m:r>
+                      </m:e>
+                    </m:d>
+                  </m:oMath>
+                </a14:m>
+                <a:r>
+                  <a:rPr lang="en-US" sz="2200" dirty="0" smtClean="0"/>
+                  <a:t> </a:t>
+                </a:r>
+                <a:r>
+                  <a:rPr lang="ru-RU" sz="2200" dirty="0" smtClean="0"/>
+                  <a:t>устанавливается </a:t>
+                </a:r>
+                <a:r>
+                  <a:rPr lang="ru-RU" sz="2200" dirty="0"/>
+                  <a:t>равным </a:t>
+                </a:r>
+                <a14:m>
+                  <m:oMath xmlns:m="http://schemas.openxmlformats.org/officeDocument/2006/math">
+                    <m:r>
+                      <a:rPr lang="ru-RU" sz="2200" b="0" i="1" smtClean="0">
                         <a:solidFill>
-                          <a:schemeClr val="accent5">
-                            <a:lumMod val="50000"/>
-                          </a:schemeClr>
+                          <a:schemeClr val="tx1"/>
                         </a:solidFill>
                         <a:latin typeface="Cambria Math" panose="02040503050406030204" pitchFamily="18" charset="0"/>
                       </a:rPr>
-                      <m:t>𝒘</m:t>
+                      <m:t>𝑤</m:t>
                     </m:r>
                   </m:oMath>
                 </a14:m>
@@ -9493,7 +9523,7 @@
                 <a14:m>
                   <m:oMath xmlns:m="http://schemas.openxmlformats.org/officeDocument/2006/math">
                     <m:r>
-                      <a:rPr lang="ru-RU" sz="2600" b="1" i="1" smtClean="0">
+                      <a:rPr lang="ru-RU" sz="3200" b="1" i="1">
                         <a:solidFill>
                           <a:schemeClr val="accent5">
                             <a:lumMod val="75000"/>
@@ -9506,7 +9536,7 @@
                     <m:d>
                       <m:dPr>
                         <m:ctrlPr>
-                          <a:rPr lang="ru-RU" sz="2600" b="1" i="1">
+                          <a:rPr lang="ru-RU" sz="3200" b="1" i="1">
                             <a:solidFill>
                               <a:schemeClr val="accent5">
                                 <a:lumMod val="75000"/>
@@ -9518,7 +9548,7 @@
                       </m:dPr>
                       <m:e>
                         <m:r>
-                          <a:rPr lang="ru-RU" sz="2600" b="1" i="1">
+                          <a:rPr lang="ru-RU" sz="3200" b="1" i="1">
                             <a:solidFill>
                               <a:schemeClr val="accent5">
                                 <a:lumMod val="75000"/>
@@ -9531,7 +9561,7 @@
                       </m:e>
                     </m:d>
                     <m:r>
-                      <a:rPr lang="ru-RU" sz="2600" b="1" i="1">
+                      <a:rPr lang="ru-RU" sz="3200" b="1" i="1">
                         <a:solidFill>
                           <a:schemeClr val="accent5">
                             <a:lumMod val="75000"/>
@@ -9542,7 +9572,7 @@
                       <m:t>&lt;</m:t>
                     </m:r>
                     <m:r>
-                      <a:rPr lang="en-US" sz="2600" b="1" i="1" smtClean="0">
+                      <a:rPr lang="ru-RU" sz="3200" b="1" i="1">
                         <a:solidFill>
                           <a:schemeClr val="accent5">
                             <a:lumMod val="75000"/>
@@ -9553,7 +9583,7 @@
                       <m:t>𝒘</m:t>
                     </m:r>
                     <m:r>
-                      <a:rPr lang="ru-RU" sz="2600" b="1" i="1">
+                      <a:rPr lang="ru-RU" sz="3200" b="1" i="1">
                         <a:solidFill>
                           <a:schemeClr val="accent5">
                             <a:lumMod val="75000"/>
@@ -9561,12 +9591,12 @@
                         </a:solidFill>
                         <a:latin typeface="Cambria Math" panose="02040503050406030204" pitchFamily="18" charset="0"/>
                       </a:rPr>
-                      <m:t>− </m:t>
+                      <m:t>′− </m:t>
                     </m:r>
                     <m:sSub>
                       <m:sSubPr>
                         <m:ctrlPr>
-                          <a:rPr lang="ru-RU" sz="2600" b="1" i="1">
+                          <a:rPr lang="ru-RU" sz="3200" b="1" i="1">
                             <a:solidFill>
                               <a:schemeClr val="accent5">
                                 <a:lumMod val="75000"/>
@@ -9578,7 +9608,7 @@
                       </m:sSubPr>
                       <m:e>
                         <m:r>
-                          <a:rPr lang="ru-RU" sz="2600" b="1" i="1">
+                          <a:rPr lang="ru-RU" sz="3200" b="1" i="1">
                             <a:solidFill>
                               <a:schemeClr val="accent5">
                                 <a:lumMod val="75000"/>
@@ -9591,7 +9621,7 @@
                       </m:e>
                       <m:sub>
                         <m:r>
-                          <a:rPr lang="ru-RU" sz="2600" b="1" i="1">
+                          <a:rPr lang="ru-RU" sz="3200" b="1" i="1">
                             <a:solidFill>
                               <a:schemeClr val="accent5">
                                 <a:lumMod val="75000"/>
@@ -9638,7 +9668,7 @@
             </p:txBody>
           </p:sp>
         </mc:Choice>
-        <mc:Fallback xmlns="">
+        <mc:Fallback>
           <p:sp>
             <p:nvSpPr>
               <p:cNvPr id="4" name="Content Placeholder 3"/>
@@ -9744,7 +9774,7 @@
 </file>
 
 <file path=ppt/slides/slide19.xml><?xml version="1.0" encoding="utf-8"?>
-<p:sld xmlns:a="http://schemas.openxmlformats.org/drawingml/2006/main" xmlns:r="http://schemas.openxmlformats.org/officeDocument/2006/relationships" xmlns:p="http://schemas.openxmlformats.org/presentationml/2006/main">
+<p:sld xmlns:a="http://schemas.openxmlformats.org/drawingml/2006/main" xmlns:r="http://schemas.openxmlformats.org/officeDocument/2006/relationships" xmlns:p="http://schemas.openxmlformats.org/presentationml/2006/main" show="0">
   <p:cSld>
     <p:spTree>
       <p:nvGrpSpPr>
@@ -10135,6 +10165,14 @@
   <p:clrMapOvr>
     <a:masterClrMapping/>
   </p:clrMapOvr>
+  <mc:AlternateContent xmlns:mc="http://schemas.openxmlformats.org/markup-compatibility/2006" xmlns:p14="http://schemas.microsoft.com/office/powerpoint/2010/main">
+    <mc:Choice Requires="p14">
+      <p:transition spd="slow" p14:dur="2000"/>
+    </mc:Choice>
+    <mc:Fallback xmlns="">
+      <p:transition spd="slow"/>
+    </mc:Fallback>
+  </mc:AlternateContent>
   <p:timing>
     <p:tnLst>
       <p:par>
@@ -16041,8 +16079,13 @@
             </a:r>
             <a:r>
               <a:rPr lang="ru-RU" dirty="0"/>
-              <a:t>Исследование производительности и качества рассмотренных точных и приближенных алгоритмов, оценка ошибки приближения</a:t>
-            </a:r>
+              <a:t>Исследование производительности и качества рассмотренных точных и приближенных </a:t>
+            </a:r>
+            <a:r>
+              <a:rPr lang="ru-RU" dirty="0" smtClean="0"/>
+              <a:t>алгоритмов.</a:t>
+            </a:r>
+            <a:endParaRPr lang="ru-RU" dirty="0"/>
           </a:p>
         </p:txBody>
       </p:sp>
@@ -16414,7 +16457,15 @@
             </a:r>
             <a:r>
               <a:rPr lang="ru-RU" sz="2900" dirty="0"/>
-              <a:t>эффективных комбинаций отбираются  по:</a:t>
+              <a:t>эффективных комбинаций </a:t>
+            </a:r>
+            <a:r>
+              <a:rPr lang="ru-RU" sz="2900" dirty="0" smtClean="0"/>
+              <a:t>отбираются </a:t>
+            </a:r>
+            <a:r>
+              <a:rPr lang="ru-RU" sz="2900" dirty="0"/>
+              <a:t>по:</a:t>
             </a:r>
           </a:p>
           <a:p>
@@ -23122,8 +23173,8 @@
           </a:p>
         </p:txBody>
       </p:sp>
-      <mc:AlternateContent xmlns:mc="http://schemas.openxmlformats.org/markup-compatibility/2006">
-        <mc:Choice xmlns:a14="http://schemas.microsoft.com/office/drawing/2010/main" Requires="a14">
+      <mc:AlternateContent xmlns:mc="http://schemas.openxmlformats.org/markup-compatibility/2006" xmlns:a14="http://schemas.microsoft.com/office/drawing/2010/main">
+        <mc:Choice Requires="a14">
           <p:graphicFrame>
             <p:nvGraphicFramePr>
               <p:cNvPr id="8" name="Content Placeholder 7"/>
@@ -24318,7 +24369,7 @@
             </a:graphic>
           </p:graphicFrame>
         </mc:Choice>
-        <mc:Fallback>
+        <mc:Fallback xmlns="">
           <p:graphicFrame>
             <p:nvGraphicFramePr>
               <p:cNvPr id="8" name="Content Placeholder 7"/>
@@ -25970,8 +26021,8 @@
           </a:p>
         </p:txBody>
       </p:sp>
-      <mc:AlternateContent xmlns:mc="http://schemas.openxmlformats.org/markup-compatibility/2006">
-        <mc:Choice xmlns:a14="http://schemas.microsoft.com/office/drawing/2010/main" Requires="a14">
+      <mc:AlternateContent xmlns:mc="http://schemas.openxmlformats.org/markup-compatibility/2006" xmlns:a14="http://schemas.microsoft.com/office/drawing/2010/main">
+        <mc:Choice Requires="a14">
           <p:graphicFrame>
             <p:nvGraphicFramePr>
               <p:cNvPr id="3" name="Table 2"/>
@@ -27165,7 +27216,7 @@
             </a:graphic>
           </p:graphicFrame>
         </mc:Choice>
-        <mc:Fallback>
+        <mc:Fallback xmlns="">
           <p:graphicFrame>
             <p:nvGraphicFramePr>
               <p:cNvPr id="3" name="Table 2"/>
@@ -38743,7 +38794,7 @@
 </file>
 
 <file path=ppt/slides/slide33.xml><?xml version="1.0" encoding="utf-8"?>
-<p:sld xmlns:a="http://schemas.openxmlformats.org/drawingml/2006/main" xmlns:r="http://schemas.openxmlformats.org/officeDocument/2006/relationships" xmlns:p="http://schemas.openxmlformats.org/presentationml/2006/main">
+<p:sld xmlns:a="http://schemas.openxmlformats.org/drawingml/2006/main" xmlns:r="http://schemas.openxmlformats.org/officeDocument/2006/relationships" xmlns:p="http://schemas.openxmlformats.org/presentationml/2006/main" show="0">
   <p:cSld>
     <p:spTree>
       <p:nvGrpSpPr>
@@ -39086,6 +39137,14 @@
   <p:clrMapOvr>
     <a:masterClrMapping/>
   </p:clrMapOvr>
+  <mc:AlternateContent xmlns:mc="http://schemas.openxmlformats.org/markup-compatibility/2006">
+    <mc:Choice xmlns:p14="http://schemas.microsoft.com/office/powerpoint/2010/main" Requires="p14">
+      <p:transition spd="slow" p14:dur="2000"/>
+    </mc:Choice>
+    <mc:Fallback>
+      <p:transition spd="slow"/>
+    </mc:Fallback>
+  </mc:AlternateContent>
   <p:timing>
     <p:tnLst>
       <p:par>
@@ -39097,7 +39156,7 @@
 </file>
 
 <file path=ppt/slides/slide34.xml><?xml version="1.0" encoding="utf-8"?>
-<p:sld xmlns:a="http://schemas.openxmlformats.org/drawingml/2006/main" xmlns:r="http://schemas.openxmlformats.org/officeDocument/2006/relationships" xmlns:p="http://schemas.openxmlformats.org/presentationml/2006/main">
+<p:sld xmlns:a="http://schemas.openxmlformats.org/drawingml/2006/main" xmlns:r="http://schemas.openxmlformats.org/officeDocument/2006/relationships" xmlns:p="http://schemas.openxmlformats.org/presentationml/2006/main" show="0">
   <p:cSld>
     <p:spTree>
       <p:nvGrpSpPr>
@@ -39230,6 +39289,14 @@
   <p:clrMapOvr>
     <a:masterClrMapping/>
   </p:clrMapOvr>
+  <mc:AlternateContent xmlns:mc="http://schemas.openxmlformats.org/markup-compatibility/2006">
+    <mc:Choice xmlns:p14="http://schemas.microsoft.com/office/powerpoint/2010/main" Requires="p14">
+      <p:transition spd="slow" p14:dur="2000"/>
+    </mc:Choice>
+    <mc:Fallback>
+      <p:transition spd="slow"/>
+    </mc:Fallback>
+  </mc:AlternateContent>
   <p:timing>
     <p:tnLst>
       <p:par>
@@ -39241,7 +39308,7 @@
 </file>
 
 <file path=ppt/slides/slide35.xml><?xml version="1.0" encoding="utf-8"?>
-<p:sld xmlns:a="http://schemas.openxmlformats.org/drawingml/2006/main" xmlns:r="http://schemas.openxmlformats.org/officeDocument/2006/relationships" xmlns:p="http://schemas.openxmlformats.org/presentationml/2006/main">
+<p:sld xmlns:a="http://schemas.openxmlformats.org/drawingml/2006/main" xmlns:r="http://schemas.openxmlformats.org/officeDocument/2006/relationships" xmlns:p="http://schemas.openxmlformats.org/presentationml/2006/main" show="0">
   <p:cSld>
     <p:spTree>
       <p:nvGrpSpPr>
@@ -39467,6 +39534,14 @@
   <p:clrMapOvr>
     <a:masterClrMapping/>
   </p:clrMapOvr>
+  <mc:AlternateContent xmlns:mc="http://schemas.openxmlformats.org/markup-compatibility/2006">
+    <mc:Choice xmlns:p14="http://schemas.microsoft.com/office/powerpoint/2010/main" Requires="p14">
+      <p:transition spd="slow" p14:dur="2000"/>
+    </mc:Choice>
+    <mc:Fallback>
+      <p:transition spd="slow"/>
+    </mc:Fallback>
+  </mc:AlternateContent>
   <p:timing>
     <p:tnLst>
       <p:par>
@@ -39478,7 +39553,7 @@
 </file>
 
 <file path=ppt/slides/slide36.xml><?xml version="1.0" encoding="utf-8"?>
-<p:sld xmlns:a="http://schemas.openxmlformats.org/drawingml/2006/main" xmlns:r="http://schemas.openxmlformats.org/officeDocument/2006/relationships" xmlns:p="http://schemas.openxmlformats.org/presentationml/2006/main">
+<p:sld xmlns:a="http://schemas.openxmlformats.org/drawingml/2006/main" xmlns:r="http://schemas.openxmlformats.org/officeDocument/2006/relationships" xmlns:p="http://schemas.openxmlformats.org/presentationml/2006/main" show="0">
   <p:cSld>
     <p:spTree>
       <p:nvGrpSpPr>
@@ -39543,7 +39618,7 @@
       </p:sp>
       <p:pic>
         <p:nvPicPr>
-          <p:cNvPr id="7" name="Picture 6"/>
+          <p:cNvPr id="4" name="Picture 3"/>
           <p:cNvPicPr>
             <a:picLocks noChangeAspect="1"/>
           </p:cNvPicPr>
@@ -39557,8 +39632,8 @@
         </p:blipFill>
         <p:spPr>
           <a:xfrm>
-            <a:off x="0" y="97353"/>
-            <a:ext cx="12192000" cy="6760647"/>
+            <a:off x="0" y="19304"/>
+            <a:ext cx="12192000" cy="6819392"/>
           </a:xfrm>
           <a:prstGeom prst="rect">
             <a:avLst/>
@@ -39575,6 +39650,14 @@
   <p:clrMapOvr>
     <a:masterClrMapping/>
   </p:clrMapOvr>
+  <mc:AlternateContent xmlns:mc="http://schemas.openxmlformats.org/markup-compatibility/2006">
+    <mc:Choice xmlns:p14="http://schemas.microsoft.com/office/powerpoint/2010/main" Requires="p14">
+      <p:transition spd="slow" p14:dur="2000"/>
+    </mc:Choice>
+    <mc:Fallback>
+      <p:transition spd="slow"/>
+    </mc:Fallback>
+  </mc:AlternateContent>
   <p:timing>
     <p:tnLst>
       <p:par>
@@ -40349,7 +40432,7 @@
 </file>
 
 <file path=ppt/slides/slide5.xml><?xml version="1.0" encoding="utf-8"?>
-<p:sld xmlns:a="http://schemas.openxmlformats.org/drawingml/2006/main" xmlns:r="http://schemas.openxmlformats.org/officeDocument/2006/relationships" xmlns:p="http://schemas.openxmlformats.org/presentationml/2006/main">
+<p:sld xmlns:a="http://schemas.openxmlformats.org/drawingml/2006/main" xmlns:r="http://schemas.openxmlformats.org/officeDocument/2006/relationships" xmlns:p="http://schemas.openxmlformats.org/presentationml/2006/main" show="0">
   <p:cSld>
     <p:spTree>
       <p:nvGrpSpPr>
@@ -40539,6 +40622,14 @@
   <p:clrMapOvr>
     <a:masterClrMapping/>
   </p:clrMapOvr>
+  <mc:AlternateContent xmlns:mc="http://schemas.openxmlformats.org/markup-compatibility/2006">
+    <mc:Choice xmlns:p14="http://schemas.microsoft.com/office/powerpoint/2010/main" Requires="p14">
+      <p:transition spd="slow" p14:dur="2000"/>
+    </mc:Choice>
+    <mc:Fallback>
+      <p:transition spd="slow"/>
+    </mc:Fallback>
+  </mc:AlternateContent>
   <p:timing>
     <p:tnLst>
       <p:par>
@@ -43195,7 +43286,36 @@
                   </a:schemeClr>
                 </a:solidFill>
               </a:rPr>
-              <a:t>Свойства задачи о неограниченном рюкзаке</a:t>
+              <a:t>Свойства задачи о </a:t>
+            </a:r>
+            <a:r>
+              <a:rPr lang="ru-RU" b="1" dirty="0" smtClean="0">
+                <a:solidFill>
+                  <a:schemeClr val="accent5">
+                    <a:lumMod val="75000"/>
+                  </a:schemeClr>
+                </a:solidFill>
+              </a:rPr>
+              <a:t>неограниченном </a:t>
+            </a:r>
+            <a:br>
+              <a:rPr lang="ru-RU" b="1" dirty="0" smtClean="0">
+                <a:solidFill>
+                  <a:schemeClr val="accent5">
+                    <a:lumMod val="75000"/>
+                  </a:schemeClr>
+                </a:solidFill>
+              </a:rPr>
+            </a:br>
+            <a:r>
+              <a:rPr lang="ru-RU" b="1" dirty="0" smtClean="0">
+                <a:solidFill>
+                  <a:schemeClr val="accent5">
+                    <a:lumMod val="75000"/>
+                  </a:schemeClr>
+                </a:solidFill>
+              </a:rPr>
+              <a:t>рюкзаке</a:t>
             </a:r>
             <a:endParaRPr lang="ru-RU" b="1" dirty="0">
               <a:solidFill>
@@ -43225,9 +43345,21 @@
         </p:spPr>
         <p:txBody>
           <a:bodyPr>
-            <a:normAutofit fontScale="77500" lnSpcReduction="20000"/>
+            <a:normAutofit fontScale="92500" lnSpcReduction="20000"/>
           </a:bodyPr>
           <a:lstStyle/>
+          <a:p>
+            <a:pPr marL="0" indent="0" algn="just">
+              <a:buNone/>
+            </a:pPr>
+            <a:endParaRPr lang="ru-RU" sz="3100" b="1" dirty="0" smtClean="0">
+              <a:solidFill>
+                <a:schemeClr val="accent5">
+                  <a:lumMod val="75000"/>
+                </a:schemeClr>
+              </a:solidFill>
+            </a:endParaRPr>
+          </a:p>
           <a:p>
             <a:pPr marL="0" indent="0" algn="just">
               <a:buNone/>
@@ -43242,159 +43374,108 @@
               </a:rPr>
               <a:t>Доминирование</a:t>
             </a:r>
+            <a:endParaRPr lang="ru-RU" sz="3100" b="1" dirty="0" smtClean="0">
+              <a:solidFill>
+                <a:schemeClr val="accent5">
+                  <a:lumMod val="75000"/>
+                </a:schemeClr>
+              </a:solidFill>
+            </a:endParaRPr>
           </a:p>
           <a:p>
-            <a:pPr marL="0" indent="0">
+            <a:pPr marL="0" indent="0" algn="just">
               <a:buNone/>
             </a:pPr>
             <a:r>
-              <a:rPr lang="ru-RU" i="1" dirty="0" smtClean="0"/>
-              <a:t>Определение</a:t>
+              <a:rPr lang="en-US" dirty="0" err="1" smtClean="0"/>
+              <a:t>i</a:t>
+            </a:r>
+            <a:r>
+              <a:rPr lang="en-US" dirty="0" smtClean="0"/>
+              <a:t>-</a:t>
+            </a:r>
+            <a:r>
+              <a:rPr lang="ru-RU" dirty="0" err="1" smtClean="0"/>
+              <a:t>ый</a:t>
             </a:r>
             <a:r>
               <a:rPr lang="ru-RU" dirty="0" smtClean="0"/>
-              <a:t>:</a:t>
-            </a:r>
-            <a:r>
-              <a:rPr lang="ru-RU" dirty="0" smtClean="0">
-                <a:solidFill>
-                  <a:schemeClr val="accent5">
-                    <a:lumMod val="75000"/>
-                  </a:schemeClr>
-                </a:solidFill>
-              </a:rPr>
+              <a:t> предмет доминируем </a:t>
+            </a:r>
+            <a:r>
+              <a:rPr lang="en-US" dirty="0" smtClean="0"/>
+              <a:t>j</a:t>
+            </a:r>
+            <a:r>
+              <a:rPr lang="ru-RU" dirty="0" smtClean="0"/>
+              <a:t>-ым предметом,</a:t>
+            </a:r>
+            <a:r>
+              <a:rPr lang="en-US" dirty="0" smtClean="0"/>
               <a:t> </a:t>
             </a:r>
             <a:r>
-              <a:rPr lang="en-US" dirty="0" err="1" smtClean="0">
-                <a:solidFill>
-                  <a:schemeClr val="accent5">
-                    <a:lumMod val="75000"/>
-                  </a:schemeClr>
-                </a:solidFill>
-              </a:rPr>
+              <a:rPr lang="ru-RU" dirty="0" smtClean="0"/>
+              <a:t>когда </a:t>
+            </a:r>
+            <a:r>
+              <a:rPr lang="en-US" dirty="0" err="1" smtClean="0"/>
               <a:t>i</a:t>
             </a:r>
             <a:r>
-              <a:rPr lang="en-US" dirty="0" smtClean="0">
-                <a:solidFill>
-                  <a:schemeClr val="accent5">
-                    <a:lumMod val="75000"/>
-                  </a:schemeClr>
-                </a:solidFill>
-              </a:rPr>
+              <a:rPr lang="en-US" dirty="0" smtClean="0"/>
               <a:t>-</a:t>
             </a:r>
             <a:r>
-              <a:rPr lang="ru-RU" dirty="0" err="1" smtClean="0">
-                <a:solidFill>
-                  <a:schemeClr val="accent5">
-                    <a:lumMod val="75000"/>
-                  </a:schemeClr>
-                </a:solidFill>
-              </a:rPr>
+              <a:rPr lang="ru-RU" dirty="0" err="1" smtClean="0"/>
               <a:t>ый</a:t>
             </a:r>
             <a:r>
-              <a:rPr lang="ru-RU" dirty="0" smtClean="0">
-                <a:solidFill>
-                  <a:schemeClr val="accent5">
-                    <a:lumMod val="75000"/>
-                  </a:schemeClr>
-                </a:solidFill>
-              </a:rPr>
-              <a:t> предмет доминируем </a:t>
-            </a:r>
-            <a:r>
-              <a:rPr lang="en-US" dirty="0" smtClean="0">
-                <a:solidFill>
-                  <a:schemeClr val="accent5">
-                    <a:lumMod val="75000"/>
-                  </a:schemeClr>
-                </a:solidFill>
-              </a:rPr>
+              <a:rPr lang="ru-RU" dirty="0" smtClean="0"/>
+              <a:t> предмет тяжелее и менее выгоден, чем предмет </a:t>
+            </a:r>
+            <a:r>
+              <a:rPr lang="en-US" dirty="0" smtClean="0"/>
               <a:t>j</a:t>
             </a:r>
             <a:r>
-              <a:rPr lang="ru-RU" dirty="0" smtClean="0">
-                <a:solidFill>
-                  <a:schemeClr val="accent5">
-                    <a:lumMod val="75000"/>
-                  </a:schemeClr>
-                </a:solidFill>
-              </a:rPr>
-              <a:t>-ым предметом,</a:t>
-            </a:r>
-            <a:r>
-              <a:rPr lang="en-US" dirty="0" smtClean="0">
-                <a:solidFill>
-                  <a:schemeClr val="accent5">
-                    <a:lumMod val="75000"/>
-                  </a:schemeClr>
-                </a:solidFill>
-              </a:rPr>
-              <a:t> </a:t>
-            </a:r>
-            <a:r>
-              <a:rPr lang="ru-RU" dirty="0" smtClean="0">
-                <a:solidFill>
-                  <a:schemeClr val="accent5">
-                    <a:lumMod val="75000"/>
-                  </a:schemeClr>
-                </a:solidFill>
-              </a:rPr>
-              <a:t>когда </a:t>
-            </a:r>
-            <a:r>
-              <a:rPr lang="en-US" dirty="0" err="1" smtClean="0">
-                <a:solidFill>
-                  <a:schemeClr val="accent5">
-                    <a:lumMod val="75000"/>
-                  </a:schemeClr>
-                </a:solidFill>
-              </a:rPr>
-              <a:t>i</a:t>
-            </a:r>
-            <a:r>
-              <a:rPr lang="en-US" dirty="0" smtClean="0">
-                <a:solidFill>
-                  <a:schemeClr val="accent5">
-                    <a:lumMod val="75000"/>
-                  </a:schemeClr>
-                </a:solidFill>
-              </a:rPr>
-              <a:t>-</a:t>
-            </a:r>
-            <a:r>
-              <a:rPr lang="ru-RU" dirty="0" err="1" smtClean="0">
-                <a:solidFill>
-                  <a:schemeClr val="accent5">
-                    <a:lumMod val="75000"/>
-                  </a:schemeClr>
-                </a:solidFill>
-              </a:rPr>
-              <a:t>ый</a:t>
-            </a:r>
-            <a:r>
-              <a:rPr lang="ru-RU" dirty="0" smtClean="0">
-                <a:solidFill>
-                  <a:schemeClr val="accent5">
-                    <a:lumMod val="75000"/>
-                  </a:schemeClr>
-                </a:solidFill>
-              </a:rPr>
-              <a:t> предмет тяжелее и менее выгоден, чем предмет </a:t>
-            </a:r>
-            <a:r>
-              <a:rPr lang="en-US" dirty="0" smtClean="0">
-                <a:solidFill>
-                  <a:schemeClr val="accent5">
-                    <a:lumMod val="75000"/>
-                  </a:schemeClr>
-                </a:solidFill>
-              </a:rPr>
-              <a:t>j.</a:t>
-            </a:r>
+              <a:rPr lang="en-US" dirty="0" smtClean="0"/>
+              <a:t>.</a:t>
+            </a:r>
+            <a:endParaRPr lang="ru-RU" dirty="0" smtClean="0"/>
+          </a:p>
+          <a:p>
+            <a:pPr marL="0" indent="0" algn="just">
+              <a:buNone/>
+            </a:pPr>
+            <a:endParaRPr lang="ru-RU" dirty="0" smtClean="0"/>
+          </a:p>
+          <a:p>
+            <a:pPr marL="0" indent="0" algn="just">
+              <a:buNone/>
+            </a:pPr>
+            <a:r>
+              <a:rPr lang="ru-RU" dirty="0" smtClean="0"/>
+              <a:t>	Для </a:t>
+            </a:r>
+            <a:r>
+              <a:rPr lang="ru-RU" dirty="0"/>
+              <a:t>каждой ЗОНР всегда существует оптимальное решение, которое не содержит любые просто, множественно или коллективно </a:t>
+            </a:r>
+            <a:r>
+              <a:rPr lang="ru-RU" dirty="0" err="1"/>
+              <a:t>доминируемые</a:t>
+            </a:r>
+            <a:r>
+              <a:rPr lang="ru-RU" dirty="0"/>
+              <a:t> типы предметов.</a:t>
+            </a:r>
+          </a:p>
+          <a:p>
+            <a:pPr marL="0" indent="0" algn="just">
+              <a:buNone/>
+            </a:pPr>
+            <a:endParaRPr lang="en-US" dirty="0" smtClean="0"/>
           </a:p>
           <a:p>
             <a:pPr marL="0" indent="0" algn="just">
@@ -43409,28 +43490,9 @@
             </a:endParaRPr>
           </a:p>
           <a:p>
-            <a:pPr marL="0" indent="0" algn="just">
+            <a:pPr marL="0" indent="0">
               <a:buNone/>
             </a:pPr>
-            <a:r>
-              <a:rPr lang="ru-RU" dirty="0" smtClean="0"/>
-              <a:t>Для </a:t>
-            </a:r>
-            <a:r>
-              <a:rPr lang="ru-RU" dirty="0"/>
-              <a:t>каждой ЗОНР всегда существует оптимальное решение, которое не содержит любые просто, множественно или коллективно доминируемые типы предметов.</a:t>
-            </a:r>
-          </a:p>
-          <a:p>
-            <a:pPr marL="0" indent="0" algn="just">
-              <a:buNone/>
-            </a:pPr>
-            <a:r>
-              <a:rPr lang="ru-RU" dirty="0"/>
-              <a:t>Это означает, что любые просто, множественно или коллективно доминируемые типы предметов могут быть отброшены без изменения оптимального решения, значительно уменьшая пространство поиска.</a:t>
-            </a:r>
-          </a:p>
-          <a:p>
             <a:endParaRPr lang="ru-RU" dirty="0"/>
           </a:p>
         </p:txBody>
@@ -43503,8 +43565,8 @@
         </p:blipFill>
         <p:spPr bwMode="auto">
           <a:xfrm>
-            <a:off x="6124875" y="1508125"/>
-            <a:ext cx="5391785" cy="4848225"/>
+            <a:off x="6019800" y="1027906"/>
+            <a:ext cx="5885204" cy="5283891"/>
           </a:xfrm>
           <a:prstGeom prst="rect">
             <a:avLst/>
@@ -43515,6 +43577,59 @@
           </a:ln>
         </p:spPr>
       </p:pic>
+      <p:sp>
+        <p:nvSpPr>
+          <p:cNvPr id="4" name="Action Button: Information 3">
+            <a:hlinkClick r:id="" action="ppaction://noaction" highlightClick="1"/>
+          </p:cNvPr>
+          <p:cNvSpPr/>
+          <p:nvPr/>
+        </p:nvSpPr>
+        <p:spPr>
+          <a:xfrm>
+            <a:off x="982766" y="4042161"/>
+            <a:ext cx="615297" cy="290557"/>
+          </a:xfrm>
+          <a:prstGeom prst="actionButtonInformation">
+            <a:avLst/>
+          </a:prstGeom>
+          <a:solidFill>
+            <a:schemeClr val="bg1"/>
+          </a:solidFill>
+          <a:ln>
+            <a:solidFill>
+              <a:schemeClr val="accent6">
+                <a:lumMod val="60000"/>
+                <a:lumOff val="40000"/>
+              </a:schemeClr>
+            </a:solidFill>
+          </a:ln>
+        </p:spPr>
+        <p:style>
+          <a:lnRef idx="2">
+            <a:schemeClr val="accent1">
+              <a:shade val="50000"/>
+            </a:schemeClr>
+          </a:lnRef>
+          <a:fillRef idx="1">
+            <a:schemeClr val="accent1"/>
+          </a:fillRef>
+          <a:effectRef idx="0">
+            <a:schemeClr val="accent1"/>
+          </a:effectRef>
+          <a:fontRef idx="minor">
+            <a:schemeClr val="lt1"/>
+          </a:fontRef>
+        </p:style>
+        <p:txBody>
+          <a:bodyPr rtlCol="0" anchor="ctr"/>
+          <a:lstStyle/>
+          <a:p>
+            <a:pPr algn="ctr"/>
+            <a:endParaRPr lang="ru-RU"/>
+          </a:p>
+        </p:txBody>
+      </p:sp>
     </p:spTree>
     <p:extLst>
       <p:ext uri="{BB962C8B-B14F-4D97-AF65-F5344CB8AC3E}">

--- a/docs/master_diploma.pptx
+++ b/docs/master_diploma.pptx
@@ -235,7 +235,7 @@
           <a:p>
             <a:fld id="{4C53F058-B9DA-45CA-8B18-E02BE9515AEB}" type="datetimeFigureOut">
               <a:rPr lang="ru-RU" smtClean="0"/>
-              <a:t>04.06.2018</a:t>
+              <a:t>05.06.2018</a:t>
             </a:fld>
             <a:endParaRPr lang="ru-RU"/>
           </a:p>
@@ -1222,7 +1222,7 @@
           <a:p>
             <a:fld id="{22D385ED-1BC4-49F0-82B1-C9C89478EC16}" type="datetime1">
               <a:rPr lang="en-US" smtClean="0"/>
-              <a:t>6/4/2018</a:t>
+              <a:t>6/5/2018</a:t>
             </a:fld>
             <a:endParaRPr lang="en-US" dirty="0"/>
           </a:p>
@@ -1397,7 +1397,7 @@
           <a:p>
             <a:fld id="{28EEDC0B-91F0-4299-A7BC-FA130E62CC12}" type="datetime1">
               <a:rPr lang="en-US" smtClean="0"/>
-              <a:t>6/4/2018</a:t>
+              <a:t>6/5/2018</a:t>
             </a:fld>
             <a:endParaRPr lang="en-US" dirty="0"/>
           </a:p>
@@ -1582,7 +1582,7 @@
           <a:p>
             <a:fld id="{0682FF39-7F2E-4EA3-974F-0A07DF60CA97}" type="datetime1">
               <a:rPr lang="en-US" smtClean="0"/>
-              <a:t>6/4/2018</a:t>
+              <a:t>6/5/2018</a:t>
             </a:fld>
             <a:endParaRPr lang="en-US" dirty="0"/>
           </a:p>
@@ -1757,7 +1757,7 @@
           <a:p>
             <a:fld id="{E986CAC2-EABA-4F5A-B4A7-0237FA05F8A3}" type="datetime1">
               <a:rPr lang="en-US" smtClean="0"/>
-              <a:t>6/4/2018</a:t>
+              <a:t>6/5/2018</a:t>
             </a:fld>
             <a:endParaRPr lang="en-US" dirty="0"/>
           </a:p>
@@ -2008,7 +2008,7 @@
           <a:p>
             <a:fld id="{F477159B-9D75-4902-8644-DA09B430462B}" type="datetime1">
               <a:rPr lang="en-US" smtClean="0"/>
-              <a:t>6/4/2018</a:t>
+              <a:t>6/5/2018</a:t>
             </a:fld>
             <a:endParaRPr lang="en-US" dirty="0"/>
           </a:p>
@@ -2245,7 +2245,7 @@
           <a:p>
             <a:fld id="{25E1EB8F-7E6A-478A-92B7-7DC66EB7EA4B}" type="datetime1">
               <a:rPr lang="en-US" smtClean="0"/>
-              <a:t>6/4/2018</a:t>
+              <a:t>6/5/2018</a:t>
             </a:fld>
             <a:endParaRPr lang="en-US" dirty="0"/>
           </a:p>
@@ -2617,7 +2617,7 @@
           <a:p>
             <a:fld id="{A1687529-3A53-47AF-8E1F-9C0F03CB388E}" type="datetime1">
               <a:rPr lang="en-US" smtClean="0"/>
-              <a:t>6/4/2018</a:t>
+              <a:t>6/5/2018</a:t>
             </a:fld>
             <a:endParaRPr lang="en-US" dirty="0"/>
           </a:p>
@@ -2740,7 +2740,7 @@
           <a:p>
             <a:fld id="{BC3C1E02-6C9C-431C-9D73-C8F363B4D478}" type="datetime1">
               <a:rPr lang="en-US" smtClean="0"/>
-              <a:t>6/4/2018</a:t>
+              <a:t>6/5/2018</a:t>
             </a:fld>
             <a:endParaRPr lang="en-US" dirty="0"/>
           </a:p>
@@ -2840,7 +2840,7 @@
           <a:p>
             <a:fld id="{EA17FBE2-7E1B-4783-87A5-5458EA7426D3}" type="datetime1">
               <a:rPr lang="en-US" smtClean="0"/>
-              <a:t>6/4/2018</a:t>
+              <a:t>6/5/2018</a:t>
             </a:fld>
             <a:endParaRPr lang="en-US" dirty="0"/>
           </a:p>
@@ -3122,7 +3122,7 @@
           <a:p>
             <a:fld id="{244D7887-BC0C-4903-BF59-F17C24009D5F}" type="datetime1">
               <a:rPr lang="en-US" smtClean="0"/>
-              <a:t>6/4/2018</a:t>
+              <a:t>6/5/2018</a:t>
             </a:fld>
             <a:endParaRPr lang="en-US" dirty="0"/>
           </a:p>
@@ -3380,7 +3380,7 @@
           <a:p>
             <a:fld id="{AD3A21B4-4F4E-4D36-8A92-F4DDD18E409A}" type="datetime1">
               <a:rPr lang="en-US" smtClean="0"/>
-              <a:t>6/4/2018</a:t>
+              <a:t>6/5/2018</a:t>
             </a:fld>
             <a:endParaRPr lang="en-US" dirty="0"/>
           </a:p>
@@ -3598,7 +3598,7 @@
           <a:p>
             <a:fld id="{358AD0B1-C18F-41B7-8AB7-69C119DCF16C}" type="datetime1">
               <a:rPr lang="en-US" smtClean="0"/>
-              <a:t>6/4/2018</a:t>
+              <a:t>6/5/2018</a:t>
             </a:fld>
             <a:endParaRPr lang="en-US" dirty="0"/>
           </a:p>
@@ -4033,8 +4033,15 @@
           <a:p>
             <a:r>
               <a:rPr lang="ru-RU" sz="2800" b="1" dirty="0"/>
-              <a:t>МАГИСТЕРСКАЯ ДИССЕРТАЦИЯ</a:t>
-            </a:r>
+              <a:t>МАГИСТЕРСКАЯ </a:t>
+            </a:r>
+            <a:r>
+              <a:rPr lang="ru-RU" sz="2800" b="1" dirty="0" smtClean="0"/>
+              <a:t>ДИССЕРТАЦИЯ</a:t>
+            </a:r>
+            <a:br>
+              <a:rPr lang="ru-RU" sz="2800" b="1" dirty="0" smtClean="0"/>
+            </a:br>
             <a:r>
               <a:rPr lang="ru-RU" sz="2800" dirty="0"/>
               <a:t/>
@@ -4166,12 +4173,20 @@
           <a:p>
             <a:pPr algn="r"/>
             <a:r>
+              <a:rPr lang="ru-RU" sz="5600" smtClean="0">
+                <a:solidFill>
+                  <a:schemeClr val="tx1"/>
+                </a:solidFill>
+              </a:rPr>
+              <a:t>Шуланкина Елизавета </a:t>
+            </a:r>
+            <a:r>
               <a:rPr lang="ru-RU" sz="5600" dirty="0" smtClean="0">
                 <a:solidFill>
                   <a:schemeClr val="tx1"/>
                 </a:solidFill>
               </a:rPr>
-              <a:t>Шуланкина Елизавета Валерьевна</a:t>
+              <a:t>Валерьевна</a:t>
             </a:r>
           </a:p>
           <a:p>
@@ -6792,8 +6807,8 @@
           </a:p>
         </p:txBody>
       </p:sp>
-      <mc:AlternateContent xmlns:mc="http://schemas.openxmlformats.org/markup-compatibility/2006">
-        <mc:Choice xmlns:a14="http://schemas.microsoft.com/office/drawing/2010/main" Requires="a14">
+      <mc:AlternateContent xmlns:mc="http://schemas.openxmlformats.org/markup-compatibility/2006" xmlns:a14="http://schemas.microsoft.com/office/drawing/2010/main">
+        <mc:Choice Requires="a14">
           <p:sp>
             <p:nvSpPr>
               <p:cNvPr id="3" name="Content Placeholder 2"/>
@@ -6841,11 +6856,7 @@
                 </a:r>
                 <a:r>
                   <a:rPr lang="ru-RU" smtClean="0"/>
-                  <a:t>с </a:t>
-                </a:r>
-                <a:r>
-                  <a:rPr lang="ru-RU" smtClean="0"/>
-                  <a:t>обходами </a:t>
+                  <a:t>с обходами </a:t>
                 </a:r>
                 <a:r>
                   <a:rPr lang="ru-RU" dirty="0" smtClean="0"/>
@@ -6912,7 +6923,7 @@
             </p:txBody>
           </p:sp>
         </mc:Choice>
-        <mc:Fallback>
+        <mc:Fallback xmlns="">
           <p:sp>
             <p:nvSpPr>
               <p:cNvPr id="3" name="Content Placeholder 2"/>
@@ -7918,8 +7929,8 @@
           </a:p>
         </p:txBody>
       </p:sp>
-      <mc:AlternateContent xmlns:mc="http://schemas.openxmlformats.org/markup-compatibility/2006">
-        <mc:Choice xmlns:a14="http://schemas.microsoft.com/office/drawing/2010/main" Requires="a14">
+      <mc:AlternateContent xmlns:mc="http://schemas.openxmlformats.org/markup-compatibility/2006" xmlns:a14="http://schemas.microsoft.com/office/drawing/2010/main">
+        <mc:Choice Requires="a14">
           <p:sp>
             <p:nvSpPr>
               <p:cNvPr id="4" name="Rounded Rectangle 3"/>
@@ -8576,7 +8587,7 @@
             </p:txBody>
           </p:sp>
         </mc:Choice>
-        <mc:Fallback>
+        <mc:Fallback xmlns="">
           <p:sp>
             <p:nvSpPr>
               <p:cNvPr id="4" name="Rounded Rectangle 3"/>
@@ -8936,8 +8947,8 @@
           </a:p>
         </p:txBody>
       </p:sp>
-      <mc:AlternateContent xmlns:mc="http://schemas.openxmlformats.org/markup-compatibility/2006">
-        <mc:Choice xmlns:a14="http://schemas.microsoft.com/office/drawing/2010/main" Requires="a14">
+      <mc:AlternateContent xmlns:mc="http://schemas.openxmlformats.org/markup-compatibility/2006" xmlns:a14="http://schemas.microsoft.com/office/drawing/2010/main">
+        <mc:Choice Requires="a14">
           <p:sp>
             <p:nvSpPr>
               <p:cNvPr id="4" name="Content Placeholder 3"/>
@@ -9199,18 +9210,24 @@
                 <a14:m>
                   <m:oMath xmlns:m="http://schemas.openxmlformats.org/officeDocument/2006/math">
                     <m:r>
-                      <a:rPr lang="ru-RU" sz="2400" i="1"/>
+                      <a:rPr lang="ru-RU" sz="2400" i="1">
+                        <a:latin typeface="Cambria Math" panose="02040503050406030204" pitchFamily="18" charset="0"/>
+                      </a:rPr>
                       <m:t>𝐿</m:t>
                     </m:r>
                     <m:d>
                       <m:dPr>
                         <m:ctrlPr>
-                          <a:rPr lang="ru-RU" sz="2400" i="1"/>
+                          <a:rPr lang="ru-RU" sz="2400" i="1">
+                            <a:latin typeface="Cambria Math" panose="02040503050406030204" pitchFamily="18" charset="0"/>
+                          </a:rPr>
                         </m:ctrlPr>
                       </m:dPr>
                       <m:e>
                         <m:r>
-                          <a:rPr lang="ru-RU" sz="2400" i="1"/>
+                          <a:rPr lang="ru-RU" sz="2400" i="1">
+                            <a:latin typeface="Cambria Math" panose="02040503050406030204" pitchFamily="18" charset="0"/>
+                          </a:rPr>
                           <m:t>𝑖</m:t>
                         </m:r>
                       </m:e>
@@ -9668,7 +9685,7 @@
             </p:txBody>
           </p:sp>
         </mc:Choice>
-        <mc:Fallback>
+        <mc:Fallback xmlns="">
           <p:sp>
             <p:nvSpPr>
               <p:cNvPr id="4" name="Content Placeholder 3"/>
@@ -10253,7 +10270,7 @@
         </p:spPr>
         <p:txBody>
           <a:bodyPr>
-            <a:normAutofit fontScale="92500" lnSpcReduction="20000"/>
+            <a:normAutofit/>
           </a:bodyPr>
           <a:lstStyle/>
           <a:p>
@@ -10299,21 +10316,6 @@
                 </a:solidFill>
               </a:rPr>
               <a:t>.</a:t>
-            </a:r>
-          </a:p>
-          <a:p>
-            <a:pPr marL="0" indent="0" algn="just">
-              <a:buNone/>
-            </a:pPr>
-            <a:endParaRPr lang="ru-RU" dirty="0" smtClean="0"/>
-          </a:p>
-          <a:p>
-            <a:pPr marL="0" indent="0" algn="just">
-              <a:buNone/>
-            </a:pPr>
-            <a:r>
-              <a:rPr lang="ru-RU" sz="2600" dirty="0" smtClean="0"/>
-              <a:t>Задача о рюкзаке относится к числу широко известных задач комбинаторной оптимизации. Она часто используется на практике для решения таких проблем, как: погрузка груза, бюджетирование капитала, планирование проектов и выбор портфельных инвестиций.</a:t>
             </a:r>
           </a:p>
           <a:p>
@@ -19404,7 +19406,7 @@
         <p:spPr/>
         <p:txBody>
           <a:bodyPr>
-            <a:normAutofit lnSpcReduction="10000"/>
+            <a:normAutofit/>
           </a:bodyPr>
           <a:lstStyle/>
           <a:p>
@@ -19446,23 +19448,6 @@
               <a:buNone/>
             </a:pPr>
             <a:endParaRPr lang="ru-RU" dirty="0"/>
-          </a:p>
-          <a:p>
-            <a:pPr marL="0" indent="0" algn="just">
-              <a:buNone/>
-            </a:pPr>
-            <a:r>
-              <a:rPr lang="ru-RU" dirty="0" smtClean="0"/>
-              <a:t>Нахождение эффективного подхода к решению ЗОР</a:t>
-            </a:r>
-            <a:r>
-              <a:rPr lang="en-US" dirty="0" smtClean="0"/>
-              <a:t>/</a:t>
-            </a:r>
-            <a:r>
-              <a:rPr lang="ru-RU" dirty="0" smtClean="0"/>
-              <a:t>ЗОНР определенного класса позволит сократить временные затраты  и получить приемлемое решение в специфичной для класса задач области.</a:t>
-            </a:r>
           </a:p>
           <a:p>
             <a:pPr marL="0" indent="0" algn="just">
@@ -19558,6 +19543,52 @@
       </p:grpSpPr>
       <p:sp>
         <p:nvSpPr>
+          <p:cNvPr id="11" name="Rectangle 10"/>
+          <p:cNvSpPr/>
+          <p:nvPr/>
+        </p:nvSpPr>
+        <p:spPr>
+          <a:xfrm>
+            <a:off x="429027" y="5140008"/>
+            <a:ext cx="5806626" cy="1216341"/>
+          </a:xfrm>
+          <a:prstGeom prst="rect">
+            <a:avLst/>
+          </a:prstGeom>
+          <a:solidFill>
+            <a:schemeClr val="accent4">
+              <a:lumMod val="20000"/>
+              <a:lumOff val="80000"/>
+            </a:schemeClr>
+          </a:solidFill>
+        </p:spPr>
+        <p:style>
+          <a:lnRef idx="2">
+            <a:schemeClr val="accent4">
+              <a:shade val="50000"/>
+            </a:schemeClr>
+          </a:lnRef>
+          <a:fillRef idx="1">
+            <a:schemeClr val="accent4"/>
+          </a:fillRef>
+          <a:effectRef idx="0">
+            <a:schemeClr val="accent4"/>
+          </a:effectRef>
+          <a:fontRef idx="minor">
+            <a:schemeClr val="lt1"/>
+          </a:fontRef>
+        </p:style>
+        <p:txBody>
+          <a:bodyPr rtlCol="0" anchor="ctr"/>
+          <a:lstStyle/>
+          <a:p>
+            <a:pPr algn="ctr"/>
+            <a:endParaRPr lang="ru-RU"/>
+          </a:p>
+        </p:txBody>
+      </p:sp>
+      <p:sp>
+        <p:nvSpPr>
           <p:cNvPr id="2" name="Title 1"/>
           <p:cNvSpPr>
             <a:spLocks noGrp="1"/>
@@ -19609,7 +19640,7 @@
         </p:spPr>
         <p:txBody>
           <a:bodyPr>
-            <a:normAutofit fontScale="55000" lnSpcReduction="20000"/>
+            <a:normAutofit fontScale="25000" lnSpcReduction="20000"/>
           </a:bodyPr>
           <a:lstStyle/>
           <a:p>
@@ -19617,7 +19648,7 @@
               <a:buNone/>
             </a:pPr>
             <a:r>
-              <a:rPr lang="ru-RU" sz="3300" b="1" dirty="0" smtClean="0">
+              <a:rPr lang="ru-RU" sz="8000" b="1" dirty="0" smtClean="0">
                 <a:solidFill>
                   <a:schemeClr val="accent5">
                     <a:lumMod val="75000"/>
@@ -19632,45 +19663,65 @@
               <a:buNone/>
             </a:pPr>
             <a:r>
-              <a:rPr lang="ru-RU" sz="2900" dirty="0" smtClean="0"/>
-              <a:t>Для класса задач </a:t>
-            </a:r>
-            <a:r>
-              <a:rPr lang="ru-RU" sz="2900" b="1" dirty="0" smtClean="0">
+              <a:rPr lang="ru-RU" sz="8000" dirty="0" smtClean="0"/>
+              <a:t>Для задач </a:t>
+            </a:r>
+            <a:r>
+              <a:rPr lang="ru-RU" sz="8000" b="1" dirty="0" smtClean="0">
                 <a:solidFill>
                   <a:schemeClr val="accent5">
                     <a:lumMod val="75000"/>
                   </a:schemeClr>
                 </a:solidFill>
               </a:rPr>
-              <a:t>без корреляции </a:t>
-            </a:r>
-            <a:r>
-              <a:rPr lang="ru-RU" sz="2900" dirty="0" smtClean="0"/>
-              <a:t>и </a:t>
-            </a:r>
-            <a:r>
-              <a:rPr lang="ru-RU" sz="2900" b="1" dirty="0" smtClean="0">
+              <a:t>без корреляции</a:t>
+            </a:r>
+            <a:r>
+              <a:rPr lang="en-US" sz="8000" b="1" dirty="0">
                 <a:solidFill>
                   <a:schemeClr val="accent5">
                     <a:lumMod val="75000"/>
                   </a:schemeClr>
                 </a:solidFill>
               </a:rPr>
-              <a:t>с подсуммами </a:t>
-            </a:r>
-            <a:r>
-              <a:rPr lang="ru-RU" sz="2900" b="1" dirty="0" smtClean="0">
+              <a:t>,</a:t>
+            </a:r>
+            <a:r>
+              <a:rPr lang="ru-RU" sz="8000" dirty="0" smtClean="0"/>
+              <a:t> </a:t>
+            </a:r>
+            <a:r>
+              <a:rPr lang="ru-RU" sz="8000" b="1" dirty="0" smtClean="0">
+                <a:solidFill>
+                  <a:schemeClr val="accent5">
+                    <a:lumMod val="75000"/>
+                  </a:schemeClr>
+                </a:solidFill>
+              </a:rPr>
+              <a:t>с </a:t>
+            </a:r>
+            <a:r>
+              <a:rPr lang="ru-RU" sz="8000" b="1" dirty="0">
+                <a:solidFill>
+                  <a:schemeClr val="accent5">
+                    <a:lumMod val="75000"/>
+                  </a:schemeClr>
+                </a:solidFill>
+              </a:rPr>
+              <a:t>подсуммами и с слабой корреляцией </a:t>
+            </a:r>
+            <a:r>
+              <a:rPr lang="ru-RU" sz="8000" b="1" dirty="0" smtClean="0">
                 <a:solidFill>
                   <a:schemeClr val="accent6">
                     <a:lumMod val="75000"/>
                   </a:schemeClr>
                 </a:solidFill>
               </a:rPr>
-              <a:t>МВИГ с обходом в глубину </a:t>
-            </a:r>
-            <a:r>
-              <a:rPr lang="ru-RU" sz="2900" dirty="0" smtClean="0"/>
+              <a:t>МВИГ </a:t>
+            </a:r>
+            <a:r>
+              <a:rPr lang="ru-RU" sz="8000" dirty="0" smtClean="0"/>
               <a:t>показывает лучший результат по скорости решения (минимальное время выполнения в миллисекундах) среди прочих рассмотренных алгоритмов.</a:t>
             </a:r>
           </a:p>
@@ -19679,53 +19730,11 @@
               <a:buNone/>
             </a:pPr>
             <a:r>
-              <a:rPr lang="ru-RU" sz="2900" dirty="0" smtClean="0"/>
-              <a:t> Для задач </a:t>
-            </a:r>
-            <a:r>
-              <a:rPr lang="ru-RU" sz="2900" b="1" dirty="0" smtClean="0">
-                <a:solidFill>
-                  <a:schemeClr val="accent5">
-                    <a:lumMod val="75000"/>
-                  </a:schemeClr>
-                </a:solidFill>
-              </a:rPr>
-              <a:t>с слабой корреляцией </a:t>
-            </a:r>
-            <a:r>
-              <a:rPr lang="ru-RU" sz="2900" dirty="0" smtClean="0"/>
-              <a:t>лидирующую позицию занимает </a:t>
-            </a:r>
-            <a:r>
-              <a:rPr lang="ru-RU" sz="2900" b="1" dirty="0" smtClean="0">
-                <a:solidFill>
-                  <a:schemeClr val="accent6">
-                    <a:lumMod val="75000"/>
-                  </a:schemeClr>
-                </a:solidFill>
-              </a:rPr>
-              <a:t>МВИГ с обходом в ширину</a:t>
-            </a:r>
-            <a:r>
-              <a:rPr lang="ru-RU" sz="2900" dirty="0"/>
-              <a:t>.</a:t>
-            </a:r>
-            <a:endParaRPr lang="ru-RU" sz="2900" dirty="0" smtClean="0"/>
-          </a:p>
-          <a:p>
-            <a:pPr marL="0" indent="0" algn="just">
-              <a:buNone/>
-            </a:pPr>
-            <a:r>
-              <a:rPr lang="ru-RU" sz="2900" dirty="0"/>
-              <a:t>Д</a:t>
-            </a:r>
-            <a:r>
-              <a:rPr lang="ru-RU" sz="2900" dirty="0" smtClean="0"/>
-              <a:t>ля задач </a:t>
-            </a:r>
-            <a:r>
-              <a:rPr lang="ru-RU" sz="2900" b="1" dirty="0" smtClean="0">
+              <a:rPr lang="ru-RU" sz="8000" dirty="0" smtClean="0"/>
+              <a:t>Для задач </a:t>
+            </a:r>
+            <a:r>
+              <a:rPr lang="ru-RU" sz="8000" b="1" dirty="0" smtClean="0">
                 <a:solidFill>
                   <a:schemeClr val="accent5">
                     <a:lumMod val="75000"/>
@@ -19735,41 +19744,41 @@
               <a:t>с сильной корреляцией </a:t>
             </a:r>
             <a:r>
-              <a:rPr lang="ru-RU" sz="2900" dirty="0" smtClean="0"/>
+              <a:rPr lang="ru-RU" sz="8000" dirty="0" smtClean="0"/>
               <a:t>– </a:t>
             </a:r>
             <a:r>
-              <a:rPr lang="ru-RU" sz="2900" b="1" dirty="0">
+              <a:rPr lang="ru-RU" sz="8000" b="1" dirty="0">
                 <a:solidFill>
                   <a:schemeClr val="accent6">
                     <a:lumMod val="75000"/>
                   </a:schemeClr>
                 </a:solidFill>
               </a:rPr>
-              <a:t>табличный метод динамического </a:t>
-            </a:r>
-            <a:r>
-              <a:rPr lang="ru-RU" sz="2900" b="1" dirty="0" smtClean="0">
+              <a:t>табличный </a:t>
+            </a:r>
+            <a:r>
+              <a:rPr lang="ru-RU" sz="8000" b="1" dirty="0" smtClean="0">
                 <a:solidFill>
                   <a:schemeClr val="accent6">
                     <a:lumMod val="75000"/>
                   </a:schemeClr>
                 </a:solidFill>
               </a:rPr>
-              <a:t>программирования</a:t>
-            </a:r>
-            <a:r>
-              <a:rPr lang="ru-RU" sz="2900" b="1" dirty="0" smtClean="0"/>
+              <a:t>ДП</a:t>
+            </a:r>
+            <a:r>
+              <a:rPr lang="ru-RU" sz="8000" b="1" dirty="0" smtClean="0"/>
               <a:t>.</a:t>
             </a:r>
-            <a:endParaRPr lang="en-US" sz="2900" b="1" dirty="0" smtClean="0"/>
+            <a:endParaRPr lang="en-US" sz="8000" b="1" dirty="0" smtClean="0"/>
           </a:p>
           <a:p>
             <a:pPr marL="0" indent="0">
               <a:buNone/>
             </a:pPr>
             <a:r>
-              <a:rPr lang="ru-RU" sz="3300" b="1" dirty="0" smtClean="0">
+              <a:rPr lang="ru-RU" sz="8000" b="1" dirty="0" smtClean="0">
                 <a:solidFill>
                   <a:schemeClr val="accent5">
                     <a:lumMod val="75000"/>
@@ -19779,7 +19788,7 @@
               <a:t>Относительно </a:t>
             </a:r>
             <a:r>
-              <a:rPr lang="ru-RU" sz="3300" b="1" dirty="0">
+              <a:rPr lang="ru-RU" sz="8000" b="1" dirty="0">
                 <a:solidFill>
                   <a:schemeClr val="accent5">
                     <a:lumMod val="75000"/>
@@ -19789,7 +19798,7 @@
               <a:t>задач в </a:t>
             </a:r>
             <a:r>
-              <a:rPr lang="ru-RU" sz="3300" b="1" dirty="0" smtClean="0">
+              <a:rPr lang="ru-RU" sz="8000" b="1" dirty="0" smtClean="0">
                 <a:solidFill>
                   <a:schemeClr val="accent5">
                     <a:lumMod val="75000"/>
@@ -19799,7 +19808,7 @@
               <a:t>500 </a:t>
             </a:r>
             <a:r>
-              <a:rPr lang="ru-RU" sz="3300" b="1" dirty="0">
+              <a:rPr lang="ru-RU" sz="8000" b="1" dirty="0">
                 <a:solidFill>
                   <a:schemeClr val="accent5">
                     <a:lumMod val="75000"/>
@@ -19814,77 +19823,99 @@
               <a:buNone/>
             </a:pPr>
             <a:r>
-              <a:rPr lang="ru-RU" sz="2900" dirty="0" smtClean="0"/>
-              <a:t>Для </a:t>
-            </a:r>
-            <a:r>
-              <a:rPr lang="ru-RU" sz="2900" dirty="0"/>
-              <a:t>умеренных ЗОР размером в 500 предметов для всех классов тестовых задач лучшим по скорости решения среди прочих рассмотренных алгоритмов является </a:t>
-            </a:r>
-            <a:r>
-              <a:rPr lang="ru-RU" sz="3300" b="1" dirty="0">
+              <a:rPr lang="ru-RU" sz="8000" dirty="0" smtClean="0"/>
+              <a:t>Для всех </a:t>
+            </a:r>
+            <a:r>
+              <a:rPr lang="ru-RU" sz="8000" dirty="0"/>
+              <a:t>классов тестовых задач лучшим по скорости решения среди прочих рассмотренных алгоритмов является </a:t>
+            </a:r>
+            <a:r>
+              <a:rPr lang="ru-RU" sz="8000" b="1" dirty="0">
                 <a:solidFill>
                   <a:schemeClr val="accent6">
                     <a:lumMod val="75000"/>
                   </a:schemeClr>
                 </a:solidFill>
               </a:rPr>
-              <a:t>табличный метод динамического программирования</a:t>
-            </a:r>
-            <a:r>
-              <a:rPr lang="ru-RU" sz="2900" dirty="0" smtClean="0"/>
+              <a:t>табличный </a:t>
+            </a:r>
+            <a:r>
+              <a:rPr lang="ru-RU" sz="8000" b="1" dirty="0" smtClean="0">
+                <a:solidFill>
+                  <a:schemeClr val="accent6">
+                    <a:lumMod val="75000"/>
+                  </a:schemeClr>
+                </a:solidFill>
+              </a:rPr>
+              <a:t>ДП</a:t>
+            </a:r>
+            <a:r>
+              <a:rPr lang="ru-RU" sz="8000" dirty="0" smtClean="0"/>
               <a:t>.</a:t>
             </a:r>
+            <a:endParaRPr lang="en-US" sz="8000" dirty="0" smtClean="0"/>
           </a:p>
           <a:p>
             <a:pPr marL="0" indent="0" algn="just">
               <a:buNone/>
             </a:pPr>
-            <a:endParaRPr lang="ru-RU" sz="2900" dirty="0" smtClean="0"/>
+            <a:endParaRPr lang="ru-RU" sz="6400" dirty="0" smtClean="0"/>
           </a:p>
           <a:p>
             <a:pPr marL="0" indent="0" algn="just">
               <a:buNone/>
             </a:pPr>
             <a:r>
-              <a:rPr lang="en-US" sz="2900" dirty="0"/>
-              <a:t> </a:t>
-            </a:r>
-            <a:r>
-              <a:rPr lang="en-US" sz="2900" dirty="0" smtClean="0"/>
-              <a:t>       </a:t>
-            </a:r>
-            <a:r>
-              <a:rPr lang="ru-RU" sz="2900" dirty="0" smtClean="0"/>
-              <a:t>Стоит </a:t>
-            </a:r>
-            <a:r>
-              <a:rPr lang="ru-RU" sz="2900" dirty="0"/>
-              <a:t>учитывать, что при использовании МВИГ в больших задачах можно столкнуться с проблемой недостатка памяти, заложенной под хранение узлов, в результате чего алгоритм закончит работу с ошибкой о нехватке памяти</a:t>
-            </a:r>
-            <a:r>
-              <a:rPr lang="ru-RU" sz="2900" dirty="0" smtClean="0"/>
-              <a:t>. Для </a:t>
-            </a:r>
-            <a:r>
-              <a:rPr lang="ru-RU" sz="2900" dirty="0"/>
-              <a:t>сильно коррелированных задач и задач с подсуммами </a:t>
-            </a:r>
-            <a:r>
-              <a:rPr lang="ru-RU" sz="2900" dirty="0" smtClean="0"/>
-              <a:t>в </a:t>
-            </a:r>
-            <a:r>
-              <a:rPr lang="ru-RU" sz="2900" dirty="0"/>
-              <a:t>500 предметов МВИГ с обходом в ширину ни разу не выполнился </a:t>
-            </a:r>
-            <a:r>
-              <a:rPr lang="ru-RU" sz="2900" dirty="0" smtClean="0"/>
-              <a:t>успешно.</a:t>
-            </a:r>
-            <a:endParaRPr lang="ru-RU" sz="2900" dirty="0"/>
+              <a:rPr lang="ru-RU" sz="6400" dirty="0" smtClean="0"/>
+              <a:t>         </a:t>
+            </a:r>
           </a:p>
           <a:p>
+            <a:pPr marL="0" indent="0" algn="just">
+              <a:buNone/>
+            </a:pPr>
+            <a:r>
+              <a:rPr lang="ru-RU" sz="6400" dirty="0"/>
+              <a:t> </a:t>
+            </a:r>
+            <a:r>
+              <a:rPr lang="ru-RU" sz="6400" dirty="0" smtClean="0"/>
+              <a:t>        При использовании </a:t>
+            </a:r>
+            <a:r>
+              <a:rPr lang="ru-RU" sz="6400" dirty="0"/>
+              <a:t>МВИГ в больших задачах можно столкнуться с проблемой недостатка памяти, заложенной под хранение </a:t>
+            </a:r>
+            <a:r>
+              <a:rPr lang="ru-RU" sz="6400" dirty="0" smtClean="0"/>
+              <a:t>узлов. </a:t>
+            </a:r>
+            <a:r>
+              <a:rPr lang="ru-RU" sz="6400" dirty="0"/>
+              <a:t>Для сильно коррелированных задач и задач с подсуммами в 500 предметов МВИГ с обходом в ширину ни разу не выполнился успешно.</a:t>
+            </a:r>
+          </a:p>
+          <a:p>
+            <a:pPr marL="0" indent="0" algn="just">
+              <a:buNone/>
+            </a:pPr>
+            <a:endParaRPr lang="ru-RU" sz="1600" dirty="0" smtClean="0"/>
+          </a:p>
+          <a:p>
+            <a:pPr marL="0" indent="0" algn="just">
+              <a:buNone/>
+            </a:pPr>
+            <a:endParaRPr lang="ru-RU" sz="2600" dirty="0" smtClean="0"/>
+          </a:p>
+          <a:p>
+            <a:pPr marL="0" indent="0" algn="just">
+              <a:buNone/>
+            </a:pPr>
+            <a:r>
+              <a:rPr lang="ru-RU" sz="2600" dirty="0" smtClean="0"/>
+              <a:t>	</a:t>
+            </a:r>
             <a:endParaRPr lang="ru-RU" dirty="0"/>
           </a:p>
         </p:txBody>
@@ -23102,8 +23133,8 @@
         </p:blipFill>
         <p:spPr>
           <a:xfrm>
-            <a:off x="540560" y="5127990"/>
-            <a:ext cx="373840" cy="373840"/>
+            <a:off x="488397" y="5140008"/>
+            <a:ext cx="349803" cy="349803"/>
           </a:xfrm>
           <a:prstGeom prst="rect">
             <a:avLst/>
@@ -23157,7 +23188,12 @@
             <p:ph type="title"/>
           </p:nvPr>
         </p:nvSpPr>
-        <p:spPr/>
+        <p:spPr>
+          <a:xfrm>
+            <a:off x="838200" y="384113"/>
+            <a:ext cx="10515600" cy="1325563"/>
+          </a:xfrm>
+        </p:spPr>
         <p:txBody>
           <a:bodyPr/>
           <a:lstStyle/>
@@ -23185,13 +23221,13 @@
                 <p:ph sz="half" idx="1"/>
                 <p:extLst>
                   <p:ext uri="{D42A27DB-BD31-4B8C-83A1-F6EECF244321}">
-                    <p14:modId xmlns:p14="http://schemas.microsoft.com/office/powerpoint/2010/main" val="2918168940"/>
+                    <p14:modId xmlns:p14="http://schemas.microsoft.com/office/powerpoint/2010/main" val="2339098842"/>
                   </p:ext>
                 </p:extLst>
               </p:nvPr>
             </p:nvGraphicFramePr>
             <p:xfrm>
-              <a:off x="5828231" y="2027079"/>
+              <a:off x="5909856" y="2326133"/>
               <a:ext cx="6282144" cy="1463040"/>
             </p:xfrm>
             <a:graphic>
@@ -24380,13 +24416,13 @@
                 <p:ph sz="half" idx="1"/>
                 <p:extLst>
                   <p:ext uri="{D42A27DB-BD31-4B8C-83A1-F6EECF244321}">
-                    <p14:modId xmlns:p14="http://schemas.microsoft.com/office/powerpoint/2010/main" val="2918168940"/>
+                    <p14:modId xmlns:p14="http://schemas.microsoft.com/office/powerpoint/2010/main" val="2339098842"/>
                   </p:ext>
                 </p:extLst>
               </p:nvPr>
             </p:nvGraphicFramePr>
             <p:xfrm>
-              <a:off x="5828231" y="2027079"/>
+              <a:off x="5909856" y="2326133"/>
               <a:ext cx="6282144" cy="1463040"/>
             </p:xfrm>
             <a:graphic>
@@ -25200,7 +25236,7 @@
                         <a:blipFill rotWithShape="0">
                           <a:blip r:embed="rId3"/>
                           <a:stretch>
-                            <a:fillRect l="-273" t="-175556" r="-182240" b="-16667"/>
+                            <a:fillRect l="-273" t="-175556" r="-182514" b="-16667"/>
                           </a:stretch>
                         </a:blipFill>
                       </a:tcPr>
@@ -25502,7 +25538,7 @@
           <a:lstStyle/>
           <a:p>
             <a:r>
-              <a:rPr lang="ru-RU" smtClean="0"/>
+              <a:rPr lang="ru-RU" dirty="0" smtClean="0"/>
               <a:t>Шуланкина Е. В. " Исследование подходов к решению задачи о 0-1 рюкзаке и задачи о неограниченном рюкзаке"</a:t>
             </a:r>
             <a:endParaRPr lang="en-US" dirty="0"/>
@@ -25553,7 +25589,7 @@
             </p:spPr>
             <p:txBody>
               <a:bodyPr>
-                <a:normAutofit fontScale="62500" lnSpcReduction="20000"/>
+                <a:normAutofit fontScale="70000" lnSpcReduction="20000"/>
               </a:bodyPr>
               <a:lstStyle/>
               <a:p>
@@ -25562,11 +25598,7 @@
                 </a:pPr>
                 <a:r>
                   <a:rPr lang="ru-RU" sz="2900" dirty="0" smtClean="0"/>
-                  <a:t>Для класса </a:t>
-                </a:r>
-                <a:r>
-                  <a:rPr lang="ru-RU" sz="2900" dirty="0"/>
-                  <a:t>задач </a:t>
+                  <a:t>Для задач </a:t>
                 </a:r>
                 <a:r>
                   <a:rPr lang="ru-RU" sz="2900" b="1" dirty="0">
@@ -25580,8 +25612,44 @@
                 </a:r>
                 <a:r>
                   <a:rPr lang="ru-RU" sz="2900" dirty="0"/>
-                  <a:t>свойство периодичности достигается в </a:t>
+                  <a:t>свойство периодичности достигается </a:t>
                 </a:r>
+                <a:r>
+                  <a:rPr lang="ru-RU" sz="2900" dirty="0" smtClean="0"/>
+                  <a:t>в</a:t>
+                </a:r>
+                <a:r>
+                  <a:rPr lang="en-US" sz="2900" dirty="0" smtClean="0"/>
+                  <a:t> </a:t>
+                </a:r>
+                <a14:m>
+                  <m:oMath xmlns:m="http://schemas.openxmlformats.org/officeDocument/2006/math">
+                    <m:r>
+                      <a:rPr lang="en-US" sz="2900" b="1" i="0" smtClean="0">
+                        <a:solidFill>
+                          <a:schemeClr val="accent6">
+                            <a:lumMod val="75000"/>
+                          </a:schemeClr>
+                        </a:solidFill>
+                        <a:latin typeface="Cambria Math" panose="02040503050406030204" pitchFamily="18" charset="0"/>
+                        <a:ea typeface="Cambria Math" panose="02040503050406030204" pitchFamily="18" charset="0"/>
+                      </a:rPr>
+                      <m:t>≥</m:t>
+                    </m:r>
+                    <m:r>
+                      <a:rPr lang="en-US" sz="2900" b="1" i="1" smtClean="0">
+                        <a:solidFill>
+                          <a:schemeClr val="accent6">
+                            <a:lumMod val="75000"/>
+                          </a:schemeClr>
+                        </a:solidFill>
+                        <a:latin typeface="Cambria Math" panose="02040503050406030204" pitchFamily="18" charset="0"/>
+                        <a:ea typeface="Cambria Math" panose="02040503050406030204" pitchFamily="18" charset="0"/>
+                      </a:rPr>
+                      <m:t>𝟓𝟎</m:t>
+                    </m:r>
+                  </m:oMath>
+                </a14:m>
                 <a:r>
                   <a:rPr lang="ru-RU" sz="2900" b="1" dirty="0">
                     <a:solidFill>
@@ -25590,25 +25658,15 @@
                       </a:schemeClr>
                     </a:solidFill>
                   </a:rPr>
-                  <a:t>86,67%</a:t>
+                  <a:t>% </a:t>
+                </a:r>
+                <a:r>
+                  <a:rPr lang="ru-RU" sz="2900" dirty="0" smtClean="0"/>
+                  <a:t>экземпляров задач, </a:t>
                 </a:r>
                 <a:r>
                   <a:rPr lang="ru-RU" sz="2900" dirty="0"/>
-                  <a:t> от числа решенных экземпляров задач размером в 50 предметов и в </a:t>
-                </a:r>
-                <a:r>
-                  <a:rPr lang="ru-RU" sz="2900" b="1" dirty="0">
-                    <a:solidFill>
-                      <a:schemeClr val="accent6">
-                        <a:lumMod val="75000"/>
-                      </a:schemeClr>
-                    </a:solidFill>
-                  </a:rPr>
-                  <a:t>50% </a:t>
-                </a:r>
-                <a:r>
-                  <a:rPr lang="ru-RU" sz="2900" dirty="0"/>
-                  <a:t>от числа решенных экземпляров задач из 500 предметов, вследствие чего </a:t>
+                  <a:t>вследствие чего </a:t>
                 </a:r>
                 <a:r>
                   <a:rPr lang="ru-RU" sz="2900" b="1" dirty="0" smtClean="0">
@@ -25636,7 +25694,33 @@
                 </a:r>
                 <a:r>
                   <a:rPr lang="ru-RU" sz="2900" dirty="0"/>
-                  <a:t>лучший результат по времени выполнения. Для классов задач с </a:t>
+                  <a:t>лучший результат по времени выполнения</a:t>
+                </a:r>
+                <a:r>
+                  <a:rPr lang="ru-RU" sz="2900" dirty="0" smtClean="0"/>
+                  <a:t>.</a:t>
+                </a:r>
+                <a:endParaRPr lang="en-US" sz="2900" dirty="0" smtClean="0"/>
+              </a:p>
+              <a:p>
+                <a:pPr marL="0" indent="0" algn="just">
+                  <a:buNone/>
+                </a:pPr>
+                <a:r>
+                  <a:rPr lang="ru-RU" sz="2900" dirty="0" smtClean="0"/>
+                  <a:t> </a:t>
+                </a:r>
+                <a:r>
+                  <a:rPr lang="ru-RU" sz="2900" dirty="0"/>
+                  <a:t>Для </a:t>
+                </a:r>
+                <a:r>
+                  <a:rPr lang="ru-RU" sz="2900" dirty="0" smtClean="0"/>
+                  <a:t>задач </a:t>
+                </a:r>
+                <a:r>
+                  <a:rPr lang="ru-RU" sz="2900" dirty="0"/>
+                  <a:t>с </a:t>
                 </a:r>
                 <a:r>
                   <a:rPr lang="ru-RU" sz="2900" b="1" dirty="0">
@@ -25768,7 +25852,15 @@
                 </a:r>
                 <a:r>
                   <a:rPr lang="ru-RU" sz="2900" dirty="0"/>
-                  <a:t> от числа решенных экземпляров задач из 50 предметов, </a:t>
+                  <a:t> </a:t>
+                </a:r>
+                <a:r>
+                  <a:rPr lang="ru-RU" sz="2900" dirty="0" smtClean="0"/>
+                  <a:t>экземпляров </a:t>
+                </a:r>
+                <a:r>
+                  <a:rPr lang="ru-RU" sz="2900" dirty="0"/>
+                  <a:t>задач из 50 предметов, </a:t>
                 </a:r>
                 <a:r>
                   <a:rPr lang="ru-RU" sz="2900" dirty="0" smtClean="0"/>
@@ -25826,7 +25918,15 @@
                 </a:r>
                 <a:r>
                   <a:rPr lang="ru-RU" sz="2900" dirty="0"/>
-                  <a:t>быстрым алгоритмом по скорости решения является классический </a:t>
+                  <a:t>быстрым алгоритмом </a:t>
+                </a:r>
+                <a:r>
+                  <a:rPr lang="ru-RU" sz="2900" dirty="0" smtClean="0"/>
+                  <a:t>является </a:t>
+                </a:r>
+                <a:r>
+                  <a:rPr lang="ru-RU" sz="2900" dirty="0"/>
+                  <a:t>классический </a:t>
                 </a:r>
                 <a:r>
                   <a:rPr lang="ru-RU" sz="2900" b="1" dirty="0" smtClean="0">
@@ -25869,7 +25969,7 @@
               <a:blipFill rotWithShape="0">
                 <a:blip r:embed="rId4"/>
                 <a:stretch>
-                  <a:fillRect l="-1003" t="-2119" r="-892"/>
+                  <a:fillRect l="-1226" t="-2384" r="-1115"/>
                 </a:stretch>
               </a:blipFill>
             </p:spPr>
@@ -25896,7 +25996,7 @@
         </p:nvSpPr>
         <p:spPr>
           <a:xfrm>
-            <a:off x="10568649" y="1607167"/>
+            <a:off x="10621698" y="1966650"/>
             <a:ext cx="1570302" cy="369332"/>
           </a:xfrm>
           <a:prstGeom prst="rect">
@@ -25985,7 +26085,7 @@
         </p:nvSpPr>
         <p:spPr>
           <a:xfrm>
-            <a:off x="10423054" y="3982740"/>
+            <a:off x="10509665" y="3907521"/>
             <a:ext cx="1687321" cy="369332"/>
           </a:xfrm>
           <a:prstGeom prst="rect">
@@ -26032,13 +26132,13 @@
               <p:nvPr>
                 <p:extLst>
                   <p:ext uri="{D42A27DB-BD31-4B8C-83A1-F6EECF244321}">
-                    <p14:modId xmlns:p14="http://schemas.microsoft.com/office/powerpoint/2010/main" val="2774484856"/>
+                    <p14:modId xmlns:p14="http://schemas.microsoft.com/office/powerpoint/2010/main" val="3400946240"/>
                   </p:ext>
                 </p:extLst>
               </p:nvPr>
             </p:nvGraphicFramePr>
             <p:xfrm>
-              <a:off x="5828230" y="4352072"/>
+              <a:off x="5914841" y="4276853"/>
               <a:ext cx="6282145" cy="1463040"/>
             </p:xfrm>
             <a:graphic>
@@ -27226,13 +27326,13 @@
               <p:nvPr>
                 <p:extLst>
                   <p:ext uri="{D42A27DB-BD31-4B8C-83A1-F6EECF244321}">
-                    <p14:modId xmlns:p14="http://schemas.microsoft.com/office/powerpoint/2010/main" val="2774484856"/>
+                    <p14:modId xmlns:p14="http://schemas.microsoft.com/office/powerpoint/2010/main" val="3400946240"/>
                   </p:ext>
                 </p:extLst>
               </p:nvPr>
             </p:nvGraphicFramePr>
             <p:xfrm>
-              <a:off x="5828230" y="4352072"/>
+              <a:off x="5914841" y="4276853"/>
               <a:ext cx="6282145" cy="1463040"/>
             </p:xfrm>
             <a:graphic>
@@ -39137,11 +39237,11 @@
   <p:clrMapOvr>
     <a:masterClrMapping/>
   </p:clrMapOvr>
-  <mc:AlternateContent xmlns:mc="http://schemas.openxmlformats.org/markup-compatibility/2006">
-    <mc:Choice xmlns:p14="http://schemas.microsoft.com/office/powerpoint/2010/main" Requires="p14">
+  <mc:AlternateContent xmlns:mc="http://schemas.openxmlformats.org/markup-compatibility/2006" xmlns:p14="http://schemas.microsoft.com/office/powerpoint/2010/main">
+    <mc:Choice Requires="p14">
       <p:transition spd="slow" p14:dur="2000"/>
     </mc:Choice>
-    <mc:Fallback>
+    <mc:Fallback xmlns="">
       <p:transition spd="slow"/>
     </mc:Fallback>
   </mc:AlternateContent>
@@ -39289,11 +39389,11 @@
   <p:clrMapOvr>
     <a:masterClrMapping/>
   </p:clrMapOvr>
-  <mc:AlternateContent xmlns:mc="http://schemas.openxmlformats.org/markup-compatibility/2006">
-    <mc:Choice xmlns:p14="http://schemas.microsoft.com/office/powerpoint/2010/main" Requires="p14">
+  <mc:AlternateContent xmlns:mc="http://schemas.openxmlformats.org/markup-compatibility/2006" xmlns:p14="http://schemas.microsoft.com/office/powerpoint/2010/main">
+    <mc:Choice Requires="p14">
       <p:transition spd="slow" p14:dur="2000"/>
     </mc:Choice>
-    <mc:Fallback>
+    <mc:Fallback xmlns="">
       <p:transition spd="slow"/>
     </mc:Fallback>
   </mc:AlternateContent>
@@ -39534,11 +39634,11 @@
   <p:clrMapOvr>
     <a:masterClrMapping/>
   </p:clrMapOvr>
-  <mc:AlternateContent xmlns:mc="http://schemas.openxmlformats.org/markup-compatibility/2006">
-    <mc:Choice xmlns:p14="http://schemas.microsoft.com/office/powerpoint/2010/main" Requires="p14">
+  <mc:AlternateContent xmlns:mc="http://schemas.openxmlformats.org/markup-compatibility/2006" xmlns:p14="http://schemas.microsoft.com/office/powerpoint/2010/main">
+    <mc:Choice Requires="p14">
       <p:transition spd="slow" p14:dur="2000"/>
     </mc:Choice>
-    <mc:Fallback>
+    <mc:Fallback xmlns="">
       <p:transition spd="slow"/>
     </mc:Fallback>
   </mc:AlternateContent>
@@ -39650,11 +39750,11 @@
   <p:clrMapOvr>
     <a:masterClrMapping/>
   </p:clrMapOvr>
-  <mc:AlternateContent xmlns:mc="http://schemas.openxmlformats.org/markup-compatibility/2006">
-    <mc:Choice xmlns:p14="http://schemas.microsoft.com/office/powerpoint/2010/main" Requires="p14">
+  <mc:AlternateContent xmlns:mc="http://schemas.openxmlformats.org/markup-compatibility/2006" xmlns:p14="http://schemas.microsoft.com/office/powerpoint/2010/main">
+    <mc:Choice Requires="p14">
       <p:transition spd="slow" p14:dur="2000"/>
     </mc:Choice>
-    <mc:Fallback>
+    <mc:Fallback xmlns="">
       <p:transition spd="slow"/>
     </mc:Fallback>
   </mc:AlternateContent>
@@ -39861,16 +39961,20 @@
               <a:buAutoNum type="arabicPeriod"/>
             </a:pPr>
             <a:r>
+              <a:rPr lang="ru-RU" sz="2000" smtClean="0"/>
+              <a:t>Проведен</a:t>
+            </a:r>
+            <a:r>
+              <a:rPr lang="ru-RU" sz="2000" smtClean="0"/>
+              <a:t>ы эксперименты </a:t>
+            </a:r>
+            <a:r>
+              <a:rPr lang="ru-RU" sz="2000" smtClean="0"/>
+              <a:t>по </a:t>
+            </a:r>
+            <a:r>
               <a:rPr lang="ru-RU" sz="2000" dirty="0" smtClean="0"/>
-              <a:t>Проведено </a:t>
-            </a:r>
-            <a:r>
-              <a:rPr lang="en-US" sz="2000" dirty="0" smtClean="0"/>
-              <a:t>2 </a:t>
-            </a:r>
-            <a:r>
-              <a:rPr lang="ru-RU" sz="2000" dirty="0" smtClean="0"/>
-              <a:t>эксперимента по исследованию алгоритмов.</a:t>
+              <a:t>исследованию алгоритмов.</a:t>
             </a:r>
           </a:p>
           <a:p>
@@ -40319,7 +40423,15 @@
             </a:r>
             <a:r>
               <a:rPr lang="ru-RU" dirty="0"/>
-              <a:t>подбор лучшего среди исследуемых алгоритма </a:t>
+              <a:t>подбор лучшего </a:t>
+            </a:r>
+            <a:r>
+              <a:rPr lang="ru-RU" dirty="0" smtClean="0"/>
+              <a:t>(среди исследуемых) </a:t>
+            </a:r>
+            <a:r>
+              <a:rPr lang="ru-RU" dirty="0"/>
+              <a:t>алгоритма </a:t>
             </a:r>
             <a:r>
               <a:rPr lang="ru-RU" dirty="0" smtClean="0"/>
@@ -40622,11 +40734,11 @@
   <p:clrMapOvr>
     <a:masterClrMapping/>
   </p:clrMapOvr>
-  <mc:AlternateContent xmlns:mc="http://schemas.openxmlformats.org/markup-compatibility/2006">
-    <mc:Choice xmlns:p14="http://schemas.microsoft.com/office/powerpoint/2010/main" Requires="p14">
+  <mc:AlternateContent xmlns:mc="http://schemas.openxmlformats.org/markup-compatibility/2006" xmlns:p14="http://schemas.microsoft.com/office/powerpoint/2010/main">
+    <mc:Choice Requires="p14">
       <p:transition spd="slow" p14:dur="2000"/>
     </mc:Choice>
-    <mc:Fallback>
+    <mc:Fallback xmlns="">
       <p:transition spd="slow"/>
     </mc:Fallback>
   </mc:AlternateContent>
@@ -43286,17 +43398,7 @@
                   </a:schemeClr>
                 </a:solidFill>
               </a:rPr>
-              <a:t>Свойства задачи о </a:t>
-            </a:r>
-            <a:r>
-              <a:rPr lang="ru-RU" b="1" dirty="0" smtClean="0">
-                <a:solidFill>
-                  <a:schemeClr val="accent5">
-                    <a:lumMod val="75000"/>
-                  </a:schemeClr>
-                </a:solidFill>
-              </a:rPr>
-              <a:t>неограниченном </a:t>
+              <a:t>Свойства задачи о неограниченном </a:t>
             </a:r>
             <a:br>
               <a:rPr lang="ru-RU" b="1" dirty="0" smtClean="0">
@@ -43374,13 +43476,6 @@
               </a:rPr>
               <a:t>Доминирование</a:t>
             </a:r>
-            <a:endParaRPr lang="ru-RU" sz="3100" b="1" dirty="0" smtClean="0">
-              <a:solidFill>
-                <a:schemeClr val="accent5">
-                  <a:lumMod val="75000"/>
-                </a:schemeClr>
-              </a:solidFill>
-            </a:endParaRPr>
           </a:p>
           <a:p>
             <a:pPr marL="0" indent="0" algn="just">
@@ -43436,11 +43531,7 @@
             </a:r>
             <a:r>
               <a:rPr lang="en-US" dirty="0" smtClean="0"/>
-              <a:t>j</a:t>
-            </a:r>
-            <a:r>
-              <a:rPr lang="en-US" dirty="0" smtClean="0"/>
-              <a:t>.</a:t>
+              <a:t>j.</a:t>
             </a:r>
             <a:endParaRPr lang="ru-RU" dirty="0" smtClean="0"/>
           </a:p>

--- a/docs/master_diploma.pptx
+++ b/docs/master_diploma.pptx
@@ -44,7 +44,7 @@
     <p:sldId id="297" r:id="rId35"/>
     <p:sldId id="303" r:id="rId36"/>
     <p:sldId id="356" r:id="rId37"/>
-    <p:sldId id="357" r:id="rId38"/>
+    <p:sldId id="361" r:id="rId38"/>
     <p:sldId id="358" r:id="rId39"/>
     <p:sldId id="359" r:id="rId40"/>
   </p:sldIdLst>
@@ -235,7 +235,7 @@
           <a:p>
             <a:fld id="{4C53F058-B9DA-45CA-8B18-E02BE9515AEB}" type="datetimeFigureOut">
               <a:rPr lang="ru-RU" smtClean="0"/>
-              <a:t>05.06.2018</a:t>
+              <a:t>06.06.2018</a:t>
             </a:fld>
             <a:endParaRPr lang="ru-RU"/>
           </a:p>
@@ -1222,7 +1222,7 @@
           <a:p>
             <a:fld id="{22D385ED-1BC4-49F0-82B1-C9C89478EC16}" type="datetime1">
               <a:rPr lang="en-US" smtClean="0"/>
-              <a:t>6/5/2018</a:t>
+              <a:t>6/6/2018</a:t>
             </a:fld>
             <a:endParaRPr lang="en-US" dirty="0"/>
           </a:p>
@@ -1397,7 +1397,7 @@
           <a:p>
             <a:fld id="{28EEDC0B-91F0-4299-A7BC-FA130E62CC12}" type="datetime1">
               <a:rPr lang="en-US" smtClean="0"/>
-              <a:t>6/5/2018</a:t>
+              <a:t>6/6/2018</a:t>
             </a:fld>
             <a:endParaRPr lang="en-US" dirty="0"/>
           </a:p>
@@ -1582,7 +1582,7 @@
           <a:p>
             <a:fld id="{0682FF39-7F2E-4EA3-974F-0A07DF60CA97}" type="datetime1">
               <a:rPr lang="en-US" smtClean="0"/>
-              <a:t>6/5/2018</a:t>
+              <a:t>6/6/2018</a:t>
             </a:fld>
             <a:endParaRPr lang="en-US" dirty="0"/>
           </a:p>
@@ -1757,7 +1757,7 @@
           <a:p>
             <a:fld id="{E986CAC2-EABA-4F5A-B4A7-0237FA05F8A3}" type="datetime1">
               <a:rPr lang="en-US" smtClean="0"/>
-              <a:t>6/5/2018</a:t>
+              <a:t>6/6/2018</a:t>
             </a:fld>
             <a:endParaRPr lang="en-US" dirty="0"/>
           </a:p>
@@ -2008,7 +2008,7 @@
           <a:p>
             <a:fld id="{F477159B-9D75-4902-8644-DA09B430462B}" type="datetime1">
               <a:rPr lang="en-US" smtClean="0"/>
-              <a:t>6/5/2018</a:t>
+              <a:t>6/6/2018</a:t>
             </a:fld>
             <a:endParaRPr lang="en-US" dirty="0"/>
           </a:p>
@@ -2245,7 +2245,7 @@
           <a:p>
             <a:fld id="{25E1EB8F-7E6A-478A-92B7-7DC66EB7EA4B}" type="datetime1">
               <a:rPr lang="en-US" smtClean="0"/>
-              <a:t>6/5/2018</a:t>
+              <a:t>6/6/2018</a:t>
             </a:fld>
             <a:endParaRPr lang="en-US" dirty="0"/>
           </a:p>
@@ -2617,7 +2617,7 @@
           <a:p>
             <a:fld id="{A1687529-3A53-47AF-8E1F-9C0F03CB388E}" type="datetime1">
               <a:rPr lang="en-US" smtClean="0"/>
-              <a:t>6/5/2018</a:t>
+              <a:t>6/6/2018</a:t>
             </a:fld>
             <a:endParaRPr lang="en-US" dirty="0"/>
           </a:p>
@@ -2740,7 +2740,7 @@
           <a:p>
             <a:fld id="{BC3C1E02-6C9C-431C-9D73-C8F363B4D478}" type="datetime1">
               <a:rPr lang="en-US" smtClean="0"/>
-              <a:t>6/5/2018</a:t>
+              <a:t>6/6/2018</a:t>
             </a:fld>
             <a:endParaRPr lang="en-US" dirty="0"/>
           </a:p>
@@ -2840,7 +2840,7 @@
           <a:p>
             <a:fld id="{EA17FBE2-7E1B-4783-87A5-5458EA7426D3}" type="datetime1">
               <a:rPr lang="en-US" smtClean="0"/>
-              <a:t>6/5/2018</a:t>
+              <a:t>6/6/2018</a:t>
             </a:fld>
             <a:endParaRPr lang="en-US" dirty="0"/>
           </a:p>
@@ -3122,7 +3122,7 @@
           <a:p>
             <a:fld id="{244D7887-BC0C-4903-BF59-F17C24009D5F}" type="datetime1">
               <a:rPr lang="en-US" smtClean="0"/>
-              <a:t>6/5/2018</a:t>
+              <a:t>6/6/2018</a:t>
             </a:fld>
             <a:endParaRPr lang="en-US" dirty="0"/>
           </a:p>
@@ -3380,7 +3380,7 @@
           <a:p>
             <a:fld id="{AD3A21B4-4F4E-4D36-8A92-F4DDD18E409A}" type="datetime1">
               <a:rPr lang="en-US" smtClean="0"/>
-              <a:t>6/5/2018</a:t>
+              <a:t>6/6/2018</a:t>
             </a:fld>
             <a:endParaRPr lang="en-US" dirty="0"/>
           </a:p>
@@ -3598,7 +3598,7 @@
           <a:p>
             <a:fld id="{358AD0B1-C18F-41B7-8AB7-69C119DCF16C}" type="datetime1">
               <a:rPr lang="en-US" smtClean="0"/>
-              <a:t>6/5/2018</a:t>
+              <a:t>6/6/2018</a:t>
             </a:fld>
             <a:endParaRPr lang="en-US" dirty="0"/>
           </a:p>
@@ -4173,20 +4173,12 @@
           <a:p>
             <a:pPr algn="r"/>
             <a:r>
-              <a:rPr lang="ru-RU" sz="5600" smtClean="0">
-                <a:solidFill>
-                  <a:schemeClr val="tx1"/>
-                </a:solidFill>
-              </a:rPr>
-              <a:t>Шуланкина Елизавета </a:t>
-            </a:r>
-            <a:r>
               <a:rPr lang="ru-RU" sz="5600" dirty="0" smtClean="0">
                 <a:solidFill>
                   <a:schemeClr val="tx1"/>
                 </a:solidFill>
               </a:rPr>
-              <a:t>Валерьевна</a:t>
+              <a:t>Шуланкина Елизавета Валерьевна</a:t>
             </a:r>
           </a:p>
           <a:p>
@@ -4321,8 +4313,8 @@
           </a:p>
         </p:txBody>
       </p:sp>
-      <mc:AlternateContent xmlns:mc="http://schemas.openxmlformats.org/markup-compatibility/2006" xmlns:a14="http://schemas.microsoft.com/office/drawing/2010/main">
-        <mc:Choice Requires="a14">
+      <mc:AlternateContent xmlns:mc="http://schemas.openxmlformats.org/markup-compatibility/2006">
+        <mc:Choice xmlns:a14="http://schemas.microsoft.com/office/drawing/2010/main" Requires="a14">
           <p:sp>
             <p:nvSpPr>
               <p:cNvPr id="3" name="Content Placeholder 2"/>
@@ -4390,19 +4382,31 @@
                 </a14:m>
                 <a:r>
                   <a:rPr lang="ru-RU" dirty="0" smtClean="0"/>
+                  <a:t>,</a:t>
+                </a:r>
+                <a:r>
+                  <a:rPr lang="ru-RU" dirty="0" smtClean="0"/>
                   <a:t> </a:t>
                 </a:r>
                 <a:r>
                   <a:rPr lang="ru-RU" dirty="0"/>
-                  <a:t>будет использовать только лучший предмет. </a:t>
+                  <a:t>будет использовать только лучший </a:t>
                 </a:r>
                 <a:r>
                   <a:rPr lang="ru-RU" dirty="0" smtClean="0"/>
-                  <a:t>Итак</a:t>
+                  <a:t>предмет для заполнения. Когда такая </a:t>
                 </a:r>
                 <a:r>
                   <a:rPr lang="ru-RU" dirty="0"/>
-                  <a:t>, когда такая емкость достигнута (например, методом динамического программирования), оптимальное решение может быть вычислено по следующей </a:t>
+                  <a:t>емкость </a:t>
+                </a:r>
+                <a:r>
+                  <a:rPr lang="ru-RU" dirty="0" smtClean="0"/>
+                  <a:t>достигнута, оптимальное </a:t>
+                </a:r>
+                <a:r>
+                  <a:rPr lang="ru-RU" dirty="0"/>
+                  <a:t>решение может быть вычислено по следующей </a:t>
                 </a:r>
                 <a:r>
                   <a:rPr lang="ru-RU" dirty="0" smtClean="0"/>
@@ -4585,7 +4589,7 @@
             </p:txBody>
           </p:sp>
         </mc:Choice>
-        <mc:Fallback xmlns="">
+        <mc:Fallback>
           <p:sp>
             <p:nvSpPr>
               <p:cNvPr id="3" name="Content Placeholder 2"/>
@@ -6807,8 +6811,8 @@
           </a:p>
         </p:txBody>
       </p:sp>
-      <mc:AlternateContent xmlns:mc="http://schemas.openxmlformats.org/markup-compatibility/2006" xmlns:a14="http://schemas.microsoft.com/office/drawing/2010/main">
-        <mc:Choice Requires="a14">
+      <mc:AlternateContent xmlns:mc="http://schemas.openxmlformats.org/markup-compatibility/2006">
+        <mc:Choice xmlns:a14="http://schemas.microsoft.com/office/drawing/2010/main" Requires="a14">
           <p:sp>
             <p:nvSpPr>
               <p:cNvPr id="3" name="Content Placeholder 2"/>
@@ -6852,15 +6856,7 @@
                 </a:pPr>
                 <a:r>
                   <a:rPr lang="ru-RU" dirty="0" smtClean="0"/>
-                  <a:t>Метод ветвей и границ </a:t>
-                </a:r>
-                <a:r>
-                  <a:rPr lang="ru-RU" smtClean="0"/>
-                  <a:t>с обходами </a:t>
-                </a:r>
-                <a:r>
-                  <a:rPr lang="ru-RU" dirty="0" smtClean="0"/>
-                  <a:t>в глубину</a:t>
+                  <a:t>Метод ветвей и границ с обходами в глубину</a:t>
                 </a:r>
                 <a:r>
                   <a:rPr lang="en-US" dirty="0" smtClean="0"/>
@@ -6868,7 +6864,15 @@
                 </a:r>
                 <a:r>
                   <a:rPr lang="ru-RU" dirty="0" smtClean="0"/>
-                  <a:t>ширину, использующий верхнюю границу по трем предметам с лучшим соотношением цены и веса (</a:t>
+                  <a:t>ширину, использующий верхнюю </a:t>
+                </a:r>
+                <a:r>
+                  <a:rPr lang="ru-RU" dirty="0" smtClean="0"/>
+                  <a:t>оценку по </a:t>
+                </a:r>
+                <a:r>
+                  <a:rPr lang="ru-RU" dirty="0" smtClean="0"/>
+                  <a:t>трем предметам с лучшим соотношением цены и веса (</a:t>
                 </a:r>
                 <a14:m>
                   <m:oMath xmlns:m="http://schemas.openxmlformats.org/officeDocument/2006/math">
@@ -6901,8 +6905,9 @@
                 </a14:m>
                 <a:r>
                   <a:rPr lang="ru-RU" dirty="0" smtClean="0"/>
-                  <a:t>), обход в глубину</a:t>
+                  <a:t>)</a:t>
                 </a:r>
+                <a:endParaRPr lang="ru-RU" dirty="0" smtClean="0"/>
               </a:p>
               <a:p>
                 <a:pPr marL="514350" lvl="0" indent="-514350">
@@ -6923,7 +6928,7 @@
             </p:txBody>
           </p:sp>
         </mc:Choice>
-        <mc:Fallback xmlns="">
+        <mc:Fallback>
           <p:sp>
             <p:nvSpPr>
               <p:cNvPr id="3" name="Content Placeholder 2"/>
@@ -8626,8 +8631,8 @@
           </p:sp>
         </mc:Fallback>
       </mc:AlternateContent>
-      <mc:AlternateContent xmlns:mc="http://schemas.openxmlformats.org/markup-compatibility/2006" xmlns:a14="http://schemas.microsoft.com/office/drawing/2010/main">
-        <mc:Choice Requires="a14">
+      <mc:AlternateContent xmlns:mc="http://schemas.openxmlformats.org/markup-compatibility/2006">
+        <mc:Choice xmlns:a14="http://schemas.microsoft.com/office/drawing/2010/main" Requires="a14">
           <p:sp>
             <p:nvSpPr>
               <p:cNvPr id="7" name="Rounded Rectangle 6"/>
@@ -8695,7 +8700,15 @@
                 </a14:m>
                 <a:r>
                   <a:rPr lang="ru-RU" dirty="0"/>
-                  <a:t> высчитывается в срезах по q емкостям. В конце каждого среза проверяется </a:t>
+                  <a:t> высчитывается в срезах по </a:t>
+                </a:r>
+                <a:r>
+                  <a:rPr lang="ru-RU" dirty="0" smtClean="0"/>
+                  <a:t>q. </a:t>
+                </a:r>
+                <a:r>
+                  <a:rPr lang="ru-RU" dirty="0"/>
+                  <a:t>В конце каждого среза проверяется </a:t>
                 </a:r>
                 <a:r>
                   <a:rPr lang="ru-RU" b="1" dirty="0">
@@ -8770,7 +8783,7 @@
             </p:txBody>
           </p:sp>
         </mc:Choice>
-        <mc:Fallback xmlns="">
+        <mc:Fallback>
           <p:sp>
             <p:nvSpPr>
               <p:cNvPr id="7" name="Rounded Rectangle 6"/>
@@ -8896,7 +8909,7 @@
 </file>
 
 <file path=ppt/slides/slide18.xml><?xml version="1.0" encoding="utf-8"?>
-<p:sld xmlns:a="http://schemas.openxmlformats.org/drawingml/2006/main" xmlns:r="http://schemas.openxmlformats.org/officeDocument/2006/relationships" xmlns:p="http://schemas.openxmlformats.org/presentationml/2006/main">
+<p:sld xmlns:a="http://schemas.openxmlformats.org/drawingml/2006/main" xmlns:r="http://schemas.openxmlformats.org/officeDocument/2006/relationships" xmlns:p="http://schemas.openxmlformats.org/presentationml/2006/main" show="0">
   <p:cSld>
     <p:spTree>
       <p:nvGrpSpPr>
@@ -9780,6 +9793,14 @@
   <p:clrMapOvr>
     <a:masterClrMapping/>
   </p:clrMapOvr>
+  <mc:AlternateContent xmlns:mc="http://schemas.openxmlformats.org/markup-compatibility/2006" xmlns:p14="http://schemas.microsoft.com/office/powerpoint/2010/main">
+    <mc:Choice Requires="p14">
+      <p:transition spd="slow" p14:dur="2000"/>
+    </mc:Choice>
+    <mc:Fallback xmlns="">
+      <p:transition spd="slow"/>
+    </mc:Fallback>
+  </mc:AlternateContent>
   <p:timing>
     <p:tnLst>
       <p:par>
@@ -10201,7 +10222,7 @@
 </file>
 
 <file path=ppt/slides/slide2.xml><?xml version="1.0" encoding="utf-8"?>
-<p:sld xmlns:a="http://schemas.openxmlformats.org/drawingml/2006/main" xmlns:r="http://schemas.openxmlformats.org/officeDocument/2006/relationships" xmlns:p="http://schemas.openxmlformats.org/presentationml/2006/main">
+<p:sld xmlns:a="http://schemas.openxmlformats.org/drawingml/2006/main" xmlns:r="http://schemas.openxmlformats.org/officeDocument/2006/relationships" xmlns:p="http://schemas.openxmlformats.org/presentationml/2006/main" show="0">
   <p:cSld>
     <p:spTree>
       <p:nvGrpSpPr>
@@ -10476,6 +10497,14 @@
   <p:clrMapOvr>
     <a:masterClrMapping/>
   </p:clrMapOvr>
+  <mc:AlternateContent xmlns:mc="http://schemas.openxmlformats.org/markup-compatibility/2006">
+    <mc:Choice xmlns:p14="http://schemas.microsoft.com/office/powerpoint/2010/main" Requires="p14">
+      <p:transition spd="slow" p14:dur="2000"/>
+    </mc:Choice>
+    <mc:Fallback>
+      <p:transition spd="slow"/>
+    </mc:Fallback>
+  </mc:AlternateContent>
   <p:timing>
     <p:tnLst>
       <p:par>
@@ -10503,8 +10532,8 @@
           <a:chExt cx="0" cy="0"/>
         </a:xfrm>
       </p:grpSpPr>
-      <mc:AlternateContent xmlns:mc="http://schemas.openxmlformats.org/markup-compatibility/2006" xmlns:a14="http://schemas.microsoft.com/office/drawing/2010/main">
-        <mc:Choice Requires="a14">
+      <mc:AlternateContent xmlns:mc="http://schemas.openxmlformats.org/markup-compatibility/2006">
+        <mc:Choice xmlns:a14="http://schemas.microsoft.com/office/drawing/2010/main" Requires="a14">
           <p:sp>
             <p:nvSpPr>
               <p:cNvPr id="2" name="Title 1"/>
@@ -10533,7 +10562,27 @@
                       </a:schemeClr>
                     </a:solidFill>
                   </a:rPr>
-                  <a:t>Метод ветвей и границ с верхней оценкой </a:t>
+                  <a:t>Метод ветвей и границ с </a:t>
+                </a:r>
+                <a:r>
+                  <a:rPr lang="ru-RU" b="1" dirty="0" smtClean="0">
+                    <a:solidFill>
+                      <a:schemeClr val="accent5">
+                        <a:lumMod val="75000"/>
+                      </a:schemeClr>
+                    </a:solidFill>
+                  </a:rPr>
+                  <a:t>верхней </a:t>
+                </a:r>
+                <a:r>
+                  <a:rPr lang="ru-RU" b="1" dirty="0" smtClean="0">
+                    <a:solidFill>
+                      <a:schemeClr val="accent5">
+                        <a:lumMod val="75000"/>
+                      </a:schemeClr>
+                    </a:solidFill>
+                  </a:rPr>
+                  <a:t>оценкой </a:t>
                 </a:r>
                 <a14:m>
                   <m:oMath xmlns:m="http://schemas.openxmlformats.org/officeDocument/2006/math">
@@ -10601,7 +10650,7 @@
             </p:txBody>
           </p:sp>
         </mc:Choice>
-        <mc:Fallback xmlns="">
+        <mc:Fallback>
           <p:sp>
             <p:nvSpPr>
               <p:cNvPr id="2" name="Title 1"/>
@@ -10639,8 +10688,8 @@
           </p:sp>
         </mc:Fallback>
       </mc:AlternateContent>
-      <mc:AlternateContent xmlns:mc="http://schemas.openxmlformats.org/markup-compatibility/2006" xmlns:a14="http://schemas.microsoft.com/office/drawing/2010/main">
-        <mc:Choice Requires="a14">
+      <mc:AlternateContent xmlns:mc="http://schemas.openxmlformats.org/markup-compatibility/2006">
+        <mc:Choice xmlns:a14="http://schemas.microsoft.com/office/drawing/2010/main" Requires="a14">
           <p:sp>
             <p:nvSpPr>
               <p:cNvPr id="3" name="Content Placeholder 2"/>
@@ -10673,7 +10722,15 @@
                 </a:r>
                 <a:r>
                   <a:rPr lang="ru-RU" sz="2600" dirty="0"/>
-                  <a:t>ветвей и границ состоит в перечислении каждой комбинации типов предметов, сохраняя нижнюю и верхнюю границы на оптимальном решении. Нижняя граница вычисляется для каждой текущей ветки набора предметов, используя жадную нижнюю оценку. </a:t>
+                  <a:t>ветвей и </a:t>
+                </a:r>
+                <a:r>
+                  <a:rPr lang="ru-RU" sz="2600" dirty="0" smtClean="0"/>
+                  <a:t>границ является модификацией полного перебора с исключением заведомо неоптимальных решений. </a:t>
+                </a:r>
+                <a:r>
+                  <a:rPr lang="ru-RU" sz="2600" dirty="0"/>
+                  <a:t>Нижняя граница вычисляется для каждой текущей ветки набора предметов, используя жадную нижнюю оценку. </a:t>
                 </a:r>
                 <a:endParaRPr lang="en-US" sz="2600" dirty="0" smtClean="0"/>
               </a:p>
@@ -10948,7 +11005,7 @@
             </p:txBody>
           </p:sp>
         </mc:Choice>
-        <mc:Fallback xmlns="">
+        <mc:Fallback>
           <p:sp>
             <p:nvSpPr>
               <p:cNvPr id="3" name="Content Placeholder 2"/>
@@ -10982,8 +11039,8 @@
           </p:sp>
         </mc:Fallback>
       </mc:AlternateContent>
-      <mc:AlternateContent xmlns:mc="http://schemas.openxmlformats.org/markup-compatibility/2006" xmlns:a14="http://schemas.microsoft.com/office/drawing/2010/main">
-        <mc:Choice Requires="a14">
+      <mc:AlternateContent xmlns:mc="http://schemas.openxmlformats.org/markup-compatibility/2006">
+        <mc:Choice xmlns:a14="http://schemas.microsoft.com/office/drawing/2010/main" Requires="a14">
           <p:sp>
             <p:nvSpPr>
               <p:cNvPr id="4" name="Content Placeholder 3"/>
@@ -10997,7 +11054,7 @@
             <p:spPr>
               <a:xfrm>
                 <a:off x="5956419" y="1027906"/>
-                <a:ext cx="5888052" cy="5456697"/>
+                <a:ext cx="6067514" cy="5456697"/>
               </a:xfrm>
             </p:spPr>
             <p:txBody>
@@ -11426,8 +11483,22 @@
                         <m:rPr>
                           <m:nor/>
                         </m:rPr>
-                        <a:rPr lang="en-US" sz="1900" dirty="0"/>
-                        <m:t> 1</m:t>
+                        <a:rPr lang="ru-RU" sz="1900" b="0" i="0" dirty="0" smtClean="0"/>
+                        <m:t>, </m:t>
+                      </m:r>
+                      <m:r>
+                        <m:rPr>
+                          <m:nor/>
+                        </m:rPr>
+                        <a:rPr lang="en-US" sz="1900" dirty="0" smtClean="0"/>
+                        <m:t>1</m:t>
+                      </m:r>
+                      <m:r>
+                        <m:rPr>
+                          <m:nor/>
+                        </m:rPr>
+                        <a:rPr lang="ru-RU" sz="1900" b="0" i="0" dirty="0" smtClean="0"/>
+                        <m:t>х по порядку</m:t>
                       </m:r>
                     </m:oMath>
                   </m:oMathPara>
@@ -11630,7 +11701,36 @@
                 </a:r>
                 <a:r>
                   <a:rPr lang="ru-RU" sz="1900" dirty="0" smtClean="0"/>
-                  <a:t> предметов 2 типа в рюкзаке с емкостью </a:t>
+                  <a:t> </a:t>
+                </a:r>
+                <a:r>
+                  <a:rPr lang="ru-RU" sz="1900" dirty="0" smtClean="0"/>
+                  <a:t>предметов, 2х </a:t>
+                </a:r>
+                <a14:m>
+                  <m:oMath xmlns:m="http://schemas.openxmlformats.org/officeDocument/2006/math">
+                    <m:r>
+                      <m:rPr>
+                        <m:nor/>
+                      </m:rPr>
+                      <a:rPr lang="ru-RU" sz="1900" dirty="0"/>
+                      <m:t>по порядку</m:t>
+                    </m:r>
+                  </m:oMath>
+                </a14:m>
+                <a:endParaRPr lang="ru-RU" sz="1900" dirty="0"/>
+              </a:p>
+              <a:p>
+                <a:pPr marL="0" indent="0" algn="ctr">
+                  <a:buNone/>
+                </a:pPr>
+                <a:r>
+                  <a:rPr lang="ru-RU" sz="1900" dirty="0" smtClean="0"/>
+                  <a:t>в </a:t>
+                </a:r>
+                <a:r>
+                  <a:rPr lang="ru-RU" sz="1900" dirty="0" smtClean="0"/>
+                  <a:t>рюкзаке с емкостью </a:t>
                 </a:r>
                 <a14:m>
                   <m:oMath xmlns:m="http://schemas.openxmlformats.org/officeDocument/2006/math">
@@ -12072,23 +12172,30 @@
                 </a:r>
                 <a:r>
                   <a:rPr lang="ru-RU" sz="1900" dirty="0" smtClean="0"/>
-                  <a:t>предметов </a:t>
+                  <a:t>предметов, 1х </a:t>
+                </a:r>
+                <a14:m>
+                  <m:oMath xmlns:m="http://schemas.openxmlformats.org/officeDocument/2006/math">
+                    <m:r>
+                      <m:rPr>
+                        <m:nor/>
+                      </m:rPr>
+                      <a:rPr lang="ru-RU" sz="1900" dirty="0"/>
+                      <m:t>по порядку</m:t>
+                    </m:r>
+                  </m:oMath>
+                </a14:m>
+                <a:r>
+                  <a:rPr lang="ru-RU" sz="1900" dirty="0" smtClean="0"/>
+                  <a:t> </a:t>
                 </a:r>
                 <a:r>
                   <a:rPr lang="ru-RU" sz="1900" dirty="0"/>
-                  <a:t>типа 1 и оставшуюся емкость с </a:t>
+                  <a:t>и оставшуюся емкость с </a:t>
                 </a:r>
                 <a:r>
                   <a:rPr lang="ru-RU" sz="1900" dirty="0" smtClean="0"/>
-                  <a:t>предметами </a:t>
-                </a:r>
-                <a:r>
-                  <a:rPr lang="ru-RU" sz="1900" dirty="0"/>
-                  <a:t>типа </a:t>
-                </a:r>
-                <a:r>
-                  <a:rPr lang="ru-RU" sz="1900" dirty="0" smtClean="0"/>
-                  <a:t>2</a:t>
+                  <a:t>предметами, 2ми по порядку</a:t>
                 </a:r>
                 <a:endParaRPr lang="en-US" sz="1900" dirty="0" smtClean="0"/>
               </a:p>
@@ -12398,14 +12505,18 @@
                   <a:buNone/>
                 </a:pPr>
                 <a:r>
-                  <a:rPr lang="ru-RU" sz="2100" dirty="0" smtClean="0"/>
+                  <a:rPr lang="ru-RU" sz="1900" dirty="0" smtClean="0"/>
                   <a:t>– </a:t>
                 </a:r>
                 <a:r>
-                  <a:rPr lang="ru-RU" sz="2100" dirty="0"/>
-                  <a:t>это прибыль, полученная использованием оставшейся емкости с предметом 3-его типа</a:t>
+                  <a:rPr lang="ru-RU" sz="1900" dirty="0"/>
+                  <a:t>это прибыль, полученная использованием оставшейся емкости с </a:t>
                 </a:r>
-                <a:endParaRPr lang="ru-RU" sz="2400" b="1" dirty="0">
+                <a:r>
+                  <a:rPr lang="ru-RU" sz="1900" dirty="0" smtClean="0"/>
+                  <a:t>предметом, 3м по порядку</a:t>
+                </a:r>
+                <a:endParaRPr lang="ru-RU" sz="2100" b="1" dirty="0">
                   <a:solidFill>
                     <a:schemeClr val="accent5">
                       <a:lumMod val="75000"/>
@@ -13030,7 +13141,15 @@
                 </a:r>
                 <a:r>
                   <a:rPr lang="ru-RU" sz="1900" dirty="0"/>
-                  <a:t>значение удаления некоторых предметов 1-ого типа из решения полученного из </a:t>
+                  <a:t>значение удаления некоторых </a:t>
+                </a:r>
+                <a:r>
+                  <a:rPr lang="ru-RU" sz="1900" dirty="0" smtClean="0"/>
+                  <a:t>1х предметов из </a:t>
+                </a:r>
+                <a:r>
+                  <a:rPr lang="ru-RU" sz="1900" dirty="0"/>
+                  <a:t>решения полученного из </a:t>
                 </a:r>
                 <a14:m>
                   <m:oMath xmlns:m="http://schemas.openxmlformats.org/officeDocument/2006/math">
@@ -13063,14 +13182,18 @@
                 </a14:m>
                 <a:r>
                   <a:rPr lang="ru-RU" sz="1900" dirty="0"/>
-                  <a:t> и замены их предметами 2-ого типа</a:t>
+                  <a:t> и замены </a:t>
+                </a:r>
+                <a:r>
+                  <a:rPr lang="ru-RU" sz="1900" dirty="0" smtClean="0"/>
+                  <a:t>их 2ми предметами</a:t>
                 </a:r>
                 <a:endParaRPr lang="ru-RU" sz="1900" b="1" dirty="0"/>
               </a:p>
             </p:txBody>
           </p:sp>
         </mc:Choice>
-        <mc:Fallback xmlns="">
+        <mc:Fallback>
           <p:sp>
             <p:nvSpPr>
               <p:cNvPr id="4" name="Content Placeholder 3"/>
@@ -13084,12 +13207,12 @@
             <p:spPr>
               <a:xfrm>
                 <a:off x="5956419" y="1027906"/>
-                <a:ext cx="5888052" cy="5456697"/>
+                <a:ext cx="6067514" cy="5456697"/>
               </a:xfrm>
               <a:blipFill rotWithShape="0">
                 <a:blip r:embed="rId4"/>
                 <a:stretch>
-                  <a:fillRect/>
+                  <a:fillRect l="-101" r="-402" b="-1117"/>
                 </a:stretch>
               </a:blipFill>
             </p:spPr>
@@ -14201,8 +14324,8 @@
           <a:chExt cx="0" cy="0"/>
         </a:xfrm>
       </p:grpSpPr>
-      <mc:AlternateContent xmlns:mc="http://schemas.openxmlformats.org/markup-compatibility/2006" xmlns:a14="http://schemas.microsoft.com/office/drawing/2010/main">
-        <mc:Choice Requires="a14">
+      <mc:AlternateContent xmlns:mc="http://schemas.openxmlformats.org/markup-compatibility/2006">
+        <mc:Choice xmlns:a14="http://schemas.microsoft.com/office/drawing/2010/main" Requires="a14">
           <p:sp>
             <p:nvSpPr>
               <p:cNvPr id="3" name="Content Placeholder 2"/>
@@ -14462,7 +14585,37 @@
                       </a:schemeClr>
                     </a:solidFill>
                   </a:rPr>
-                  <a:t>Задачи с слабой корреляцией </a:t>
+                  <a:t>Задачи с</a:t>
+                </a:r>
+                <a:r>
+                  <a:rPr lang="ru-RU" sz="2400" b="1" dirty="0">
+                    <a:solidFill>
+                      <a:schemeClr val="accent5">
+                        <a:lumMod val="75000"/>
+                      </a:schemeClr>
+                    </a:solidFill>
+                  </a:rPr>
+                  <a:t>о</a:t>
+                </a:r>
+                <a:r>
+                  <a:rPr lang="ru-RU" sz="2400" b="1" dirty="0" smtClean="0">
+                    <a:solidFill>
+                      <a:schemeClr val="accent5">
+                        <a:lumMod val="75000"/>
+                      </a:schemeClr>
+                    </a:solidFill>
+                  </a:rPr>
+                  <a:t> </a:t>
+                </a:r>
+                <a:r>
+                  <a:rPr lang="ru-RU" sz="2400" b="1" dirty="0" smtClean="0">
+                    <a:solidFill>
+                      <a:schemeClr val="accent5">
+                        <a:lumMod val="75000"/>
+                      </a:schemeClr>
+                    </a:solidFill>
+                  </a:rPr>
+                  <a:t>слабой корреляцией </a:t>
                 </a:r>
                 <a:r>
                   <a:rPr lang="ru-RU" sz="1600" dirty="0" smtClean="0"/>
@@ -15615,7 +15768,7 @@
             </p:txBody>
           </p:sp>
         </mc:Choice>
-        <mc:Fallback xmlns="">
+        <mc:Fallback>
           <p:sp>
             <p:nvSpPr>
               <p:cNvPr id="3" name="Content Placeholder 2"/>
@@ -18177,8 +18330,8 @@
           </a:p>
         </p:txBody>
       </p:sp>
-      <mc:AlternateContent xmlns:mc="http://schemas.openxmlformats.org/markup-compatibility/2006" xmlns:a14="http://schemas.microsoft.com/office/drawing/2010/main">
-        <mc:Choice Requires="a14">
+      <mc:AlternateContent xmlns:mc="http://schemas.openxmlformats.org/markup-compatibility/2006">
+        <mc:Choice xmlns:a14="http://schemas.microsoft.com/office/drawing/2010/main" Requires="a14">
           <p:graphicFrame>
             <p:nvGraphicFramePr>
               <p:cNvPr id="3" name="Table 2"/>
@@ -18188,7 +18341,7 @@
               <p:nvPr>
                 <p:extLst>
                   <p:ext uri="{D42A27DB-BD31-4B8C-83A1-F6EECF244321}">
-                    <p14:modId xmlns:p14="http://schemas.microsoft.com/office/powerpoint/2010/main" val="3918765354"/>
+                    <p14:modId xmlns:p14="http://schemas.microsoft.com/office/powerpoint/2010/main" val="1085576201"/>
                   </p:ext>
                 </p:extLst>
               </p:nvPr>
@@ -18249,7 +18402,7 @@
                                 </a:schemeClr>
                               </a:solidFill>
                             </a:rPr>
-                            <a:t>с</a:t>
+                            <a:t>со</a:t>
                           </a:r>
                           <a:r>
                             <a:rPr lang="ru-RU" sz="2000" b="1" baseline="0" dirty="0" smtClean="0">
@@ -18392,7 +18545,7 @@
             </a:graphic>
           </p:graphicFrame>
         </mc:Choice>
-        <mc:Fallback xmlns="">
+        <mc:Fallback>
           <p:graphicFrame>
             <p:nvGraphicFramePr>
               <p:cNvPr id="3" name="Table 2"/>
@@ -18402,7 +18555,7 @@
               <p:nvPr>
                 <p:extLst>
                   <p:ext uri="{D42A27DB-BD31-4B8C-83A1-F6EECF244321}">
-                    <p14:modId xmlns:p14="http://schemas.microsoft.com/office/powerpoint/2010/main" val="3918765354"/>
+                    <p14:modId xmlns:p14="http://schemas.microsoft.com/office/powerpoint/2010/main" val="1085576201"/>
                   </p:ext>
                 </p:extLst>
               </p:nvPr>
@@ -18463,7 +18616,7 @@
                                 </a:schemeClr>
                               </a:solidFill>
                             </a:rPr>
-                            <a:t>с</a:t>
+                            <a:t>со</a:t>
                           </a:r>
                           <a:r>
                             <a:rPr lang="ru-RU" sz="2000" b="1" baseline="0" dirty="0" smtClean="0">
@@ -19007,8 +19160,8 @@
           </a:p>
         </p:txBody>
       </p:sp>
-      <mc:AlternateContent xmlns:mc="http://schemas.openxmlformats.org/markup-compatibility/2006" xmlns:a14="http://schemas.microsoft.com/office/drawing/2010/main">
-        <mc:Choice Requires="a14">
+      <mc:AlternateContent xmlns:mc="http://schemas.openxmlformats.org/markup-compatibility/2006">
+        <mc:Choice xmlns:a14="http://schemas.microsoft.com/office/drawing/2010/main" Requires="a14">
           <p:sp>
             <p:nvSpPr>
               <p:cNvPr id="3" name="Content Placeholder 2"/>
@@ -19046,7 +19199,19 @@
                 </a:pPr>
                 <a:r>
                   <a:rPr lang="ru-RU" sz="3800" dirty="0"/>
-                  <a:t>Среди всех алгоритмов для каждого экземпляра класса находятся:</a:t>
+                  <a:t>Среди всех алгоритмов для каждого экземпляра </a:t>
+                </a:r>
+                <a:r>
+                  <a:rPr lang="ru-RU" sz="3800" dirty="0" smtClean="0"/>
+                  <a:t>задачи </a:t>
+                </a:r>
+                <a:r>
+                  <a:rPr lang="ru-RU" sz="3800" dirty="0" smtClean="0"/>
+                  <a:t>класса </a:t>
+                </a:r>
+                <a:r>
+                  <a:rPr lang="ru-RU" sz="3800" dirty="0"/>
+                  <a:t>находятся:</a:t>
                 </a:r>
               </a:p>
               <a:p>
@@ -19112,7 +19277,31 @@
                 </a:r>
                 <a:r>
                   <a:rPr lang="ru-RU" sz="3800" dirty="0"/>
-                  <a:t>всех лучших алгоритмов для текущего экземпляра задачи выбираются лучшие алгоритмы для конкретного класса задач по максимальному количеству минимальных медиан времени выполнения и максимальному количеству минимальных средний отклонений</a:t>
+                  <a:t>всех лучших алгоритмов для </a:t>
+                </a:r>
+                <a:r>
+                  <a:rPr lang="ru-RU" sz="3800" dirty="0" smtClean="0"/>
+                  <a:t>экземпляров задач класса </a:t>
+                </a:r>
+                <a:r>
+                  <a:rPr lang="ru-RU" sz="3800" dirty="0"/>
+                  <a:t>выбираются лучшие алгоритмы для </a:t>
+                </a:r>
+                <a:r>
+                  <a:rPr lang="ru-RU" sz="3800" dirty="0" smtClean="0"/>
+                  <a:t>всего </a:t>
+                </a:r>
+                <a:r>
+                  <a:rPr lang="ru-RU" sz="3800" dirty="0"/>
+                  <a:t>класса </a:t>
+                </a:r>
+                <a:r>
+                  <a:rPr lang="ru-RU" sz="3800" dirty="0" smtClean="0"/>
+                  <a:t>по </a:t>
+                </a:r>
+                <a:r>
+                  <a:rPr lang="ru-RU" sz="3800" dirty="0"/>
+                  <a:t>максимальному количеству минимальных медиан времени выполнения и максимальному количеству минимальных средний отклонений</a:t>
                 </a:r>
                 <a:r>
                   <a:rPr lang="ru-RU" sz="3800" dirty="0" smtClean="0"/>
@@ -19244,7 +19433,7 @@
             </p:txBody>
           </p:sp>
         </mc:Choice>
-        <mc:Fallback xmlns="">
+        <mc:Fallback>
           <p:sp>
             <p:nvSpPr>
               <p:cNvPr id="3" name="Content Placeholder 2"/>
@@ -19708,7 +19897,27 @@
                   </a:schemeClr>
                 </a:solidFill>
               </a:rPr>
-              <a:t>подсуммами и с слабой корреляцией </a:t>
+              <a:t>подсуммами и </a:t>
+            </a:r>
+            <a:r>
+              <a:rPr lang="ru-RU" sz="8000" b="1" dirty="0" smtClean="0">
+                <a:solidFill>
+                  <a:schemeClr val="accent5">
+                    <a:lumMod val="75000"/>
+                  </a:schemeClr>
+                </a:solidFill>
+              </a:rPr>
+              <a:t>со </a:t>
+            </a:r>
+            <a:r>
+              <a:rPr lang="ru-RU" sz="8000" b="1" dirty="0">
+                <a:solidFill>
+                  <a:schemeClr val="accent5">
+                    <a:lumMod val="75000"/>
+                  </a:schemeClr>
+                </a:solidFill>
+              </a:rPr>
+              <a:t>слабой корреляцией </a:t>
             </a:r>
             <a:r>
               <a:rPr lang="ru-RU" sz="8000" b="1" dirty="0" smtClean="0">
@@ -19976,7 +20185,7 @@
           <p:nvPr>
             <p:extLst>
               <p:ext uri="{D42A27DB-BD31-4B8C-83A1-F6EECF244321}">
-                <p14:modId xmlns:p14="http://schemas.microsoft.com/office/powerpoint/2010/main" val="1204795776"/>
+                <p14:modId xmlns:p14="http://schemas.microsoft.com/office/powerpoint/2010/main" val="3837305050"/>
               </p:ext>
             </p:extLst>
           </p:nvPr>
@@ -20709,7 +20918,7 @@
                           </a:solidFill>
                           <a:effectLst/>
                         </a:rPr>
-                        <a:t>с </a:t>
+                        <a:t>со </a:t>
                       </a:r>
                       <a:r>
                         <a:rPr lang="ru-RU" sz="1400" b="0" dirty="0">
@@ -21668,7 +21877,7 @@
           <p:nvPr>
             <p:extLst>
               <p:ext uri="{D42A27DB-BD31-4B8C-83A1-F6EECF244321}">
-                <p14:modId xmlns:p14="http://schemas.microsoft.com/office/powerpoint/2010/main" val="4181968757"/>
+                <p14:modId xmlns:p14="http://schemas.microsoft.com/office/powerpoint/2010/main" val="1763620127"/>
               </p:ext>
             </p:extLst>
           </p:nvPr>
@@ -22323,7 +22532,7 @@
                           <a:ea typeface="Calibri" panose="020F0502020204030204" pitchFamily="34" charset="0"/>
                           <a:cs typeface="Times New Roman" panose="02020603050405020304" pitchFamily="18" charset="0"/>
                         </a:rPr>
-                        <a:t>с </a:t>
+                        <a:t>со </a:t>
                       </a:r>
                       <a:r>
                         <a:rPr lang="ru-RU" sz="1400" b="0" dirty="0">
@@ -23209,8 +23418,8 @@
           </a:p>
         </p:txBody>
       </p:sp>
-      <mc:AlternateContent xmlns:mc="http://schemas.openxmlformats.org/markup-compatibility/2006" xmlns:a14="http://schemas.microsoft.com/office/drawing/2010/main">
-        <mc:Choice Requires="a14">
+      <mc:AlternateContent xmlns:mc="http://schemas.openxmlformats.org/markup-compatibility/2006">
+        <mc:Choice xmlns:a14="http://schemas.microsoft.com/office/drawing/2010/main" Requires="a14">
           <p:graphicFrame>
             <p:nvGraphicFramePr>
               <p:cNvPr id="8" name="Content Placeholder 7"/>
@@ -23221,7 +23430,7 @@
                 <p:ph sz="half" idx="1"/>
                 <p:extLst>
                   <p:ext uri="{D42A27DB-BD31-4B8C-83A1-F6EECF244321}">
-                    <p14:modId xmlns:p14="http://schemas.microsoft.com/office/powerpoint/2010/main" val="2339098842"/>
+                    <p14:modId xmlns:p14="http://schemas.microsoft.com/office/powerpoint/2010/main" val="1826369147"/>
                   </p:ext>
                 </p:extLst>
               </p:nvPr>
@@ -23413,7 +23622,7 @@
                               <a:ea typeface="Calibri" panose="020F0502020204030204" pitchFamily="34" charset="0"/>
                               <a:cs typeface="Times New Roman" panose="02020603050405020304" pitchFamily="18" charset="0"/>
                             </a:rPr>
-                            <a:t>с </a:t>
+                            <a:t>со </a:t>
                           </a:r>
                           <a:r>
                             <a:rPr lang="ru-RU" sz="1200" b="0" dirty="0">
@@ -24405,7 +24614,7 @@
             </a:graphic>
           </p:graphicFrame>
         </mc:Choice>
-        <mc:Fallback xmlns="">
+        <mc:Fallback>
           <p:graphicFrame>
             <p:nvGraphicFramePr>
               <p:cNvPr id="8" name="Content Placeholder 7"/>
@@ -24416,7 +24625,7 @@
                 <p:ph sz="half" idx="1"/>
                 <p:extLst>
                   <p:ext uri="{D42A27DB-BD31-4B8C-83A1-F6EECF244321}">
-                    <p14:modId xmlns:p14="http://schemas.microsoft.com/office/powerpoint/2010/main" val="2339098842"/>
+                    <p14:modId xmlns:p14="http://schemas.microsoft.com/office/powerpoint/2010/main" val="1826369147"/>
                   </p:ext>
                 </p:extLst>
               </p:nvPr>
@@ -24608,7 +24817,7 @@
                               <a:ea typeface="Calibri" panose="020F0502020204030204" pitchFamily="34" charset="0"/>
                               <a:cs typeface="Times New Roman" panose="02020603050405020304" pitchFamily="18" charset="0"/>
                             </a:rPr>
-                            <a:t>с </a:t>
+                            <a:t>со </a:t>
                           </a:r>
                           <a:r>
                             <a:rPr lang="ru-RU" sz="1200" b="0" dirty="0">
@@ -25569,8 +25778,8 @@
           </a:p>
         </p:txBody>
       </p:sp>
-      <mc:AlternateContent xmlns:mc="http://schemas.openxmlformats.org/markup-compatibility/2006" xmlns:a14="http://schemas.microsoft.com/office/drawing/2010/main">
-        <mc:Choice Requires="a14">
+      <mc:AlternateContent xmlns:mc="http://schemas.openxmlformats.org/markup-compatibility/2006">
+        <mc:Choice xmlns:a14="http://schemas.microsoft.com/office/drawing/2010/main" Requires="a14">
           <p:sp>
             <p:nvSpPr>
               <p:cNvPr id="10" name="Content Placeholder 2"/>
@@ -25719,8 +25928,8 @@
                   <a:t>задач </a:t>
                 </a:r>
                 <a:r>
-                  <a:rPr lang="ru-RU" sz="2900" dirty="0"/>
-                  <a:t>с </a:t>
+                  <a:rPr lang="ru-RU" sz="2900" dirty="0" smtClean="0"/>
+                  <a:t>со </a:t>
                 </a:r>
                 <a:r>
                   <a:rPr lang="ru-RU" sz="2900" b="1" dirty="0">
@@ -25950,7 +26159,7 @@
             </p:txBody>
           </p:sp>
         </mc:Choice>
-        <mc:Fallback xmlns="">
+        <mc:Fallback>
           <p:sp>
             <p:nvSpPr>
               <p:cNvPr id="10" name="Content Placeholder 2"/>
@@ -26121,8 +26330,8 @@
           </a:p>
         </p:txBody>
       </p:sp>
-      <mc:AlternateContent xmlns:mc="http://schemas.openxmlformats.org/markup-compatibility/2006" xmlns:a14="http://schemas.microsoft.com/office/drawing/2010/main">
-        <mc:Choice Requires="a14">
+      <mc:AlternateContent xmlns:mc="http://schemas.openxmlformats.org/markup-compatibility/2006">
+        <mc:Choice xmlns:a14="http://schemas.microsoft.com/office/drawing/2010/main" Requires="a14">
           <p:graphicFrame>
             <p:nvGraphicFramePr>
               <p:cNvPr id="3" name="Table 2"/>
@@ -26132,7 +26341,7 @@
               <p:nvPr>
                 <p:extLst>
                   <p:ext uri="{D42A27DB-BD31-4B8C-83A1-F6EECF244321}">
-                    <p14:modId xmlns:p14="http://schemas.microsoft.com/office/powerpoint/2010/main" val="3400946240"/>
+                    <p14:modId xmlns:p14="http://schemas.microsoft.com/office/powerpoint/2010/main" val="2955585692"/>
                   </p:ext>
                 </p:extLst>
               </p:nvPr>
@@ -26324,7 +26533,7 @@
                               <a:ea typeface="Calibri" panose="020F0502020204030204" pitchFamily="34" charset="0"/>
                               <a:cs typeface="Times New Roman" panose="02020603050405020304" pitchFamily="18" charset="0"/>
                             </a:rPr>
-                            <a:t>с </a:t>
+                            <a:t>со </a:t>
                           </a:r>
                           <a:r>
                             <a:rPr lang="ru-RU" sz="1200" b="0" dirty="0">
@@ -27316,7 +27525,7 @@
             </a:graphic>
           </p:graphicFrame>
         </mc:Choice>
-        <mc:Fallback xmlns="">
+        <mc:Fallback>
           <p:graphicFrame>
             <p:nvGraphicFramePr>
               <p:cNvPr id="3" name="Table 2"/>
@@ -27326,7 +27535,7 @@
               <p:nvPr>
                 <p:extLst>
                   <p:ext uri="{D42A27DB-BD31-4B8C-83A1-F6EECF244321}">
-                    <p14:modId xmlns:p14="http://schemas.microsoft.com/office/powerpoint/2010/main" val="3400946240"/>
+                    <p14:modId xmlns:p14="http://schemas.microsoft.com/office/powerpoint/2010/main" val="2955585692"/>
                   </p:ext>
                 </p:extLst>
               </p:nvPr>
@@ -27518,7 +27727,7 @@
                               <a:ea typeface="Calibri" panose="020F0502020204030204" pitchFamily="34" charset="0"/>
                               <a:cs typeface="Times New Roman" panose="02020603050405020304" pitchFamily="18" charset="0"/>
                             </a:rPr>
-                            <a:t>с </a:t>
+                            <a:t>со </a:t>
                           </a:r>
                           <a:r>
                             <a:rPr lang="ru-RU" sz="1200" b="0" dirty="0">
@@ -28516,8 +28725,8 @@
           </a:p>
         </p:txBody>
       </p:sp>
-      <mc:AlternateContent xmlns:mc="http://schemas.openxmlformats.org/markup-compatibility/2006" xmlns:a14="http://schemas.microsoft.com/office/drawing/2010/main">
-        <mc:Choice Requires="a14">
+      <mc:AlternateContent xmlns:mc="http://schemas.openxmlformats.org/markup-compatibility/2006">
+        <mc:Choice xmlns:a14="http://schemas.microsoft.com/office/drawing/2010/main" Requires="a14">
           <p:graphicFrame>
             <p:nvGraphicFramePr>
               <p:cNvPr id="9" name="Table 8"/>
@@ -28527,7 +28736,7 @@
               <p:nvPr>
                 <p:extLst>
                   <p:ext uri="{D42A27DB-BD31-4B8C-83A1-F6EECF244321}">
-                    <p14:modId xmlns:p14="http://schemas.microsoft.com/office/powerpoint/2010/main" val="963604755"/>
+                    <p14:modId xmlns:p14="http://schemas.microsoft.com/office/powerpoint/2010/main" val="658497711"/>
                   </p:ext>
                 </p:extLst>
               </p:nvPr>
@@ -29434,7 +29643,7 @@
                               </a:solidFill>
                               <a:effectLst/>
                             </a:rPr>
-                            <a:t>с </a:t>
+                            <a:t>со </a:t>
                           </a:r>
                           <a:r>
                             <a:rPr lang="ru-RU" sz="1400" b="0" dirty="0">
@@ -31405,7 +31614,7 @@
             </a:graphic>
           </p:graphicFrame>
         </mc:Choice>
-        <mc:Fallback xmlns="">
+        <mc:Fallback>
           <p:graphicFrame>
             <p:nvGraphicFramePr>
               <p:cNvPr id="9" name="Table 8"/>
@@ -31415,7 +31624,7 @@
               <p:nvPr>
                 <p:extLst>
                   <p:ext uri="{D42A27DB-BD31-4B8C-83A1-F6EECF244321}">
-                    <p14:modId xmlns:p14="http://schemas.microsoft.com/office/powerpoint/2010/main" val="963604755"/>
+                    <p14:modId xmlns:p14="http://schemas.microsoft.com/office/powerpoint/2010/main" val="658497711"/>
                   </p:ext>
                 </p:extLst>
               </p:nvPr>
@@ -32179,7 +32388,7 @@
                               </a:solidFill>
                               <a:effectLst/>
                             </a:rPr>
-                            <a:t>с </a:t>
+                            <a:t>со </a:t>
                           </a:r>
                           <a:r>
                             <a:rPr lang="ru-RU" sz="1400" b="0" dirty="0">
@@ -33665,8 +33874,8 @@
           </p:graphicFrame>
         </mc:Fallback>
       </mc:AlternateContent>
-      <mc:AlternateContent xmlns:mc="http://schemas.openxmlformats.org/markup-compatibility/2006" xmlns:a14="http://schemas.microsoft.com/office/drawing/2010/main">
-        <mc:Choice Requires="a14">
+      <mc:AlternateContent xmlns:mc="http://schemas.openxmlformats.org/markup-compatibility/2006">
+        <mc:Choice xmlns:a14="http://schemas.microsoft.com/office/drawing/2010/main" Requires="a14">
           <p:graphicFrame>
             <p:nvGraphicFramePr>
               <p:cNvPr id="10" name="Table 9"/>
@@ -33676,7 +33885,7 @@
               <p:nvPr>
                 <p:extLst>
                   <p:ext uri="{D42A27DB-BD31-4B8C-83A1-F6EECF244321}">
-                    <p14:modId xmlns:p14="http://schemas.microsoft.com/office/powerpoint/2010/main" val="2759901175"/>
+                    <p14:modId xmlns:p14="http://schemas.microsoft.com/office/powerpoint/2010/main" val="1807078839"/>
                   </p:ext>
                 </p:extLst>
               </p:nvPr>
@@ -34601,7 +34810,7 @@
                               <a:ea typeface="Calibri" panose="020F0502020204030204" pitchFamily="34" charset="0"/>
                               <a:cs typeface="Times New Roman" panose="02020603050405020304" pitchFamily="18" charset="0"/>
                             </a:rPr>
-                            <a:t>с </a:t>
+                            <a:t>со </a:t>
                           </a:r>
                           <a:r>
                             <a:rPr lang="ru-RU" sz="1400" b="0" dirty="0">
@@ -36569,7 +36778,7 @@
             </a:graphic>
           </p:graphicFrame>
         </mc:Choice>
-        <mc:Fallback xmlns="">
+        <mc:Fallback>
           <p:graphicFrame>
             <p:nvGraphicFramePr>
               <p:cNvPr id="10" name="Table 9"/>
@@ -36579,7 +36788,7 @@
               <p:nvPr>
                 <p:extLst>
                   <p:ext uri="{D42A27DB-BD31-4B8C-83A1-F6EECF244321}">
-                    <p14:modId xmlns:p14="http://schemas.microsoft.com/office/powerpoint/2010/main" val="2759901175"/>
+                    <p14:modId xmlns:p14="http://schemas.microsoft.com/office/powerpoint/2010/main" val="1807078839"/>
                   </p:ext>
                 </p:extLst>
               </p:nvPr>
@@ -37340,7 +37549,7 @@
                               <a:ea typeface="Calibri" panose="020F0502020204030204" pitchFamily="34" charset="0"/>
                               <a:cs typeface="Times New Roman" panose="02020603050405020304" pitchFamily="18" charset="0"/>
                             </a:rPr>
-                            <a:t>с </a:t>
+                            <a:t>со </a:t>
                           </a:r>
                           <a:r>
                             <a:rPr lang="ru-RU" sz="1400" b="0" dirty="0">
@@ -39792,14 +40001,15 @@
             <a:spLocks noGrp="1"/>
           </p:cNvSpPr>
           <p:nvPr>
-            <p:ph type="ctrTitle"/>
+            <p:ph type="title"/>
           </p:nvPr>
         </p:nvSpPr>
         <p:spPr/>
         <p:txBody>
-          <a:bodyPr/>
+          <a:bodyPr anchor="ctr"/>
           <a:lstStyle/>
           <a:p>
+            <a:pPr algn="ctr"/>
             <a:r>
               <a:rPr lang="ru-RU" b="1" dirty="0" smtClean="0">
                 <a:solidFill>
@@ -39810,26 +40020,75 @@
               </a:rPr>
               <a:t>Заключение</a:t>
             </a:r>
-            <a:endParaRPr lang="ru-RU" b="1" dirty="0">
-              <a:solidFill>
-                <a:schemeClr val="accent5">
-                  <a:lumMod val="75000"/>
-                </a:schemeClr>
-              </a:solidFill>
-            </a:endParaRPr>
+            <a:endParaRPr lang="ru-RU" dirty="0"/>
+          </a:p>
+        </p:txBody>
+      </p:sp>
+      <p:sp>
+        <p:nvSpPr>
+          <p:cNvPr id="4" name="Footer Placeholder 3"/>
+          <p:cNvSpPr>
+            <a:spLocks noGrp="1"/>
+          </p:cNvSpPr>
+          <p:nvPr>
+            <p:ph type="ftr" sz="quarter" idx="11"/>
+          </p:nvPr>
+        </p:nvSpPr>
+        <p:spPr/>
+        <p:txBody>
+          <a:bodyPr/>
+          <a:lstStyle/>
+          <a:p>
+            <a:r>
+              <a:rPr lang="ru-RU" dirty="0" smtClean="0"/>
+              <a:t>Шуланкина Е. В. " Исследование подходов к решению задачи о 0-1 рюкзаке и задачи о неограниченном рюкзаке"</a:t>
+            </a:r>
+            <a:endParaRPr lang="en-US" dirty="0"/>
+          </a:p>
+        </p:txBody>
+      </p:sp>
+      <p:sp>
+        <p:nvSpPr>
+          <p:cNvPr id="5" name="Slide Number Placeholder 4"/>
+          <p:cNvSpPr>
+            <a:spLocks noGrp="1"/>
+          </p:cNvSpPr>
+          <p:nvPr>
+            <p:ph type="sldNum" sz="quarter" idx="12"/>
+          </p:nvPr>
+        </p:nvSpPr>
+        <p:spPr/>
+        <p:txBody>
+          <a:bodyPr/>
+          <a:lstStyle/>
+          <a:p>
+            <a:fld id="{D57F1E4F-1CFF-5643-939E-217C01CDF565}" type="slidenum">
+              <a:rPr lang="en-US" smtClean="0"/>
+              <a:pPr/>
+              <a:t>37</a:t>
+            </a:fld>
+            <a:endParaRPr lang="en-US" dirty="0"/>
           </a:p>
         </p:txBody>
       </p:sp>
     </p:spTree>
     <p:extLst>
       <p:ext uri="{BB962C8B-B14F-4D97-AF65-F5344CB8AC3E}">
-        <p14:creationId xmlns:p14="http://schemas.microsoft.com/office/powerpoint/2010/main" val="1883362810"/>
+        <p14:creationId xmlns:p14="http://schemas.microsoft.com/office/powerpoint/2010/main" val="127014901"/>
       </p:ext>
     </p:extLst>
   </p:cSld>
   <p:clrMapOvr>
     <a:masterClrMapping/>
   </p:clrMapOvr>
+  <mc:AlternateContent xmlns:mc="http://schemas.openxmlformats.org/markup-compatibility/2006" xmlns:p14="http://schemas.microsoft.com/office/powerpoint/2010/main">
+    <mc:Choice Requires="p14">
+      <p:transition spd="slow" p14:dur="2000"/>
+    </mc:Choice>
+    <mc:Fallback xmlns="">
+      <p:transition spd="slow"/>
+    </mc:Fallback>
+  </mc:AlternateContent>
   <p:timing>
     <p:tnLst>
       <p:par>
@@ -39962,15 +40221,7 @@
             </a:pPr>
             <a:r>
               <a:rPr lang="ru-RU" sz="2000" smtClean="0"/>
-              <a:t>Проведен</a:t>
-            </a:r>
-            <a:r>
-              <a:rPr lang="ru-RU" sz="2000" smtClean="0"/>
-              <a:t>ы эксперименты </a:t>
-            </a:r>
-            <a:r>
-              <a:rPr lang="ru-RU" sz="2000" smtClean="0"/>
-              <a:t>по </a:t>
+              <a:t>Проведены эксперименты по </a:t>
             </a:r>
             <a:r>
               <a:rPr lang="ru-RU" sz="2000" dirty="0" smtClean="0"/>
@@ -40347,6 +40598,34 @@
           </a:p>
         </p:txBody>
       </p:sp>
+      <p:sp>
+        <p:nvSpPr>
+          <p:cNvPr id="3" name="Footer Placeholder 3"/>
+          <p:cNvSpPr>
+            <a:spLocks noGrp="1"/>
+          </p:cNvSpPr>
+          <p:nvPr>
+            <p:ph type="ftr" sz="quarter" idx="11"/>
+          </p:nvPr>
+        </p:nvSpPr>
+        <p:spPr>
+          <a:xfrm>
+            <a:off x="4038600" y="6356350"/>
+            <a:ext cx="4114800" cy="365125"/>
+          </a:xfrm>
+        </p:spPr>
+        <p:txBody>
+          <a:bodyPr/>
+          <a:lstStyle/>
+          <a:p>
+            <a:r>
+              <a:rPr lang="ru-RU" dirty="0" smtClean="0"/>
+              <a:t>Шуланкина Е. В. " Исследование подходов к решению задачи о 0-1 рюкзаке и задачи о неограниченном рюкзаке"</a:t>
+            </a:r>
+            <a:endParaRPr lang="en-US" dirty="0"/>
+          </a:p>
+        </p:txBody>
+      </p:sp>
     </p:spTree>
     <p:extLst>
       <p:ext uri="{BB962C8B-B14F-4D97-AF65-F5344CB8AC3E}">
@@ -40427,15 +40706,7 @@
             </a:r>
             <a:r>
               <a:rPr lang="ru-RU" dirty="0" smtClean="0"/>
-              <a:t>(среди исследуемых) </a:t>
-            </a:r>
-            <a:r>
-              <a:rPr lang="ru-RU" dirty="0"/>
-              <a:t>алгоритма </a:t>
-            </a:r>
-            <a:r>
-              <a:rPr lang="ru-RU" dirty="0" smtClean="0"/>
-              <a:t>решения </a:t>
+              <a:t>(среди исследуемых) алгоритма решения </a:t>
             </a:r>
             <a:r>
               <a:rPr lang="ru-RU" dirty="0"/>
